--- a/PresentationTextMining.pptx
+++ b/PresentationTextMining.pptx
@@ -6,7 +6,13 @@
   </p:sldMasterIdLst>
   <p:sldIdLst>
     <p:sldId id="256" r:id="rId2"/>
-    <p:sldId id="258" r:id="rId3"/>
+    <p:sldId id="260" r:id="rId3"/>
+    <p:sldId id="262" r:id="rId4"/>
+    <p:sldId id="259" r:id="rId5"/>
+    <p:sldId id="261" r:id="rId6"/>
+    <p:sldId id="263" r:id="rId7"/>
+    <p:sldId id="264" r:id="rId8"/>
+    <p:sldId id="265" r:id="rId9"/>
   </p:sldIdLst>
   <p:sldSz cx="12192000" cy="6858000"/>
   <p:notesSz cx="6858000" cy="9144000"/>
@@ -3812,25 +3818,21 @@
   <p:cSld>
     <p:bg>
       <p:bgPr>
-        <a:gradFill flip="none" rotWithShape="1">
+        <a:gradFill>
           <a:gsLst>
-            <a:gs pos="0">
+            <a:gs pos="55000">
               <a:srgbClr val="00405C"/>
             </a:gs>
-            <a:gs pos="34000">
+            <a:gs pos="89000">
               <a:srgbClr val="0F5F81"/>
             </a:gs>
-            <a:gs pos="45000">
+            <a:gs pos="100000">
               <a:srgbClr val="2083AD"/>
-            </a:gs>
-            <a:gs pos="92000">
-              <a:srgbClr val="054A68"/>
             </a:gs>
           </a:gsLst>
           <a:path path="circle">
             <a:fillToRect l="100000" t="100000"/>
           </a:path>
-          <a:tileRect r="-100000" b="-100000"/>
         </a:gradFill>
         <a:effectLst/>
       </p:bgPr>
@@ -3849,10 +3851,1398 @@
           <a:chExt cx="0" cy="0"/>
         </a:xfrm>
       </p:grpSpPr>
+      <p:sp>
+        <p:nvSpPr>
+          <p:cNvPr id="12" name="CasellaDiTesto 11">
+            <a:extLst>
+              <a:ext uri="{FF2B5EF4-FFF2-40B4-BE49-F238E27FC236}">
+                <a16:creationId xmlns:a16="http://schemas.microsoft.com/office/drawing/2014/main" id="{B138D19D-8B4A-4F97-A556-9F099A9F374F}"/>
+              </a:ext>
+            </a:extLst>
+          </p:cNvPr>
+          <p:cNvSpPr txBox="1"/>
+          <p:nvPr/>
+        </p:nvSpPr>
+        <p:spPr>
+          <a:xfrm>
+            <a:off x="4680838" y="67647"/>
+            <a:ext cx="2830324" cy="1015663"/>
+          </a:xfrm>
+          <a:prstGeom prst="rect">
+            <a:avLst/>
+          </a:prstGeom>
+          <a:noFill/>
+          <a:ln w="15875">
+            <a:noFill/>
+          </a:ln>
+        </p:spPr>
+        <p:txBody>
+          <a:bodyPr wrap="square" rtlCol="0">
+            <a:spAutoFit/>
+          </a:bodyPr>
+          <a:lstStyle/>
+          <a:p>
+            <a:pPr algn="ctr"/>
+            <a:r>
+              <a:rPr lang="it-IT" sz="6000" dirty="0">
+                <a:solidFill>
+                  <a:srgbClr val="32AADC"/>
+                </a:solidFill>
+                <a:effectLst>
+                  <a:outerShdw blurRad="38100" dist="38100" dir="2700000" algn="tl">
+                    <a:srgbClr val="000000">
+                      <a:alpha val="43137"/>
+                    </a:srgbClr>
+                  </a:outerShdw>
+                </a:effectLst>
+                <a:latin typeface="Tw Cen MT Condensed Extra Bold" panose="020B0803020202020204" pitchFamily="34" charset="0"/>
+                <a:ea typeface="Gadugi" panose="020B0502040204020203" pitchFamily="34" charset="0"/>
+                <a:cs typeface="Calibri" panose="020F0502020204030204" pitchFamily="34" charset="0"/>
+              </a:rPr>
+              <a:t>DATASET</a:t>
+            </a:r>
+          </a:p>
+        </p:txBody>
+      </p:sp>
+      <p:pic>
+        <p:nvPicPr>
+          <p:cNvPr id="3" name="Immagine 2" descr="Immagine che contiene testo, screenshot, monitor, schermo&#10;&#10;Descrizione generata automaticamente">
+            <a:extLst>
+              <a:ext uri="{FF2B5EF4-FFF2-40B4-BE49-F238E27FC236}">
+                <a16:creationId xmlns:a16="http://schemas.microsoft.com/office/drawing/2014/main" id="{8592952F-0243-4F92-B66B-5A828171C404}"/>
+              </a:ext>
+            </a:extLst>
+          </p:cNvPr>
+          <p:cNvPicPr>
+            <a:picLocks noChangeAspect="1"/>
+          </p:cNvPicPr>
+          <p:nvPr/>
+        </p:nvPicPr>
+        <p:blipFill>
+          <a:blip r:embed="rId2">
+            <a:extLst>
+              <a:ext uri="{28A0092B-C50C-407E-A947-70E740481C1C}">
+                <a14:useLocalDpi xmlns:a14="http://schemas.microsoft.com/office/drawing/2010/main" val="0"/>
+              </a:ext>
+            </a:extLst>
+          </a:blip>
+          <a:stretch>
+            <a:fillRect/>
+          </a:stretch>
+        </p:blipFill>
+        <p:spPr>
+          <a:xfrm>
+            <a:off x="933995" y="2453781"/>
+            <a:ext cx="2637491" cy="1950437"/>
+          </a:xfrm>
+          <a:prstGeom prst="rect">
+            <a:avLst/>
+          </a:prstGeom>
+          <a:effectLst>
+            <a:reflection blurRad="6350" stA="52000" endA="300" endPos="35000" dir="5400000" sy="-100000" algn="bl" rotWithShape="0"/>
+            <a:softEdge rad="12700"/>
+          </a:effectLst>
+        </p:spPr>
+      </p:pic>
+      <p:sp>
+        <p:nvSpPr>
+          <p:cNvPr id="15" name="CasellaDiTesto 14">
+            <a:extLst>
+              <a:ext uri="{FF2B5EF4-FFF2-40B4-BE49-F238E27FC236}">
+                <a16:creationId xmlns:a16="http://schemas.microsoft.com/office/drawing/2014/main" id="{482AE7AF-4239-4D02-BCAA-061BE3ACA684}"/>
+              </a:ext>
+            </a:extLst>
+          </p:cNvPr>
+          <p:cNvSpPr txBox="1"/>
+          <p:nvPr/>
+        </p:nvSpPr>
+        <p:spPr>
+          <a:xfrm>
+            <a:off x="1655106" y="1499674"/>
+            <a:ext cx="1846543" cy="954107"/>
+          </a:xfrm>
+          <a:prstGeom prst="rect">
+            <a:avLst/>
+          </a:prstGeom>
+          <a:noFill/>
+        </p:spPr>
+        <p:txBody>
+          <a:bodyPr wrap="square" rtlCol="0">
+            <a:spAutoFit/>
+          </a:bodyPr>
+          <a:lstStyle/>
+          <a:p>
+            <a:pPr algn="ctr"/>
+            <a:r>
+              <a:rPr lang="it-IT" sz="2800" dirty="0">
+                <a:solidFill>
+                  <a:schemeClr val="accent5">
+                    <a:lumMod val="20000"/>
+                    <a:lumOff val="80000"/>
+                  </a:schemeClr>
+                </a:solidFill>
+                <a:latin typeface="Tw Cen MT Condensed Extra Bold" panose="020B0803020202020204" pitchFamily="34" charset="0"/>
+              </a:rPr>
+              <a:t>GITHUB REPOSITORY</a:t>
+            </a:r>
+          </a:p>
+        </p:txBody>
+      </p:sp>
+      <p:pic>
+        <p:nvPicPr>
+          <p:cNvPr id="6" name="Elemento grafico 5" descr="Database con riempimento a tinta unita">
+            <a:extLst>
+              <a:ext uri="{FF2B5EF4-FFF2-40B4-BE49-F238E27FC236}">
+                <a16:creationId xmlns:a16="http://schemas.microsoft.com/office/drawing/2014/main" id="{321E845C-81B9-45F8-AD4E-DA2876227A3B}"/>
+              </a:ext>
+            </a:extLst>
+          </p:cNvPr>
+          <p:cNvPicPr>
+            <a:picLocks noChangeAspect="1"/>
+          </p:cNvPicPr>
+          <p:nvPr/>
+        </p:nvPicPr>
+        <p:blipFill>
+          <a:blip r:embed="rId3">
+            <a:extLst>
+              <a:ext uri="{28A0092B-C50C-407E-A947-70E740481C1C}">
+                <a14:useLocalDpi xmlns:a14="http://schemas.microsoft.com/office/drawing/2010/main" val="0"/>
+              </a:ext>
+              <a:ext uri="{96DAC541-7B7A-43D3-8B79-37D633B846F1}">
+                <asvg:svgBlip xmlns:asvg="http://schemas.microsoft.com/office/drawing/2016/SVG/main" r:embed="rId4"/>
+              </a:ext>
+            </a:extLst>
+          </a:blip>
+          <a:stretch>
+            <a:fillRect/>
+          </a:stretch>
+        </p:blipFill>
+        <p:spPr>
+          <a:xfrm>
+            <a:off x="267942" y="158942"/>
+            <a:ext cx="833071" cy="833071"/>
+          </a:xfrm>
+          <a:prstGeom prst="rect">
+            <a:avLst/>
+          </a:prstGeom>
+        </p:spPr>
+      </p:pic>
+      <p:sp>
+        <p:nvSpPr>
+          <p:cNvPr id="19" name="CasellaDiTesto 18">
+            <a:extLst>
+              <a:ext uri="{FF2B5EF4-FFF2-40B4-BE49-F238E27FC236}">
+                <a16:creationId xmlns:a16="http://schemas.microsoft.com/office/drawing/2014/main" id="{0E2ED192-2A6C-4123-8BAC-670EA52E432F}"/>
+              </a:ext>
+            </a:extLst>
+          </p:cNvPr>
+          <p:cNvSpPr txBox="1"/>
+          <p:nvPr/>
+        </p:nvSpPr>
+        <p:spPr>
+          <a:xfrm>
+            <a:off x="5226648" y="2707486"/>
+            <a:ext cx="1886542" cy="1384995"/>
+          </a:xfrm>
+          <a:prstGeom prst="rect">
+            <a:avLst/>
+          </a:prstGeom>
+          <a:noFill/>
+          <a:ln w="25400">
+            <a:solidFill>
+              <a:srgbClr val="32AADC"/>
+            </a:solidFill>
+          </a:ln>
+        </p:spPr>
+        <p:txBody>
+          <a:bodyPr wrap="square" rtlCol="0">
+            <a:spAutoFit/>
+          </a:bodyPr>
+          <a:lstStyle/>
+          <a:p>
+            <a:pPr algn="ctr"/>
+            <a:r>
+              <a:rPr lang="it-IT" sz="2400" dirty="0">
+                <a:solidFill>
+                  <a:schemeClr val="accent5">
+                    <a:lumMod val="20000"/>
+                    <a:lumOff val="80000"/>
+                  </a:schemeClr>
+                </a:solidFill>
+                <a:latin typeface="Tw Cen MT Condensed Extra Bold" panose="020B0803020202020204" pitchFamily="34" charset="0"/>
+              </a:rPr>
+              <a:t>ALMOST</a:t>
+            </a:r>
+          </a:p>
+          <a:p>
+            <a:pPr algn="ctr"/>
+            <a:r>
+              <a:rPr lang="it-IT" sz="2400" dirty="0">
+                <a:solidFill>
+                  <a:schemeClr val="accent5">
+                    <a:lumMod val="20000"/>
+                    <a:lumOff val="80000"/>
+                  </a:schemeClr>
+                </a:solidFill>
+                <a:latin typeface="Tw Cen MT Condensed Extra Bold" panose="020B0803020202020204" pitchFamily="34" charset="0"/>
+              </a:rPr>
+              <a:t> </a:t>
+            </a:r>
+            <a:r>
+              <a:rPr lang="it-IT" sz="3600" b="1" dirty="0">
+                <a:solidFill>
+                  <a:srgbClr val="32AADC"/>
+                </a:solidFill>
+                <a:effectLst>
+                  <a:outerShdw blurRad="38100" dist="38100" dir="2700000" algn="tl">
+                    <a:srgbClr val="000000">
+                      <a:alpha val="43137"/>
+                    </a:srgbClr>
+                  </a:outerShdw>
+                </a:effectLst>
+                <a:latin typeface="Tw Cen MT Condensed Extra Bold" panose="020B0803020202020204" pitchFamily="34" charset="0"/>
+              </a:rPr>
+              <a:t>25 000</a:t>
+            </a:r>
+          </a:p>
+          <a:p>
+            <a:pPr algn="ctr"/>
+            <a:r>
+              <a:rPr lang="it-IT" sz="2400" dirty="0">
+                <a:solidFill>
+                  <a:schemeClr val="accent5">
+                    <a:lumMod val="20000"/>
+                    <a:lumOff val="80000"/>
+                  </a:schemeClr>
+                </a:solidFill>
+                <a:latin typeface="Tw Cen MT Condensed Extra Bold" panose="020B0803020202020204" pitchFamily="34" charset="0"/>
+              </a:rPr>
+              <a:t>TWEETS</a:t>
+            </a:r>
+          </a:p>
+        </p:txBody>
+      </p:sp>
+      <p:pic>
+        <p:nvPicPr>
+          <p:cNvPr id="8" name="Elemento grafico 7" descr="Freccia: diritta con riempimento a tinta unita">
+            <a:extLst>
+              <a:ext uri="{FF2B5EF4-FFF2-40B4-BE49-F238E27FC236}">
+                <a16:creationId xmlns:a16="http://schemas.microsoft.com/office/drawing/2014/main" id="{DE1193C7-5F2A-4D89-9551-090C4B5CF24D}"/>
+              </a:ext>
+            </a:extLst>
+          </p:cNvPr>
+          <p:cNvPicPr>
+            <a:picLocks noChangeAspect="1"/>
+          </p:cNvPicPr>
+          <p:nvPr/>
+        </p:nvPicPr>
+        <p:blipFill>
+          <a:blip r:embed="rId5">
+            <a:extLst>
+              <a:ext uri="{28A0092B-C50C-407E-A947-70E740481C1C}">
+                <a14:useLocalDpi xmlns:a14="http://schemas.microsoft.com/office/drawing/2010/main" val="0"/>
+              </a:ext>
+              <a:ext uri="{96DAC541-7B7A-43D3-8B79-37D633B846F1}">
+                <asvg:svgBlip xmlns:asvg="http://schemas.microsoft.com/office/drawing/2016/SVG/main" r:embed="rId6"/>
+              </a:ext>
+            </a:extLst>
+          </a:blip>
+          <a:stretch>
+            <a:fillRect/>
+          </a:stretch>
+        </p:blipFill>
+        <p:spPr>
+          <a:xfrm rot="10800000">
+            <a:off x="3599200" y="2659828"/>
+            <a:ext cx="1480310" cy="1480310"/>
+          </a:xfrm>
+          <a:prstGeom prst="rect">
+            <a:avLst/>
+          </a:prstGeom>
+        </p:spPr>
+      </p:pic>
+      <p:sp>
+        <p:nvSpPr>
+          <p:cNvPr id="23" name="CasellaDiTesto 22">
+            <a:extLst>
+              <a:ext uri="{FF2B5EF4-FFF2-40B4-BE49-F238E27FC236}">
+                <a16:creationId xmlns:a16="http://schemas.microsoft.com/office/drawing/2014/main" id="{DBFF151F-0A34-4F84-AB65-8A683214DE99}"/>
+              </a:ext>
+            </a:extLst>
+          </p:cNvPr>
+          <p:cNvSpPr txBox="1"/>
+          <p:nvPr/>
+        </p:nvSpPr>
+        <p:spPr>
+          <a:xfrm>
+            <a:off x="9628859" y="1267030"/>
+            <a:ext cx="1584337" cy="830997"/>
+          </a:xfrm>
+          <a:prstGeom prst="rect">
+            <a:avLst/>
+          </a:prstGeom>
+          <a:noFill/>
+        </p:spPr>
+        <p:txBody>
+          <a:bodyPr wrap="square" rtlCol="0">
+            <a:spAutoFit/>
+          </a:bodyPr>
+          <a:lstStyle/>
+          <a:p>
+            <a:r>
+              <a:rPr lang="it-IT" sz="2400" dirty="0">
+                <a:solidFill>
+                  <a:schemeClr val="accent5">
+                    <a:lumMod val="20000"/>
+                    <a:lumOff val="80000"/>
+                  </a:schemeClr>
+                </a:solidFill>
+                <a:latin typeface="Tw Cen MT Condensed Extra Bold" panose="020B0803020202020204" pitchFamily="34" charset="0"/>
+              </a:rPr>
+              <a:t>THREE CATEGORIES</a:t>
+            </a:r>
+          </a:p>
+        </p:txBody>
+      </p:sp>
+      <p:pic>
+        <p:nvPicPr>
+          <p:cNvPr id="29" name="Elemento grafico 28" descr="Freccia linea: leggera curva con riempimento a tinta unita">
+            <a:extLst>
+              <a:ext uri="{FF2B5EF4-FFF2-40B4-BE49-F238E27FC236}">
+                <a16:creationId xmlns:a16="http://schemas.microsoft.com/office/drawing/2014/main" id="{B3EEBAA8-E9FD-42E5-90E0-2B8781EF5B72}"/>
+              </a:ext>
+            </a:extLst>
+          </p:cNvPr>
+          <p:cNvPicPr>
+            <a:picLocks noChangeAspect="1"/>
+          </p:cNvPicPr>
+          <p:nvPr/>
+        </p:nvPicPr>
+        <p:blipFill>
+          <a:blip r:embed="rId7">
+            <a:extLst>
+              <a:ext uri="{28A0092B-C50C-407E-A947-70E740481C1C}">
+                <a14:useLocalDpi xmlns:a14="http://schemas.microsoft.com/office/drawing/2010/main" val="0"/>
+              </a:ext>
+              <a:ext uri="{96DAC541-7B7A-43D3-8B79-37D633B846F1}">
+                <asvg:svgBlip xmlns:asvg="http://schemas.microsoft.com/office/drawing/2016/SVG/main" r:embed="rId8"/>
+              </a:ext>
+            </a:extLst>
+          </a:blip>
+          <a:stretch>
+            <a:fillRect/>
+          </a:stretch>
+        </p:blipFill>
+        <p:spPr>
+          <a:xfrm rot="18718624">
+            <a:off x="7438890" y="2543823"/>
+            <a:ext cx="1452162" cy="1015580"/>
+          </a:xfrm>
+          <a:prstGeom prst="rect">
+            <a:avLst/>
+          </a:prstGeom>
+        </p:spPr>
+      </p:pic>
+      <p:pic>
+        <p:nvPicPr>
+          <p:cNvPr id="31" name="Elemento grafico 30" descr="Freccia linea: diritta con riempimento a tinta unita">
+            <a:extLst>
+              <a:ext uri="{FF2B5EF4-FFF2-40B4-BE49-F238E27FC236}">
+                <a16:creationId xmlns:a16="http://schemas.microsoft.com/office/drawing/2014/main" id="{B3E1FE3A-4AEE-4457-A518-948D62D76E34}"/>
+              </a:ext>
+            </a:extLst>
+          </p:cNvPr>
+          <p:cNvPicPr>
+            <a:picLocks noChangeAspect="1"/>
+          </p:cNvPicPr>
+          <p:nvPr/>
+        </p:nvPicPr>
+        <p:blipFill>
+          <a:blip r:embed="rId9">
+            <a:extLst>
+              <a:ext uri="{28A0092B-C50C-407E-A947-70E740481C1C}">
+                <a14:useLocalDpi xmlns:a14="http://schemas.microsoft.com/office/drawing/2010/main" val="0"/>
+              </a:ext>
+              <a:ext uri="{96DAC541-7B7A-43D3-8B79-37D633B846F1}">
+                <asvg:svgBlip xmlns:asvg="http://schemas.microsoft.com/office/drawing/2016/SVG/main" r:embed="rId10"/>
+              </a:ext>
+            </a:extLst>
+          </a:blip>
+          <a:stretch>
+            <a:fillRect/>
+          </a:stretch>
+        </p:blipFill>
+        <p:spPr>
+          <a:xfrm rot="10800000">
+            <a:off x="7346302" y="2770973"/>
+            <a:ext cx="1352920" cy="1258022"/>
+          </a:xfrm>
+          <a:prstGeom prst="rect">
+            <a:avLst/>
+          </a:prstGeom>
+        </p:spPr>
+      </p:pic>
+      <p:pic>
+        <p:nvPicPr>
+          <p:cNvPr id="32" name="Elemento grafico 31" descr="Freccia linea: leggera curva con riempimento a tinta unita">
+            <a:extLst>
+              <a:ext uri="{FF2B5EF4-FFF2-40B4-BE49-F238E27FC236}">
+                <a16:creationId xmlns:a16="http://schemas.microsoft.com/office/drawing/2014/main" id="{4B17992C-8FFC-40A2-977B-B384BEA64F22}"/>
+              </a:ext>
+            </a:extLst>
+          </p:cNvPr>
+          <p:cNvPicPr>
+            <a:picLocks noChangeAspect="1"/>
+          </p:cNvPicPr>
+          <p:nvPr/>
+        </p:nvPicPr>
+        <p:blipFill>
+          <a:blip r:embed="rId7">
+            <a:extLst>
+              <a:ext uri="{28A0092B-C50C-407E-A947-70E740481C1C}">
+                <a14:useLocalDpi xmlns:a14="http://schemas.microsoft.com/office/drawing/2010/main" val="0"/>
+              </a:ext>
+              <a:ext uri="{96DAC541-7B7A-43D3-8B79-37D633B846F1}">
+                <asvg:svgBlip xmlns:asvg="http://schemas.microsoft.com/office/drawing/2016/SVG/main" r:embed="rId8"/>
+              </a:ext>
+            </a:extLst>
+          </a:blip>
+          <a:stretch>
+            <a:fillRect/>
+          </a:stretch>
+        </p:blipFill>
+        <p:spPr>
+          <a:xfrm rot="2730585" flipV="1">
+            <a:off x="7438889" y="3220866"/>
+            <a:ext cx="1452162" cy="1004756"/>
+          </a:xfrm>
+          <a:prstGeom prst="rect">
+            <a:avLst/>
+          </a:prstGeom>
+        </p:spPr>
+      </p:pic>
+      <p:sp>
+        <p:nvSpPr>
+          <p:cNvPr id="33" name="CasellaDiTesto 32">
+            <a:extLst>
+              <a:ext uri="{FF2B5EF4-FFF2-40B4-BE49-F238E27FC236}">
+                <a16:creationId xmlns:a16="http://schemas.microsoft.com/office/drawing/2014/main" id="{D403F795-1DE1-43B4-B98E-D93CA0BB6EC0}"/>
+              </a:ext>
+            </a:extLst>
+          </p:cNvPr>
+          <p:cNvSpPr txBox="1"/>
+          <p:nvPr/>
+        </p:nvSpPr>
+        <p:spPr>
+          <a:xfrm>
+            <a:off x="8743676" y="2172208"/>
+            <a:ext cx="1977616" cy="523220"/>
+          </a:xfrm>
+          <a:prstGeom prst="rect">
+            <a:avLst/>
+          </a:prstGeom>
+          <a:noFill/>
+        </p:spPr>
+        <p:txBody>
+          <a:bodyPr wrap="square" rtlCol="0">
+            <a:spAutoFit/>
+          </a:bodyPr>
+          <a:lstStyle/>
+          <a:p>
+            <a:pPr algn="ctr"/>
+            <a:r>
+              <a:rPr lang="it-IT" sz="2800" dirty="0">
+                <a:solidFill>
+                  <a:srgbClr val="8A0000"/>
+                </a:solidFill>
+                <a:effectLst>
+                  <a:outerShdw blurRad="38100" dist="38100" dir="2700000" algn="tl">
+                    <a:srgbClr val="000000">
+                      <a:alpha val="43137"/>
+                    </a:srgbClr>
+                  </a:outerShdw>
+                </a:effectLst>
+                <a:latin typeface="Tw Cen MT Condensed Extra Bold" panose="020B0803020202020204" pitchFamily="34" charset="0"/>
+              </a:rPr>
+              <a:t>HATE</a:t>
+            </a:r>
+            <a:r>
+              <a:rPr lang="it-IT" sz="2800" dirty="0">
+                <a:solidFill>
+                  <a:schemeClr val="accent5">
+                    <a:lumMod val="20000"/>
+                    <a:lumOff val="80000"/>
+                  </a:schemeClr>
+                </a:solidFill>
+                <a:effectLst>
+                  <a:outerShdw blurRad="38100" dist="38100" dir="2700000" algn="tl">
+                    <a:srgbClr val="000000">
+                      <a:alpha val="43137"/>
+                    </a:srgbClr>
+                  </a:outerShdw>
+                </a:effectLst>
+                <a:latin typeface="Tw Cen MT Condensed Extra Bold" panose="020B0803020202020204" pitchFamily="34" charset="0"/>
+              </a:rPr>
+              <a:t>-SPEECH</a:t>
+            </a:r>
+          </a:p>
+        </p:txBody>
+      </p:sp>
+      <p:sp>
+        <p:nvSpPr>
+          <p:cNvPr id="34" name="CasellaDiTesto 33">
+            <a:extLst>
+              <a:ext uri="{FF2B5EF4-FFF2-40B4-BE49-F238E27FC236}">
+                <a16:creationId xmlns:a16="http://schemas.microsoft.com/office/drawing/2014/main" id="{657D5C97-9623-4974-936B-F4CCDB8CE705}"/>
+              </a:ext>
+            </a:extLst>
+          </p:cNvPr>
+          <p:cNvSpPr txBox="1"/>
+          <p:nvPr/>
+        </p:nvSpPr>
+        <p:spPr>
+          <a:xfrm>
+            <a:off x="8754648" y="3125793"/>
+            <a:ext cx="2751356" cy="523220"/>
+          </a:xfrm>
+          <a:prstGeom prst="rect">
+            <a:avLst/>
+          </a:prstGeom>
+          <a:noFill/>
+        </p:spPr>
+        <p:txBody>
+          <a:bodyPr wrap="square" rtlCol="0">
+            <a:spAutoFit/>
+          </a:bodyPr>
+          <a:lstStyle/>
+          <a:p>
+            <a:pPr algn="ctr"/>
+            <a:r>
+              <a:rPr lang="it-IT" sz="2800" dirty="0">
+                <a:solidFill>
+                  <a:srgbClr val="8A0000"/>
+                </a:solidFill>
+                <a:effectLst>
+                  <a:outerShdw blurRad="38100" dist="38100" dir="2700000" algn="tl">
+                    <a:srgbClr val="000000">
+                      <a:alpha val="43137"/>
+                    </a:srgbClr>
+                  </a:outerShdw>
+                </a:effectLst>
+                <a:latin typeface="Tw Cen MT Condensed Extra Bold" panose="020B0803020202020204" pitchFamily="34" charset="0"/>
+              </a:rPr>
+              <a:t>OFFENSIVE</a:t>
+            </a:r>
+            <a:r>
+              <a:rPr lang="it-IT" sz="2800" dirty="0">
+                <a:solidFill>
+                  <a:schemeClr val="accent5">
+                    <a:lumMod val="20000"/>
+                    <a:lumOff val="80000"/>
+                  </a:schemeClr>
+                </a:solidFill>
+                <a:effectLst>
+                  <a:outerShdw blurRad="38100" dist="38100" dir="2700000" algn="tl">
+                    <a:srgbClr val="000000">
+                      <a:alpha val="43137"/>
+                    </a:srgbClr>
+                  </a:outerShdw>
+                </a:effectLst>
+                <a:latin typeface="Tw Cen MT Condensed Extra Bold" panose="020B0803020202020204" pitchFamily="34" charset="0"/>
+              </a:rPr>
+              <a:t>-SPEECH</a:t>
+            </a:r>
+          </a:p>
+        </p:txBody>
+      </p:sp>
+      <p:sp>
+        <p:nvSpPr>
+          <p:cNvPr id="35" name="CasellaDiTesto 34">
+            <a:extLst>
+              <a:ext uri="{FF2B5EF4-FFF2-40B4-BE49-F238E27FC236}">
+                <a16:creationId xmlns:a16="http://schemas.microsoft.com/office/drawing/2014/main" id="{53A0018D-7AB9-4CAD-A8FC-611F89FB537F}"/>
+              </a:ext>
+            </a:extLst>
+          </p:cNvPr>
+          <p:cNvSpPr txBox="1"/>
+          <p:nvPr/>
+        </p:nvSpPr>
+        <p:spPr>
+          <a:xfrm>
+            <a:off x="8743676" y="4079379"/>
+            <a:ext cx="2469520" cy="523220"/>
+          </a:xfrm>
+          <a:prstGeom prst="rect">
+            <a:avLst/>
+          </a:prstGeom>
+          <a:noFill/>
+        </p:spPr>
+        <p:txBody>
+          <a:bodyPr wrap="square" rtlCol="0">
+            <a:spAutoFit/>
+          </a:bodyPr>
+          <a:lstStyle/>
+          <a:p>
+            <a:pPr algn="ctr"/>
+            <a:r>
+              <a:rPr lang="it-IT" sz="2800" dirty="0">
+                <a:solidFill>
+                  <a:schemeClr val="accent5">
+                    <a:lumMod val="20000"/>
+                    <a:lumOff val="80000"/>
+                  </a:schemeClr>
+                </a:solidFill>
+                <a:effectLst>
+                  <a:outerShdw blurRad="38100" dist="38100" dir="2700000" algn="tl">
+                    <a:srgbClr val="000000">
+                      <a:alpha val="43137"/>
+                    </a:srgbClr>
+                  </a:outerShdw>
+                </a:effectLst>
+                <a:latin typeface="Tw Cen MT Condensed Extra Bold" panose="020B0803020202020204" pitchFamily="34" charset="0"/>
+              </a:rPr>
+              <a:t>NEUTRAL SPEECH</a:t>
+            </a:r>
+          </a:p>
+        </p:txBody>
+      </p:sp>
+      <p:pic>
+        <p:nvPicPr>
+          <p:cNvPr id="38" name="Elemento grafico 37" descr="Ricerca cartelle con riempimento a tinta unita">
+            <a:extLst>
+              <a:ext uri="{FF2B5EF4-FFF2-40B4-BE49-F238E27FC236}">
+                <a16:creationId xmlns:a16="http://schemas.microsoft.com/office/drawing/2014/main" id="{E84E08C3-928F-47BF-9E2A-33CAB0FE134D}"/>
+              </a:ext>
+            </a:extLst>
+          </p:cNvPr>
+          <p:cNvPicPr>
+            <a:picLocks noChangeAspect="1"/>
+          </p:cNvPicPr>
+          <p:nvPr/>
+        </p:nvPicPr>
+        <p:blipFill>
+          <a:blip r:embed="rId11">
+            <a:extLst>
+              <a:ext uri="{28A0092B-C50C-407E-A947-70E740481C1C}">
+                <a14:useLocalDpi xmlns:a14="http://schemas.microsoft.com/office/drawing/2010/main" val="0"/>
+              </a:ext>
+              <a:ext uri="{96DAC541-7B7A-43D3-8B79-37D633B846F1}">
+                <asvg:svgBlip xmlns:asvg="http://schemas.microsoft.com/office/drawing/2016/SVG/main" r:embed="rId12"/>
+              </a:ext>
+            </a:extLst>
+          </a:blip>
+          <a:stretch>
+            <a:fillRect/>
+          </a:stretch>
+        </p:blipFill>
+        <p:spPr>
+          <a:xfrm>
+            <a:off x="8699222" y="1225328"/>
+            <a:ext cx="914400" cy="914400"/>
+          </a:xfrm>
+          <a:prstGeom prst="rect">
+            <a:avLst/>
+          </a:prstGeom>
+        </p:spPr>
+      </p:pic>
+      <p:pic>
+        <p:nvPicPr>
+          <p:cNvPr id="40" name="Elemento grafico 39" descr="Cloud computing con riempimento a tinta unita">
+            <a:extLst>
+              <a:ext uri="{FF2B5EF4-FFF2-40B4-BE49-F238E27FC236}">
+                <a16:creationId xmlns:a16="http://schemas.microsoft.com/office/drawing/2014/main" id="{B1847B7D-F6FE-4FDA-A2A6-5B36384DE6C5}"/>
+              </a:ext>
+            </a:extLst>
+          </p:cNvPr>
+          <p:cNvPicPr>
+            <a:picLocks noChangeAspect="1"/>
+          </p:cNvPicPr>
+          <p:nvPr/>
+        </p:nvPicPr>
+        <p:blipFill>
+          <a:blip r:embed="rId13">
+            <a:extLst>
+              <a:ext uri="{28A0092B-C50C-407E-A947-70E740481C1C}">
+                <a14:useLocalDpi xmlns:a14="http://schemas.microsoft.com/office/drawing/2010/main" val="0"/>
+              </a:ext>
+              <a:ext uri="{96DAC541-7B7A-43D3-8B79-37D633B846F1}">
+                <asvg:svgBlip xmlns:asvg="http://schemas.microsoft.com/office/drawing/2016/SVG/main" r:embed="rId14"/>
+              </a:ext>
+            </a:extLst>
+          </a:blip>
+          <a:stretch>
+            <a:fillRect/>
+          </a:stretch>
+        </p:blipFill>
+        <p:spPr>
+          <a:xfrm>
+            <a:off x="933995" y="1591849"/>
+            <a:ext cx="769757" cy="769757"/>
+          </a:xfrm>
+          <a:prstGeom prst="rect">
+            <a:avLst/>
+          </a:prstGeom>
+        </p:spPr>
+      </p:pic>
+      <p:sp>
+        <p:nvSpPr>
+          <p:cNvPr id="41" name="CasellaDiTesto 40">
+            <a:extLst>
+              <a:ext uri="{FF2B5EF4-FFF2-40B4-BE49-F238E27FC236}">
+                <a16:creationId xmlns:a16="http://schemas.microsoft.com/office/drawing/2014/main" id="{041A27C1-4771-4DF0-A30D-918091CD2445}"/>
+              </a:ext>
+            </a:extLst>
+          </p:cNvPr>
+          <p:cNvSpPr txBox="1"/>
+          <p:nvPr/>
+        </p:nvSpPr>
+        <p:spPr>
+          <a:xfrm>
+            <a:off x="8952863" y="5032965"/>
+            <a:ext cx="2051146" cy="830997"/>
+          </a:xfrm>
+          <a:prstGeom prst="rect">
+            <a:avLst/>
+          </a:prstGeom>
+          <a:noFill/>
+        </p:spPr>
+        <p:txBody>
+          <a:bodyPr wrap="square" rtlCol="0">
+            <a:spAutoFit/>
+          </a:bodyPr>
+          <a:lstStyle/>
+          <a:p>
+            <a:pPr algn="ctr"/>
+            <a:r>
+              <a:rPr lang="it-IT" sz="2400" dirty="0">
+                <a:solidFill>
+                  <a:schemeClr val="accent5">
+                    <a:lumMod val="20000"/>
+                    <a:lumOff val="80000"/>
+                  </a:schemeClr>
+                </a:solidFill>
+                <a:latin typeface="Tw Cen MT Condensed Extra Bold" panose="020B0803020202020204" pitchFamily="34" charset="0"/>
+              </a:rPr>
+              <a:t>BASED ON USER’S REPORT</a:t>
+            </a:r>
+          </a:p>
+        </p:txBody>
+      </p:sp>
     </p:spTree>
     <p:extLst>
       <p:ext uri="{BB962C8B-B14F-4D97-AF65-F5344CB8AC3E}">
-        <p14:creationId xmlns:p14="http://schemas.microsoft.com/office/powerpoint/2010/main" val="3424547521"/>
+        <p14:creationId xmlns:p14="http://schemas.microsoft.com/office/powerpoint/2010/main" val="1857103678"/>
+      </p:ext>
+    </p:extLst>
+  </p:cSld>
+  <p:clrMapOvr>
+    <a:masterClrMapping/>
+  </p:clrMapOvr>
+</p:sld>
+</file>
+
+<file path=ppt/slides/slide3.xml><?xml version="1.0" encoding="utf-8"?>
+<p:sld xmlns:a="http://schemas.openxmlformats.org/drawingml/2006/main" xmlns:r="http://schemas.openxmlformats.org/officeDocument/2006/relationships" xmlns:p="http://schemas.openxmlformats.org/presentationml/2006/main">
+  <p:cSld>
+    <p:bg>
+      <p:bgPr>
+        <a:gradFill>
+          <a:gsLst>
+            <a:gs pos="55000">
+              <a:srgbClr val="00405C"/>
+            </a:gs>
+            <a:gs pos="89000">
+              <a:srgbClr val="0F5F81"/>
+            </a:gs>
+            <a:gs pos="100000">
+              <a:srgbClr val="2083AD"/>
+            </a:gs>
+          </a:gsLst>
+          <a:path path="circle">
+            <a:fillToRect l="100000" t="100000"/>
+          </a:path>
+        </a:gradFill>
+        <a:effectLst/>
+      </p:bgPr>
+    </p:bg>
+    <p:spTree>
+      <p:nvGrpSpPr>
+        <p:cNvPr id="1" name=""/>
+        <p:cNvGrpSpPr/>
+        <p:nvPr/>
+      </p:nvGrpSpPr>
+      <p:grpSpPr>
+        <a:xfrm>
+          <a:off x="0" y="0"/>
+          <a:ext cx="0" cy="0"/>
+          <a:chOff x="0" y="0"/>
+          <a:chExt cx="0" cy="0"/>
+        </a:xfrm>
+      </p:grpSpPr>
+      <p:sp>
+        <p:nvSpPr>
+          <p:cNvPr id="42" name="CasellaDiTesto 41">
+            <a:extLst>
+              <a:ext uri="{FF2B5EF4-FFF2-40B4-BE49-F238E27FC236}">
+                <a16:creationId xmlns:a16="http://schemas.microsoft.com/office/drawing/2014/main" id="{515CC22E-779E-4946-9178-52E9409F75F5}"/>
+              </a:ext>
+            </a:extLst>
+          </p:cNvPr>
+          <p:cNvSpPr txBox="1"/>
+          <p:nvPr/>
+        </p:nvSpPr>
+        <p:spPr>
+          <a:xfrm>
+            <a:off x="3393223" y="104969"/>
+            <a:ext cx="5405554" cy="1015663"/>
+          </a:xfrm>
+          <a:prstGeom prst="rect">
+            <a:avLst/>
+          </a:prstGeom>
+          <a:noFill/>
+        </p:spPr>
+        <p:txBody>
+          <a:bodyPr wrap="square" rtlCol="0">
+            <a:spAutoFit/>
+          </a:bodyPr>
+          <a:lstStyle/>
+          <a:p>
+            <a:pPr algn="ctr"/>
+            <a:r>
+              <a:rPr lang="it-IT" sz="6000" dirty="0">
+                <a:solidFill>
+                  <a:srgbClr val="32AADC"/>
+                </a:solidFill>
+                <a:effectLst>
+                  <a:outerShdw blurRad="38100" dist="38100" dir="2700000" algn="tl">
+                    <a:srgbClr val="000000">
+                      <a:alpha val="43137"/>
+                    </a:srgbClr>
+                  </a:outerShdw>
+                </a:effectLst>
+                <a:latin typeface="Tw Cen MT Condensed Extra Bold" panose="020B0803020202020204" pitchFamily="34" charset="0"/>
+                <a:ea typeface="Gadugi" panose="020B0502040204020203" pitchFamily="34" charset="0"/>
+                <a:cs typeface="Calibri" panose="020F0502020204030204" pitchFamily="34" charset="0"/>
+              </a:rPr>
+              <a:t>TEXT PROCESSING</a:t>
+            </a:r>
+          </a:p>
+        </p:txBody>
+      </p:sp>
+    </p:spTree>
+    <p:extLst>
+      <p:ext uri="{BB962C8B-B14F-4D97-AF65-F5344CB8AC3E}">
+        <p14:creationId xmlns:p14="http://schemas.microsoft.com/office/powerpoint/2010/main" val="2042639784"/>
+      </p:ext>
+    </p:extLst>
+  </p:cSld>
+  <p:clrMapOvr>
+    <a:masterClrMapping/>
+  </p:clrMapOvr>
+</p:sld>
+</file>
+
+<file path=ppt/slides/slide4.xml><?xml version="1.0" encoding="utf-8"?>
+<p:sld xmlns:a="http://schemas.openxmlformats.org/drawingml/2006/main" xmlns:r="http://schemas.openxmlformats.org/officeDocument/2006/relationships" xmlns:p="http://schemas.openxmlformats.org/presentationml/2006/main">
+  <p:cSld>
+    <p:bg>
+      <p:bgPr>
+        <a:gradFill>
+          <a:gsLst>
+            <a:gs pos="55000">
+              <a:srgbClr val="00405C"/>
+            </a:gs>
+            <a:gs pos="89000">
+              <a:srgbClr val="0F5F81"/>
+            </a:gs>
+            <a:gs pos="100000">
+              <a:srgbClr val="2083AD"/>
+            </a:gs>
+          </a:gsLst>
+          <a:path path="circle">
+            <a:fillToRect l="100000" t="100000"/>
+          </a:path>
+        </a:gradFill>
+        <a:effectLst/>
+      </p:bgPr>
+    </p:bg>
+    <p:spTree>
+      <p:nvGrpSpPr>
+        <p:cNvPr id="1" name=""/>
+        <p:cNvGrpSpPr/>
+        <p:nvPr/>
+      </p:nvGrpSpPr>
+      <p:grpSpPr>
+        <a:xfrm>
+          <a:off x="0" y="0"/>
+          <a:ext cx="0" cy="0"/>
+          <a:chOff x="0" y="0"/>
+          <a:chExt cx="0" cy="0"/>
+        </a:xfrm>
+      </p:grpSpPr>
+      <p:sp>
+        <p:nvSpPr>
+          <p:cNvPr id="42" name="CasellaDiTesto 41">
+            <a:extLst>
+              <a:ext uri="{FF2B5EF4-FFF2-40B4-BE49-F238E27FC236}">
+                <a16:creationId xmlns:a16="http://schemas.microsoft.com/office/drawing/2014/main" id="{515CC22E-779E-4946-9178-52E9409F75F5}"/>
+              </a:ext>
+            </a:extLst>
+          </p:cNvPr>
+          <p:cNvSpPr txBox="1"/>
+          <p:nvPr/>
+        </p:nvSpPr>
+        <p:spPr>
+          <a:xfrm>
+            <a:off x="2777394" y="235598"/>
+            <a:ext cx="6777154" cy="1015663"/>
+          </a:xfrm>
+          <a:prstGeom prst="rect">
+            <a:avLst/>
+          </a:prstGeom>
+          <a:noFill/>
+        </p:spPr>
+        <p:txBody>
+          <a:bodyPr wrap="square" rtlCol="0">
+            <a:spAutoFit/>
+          </a:bodyPr>
+          <a:lstStyle/>
+          <a:p>
+            <a:pPr algn="ctr"/>
+            <a:r>
+              <a:rPr lang="it-IT" sz="6000" dirty="0">
+                <a:solidFill>
+                  <a:srgbClr val="32AADC"/>
+                </a:solidFill>
+                <a:effectLst>
+                  <a:outerShdw blurRad="38100" dist="38100" dir="2700000" algn="tl">
+                    <a:srgbClr val="000000">
+                      <a:alpha val="43137"/>
+                    </a:srgbClr>
+                  </a:outerShdw>
+                </a:effectLst>
+                <a:latin typeface="Tw Cen MT Condensed Extra Bold" panose="020B0803020202020204" pitchFamily="34" charset="0"/>
+                <a:ea typeface="Gadugi" panose="020B0502040204020203" pitchFamily="34" charset="0"/>
+                <a:cs typeface="Calibri" panose="020F0502020204030204" pitchFamily="34" charset="0"/>
+              </a:rPr>
+              <a:t>TEXT REPRESENTATION</a:t>
+            </a:r>
+          </a:p>
+        </p:txBody>
+      </p:sp>
+    </p:spTree>
+    <p:extLst>
+      <p:ext uri="{BB962C8B-B14F-4D97-AF65-F5344CB8AC3E}">
+        <p14:creationId xmlns:p14="http://schemas.microsoft.com/office/powerpoint/2010/main" val="3066550965"/>
+      </p:ext>
+    </p:extLst>
+  </p:cSld>
+  <p:clrMapOvr>
+    <a:masterClrMapping/>
+  </p:clrMapOvr>
+</p:sld>
+</file>
+
+<file path=ppt/slides/slide5.xml><?xml version="1.0" encoding="utf-8"?>
+<p:sld xmlns:a="http://schemas.openxmlformats.org/drawingml/2006/main" xmlns:r="http://schemas.openxmlformats.org/officeDocument/2006/relationships" xmlns:p="http://schemas.openxmlformats.org/presentationml/2006/main">
+  <p:cSld>
+    <p:bg>
+      <p:bgPr>
+        <a:gradFill>
+          <a:gsLst>
+            <a:gs pos="55000">
+              <a:srgbClr val="00405C"/>
+            </a:gs>
+            <a:gs pos="89000">
+              <a:srgbClr val="0F5F81"/>
+            </a:gs>
+            <a:gs pos="100000">
+              <a:srgbClr val="2083AD"/>
+            </a:gs>
+          </a:gsLst>
+          <a:path path="circle">
+            <a:fillToRect l="100000" t="100000"/>
+          </a:path>
+        </a:gradFill>
+        <a:effectLst/>
+      </p:bgPr>
+    </p:bg>
+    <p:spTree>
+      <p:nvGrpSpPr>
+        <p:cNvPr id="1" name=""/>
+        <p:cNvGrpSpPr/>
+        <p:nvPr/>
+      </p:nvGrpSpPr>
+      <p:grpSpPr>
+        <a:xfrm>
+          <a:off x="0" y="0"/>
+          <a:ext cx="0" cy="0"/>
+          <a:chOff x="0" y="0"/>
+          <a:chExt cx="0" cy="0"/>
+        </a:xfrm>
+      </p:grpSpPr>
+      <p:sp>
+        <p:nvSpPr>
+          <p:cNvPr id="42" name="CasellaDiTesto 41">
+            <a:extLst>
+              <a:ext uri="{FF2B5EF4-FFF2-40B4-BE49-F238E27FC236}">
+                <a16:creationId xmlns:a16="http://schemas.microsoft.com/office/drawing/2014/main" id="{515CC22E-779E-4946-9178-52E9409F75F5}"/>
+              </a:ext>
+            </a:extLst>
+          </p:cNvPr>
+          <p:cNvSpPr txBox="1"/>
+          <p:nvPr/>
+        </p:nvSpPr>
+        <p:spPr>
+          <a:xfrm>
+            <a:off x="2786723" y="-46653"/>
+            <a:ext cx="5974721" cy="1938992"/>
+          </a:xfrm>
+          <a:prstGeom prst="rect">
+            <a:avLst/>
+          </a:prstGeom>
+          <a:noFill/>
+        </p:spPr>
+        <p:txBody>
+          <a:bodyPr wrap="square" rtlCol="0">
+            <a:spAutoFit/>
+          </a:bodyPr>
+          <a:lstStyle/>
+          <a:p>
+            <a:pPr algn="ctr"/>
+            <a:r>
+              <a:rPr lang="it-IT" sz="6000" dirty="0">
+                <a:solidFill>
+                  <a:srgbClr val="32AADC"/>
+                </a:solidFill>
+                <a:effectLst>
+                  <a:outerShdw blurRad="38100" dist="38100" dir="2700000" algn="tl">
+                    <a:srgbClr val="000000">
+                      <a:alpha val="43137"/>
+                    </a:srgbClr>
+                  </a:outerShdw>
+                </a:effectLst>
+                <a:latin typeface="Tw Cen MT Condensed Extra Bold" panose="020B0803020202020204" pitchFamily="34" charset="0"/>
+                <a:ea typeface="Gadugi" panose="020B0502040204020203" pitchFamily="34" charset="0"/>
+                <a:cs typeface="Calibri" panose="020F0502020204030204" pitchFamily="34" charset="0"/>
+              </a:rPr>
+              <a:t>TEXT CLASSIFICATION</a:t>
+            </a:r>
+          </a:p>
+        </p:txBody>
+      </p:sp>
+    </p:spTree>
+    <p:extLst>
+      <p:ext uri="{BB962C8B-B14F-4D97-AF65-F5344CB8AC3E}">
+        <p14:creationId xmlns:p14="http://schemas.microsoft.com/office/powerpoint/2010/main" val="3524710192"/>
+      </p:ext>
+    </p:extLst>
+  </p:cSld>
+  <p:clrMapOvr>
+    <a:masterClrMapping/>
+  </p:clrMapOvr>
+</p:sld>
+</file>
+
+<file path=ppt/slides/slide6.xml><?xml version="1.0" encoding="utf-8"?>
+<p:sld xmlns:a="http://schemas.openxmlformats.org/drawingml/2006/main" xmlns:r="http://schemas.openxmlformats.org/officeDocument/2006/relationships" xmlns:p="http://schemas.openxmlformats.org/presentationml/2006/main">
+  <p:cSld>
+    <p:bg>
+      <p:bgPr>
+        <a:gradFill>
+          <a:gsLst>
+            <a:gs pos="55000">
+              <a:srgbClr val="00405C"/>
+            </a:gs>
+            <a:gs pos="89000">
+              <a:srgbClr val="0F5F81"/>
+            </a:gs>
+            <a:gs pos="100000">
+              <a:srgbClr val="2083AD"/>
+            </a:gs>
+          </a:gsLst>
+          <a:path path="circle">
+            <a:fillToRect l="100000" t="100000"/>
+          </a:path>
+        </a:gradFill>
+        <a:effectLst/>
+      </p:bgPr>
+    </p:bg>
+    <p:spTree>
+      <p:nvGrpSpPr>
+        <p:cNvPr id="1" name=""/>
+        <p:cNvGrpSpPr/>
+        <p:nvPr/>
+      </p:nvGrpSpPr>
+      <p:grpSpPr>
+        <a:xfrm>
+          <a:off x="0" y="0"/>
+          <a:ext cx="0" cy="0"/>
+          <a:chOff x="0" y="0"/>
+          <a:chExt cx="0" cy="0"/>
+        </a:xfrm>
+      </p:grpSpPr>
+      <p:sp>
+        <p:nvSpPr>
+          <p:cNvPr id="42" name="CasellaDiTesto 41">
+            <a:extLst>
+              <a:ext uri="{FF2B5EF4-FFF2-40B4-BE49-F238E27FC236}">
+                <a16:creationId xmlns:a16="http://schemas.microsoft.com/office/drawing/2014/main" id="{515CC22E-779E-4946-9178-52E9409F75F5}"/>
+              </a:ext>
+            </a:extLst>
+          </p:cNvPr>
+          <p:cNvSpPr txBox="1"/>
+          <p:nvPr/>
+        </p:nvSpPr>
+        <p:spPr>
+          <a:xfrm>
+            <a:off x="3001327" y="419878"/>
+            <a:ext cx="5974721" cy="1015663"/>
+          </a:xfrm>
+          <a:prstGeom prst="rect">
+            <a:avLst/>
+          </a:prstGeom>
+          <a:noFill/>
+        </p:spPr>
+        <p:txBody>
+          <a:bodyPr wrap="square" rtlCol="0">
+            <a:spAutoFit/>
+          </a:bodyPr>
+          <a:lstStyle/>
+          <a:p>
+            <a:pPr algn="ctr"/>
+            <a:r>
+              <a:rPr lang="it-IT" sz="6000" dirty="0">
+                <a:solidFill>
+                  <a:srgbClr val="32AADC"/>
+                </a:solidFill>
+                <a:effectLst>
+                  <a:outerShdw blurRad="38100" dist="38100" dir="2700000" algn="tl">
+                    <a:srgbClr val="000000">
+                      <a:alpha val="43137"/>
+                    </a:srgbClr>
+                  </a:outerShdw>
+                </a:effectLst>
+                <a:latin typeface="Tw Cen MT Condensed Extra Bold" panose="020B0803020202020204" pitchFamily="34" charset="0"/>
+                <a:ea typeface="Gadugi" panose="020B0502040204020203" pitchFamily="34" charset="0"/>
+                <a:cs typeface="Calibri" panose="020F0502020204030204" pitchFamily="34" charset="0"/>
+              </a:rPr>
+              <a:t>RESULTS</a:t>
+            </a:r>
+          </a:p>
+        </p:txBody>
+      </p:sp>
+    </p:spTree>
+    <p:extLst>
+      <p:ext uri="{BB962C8B-B14F-4D97-AF65-F5344CB8AC3E}">
+        <p14:creationId xmlns:p14="http://schemas.microsoft.com/office/powerpoint/2010/main" val="3926172479"/>
+      </p:ext>
+    </p:extLst>
+  </p:cSld>
+  <p:clrMapOvr>
+    <a:masterClrMapping/>
+  </p:clrMapOvr>
+</p:sld>
+</file>
+
+<file path=ppt/slides/slide7.xml><?xml version="1.0" encoding="utf-8"?>
+<p:sld xmlns:a="http://schemas.openxmlformats.org/drawingml/2006/main" xmlns:r="http://schemas.openxmlformats.org/officeDocument/2006/relationships" xmlns:p="http://schemas.openxmlformats.org/presentationml/2006/main">
+  <p:cSld>
+    <p:bg>
+      <p:bgPr>
+        <a:gradFill>
+          <a:gsLst>
+            <a:gs pos="55000">
+              <a:srgbClr val="00405C"/>
+            </a:gs>
+            <a:gs pos="89000">
+              <a:srgbClr val="0F5F81"/>
+            </a:gs>
+            <a:gs pos="100000">
+              <a:srgbClr val="2083AD"/>
+            </a:gs>
+          </a:gsLst>
+          <a:path path="circle">
+            <a:fillToRect l="100000" t="100000"/>
+          </a:path>
+        </a:gradFill>
+        <a:effectLst/>
+      </p:bgPr>
+    </p:bg>
+    <p:spTree>
+      <p:nvGrpSpPr>
+        <p:cNvPr id="1" name=""/>
+        <p:cNvGrpSpPr/>
+        <p:nvPr/>
+      </p:nvGrpSpPr>
+      <p:grpSpPr>
+        <a:xfrm>
+          <a:off x="0" y="0"/>
+          <a:ext cx="0" cy="0"/>
+          <a:chOff x="0" y="0"/>
+          <a:chExt cx="0" cy="0"/>
+        </a:xfrm>
+      </p:grpSpPr>
+      <p:sp>
+        <p:nvSpPr>
+          <p:cNvPr id="42" name="CasellaDiTesto 41">
+            <a:extLst>
+              <a:ext uri="{FF2B5EF4-FFF2-40B4-BE49-F238E27FC236}">
+                <a16:creationId xmlns:a16="http://schemas.microsoft.com/office/drawing/2014/main" id="{515CC22E-779E-4946-9178-52E9409F75F5}"/>
+              </a:ext>
+            </a:extLst>
+          </p:cNvPr>
+          <p:cNvSpPr txBox="1"/>
+          <p:nvPr/>
+        </p:nvSpPr>
+        <p:spPr>
+          <a:xfrm>
+            <a:off x="3001327" y="419878"/>
+            <a:ext cx="5974721" cy="1015663"/>
+          </a:xfrm>
+          <a:prstGeom prst="rect">
+            <a:avLst/>
+          </a:prstGeom>
+          <a:noFill/>
+        </p:spPr>
+        <p:txBody>
+          <a:bodyPr wrap="square" rtlCol="0">
+            <a:spAutoFit/>
+          </a:bodyPr>
+          <a:lstStyle/>
+          <a:p>
+            <a:pPr algn="ctr"/>
+            <a:r>
+              <a:rPr lang="it-IT" sz="6000" dirty="0">
+                <a:solidFill>
+                  <a:srgbClr val="32AADC"/>
+                </a:solidFill>
+                <a:effectLst>
+                  <a:outerShdw blurRad="38100" dist="38100" dir="2700000" algn="tl">
+                    <a:srgbClr val="000000">
+                      <a:alpha val="43137"/>
+                    </a:srgbClr>
+                  </a:outerShdw>
+                </a:effectLst>
+                <a:latin typeface="Tw Cen MT Condensed Extra Bold" panose="020B0803020202020204" pitchFamily="34" charset="0"/>
+                <a:ea typeface="Gadugi" panose="020B0502040204020203" pitchFamily="34" charset="0"/>
+                <a:cs typeface="Calibri" panose="020F0502020204030204" pitchFamily="34" charset="0"/>
+              </a:rPr>
+              <a:t>CONCLUSIONS</a:t>
+            </a:r>
+          </a:p>
+        </p:txBody>
+      </p:sp>
+    </p:spTree>
+    <p:extLst>
+      <p:ext uri="{BB962C8B-B14F-4D97-AF65-F5344CB8AC3E}">
+        <p14:creationId xmlns:p14="http://schemas.microsoft.com/office/powerpoint/2010/main" val="4143140777"/>
+      </p:ext>
+    </p:extLst>
+  </p:cSld>
+  <p:clrMapOvr>
+    <a:masterClrMapping/>
+  </p:clrMapOvr>
+</p:sld>
+</file>
+
+<file path=ppt/slides/slide8.xml><?xml version="1.0" encoding="utf-8"?>
+<p:sld xmlns:a="http://schemas.openxmlformats.org/drawingml/2006/main" xmlns:r="http://schemas.openxmlformats.org/officeDocument/2006/relationships" xmlns:p="http://schemas.openxmlformats.org/presentationml/2006/main">
+  <p:cSld>
+    <p:bg>
+      <p:bgPr>
+        <a:gradFill>
+          <a:gsLst>
+            <a:gs pos="55000">
+              <a:srgbClr val="00405C"/>
+            </a:gs>
+            <a:gs pos="89000">
+              <a:srgbClr val="0F5F81"/>
+            </a:gs>
+            <a:gs pos="100000">
+              <a:srgbClr val="2083AD"/>
+            </a:gs>
+          </a:gsLst>
+          <a:path path="circle">
+            <a:fillToRect l="100000" t="100000"/>
+          </a:path>
+        </a:gradFill>
+        <a:effectLst/>
+      </p:bgPr>
+    </p:bg>
+    <p:spTree>
+      <p:nvGrpSpPr>
+        <p:cNvPr id="1" name=""/>
+        <p:cNvGrpSpPr/>
+        <p:nvPr/>
+      </p:nvGrpSpPr>
+      <p:grpSpPr>
+        <a:xfrm>
+          <a:off x="0" y="0"/>
+          <a:ext cx="0" cy="0"/>
+          <a:chOff x="0" y="0"/>
+          <a:chExt cx="0" cy="0"/>
+        </a:xfrm>
+      </p:grpSpPr>
+      <p:sp>
+        <p:nvSpPr>
+          <p:cNvPr id="42" name="CasellaDiTesto 41">
+            <a:extLst>
+              <a:ext uri="{FF2B5EF4-FFF2-40B4-BE49-F238E27FC236}">
+                <a16:creationId xmlns:a16="http://schemas.microsoft.com/office/drawing/2014/main" id="{515CC22E-779E-4946-9178-52E9409F75F5}"/>
+              </a:ext>
+            </a:extLst>
+          </p:cNvPr>
+          <p:cNvSpPr txBox="1"/>
+          <p:nvPr/>
+        </p:nvSpPr>
+        <p:spPr>
+          <a:xfrm>
+            <a:off x="3108639" y="2459504"/>
+            <a:ext cx="5974721" cy="1938992"/>
+          </a:xfrm>
+          <a:prstGeom prst="rect">
+            <a:avLst/>
+          </a:prstGeom>
+          <a:noFill/>
+          <a:ln w="25400">
+            <a:solidFill>
+              <a:srgbClr val="32AADC"/>
+            </a:solidFill>
+          </a:ln>
+        </p:spPr>
+        <p:txBody>
+          <a:bodyPr wrap="square" rtlCol="0">
+            <a:spAutoFit/>
+          </a:bodyPr>
+          <a:lstStyle/>
+          <a:p>
+            <a:pPr algn="ctr"/>
+            <a:r>
+              <a:rPr lang="it-IT" sz="6000" dirty="0">
+                <a:solidFill>
+                  <a:srgbClr val="32AADC"/>
+                </a:solidFill>
+                <a:effectLst>
+                  <a:outerShdw blurRad="38100" dist="38100" dir="2700000" algn="tl">
+                    <a:srgbClr val="000000">
+                      <a:alpha val="43137"/>
+                    </a:srgbClr>
+                  </a:outerShdw>
+                </a:effectLst>
+                <a:latin typeface="Tw Cen MT Condensed Extra Bold" panose="020B0803020202020204" pitchFamily="34" charset="0"/>
+                <a:ea typeface="Gadugi" panose="020B0502040204020203" pitchFamily="34" charset="0"/>
+                <a:cs typeface="Calibri" panose="020F0502020204030204" pitchFamily="34" charset="0"/>
+              </a:rPr>
+              <a:t>THANKS FOR YOUR ATTENTION</a:t>
+            </a:r>
+          </a:p>
+        </p:txBody>
+      </p:sp>
+    </p:spTree>
+    <p:extLst>
+      <p:ext uri="{BB962C8B-B14F-4D97-AF65-F5344CB8AC3E}">
+        <p14:creationId xmlns:p14="http://schemas.microsoft.com/office/powerpoint/2010/main" val="3207727151"/>
       </p:ext>
     </p:extLst>
   </p:cSld>

--- a/PresentationTextMining.pptx
+++ b/PresentationTextMining.pptx
@@ -9,10 +9,11 @@
     <p:sldId id="260" r:id="rId3"/>
     <p:sldId id="262" r:id="rId4"/>
     <p:sldId id="259" r:id="rId5"/>
-    <p:sldId id="261" r:id="rId6"/>
-    <p:sldId id="263" r:id="rId7"/>
-    <p:sldId id="264" r:id="rId8"/>
-    <p:sldId id="265" r:id="rId9"/>
+    <p:sldId id="268" r:id="rId6"/>
+    <p:sldId id="266" r:id="rId7"/>
+    <p:sldId id="263" r:id="rId8"/>
+    <p:sldId id="264" r:id="rId9"/>
+    <p:sldId id="265" r:id="rId10"/>
   </p:sldIdLst>
   <p:sldSz cx="12192000" cy="6858000"/>
   <p:notesSz cx="6858000" cy="9144000"/>
@@ -268,7 +269,7 @@
               <a:rPr lang="it-IT" smtClean="0"/>
               <a:t>14/02/2021</a:t>
             </a:fld>
-            <a:endParaRPr lang="it-IT"/>
+            <a:endParaRPr lang="it-IT" dirty="0"/>
           </a:p>
         </p:txBody>
       </p:sp>
@@ -293,7 +294,7 @@
           <a:bodyPr/>
           <a:lstStyle/>
           <a:p>
-            <a:endParaRPr lang="it-IT"/>
+            <a:endParaRPr lang="it-IT" dirty="0"/>
           </a:p>
         </p:txBody>
       </p:sp>
@@ -322,7 +323,7 @@
               <a:rPr lang="it-IT" smtClean="0"/>
               <a:t>‹N›</a:t>
             </a:fld>
-            <a:endParaRPr lang="it-IT"/>
+            <a:endParaRPr lang="it-IT" dirty="0"/>
           </a:p>
         </p:txBody>
       </p:sp>
@@ -466,7 +467,7 @@
               <a:rPr lang="it-IT" smtClean="0"/>
               <a:t>14/02/2021</a:t>
             </a:fld>
-            <a:endParaRPr lang="it-IT"/>
+            <a:endParaRPr lang="it-IT" dirty="0"/>
           </a:p>
         </p:txBody>
       </p:sp>
@@ -491,7 +492,7 @@
           <a:bodyPr/>
           <a:lstStyle/>
           <a:p>
-            <a:endParaRPr lang="it-IT"/>
+            <a:endParaRPr lang="it-IT" dirty="0"/>
           </a:p>
         </p:txBody>
       </p:sp>
@@ -520,7 +521,7 @@
               <a:rPr lang="it-IT" smtClean="0"/>
               <a:t>‹N›</a:t>
             </a:fld>
-            <a:endParaRPr lang="it-IT"/>
+            <a:endParaRPr lang="it-IT" dirty="0"/>
           </a:p>
         </p:txBody>
       </p:sp>
@@ -674,7 +675,7 @@
               <a:rPr lang="it-IT" smtClean="0"/>
               <a:t>14/02/2021</a:t>
             </a:fld>
-            <a:endParaRPr lang="it-IT"/>
+            <a:endParaRPr lang="it-IT" dirty="0"/>
           </a:p>
         </p:txBody>
       </p:sp>
@@ -699,7 +700,7 @@
           <a:bodyPr/>
           <a:lstStyle/>
           <a:p>
-            <a:endParaRPr lang="it-IT"/>
+            <a:endParaRPr lang="it-IT" dirty="0"/>
           </a:p>
         </p:txBody>
       </p:sp>
@@ -728,7 +729,7 @@
               <a:rPr lang="it-IT" smtClean="0"/>
               <a:t>‹N›</a:t>
             </a:fld>
-            <a:endParaRPr lang="it-IT"/>
+            <a:endParaRPr lang="it-IT" dirty="0"/>
           </a:p>
         </p:txBody>
       </p:sp>
@@ -872,7 +873,7 @@
               <a:rPr lang="it-IT" smtClean="0"/>
               <a:t>14/02/2021</a:t>
             </a:fld>
-            <a:endParaRPr lang="it-IT"/>
+            <a:endParaRPr lang="it-IT" dirty="0"/>
           </a:p>
         </p:txBody>
       </p:sp>
@@ -897,7 +898,7 @@
           <a:bodyPr/>
           <a:lstStyle/>
           <a:p>
-            <a:endParaRPr lang="it-IT"/>
+            <a:endParaRPr lang="it-IT" dirty="0"/>
           </a:p>
         </p:txBody>
       </p:sp>
@@ -926,7 +927,7 @@
               <a:rPr lang="it-IT" smtClean="0"/>
               <a:t>‹N›</a:t>
             </a:fld>
-            <a:endParaRPr lang="it-IT"/>
+            <a:endParaRPr lang="it-IT" dirty="0"/>
           </a:p>
         </p:txBody>
       </p:sp>
@@ -1147,7 +1148,7 @@
               <a:rPr lang="it-IT" smtClean="0"/>
               <a:t>14/02/2021</a:t>
             </a:fld>
-            <a:endParaRPr lang="it-IT"/>
+            <a:endParaRPr lang="it-IT" dirty="0"/>
           </a:p>
         </p:txBody>
       </p:sp>
@@ -1172,7 +1173,7 @@
           <a:bodyPr/>
           <a:lstStyle/>
           <a:p>
-            <a:endParaRPr lang="it-IT"/>
+            <a:endParaRPr lang="it-IT" dirty="0"/>
           </a:p>
         </p:txBody>
       </p:sp>
@@ -1201,7 +1202,7 @@
               <a:rPr lang="it-IT" smtClean="0"/>
               <a:t>‹N›</a:t>
             </a:fld>
-            <a:endParaRPr lang="it-IT"/>
+            <a:endParaRPr lang="it-IT" dirty="0"/>
           </a:p>
         </p:txBody>
       </p:sp>
@@ -1412,7 +1413,7 @@
               <a:rPr lang="it-IT" smtClean="0"/>
               <a:t>14/02/2021</a:t>
             </a:fld>
-            <a:endParaRPr lang="it-IT"/>
+            <a:endParaRPr lang="it-IT" dirty="0"/>
           </a:p>
         </p:txBody>
       </p:sp>
@@ -1437,7 +1438,7 @@
           <a:bodyPr/>
           <a:lstStyle/>
           <a:p>
-            <a:endParaRPr lang="it-IT"/>
+            <a:endParaRPr lang="it-IT" dirty="0"/>
           </a:p>
         </p:txBody>
       </p:sp>
@@ -1466,7 +1467,7 @@
               <a:rPr lang="it-IT" smtClean="0"/>
               <a:t>‹N›</a:t>
             </a:fld>
-            <a:endParaRPr lang="it-IT"/>
+            <a:endParaRPr lang="it-IT" dirty="0"/>
           </a:p>
         </p:txBody>
       </p:sp>
@@ -1824,7 +1825,7 @@
               <a:rPr lang="it-IT" smtClean="0"/>
               <a:t>14/02/2021</a:t>
             </a:fld>
-            <a:endParaRPr lang="it-IT"/>
+            <a:endParaRPr lang="it-IT" dirty="0"/>
           </a:p>
         </p:txBody>
       </p:sp>
@@ -1849,7 +1850,7 @@
           <a:bodyPr/>
           <a:lstStyle/>
           <a:p>
-            <a:endParaRPr lang="it-IT"/>
+            <a:endParaRPr lang="it-IT" dirty="0"/>
           </a:p>
         </p:txBody>
       </p:sp>
@@ -1878,7 +1879,7 @@
               <a:rPr lang="it-IT" smtClean="0"/>
               <a:t>‹N›</a:t>
             </a:fld>
-            <a:endParaRPr lang="it-IT"/>
+            <a:endParaRPr lang="it-IT" dirty="0"/>
           </a:p>
         </p:txBody>
       </p:sp>
@@ -1965,7 +1966,7 @@
               <a:rPr lang="it-IT" smtClean="0"/>
               <a:t>14/02/2021</a:t>
             </a:fld>
-            <a:endParaRPr lang="it-IT"/>
+            <a:endParaRPr lang="it-IT" dirty="0"/>
           </a:p>
         </p:txBody>
       </p:sp>
@@ -1990,7 +1991,7 @@
           <a:bodyPr/>
           <a:lstStyle/>
           <a:p>
-            <a:endParaRPr lang="it-IT"/>
+            <a:endParaRPr lang="it-IT" dirty="0"/>
           </a:p>
         </p:txBody>
       </p:sp>
@@ -2019,7 +2020,7 @@
               <a:rPr lang="it-IT" smtClean="0"/>
               <a:t>‹N›</a:t>
             </a:fld>
-            <a:endParaRPr lang="it-IT"/>
+            <a:endParaRPr lang="it-IT" dirty="0"/>
           </a:p>
         </p:txBody>
       </p:sp>
@@ -2078,7 +2079,7 @@
               <a:rPr lang="it-IT" smtClean="0"/>
               <a:t>14/02/2021</a:t>
             </a:fld>
-            <a:endParaRPr lang="it-IT"/>
+            <a:endParaRPr lang="it-IT" dirty="0"/>
           </a:p>
         </p:txBody>
       </p:sp>
@@ -2103,7 +2104,7 @@
           <a:bodyPr/>
           <a:lstStyle/>
           <a:p>
-            <a:endParaRPr lang="it-IT"/>
+            <a:endParaRPr lang="it-IT" dirty="0"/>
           </a:p>
         </p:txBody>
       </p:sp>
@@ -2132,7 +2133,7 @@
               <a:rPr lang="it-IT" smtClean="0"/>
               <a:t>‹N›</a:t>
             </a:fld>
-            <a:endParaRPr lang="it-IT"/>
+            <a:endParaRPr lang="it-IT" dirty="0"/>
           </a:p>
         </p:txBody>
       </p:sp>
@@ -2389,7 +2390,7 @@
               <a:rPr lang="it-IT" smtClean="0"/>
               <a:t>14/02/2021</a:t>
             </a:fld>
-            <a:endParaRPr lang="it-IT"/>
+            <a:endParaRPr lang="it-IT" dirty="0"/>
           </a:p>
         </p:txBody>
       </p:sp>
@@ -2414,7 +2415,7 @@
           <a:bodyPr/>
           <a:lstStyle/>
           <a:p>
-            <a:endParaRPr lang="it-IT"/>
+            <a:endParaRPr lang="it-IT" dirty="0"/>
           </a:p>
         </p:txBody>
       </p:sp>
@@ -2443,7 +2444,7 @@
               <a:rPr lang="it-IT" smtClean="0"/>
               <a:t>‹N›</a:t>
             </a:fld>
-            <a:endParaRPr lang="it-IT"/>
+            <a:endParaRPr lang="it-IT" dirty="0"/>
           </a:p>
         </p:txBody>
       </p:sp>
@@ -2577,7 +2578,7 @@
             </a:lvl9pPr>
           </a:lstStyle>
           <a:p>
-            <a:endParaRPr lang="it-IT"/>
+            <a:endParaRPr lang="it-IT" dirty="0"/>
           </a:p>
         </p:txBody>
       </p:sp>
@@ -2677,7 +2678,7 @@
               <a:rPr lang="it-IT" smtClean="0"/>
               <a:t>14/02/2021</a:t>
             </a:fld>
-            <a:endParaRPr lang="it-IT"/>
+            <a:endParaRPr lang="it-IT" dirty="0"/>
           </a:p>
         </p:txBody>
       </p:sp>
@@ -2702,7 +2703,7 @@
           <a:bodyPr/>
           <a:lstStyle/>
           <a:p>
-            <a:endParaRPr lang="it-IT"/>
+            <a:endParaRPr lang="it-IT" dirty="0"/>
           </a:p>
         </p:txBody>
       </p:sp>
@@ -2731,7 +2732,7 @@
               <a:rPr lang="it-IT" smtClean="0"/>
               <a:t>‹N›</a:t>
             </a:fld>
-            <a:endParaRPr lang="it-IT"/>
+            <a:endParaRPr lang="it-IT" dirty="0"/>
           </a:p>
         </p:txBody>
       </p:sp>
@@ -2918,7 +2919,7 @@
               <a:rPr lang="it-IT" smtClean="0"/>
               <a:t>14/02/2021</a:t>
             </a:fld>
-            <a:endParaRPr lang="it-IT"/>
+            <a:endParaRPr lang="it-IT" dirty="0"/>
           </a:p>
         </p:txBody>
       </p:sp>
@@ -2961,7 +2962,7 @@
             </a:lvl1pPr>
           </a:lstStyle>
           <a:p>
-            <a:endParaRPr lang="it-IT"/>
+            <a:endParaRPr lang="it-IT" dirty="0"/>
           </a:p>
         </p:txBody>
       </p:sp>
@@ -3008,7 +3009,7 @@
               <a:rPr lang="it-IT" smtClean="0"/>
               <a:t>‹N›</a:t>
             </a:fld>
-            <a:endParaRPr lang="it-IT"/>
+            <a:endParaRPr lang="it-IT" dirty="0"/>
           </a:p>
         </p:txBody>
       </p:sp>
@@ -4019,8 +4020,8 @@
         </p:blipFill>
         <p:spPr>
           <a:xfrm>
-            <a:off x="267942" y="158942"/>
-            <a:ext cx="833071" cy="833071"/>
+            <a:off x="452145" y="261629"/>
+            <a:ext cx="963699" cy="963699"/>
           </a:xfrm>
           <a:prstGeom prst="rect">
             <a:avLst/>
@@ -4729,6 +4730,1852 @@
           </a:p>
         </p:txBody>
       </p:sp>
+      <p:sp>
+        <p:nvSpPr>
+          <p:cNvPr id="9" name="Rectangle 2">
+            <a:extLst>
+              <a:ext uri="{FF2B5EF4-FFF2-40B4-BE49-F238E27FC236}">
+                <a16:creationId xmlns:a16="http://schemas.microsoft.com/office/drawing/2014/main" id="{324036F0-50C0-4FE8-AEB2-7243A9256E9E}"/>
+              </a:ext>
+            </a:extLst>
+          </p:cNvPr>
+          <p:cNvSpPr>
+            <a:spLocks noChangeArrowheads="1"/>
+          </p:cNvSpPr>
+          <p:nvPr/>
+        </p:nvSpPr>
+        <p:spPr bwMode="auto">
+          <a:xfrm>
+            <a:off x="834009" y="2092547"/>
+            <a:ext cx="2266950" cy="1123712"/>
+          </a:xfrm>
+          <a:prstGeom prst="roundRect">
+            <a:avLst/>
+          </a:prstGeom>
+          <a:solidFill>
+            <a:srgbClr val="258EBB"/>
+          </a:solidFill>
+          <a:ln>
+            <a:noFill/>
+          </a:ln>
+          <a:effectLst/>
+        </p:spPr>
+        <p:txBody>
+          <a:bodyPr vert="horz" wrap="square" lIns="0" tIns="0" rIns="0" bIns="0" numCol="1" anchor="ctr" anchorCtr="0" compatLnSpc="1">
+            <a:prstTxWarp prst="textNoShape">
+              <a:avLst/>
+            </a:prstTxWarp>
+            <a:spAutoFit/>
+          </a:bodyPr>
+          <a:lstStyle/>
+          <a:p>
+            <a:pPr marL="0" marR="0" lvl="0" indent="0" algn="l" defTabSz="914400" rtl="0" eaLnBrk="0" fontAlgn="base" latinLnBrk="0" hangingPunct="0">
+              <a:lnSpc>
+                <a:spcPct val="100000"/>
+              </a:lnSpc>
+              <a:spcBef>
+                <a:spcPct val="0"/>
+              </a:spcBef>
+              <a:spcAft>
+                <a:spcPct val="0"/>
+              </a:spcAft>
+              <a:buClrTx/>
+              <a:buSzTx/>
+              <a:buFontTx/>
+              <a:buNone/>
+              <a:tabLst/>
+            </a:pPr>
+            <a:r>
+              <a:rPr kumimoji="0" lang="it-IT" altLang="it-IT" sz="1100" b="0" i="0" u="none" strike="noStrike" cap="none" normalizeH="0" baseline="0" dirty="0">
+                <a:ln>
+                  <a:noFill/>
+                </a:ln>
+                <a:solidFill>
+                  <a:schemeClr val="bg1"/>
+                </a:solidFill>
+                <a:effectLst>
+                  <a:outerShdw blurRad="38100" dist="38100" dir="2700000" algn="tl">
+                    <a:srgbClr val="000000">
+                      <a:alpha val="43137"/>
+                    </a:srgbClr>
+                  </a:outerShdw>
+                </a:effectLst>
+                <a:latin typeface="Courier New" panose="02070309020205020404" pitchFamily="49" charset="0"/>
+                <a:ea typeface="Tahoma" panose="020B0604030504040204" pitchFamily="34" charset="0"/>
+                <a:cs typeface="Courier New" panose="02070309020205020404" pitchFamily="49" charset="0"/>
+              </a:rPr>
+              <a:t>RT @shakiraevanss: Criticize Amanda for saying the n word, sure, but don't make jokes about her sexual assault, don't be trash. </a:t>
+            </a:r>
+          </a:p>
+        </p:txBody>
+      </p:sp>
+      <p:sp>
+        <p:nvSpPr>
+          <p:cNvPr id="10" name="Rectangle 3">
+            <a:extLst>
+              <a:ext uri="{FF2B5EF4-FFF2-40B4-BE49-F238E27FC236}">
+                <a16:creationId xmlns:a16="http://schemas.microsoft.com/office/drawing/2014/main" id="{9EA87040-EA63-4586-8084-8B80532CFB9C}"/>
+              </a:ext>
+            </a:extLst>
+          </p:cNvPr>
+          <p:cNvSpPr>
+            <a:spLocks noChangeArrowheads="1"/>
+          </p:cNvSpPr>
+          <p:nvPr/>
+        </p:nvSpPr>
+        <p:spPr bwMode="auto">
+          <a:xfrm>
+            <a:off x="7287035" y="2181403"/>
+            <a:ext cx="2098935" cy="936427"/>
+          </a:xfrm>
+          <a:prstGeom prst="roundRect">
+            <a:avLst/>
+          </a:prstGeom>
+          <a:solidFill>
+            <a:srgbClr val="258EBB"/>
+          </a:solidFill>
+          <a:ln>
+            <a:noFill/>
+          </a:ln>
+          <a:effectLst/>
+        </p:spPr>
+        <p:txBody>
+          <a:bodyPr vert="horz" wrap="square" lIns="0" tIns="0" rIns="0" bIns="0" numCol="1" anchor="ctr" anchorCtr="0" compatLnSpc="1">
+            <a:prstTxWarp prst="textNoShape">
+              <a:avLst/>
+            </a:prstTxWarp>
+            <a:spAutoFit/>
+          </a:bodyPr>
+          <a:lstStyle/>
+          <a:p>
+            <a:pPr marL="0" marR="0" lvl="0" indent="0" algn="l" defTabSz="914400" rtl="0" eaLnBrk="0" fontAlgn="base" latinLnBrk="0" hangingPunct="0">
+              <a:lnSpc>
+                <a:spcPct val="100000"/>
+              </a:lnSpc>
+              <a:spcBef>
+                <a:spcPct val="0"/>
+              </a:spcBef>
+              <a:spcAft>
+                <a:spcPct val="0"/>
+              </a:spcAft>
+              <a:buClrTx/>
+              <a:buSzTx/>
+              <a:buFontTx/>
+              <a:buNone/>
+              <a:tabLst/>
+            </a:pPr>
+            <a:r>
+              <a:rPr lang="it-IT" altLang="it-IT" sz="1100" dirty="0">
+                <a:solidFill>
+                  <a:srgbClr val="8A0000"/>
+                </a:solidFill>
+                <a:effectLst>
+                  <a:outerShdw blurRad="38100" dist="38100" dir="2700000" algn="tl">
+                    <a:srgbClr val="000000">
+                      <a:alpha val="43137"/>
+                    </a:srgbClr>
+                  </a:outerShdw>
+                </a:effectLst>
+                <a:latin typeface="Courier New" panose="02070309020205020404" pitchFamily="49" charset="0"/>
+                <a:ea typeface="Tahoma" panose="020B0604030504040204" pitchFamily="34" charset="0"/>
+                <a:cs typeface="Courier New" panose="02070309020205020404" pitchFamily="49" charset="0"/>
+              </a:rPr>
+              <a:t>rt</a:t>
+            </a:r>
+            <a:r>
+              <a:rPr lang="it-IT" altLang="it-IT" sz="1100" dirty="0">
+                <a:solidFill>
+                  <a:schemeClr val="bg1"/>
+                </a:solidFill>
+                <a:effectLst>
+                  <a:outerShdw blurRad="38100" dist="38100" dir="2700000" algn="tl">
+                    <a:srgbClr val="000000">
+                      <a:alpha val="43137"/>
+                    </a:srgbClr>
+                  </a:outerShdw>
+                </a:effectLst>
+                <a:latin typeface="Courier New" panose="02070309020205020404" pitchFamily="49" charset="0"/>
+                <a:ea typeface="Tahoma" panose="020B0604030504040204" pitchFamily="34" charset="0"/>
+                <a:cs typeface="Courier New" panose="02070309020205020404" pitchFamily="49" charset="0"/>
+              </a:rPr>
+              <a:t> criticize amanda for saying </a:t>
+            </a:r>
+            <a:r>
+              <a:rPr lang="it-IT" altLang="it-IT" sz="1100" dirty="0">
+                <a:solidFill>
+                  <a:srgbClr val="8A0000"/>
+                </a:solidFill>
+                <a:effectLst>
+                  <a:outerShdw blurRad="38100" dist="38100" dir="2700000" algn="tl">
+                    <a:srgbClr val="000000">
+                      <a:alpha val="43137"/>
+                    </a:srgbClr>
+                  </a:outerShdw>
+                </a:effectLst>
+                <a:latin typeface="Courier New" panose="02070309020205020404" pitchFamily="49" charset="0"/>
+                <a:ea typeface="Tahoma" panose="020B0604030504040204" pitchFamily="34" charset="0"/>
+                <a:cs typeface="Courier New" panose="02070309020205020404" pitchFamily="49" charset="0"/>
+              </a:rPr>
+              <a:t>the</a:t>
+            </a:r>
+            <a:r>
+              <a:rPr lang="it-IT" altLang="it-IT" sz="1100" dirty="0">
+                <a:solidFill>
+                  <a:schemeClr val="bg1"/>
+                </a:solidFill>
+                <a:effectLst>
+                  <a:outerShdw blurRad="38100" dist="38100" dir="2700000" algn="tl">
+                    <a:srgbClr val="000000">
+                      <a:alpha val="43137"/>
+                    </a:srgbClr>
+                  </a:outerShdw>
+                </a:effectLst>
+                <a:latin typeface="Courier New" panose="02070309020205020404" pitchFamily="49" charset="0"/>
+                <a:ea typeface="Tahoma" panose="020B0604030504040204" pitchFamily="34" charset="0"/>
+                <a:cs typeface="Courier New" panose="02070309020205020404" pitchFamily="49" charset="0"/>
+              </a:rPr>
+              <a:t> n word sure </a:t>
+            </a:r>
+            <a:r>
+              <a:rPr lang="it-IT" altLang="it-IT" sz="1100" dirty="0">
+                <a:solidFill>
+                  <a:srgbClr val="8A0000"/>
+                </a:solidFill>
+                <a:effectLst>
+                  <a:outerShdw blurRad="38100" dist="38100" dir="2700000" algn="tl">
+                    <a:srgbClr val="000000">
+                      <a:alpha val="43137"/>
+                    </a:srgbClr>
+                  </a:outerShdw>
+                </a:effectLst>
+                <a:latin typeface="Courier New" panose="02070309020205020404" pitchFamily="49" charset="0"/>
+                <a:ea typeface="Tahoma" panose="020B0604030504040204" pitchFamily="34" charset="0"/>
+                <a:cs typeface="Courier New" panose="02070309020205020404" pitchFamily="49" charset="0"/>
+              </a:rPr>
+              <a:t>but</a:t>
+            </a:r>
+            <a:r>
+              <a:rPr lang="it-IT" altLang="it-IT" sz="1100" dirty="0">
+                <a:solidFill>
+                  <a:schemeClr val="bg1"/>
+                </a:solidFill>
+                <a:effectLst>
+                  <a:outerShdw blurRad="38100" dist="38100" dir="2700000" algn="tl">
+                    <a:srgbClr val="000000">
+                      <a:alpha val="43137"/>
+                    </a:srgbClr>
+                  </a:outerShdw>
+                </a:effectLst>
+                <a:latin typeface="Courier New" panose="02070309020205020404" pitchFamily="49" charset="0"/>
+                <a:ea typeface="Tahoma" panose="020B0604030504040204" pitchFamily="34" charset="0"/>
+                <a:cs typeface="Courier New" panose="02070309020205020404" pitchFamily="49" charset="0"/>
+              </a:rPr>
+              <a:t> dont make jokes </a:t>
+            </a:r>
+            <a:r>
+              <a:rPr lang="it-IT" altLang="it-IT" sz="1100" dirty="0">
+                <a:solidFill>
+                  <a:srgbClr val="8A0000"/>
+                </a:solidFill>
+                <a:effectLst>
+                  <a:outerShdw blurRad="38100" dist="38100" dir="2700000" algn="tl">
+                    <a:srgbClr val="000000">
+                      <a:alpha val="43137"/>
+                    </a:srgbClr>
+                  </a:outerShdw>
+                </a:effectLst>
+                <a:latin typeface="Courier New" panose="02070309020205020404" pitchFamily="49" charset="0"/>
+                <a:ea typeface="Tahoma" panose="020B0604030504040204" pitchFamily="34" charset="0"/>
+                <a:cs typeface="Courier New" panose="02070309020205020404" pitchFamily="49" charset="0"/>
+              </a:rPr>
+              <a:t>about</a:t>
+            </a:r>
+            <a:r>
+              <a:rPr lang="it-IT" altLang="it-IT" sz="1100" dirty="0">
+                <a:solidFill>
+                  <a:schemeClr val="bg1"/>
+                </a:solidFill>
+                <a:effectLst>
+                  <a:outerShdw blurRad="38100" dist="38100" dir="2700000" algn="tl">
+                    <a:srgbClr val="000000">
+                      <a:alpha val="43137"/>
+                    </a:srgbClr>
+                  </a:outerShdw>
+                </a:effectLst>
+                <a:latin typeface="Courier New" panose="02070309020205020404" pitchFamily="49" charset="0"/>
+                <a:ea typeface="Tahoma" panose="020B0604030504040204" pitchFamily="34" charset="0"/>
+                <a:cs typeface="Courier New" panose="02070309020205020404" pitchFamily="49" charset="0"/>
+              </a:rPr>
+              <a:t> </a:t>
+            </a:r>
+            <a:r>
+              <a:rPr lang="it-IT" altLang="it-IT" sz="1100" dirty="0">
+                <a:solidFill>
+                  <a:srgbClr val="8A0000"/>
+                </a:solidFill>
+                <a:effectLst>
+                  <a:outerShdw blurRad="38100" dist="38100" dir="2700000" algn="tl">
+                    <a:srgbClr val="000000">
+                      <a:alpha val="43137"/>
+                    </a:srgbClr>
+                  </a:outerShdw>
+                </a:effectLst>
+                <a:latin typeface="Courier New" panose="02070309020205020404" pitchFamily="49" charset="0"/>
+                <a:ea typeface="Tahoma" panose="020B0604030504040204" pitchFamily="34" charset="0"/>
+                <a:cs typeface="Courier New" panose="02070309020205020404" pitchFamily="49" charset="0"/>
+              </a:rPr>
+              <a:t>her</a:t>
+            </a:r>
+            <a:r>
+              <a:rPr lang="it-IT" altLang="it-IT" sz="1100" dirty="0">
+                <a:solidFill>
+                  <a:schemeClr val="bg1"/>
+                </a:solidFill>
+                <a:effectLst>
+                  <a:outerShdw blurRad="38100" dist="38100" dir="2700000" algn="tl">
+                    <a:srgbClr val="000000">
+                      <a:alpha val="43137"/>
+                    </a:srgbClr>
+                  </a:outerShdw>
+                </a:effectLst>
+                <a:latin typeface="Courier New" panose="02070309020205020404" pitchFamily="49" charset="0"/>
+                <a:ea typeface="Tahoma" panose="020B0604030504040204" pitchFamily="34" charset="0"/>
+                <a:cs typeface="Courier New" panose="02070309020205020404" pitchFamily="49" charset="0"/>
+              </a:rPr>
+              <a:t> sexual assault dont </a:t>
+            </a:r>
+            <a:r>
+              <a:rPr lang="it-IT" altLang="it-IT" sz="1100" dirty="0">
+                <a:solidFill>
+                  <a:srgbClr val="8A0000"/>
+                </a:solidFill>
+                <a:effectLst>
+                  <a:outerShdw blurRad="38100" dist="38100" dir="2700000" algn="tl">
+                    <a:srgbClr val="000000">
+                      <a:alpha val="43137"/>
+                    </a:srgbClr>
+                  </a:outerShdw>
+                </a:effectLst>
+                <a:latin typeface="Courier New" panose="02070309020205020404" pitchFamily="49" charset="0"/>
+                <a:ea typeface="Tahoma" panose="020B0604030504040204" pitchFamily="34" charset="0"/>
+                <a:cs typeface="Courier New" panose="02070309020205020404" pitchFamily="49" charset="0"/>
+              </a:rPr>
+              <a:t>be</a:t>
+            </a:r>
+            <a:r>
+              <a:rPr lang="it-IT" altLang="it-IT" sz="1100" dirty="0">
+                <a:solidFill>
+                  <a:schemeClr val="bg1"/>
+                </a:solidFill>
+                <a:effectLst>
+                  <a:outerShdw blurRad="38100" dist="38100" dir="2700000" algn="tl">
+                    <a:srgbClr val="000000">
+                      <a:alpha val="43137"/>
+                    </a:srgbClr>
+                  </a:outerShdw>
+                </a:effectLst>
+                <a:latin typeface="Courier New" panose="02070309020205020404" pitchFamily="49" charset="0"/>
+                <a:ea typeface="Tahoma" panose="020B0604030504040204" pitchFamily="34" charset="0"/>
+                <a:cs typeface="Courier New" panose="02070309020205020404" pitchFamily="49" charset="0"/>
+              </a:rPr>
+              <a:t> trash </a:t>
+            </a:r>
+          </a:p>
+        </p:txBody>
+      </p:sp>
+      <p:sp>
+        <p:nvSpPr>
+          <p:cNvPr id="11" name="Rectangle 4">
+            <a:extLst>
+              <a:ext uri="{FF2B5EF4-FFF2-40B4-BE49-F238E27FC236}">
+                <a16:creationId xmlns:a16="http://schemas.microsoft.com/office/drawing/2014/main" id="{39299337-0A99-47B5-AE95-90BBB5779B97}"/>
+              </a:ext>
+            </a:extLst>
+          </p:cNvPr>
+          <p:cNvSpPr>
+            <a:spLocks noChangeArrowheads="1"/>
+          </p:cNvSpPr>
+          <p:nvPr/>
+        </p:nvSpPr>
+        <p:spPr bwMode="auto">
+          <a:xfrm>
+            <a:off x="9033263" y="5444863"/>
+            <a:ext cx="2207579" cy="936427"/>
+          </a:xfrm>
+          <a:prstGeom prst="flowChartAlternateProcess">
+            <a:avLst/>
+          </a:prstGeom>
+          <a:solidFill>
+            <a:srgbClr val="258EBB"/>
+          </a:solidFill>
+          <a:ln>
+            <a:noFill/>
+          </a:ln>
+          <a:effectLst/>
+        </p:spPr>
+        <p:txBody>
+          <a:bodyPr vert="horz" wrap="square" lIns="0" tIns="0" rIns="0" bIns="0" numCol="1" anchor="ctr" anchorCtr="0" compatLnSpc="1">
+            <a:prstTxWarp prst="textNoShape">
+              <a:avLst/>
+            </a:prstTxWarp>
+            <a:spAutoFit/>
+          </a:bodyPr>
+          <a:lstStyle/>
+          <a:p>
+            <a:pPr marL="0" marR="0" lvl="0" indent="0" algn="l" defTabSz="914400" rtl="0" eaLnBrk="0" fontAlgn="base" latinLnBrk="0" hangingPunct="0">
+              <a:lnSpc>
+                <a:spcPct val="100000"/>
+              </a:lnSpc>
+              <a:spcBef>
+                <a:spcPct val="0"/>
+              </a:spcBef>
+              <a:spcAft>
+                <a:spcPct val="0"/>
+              </a:spcAft>
+              <a:buClrTx/>
+              <a:buSzTx/>
+              <a:buFontTx/>
+              <a:buNone/>
+              <a:tabLst/>
+            </a:pPr>
+            <a:r>
+              <a:rPr lang="it-IT" altLang="it-IT" sz="1100" dirty="0">
+                <a:solidFill>
+                  <a:schemeClr val="bg1"/>
+                </a:solidFill>
+                <a:effectLst>
+                  <a:outerShdw blurRad="38100" dist="38100" dir="2700000" algn="tl">
+                    <a:srgbClr val="000000">
+                      <a:alpha val="43137"/>
+                    </a:srgbClr>
+                  </a:outerShdw>
+                </a:effectLst>
+                <a:latin typeface="Courier New" panose="02070309020205020404" pitchFamily="49" charset="0"/>
+                <a:ea typeface="Tahoma" panose="020B0604030504040204" pitchFamily="34" charset="0"/>
+                <a:cs typeface="Courier New" panose="02070309020205020404" pitchFamily="49" charset="0"/>
+              </a:rPr>
+              <a:t>criticize, amanda, saying, n, word, sure, dont, make, jokes, sexual, assault, dont, trash </a:t>
+            </a:r>
+          </a:p>
+        </p:txBody>
+      </p:sp>
+      <p:sp>
+        <p:nvSpPr>
+          <p:cNvPr id="12" name="Rectangle 5">
+            <a:extLst>
+              <a:ext uri="{FF2B5EF4-FFF2-40B4-BE49-F238E27FC236}">
+                <a16:creationId xmlns:a16="http://schemas.microsoft.com/office/drawing/2014/main" id="{596E466C-7469-495E-93D8-7B1ACFE0441F}"/>
+              </a:ext>
+            </a:extLst>
+          </p:cNvPr>
+          <p:cNvSpPr>
+            <a:spLocks noChangeArrowheads="1"/>
+          </p:cNvSpPr>
+          <p:nvPr/>
+        </p:nvSpPr>
+        <p:spPr bwMode="auto">
+          <a:xfrm>
+            <a:off x="3030513" y="4450948"/>
+            <a:ext cx="2508259" cy="561856"/>
+          </a:xfrm>
+          <a:prstGeom prst="roundRect">
+            <a:avLst/>
+          </a:prstGeom>
+          <a:solidFill>
+            <a:srgbClr val="258EBB"/>
+          </a:solidFill>
+          <a:ln>
+            <a:noFill/>
+          </a:ln>
+          <a:effectLst/>
+        </p:spPr>
+        <p:txBody>
+          <a:bodyPr vert="horz" wrap="square" lIns="0" tIns="0" rIns="0" bIns="0" numCol="1" anchor="ctr" anchorCtr="0" compatLnSpc="1">
+            <a:prstTxWarp prst="textNoShape">
+              <a:avLst/>
+            </a:prstTxWarp>
+            <a:spAutoFit/>
+          </a:bodyPr>
+          <a:lstStyle/>
+          <a:p>
+            <a:pPr marL="0" marR="0" lvl="0" indent="0" algn="l" defTabSz="914400" rtl="0" eaLnBrk="0" fontAlgn="base" latinLnBrk="0" hangingPunct="0">
+              <a:lnSpc>
+                <a:spcPct val="100000"/>
+              </a:lnSpc>
+              <a:spcBef>
+                <a:spcPct val="0"/>
+              </a:spcBef>
+              <a:spcAft>
+                <a:spcPct val="0"/>
+              </a:spcAft>
+              <a:buClrTx/>
+              <a:buSzTx/>
+              <a:buFontTx/>
+              <a:buNone/>
+              <a:tabLst/>
+            </a:pPr>
+            <a:r>
+              <a:rPr lang="it-IT" altLang="it-IT" sz="1100" dirty="0">
+                <a:solidFill>
+                  <a:srgbClr val="8A0000"/>
+                </a:solidFill>
+                <a:effectLst>
+                  <a:outerShdw blurRad="38100" dist="38100" dir="2700000" algn="tl">
+                    <a:srgbClr val="000000">
+                      <a:alpha val="43137"/>
+                    </a:srgbClr>
+                  </a:outerShdw>
+                </a:effectLst>
+                <a:latin typeface="Courier New" panose="02070309020205020404" pitchFamily="49" charset="0"/>
+                <a:ea typeface="Tahoma" panose="020B0604030504040204" pitchFamily="34" charset="0"/>
+                <a:cs typeface="Courier New" panose="02070309020205020404" pitchFamily="49" charset="0"/>
+              </a:rPr>
+              <a:t>critic</a:t>
+            </a:r>
+            <a:r>
+              <a:rPr lang="it-IT" altLang="it-IT" sz="1100" dirty="0">
+                <a:solidFill>
+                  <a:schemeClr val="bg1"/>
+                </a:solidFill>
+                <a:effectLst>
+                  <a:outerShdw blurRad="38100" dist="38100" dir="2700000" algn="tl">
+                    <a:srgbClr val="000000">
+                      <a:alpha val="43137"/>
+                    </a:srgbClr>
+                  </a:outerShdw>
+                </a:effectLst>
+                <a:latin typeface="Courier New" panose="02070309020205020404" pitchFamily="49" charset="0"/>
+                <a:ea typeface="Tahoma" panose="020B0604030504040204" pitchFamily="34" charset="0"/>
+                <a:cs typeface="Courier New" panose="02070309020205020404" pitchFamily="49" charset="0"/>
+              </a:rPr>
+              <a:t>, amanda, say, n, word, sure, dont, make, joke, sexual, assault, dont, trash </a:t>
+            </a:r>
+          </a:p>
+        </p:txBody>
+      </p:sp>
+      <p:sp>
+        <p:nvSpPr>
+          <p:cNvPr id="13" name="Rectangle 6">
+            <a:extLst>
+              <a:ext uri="{FF2B5EF4-FFF2-40B4-BE49-F238E27FC236}">
+                <a16:creationId xmlns:a16="http://schemas.microsoft.com/office/drawing/2014/main" id="{FF3B0FEA-DADA-4C2B-94C1-6FDEDF340B2F}"/>
+              </a:ext>
+            </a:extLst>
+          </p:cNvPr>
+          <p:cNvSpPr>
+            <a:spLocks noChangeArrowheads="1"/>
+          </p:cNvSpPr>
+          <p:nvPr/>
+        </p:nvSpPr>
+        <p:spPr bwMode="auto">
+          <a:xfrm>
+            <a:off x="3031905" y="5567964"/>
+            <a:ext cx="2521191" cy="561856"/>
+          </a:xfrm>
+          <a:prstGeom prst="roundRect">
+            <a:avLst/>
+          </a:prstGeom>
+          <a:solidFill>
+            <a:srgbClr val="258EBB"/>
+          </a:solidFill>
+          <a:ln>
+            <a:noFill/>
+          </a:ln>
+          <a:effectLst/>
+        </p:spPr>
+        <p:txBody>
+          <a:bodyPr vert="horz" wrap="square" lIns="0" tIns="0" rIns="0" bIns="0" numCol="1" anchor="ctr" anchorCtr="0" compatLnSpc="1">
+            <a:prstTxWarp prst="textNoShape">
+              <a:avLst/>
+            </a:prstTxWarp>
+            <a:spAutoFit/>
+          </a:bodyPr>
+          <a:lstStyle/>
+          <a:p>
+            <a:pPr eaLnBrk="0" fontAlgn="base" hangingPunct="0">
+              <a:spcBef>
+                <a:spcPct val="0"/>
+              </a:spcBef>
+              <a:spcAft>
+                <a:spcPct val="0"/>
+              </a:spcAft>
+            </a:pPr>
+            <a:r>
+              <a:rPr lang="it-IT" altLang="it-IT" sz="1100" dirty="0">
+                <a:solidFill>
+                  <a:srgbClr val="8A0000"/>
+                </a:solidFill>
+                <a:effectLst>
+                  <a:outerShdw blurRad="38100" dist="38100" dir="2700000" algn="tl">
+                    <a:srgbClr val="000000">
+                      <a:alpha val="43137"/>
+                    </a:srgbClr>
+                  </a:outerShdw>
+                </a:effectLst>
+                <a:latin typeface="Courier New" panose="02070309020205020404" pitchFamily="49" charset="0"/>
+                <a:ea typeface="Tahoma" panose="020B0604030504040204" pitchFamily="34" charset="0"/>
+                <a:cs typeface="Courier New" panose="02070309020205020404" pitchFamily="49" charset="0"/>
+              </a:rPr>
+              <a:t>criticize</a:t>
+            </a:r>
+            <a:r>
+              <a:rPr lang="it-IT" altLang="it-IT" sz="1100" dirty="0">
+                <a:solidFill>
+                  <a:schemeClr val="bg1"/>
+                </a:solidFill>
+                <a:effectLst>
+                  <a:outerShdw blurRad="38100" dist="38100" dir="2700000" algn="tl">
+                    <a:srgbClr val="000000">
+                      <a:alpha val="43137"/>
+                    </a:srgbClr>
+                  </a:outerShdw>
+                </a:effectLst>
+                <a:latin typeface="Courier New" panose="02070309020205020404" pitchFamily="49" charset="0"/>
+                <a:ea typeface="Tahoma" panose="020B0604030504040204" pitchFamily="34" charset="0"/>
+                <a:cs typeface="Courier New" panose="02070309020205020404" pitchFamily="49" charset="0"/>
+              </a:rPr>
+              <a:t>, amanda, say, n, word, sure, dont, make, joke, sexual, assault, dont, trash </a:t>
+            </a:r>
+          </a:p>
+        </p:txBody>
+      </p:sp>
+      <p:sp>
+        <p:nvSpPr>
+          <p:cNvPr id="2" name="CasellaDiTesto 1">
+            <a:extLst>
+              <a:ext uri="{FF2B5EF4-FFF2-40B4-BE49-F238E27FC236}">
+                <a16:creationId xmlns:a16="http://schemas.microsoft.com/office/drawing/2014/main" id="{50516382-53A1-48F0-85DD-C36F826AF215}"/>
+              </a:ext>
+            </a:extLst>
+          </p:cNvPr>
+          <p:cNvSpPr txBox="1"/>
+          <p:nvPr/>
+        </p:nvSpPr>
+        <p:spPr>
+          <a:xfrm>
+            <a:off x="4544477" y="1772453"/>
+            <a:ext cx="2732771" cy="1754326"/>
+          </a:xfrm>
+          <a:prstGeom prst="rect">
+            <a:avLst/>
+          </a:prstGeom>
+          <a:noFill/>
+          <a:ln w="25400">
+            <a:solidFill>
+              <a:srgbClr val="258EBB"/>
+            </a:solidFill>
+          </a:ln>
+        </p:spPr>
+        <p:txBody>
+          <a:bodyPr wrap="square" rtlCol="0">
+            <a:spAutoFit/>
+          </a:bodyPr>
+          <a:lstStyle/>
+          <a:p>
+            <a:pPr algn="ctr"/>
+            <a:r>
+              <a:rPr lang="it-IT" sz="2800" dirty="0">
+                <a:solidFill>
+                  <a:schemeClr val="bg1"/>
+                </a:solidFill>
+                <a:effectLst>
+                  <a:outerShdw blurRad="38100" dist="38100" dir="2700000" algn="tl">
+                    <a:srgbClr val="000000">
+                      <a:alpha val="43137"/>
+                    </a:srgbClr>
+                  </a:outerShdw>
+                </a:effectLst>
+                <a:latin typeface="Tw Cen MT Condensed Extra Bold" panose="020B0803020202020204" pitchFamily="34" charset="0"/>
+                <a:ea typeface="Gadugi" panose="020B0502040204020203" pitchFamily="34" charset="0"/>
+                <a:cs typeface="Calibri" panose="020F0502020204030204" pitchFamily="34" charset="0"/>
+              </a:rPr>
+              <a:t>PREPROCESSING</a:t>
+            </a:r>
+            <a:endParaRPr lang="it-IT" sz="2400" dirty="0">
+              <a:solidFill>
+                <a:schemeClr val="bg1"/>
+              </a:solidFill>
+              <a:effectLst>
+                <a:outerShdw blurRad="38100" dist="38100" dir="2700000" algn="tl">
+                  <a:srgbClr val="000000">
+                    <a:alpha val="43137"/>
+                  </a:srgbClr>
+                </a:outerShdw>
+              </a:effectLst>
+              <a:latin typeface="Tw Cen MT Condensed Extra Bold" panose="020B0803020202020204" pitchFamily="34" charset="0"/>
+              <a:ea typeface="Gadugi" panose="020B0502040204020203" pitchFamily="34" charset="0"/>
+              <a:cs typeface="Calibri" panose="020F0502020204030204" pitchFamily="34" charset="0"/>
+            </a:endParaRPr>
+          </a:p>
+          <a:p>
+            <a:pPr marL="342900" indent="-342900">
+              <a:buFont typeface="Arial" panose="020B0604020202020204" pitchFamily="34" charset="0"/>
+              <a:buChar char="•"/>
+            </a:pPr>
+            <a:r>
+              <a:rPr lang="it-IT" sz="1600" dirty="0">
+                <a:solidFill>
+                  <a:schemeClr val="bg1"/>
+                </a:solidFill>
+                <a:latin typeface="Tw Cen MT Condensed Extra Bold" panose="020B0803020202020204" pitchFamily="34" charset="0"/>
+                <a:ea typeface="Gadugi" panose="020B0502040204020203" pitchFamily="34" charset="0"/>
+                <a:cs typeface="Calibri" panose="020F0502020204030204" pitchFamily="34" charset="0"/>
+              </a:rPr>
+              <a:t>LOWER CASE</a:t>
+            </a:r>
+          </a:p>
+          <a:p>
+            <a:pPr marL="342900" indent="-342900">
+              <a:buFont typeface="Arial" panose="020B0604020202020204" pitchFamily="34" charset="0"/>
+              <a:buChar char="•"/>
+            </a:pPr>
+            <a:r>
+              <a:rPr lang="it-IT" sz="1600" dirty="0">
+                <a:solidFill>
+                  <a:schemeClr val="bg1"/>
+                </a:solidFill>
+                <a:latin typeface="Tw Cen MT Condensed Extra Bold" panose="020B0803020202020204" pitchFamily="34" charset="0"/>
+                <a:ea typeface="Gadugi" panose="020B0502040204020203" pitchFamily="34" charset="0"/>
+                <a:cs typeface="Calibri" panose="020F0502020204030204" pitchFamily="34" charset="0"/>
+              </a:rPr>
+              <a:t>REMOVING URL AND TAG</a:t>
+            </a:r>
+          </a:p>
+          <a:p>
+            <a:pPr marL="342900" indent="-342900">
+              <a:buFont typeface="Arial" panose="020B0604020202020204" pitchFamily="34" charset="0"/>
+              <a:buChar char="•"/>
+            </a:pPr>
+            <a:r>
+              <a:rPr lang="it-IT" sz="1600" dirty="0">
+                <a:solidFill>
+                  <a:schemeClr val="bg1"/>
+                </a:solidFill>
+                <a:latin typeface="Tw Cen MT Condensed Extra Bold" panose="020B0803020202020204" pitchFamily="34" charset="0"/>
+                <a:ea typeface="Gadugi" panose="020B0502040204020203" pitchFamily="34" charset="0"/>
+                <a:cs typeface="Calibri" panose="020F0502020204030204" pitchFamily="34" charset="0"/>
+              </a:rPr>
+              <a:t>REMOVE PUNCTUATION &amp; NUMBER</a:t>
+            </a:r>
+          </a:p>
+          <a:p>
+            <a:pPr marL="342900" indent="-342900">
+              <a:buFont typeface="Arial" panose="020B0604020202020204" pitchFamily="34" charset="0"/>
+              <a:buChar char="•"/>
+            </a:pPr>
+            <a:r>
+              <a:rPr lang="it-IT" sz="1600" dirty="0">
+                <a:solidFill>
+                  <a:schemeClr val="bg1"/>
+                </a:solidFill>
+                <a:latin typeface="Tw Cen MT Condensed Extra Bold" panose="020B0803020202020204" pitchFamily="34" charset="0"/>
+                <a:ea typeface="Gadugi" panose="020B0502040204020203" pitchFamily="34" charset="0"/>
+                <a:cs typeface="Calibri" panose="020F0502020204030204" pitchFamily="34" charset="0"/>
+              </a:rPr>
+              <a:t>REMOVE EXCEEDING SPACES</a:t>
+            </a:r>
+          </a:p>
+        </p:txBody>
+      </p:sp>
+      <p:pic>
+        <p:nvPicPr>
+          <p:cNvPr id="19" name="Immagine 18">
+            <a:extLst>
+              <a:ext uri="{FF2B5EF4-FFF2-40B4-BE49-F238E27FC236}">
+                <a16:creationId xmlns:a16="http://schemas.microsoft.com/office/drawing/2014/main" id="{A94F520E-3AF5-4F60-95A0-709EFC5ACD34}"/>
+              </a:ext>
+            </a:extLst>
+          </p:cNvPr>
+          <p:cNvPicPr>
+            <a:picLocks noChangeAspect="1"/>
+          </p:cNvPicPr>
+          <p:nvPr/>
+        </p:nvPicPr>
+        <p:blipFill>
+          <a:blip r:embed="rId2">
+            <a:extLst>
+              <a:ext uri="{28A0092B-C50C-407E-A947-70E740481C1C}">
+                <a14:useLocalDpi xmlns:a14="http://schemas.microsoft.com/office/drawing/2010/main" val="0"/>
+              </a:ext>
+            </a:extLst>
+          </a:blip>
+          <a:stretch>
+            <a:fillRect/>
+          </a:stretch>
+        </p:blipFill>
+        <p:spPr>
+          <a:xfrm>
+            <a:off x="548307" y="1496182"/>
+            <a:ext cx="647016" cy="647016"/>
+          </a:xfrm>
+          <a:prstGeom prst="rect">
+            <a:avLst/>
+          </a:prstGeom>
+        </p:spPr>
+      </p:pic>
+      <p:sp>
+        <p:nvSpPr>
+          <p:cNvPr id="21" name="CasellaDiTesto 20">
+            <a:extLst>
+              <a:ext uri="{FF2B5EF4-FFF2-40B4-BE49-F238E27FC236}">
+                <a16:creationId xmlns:a16="http://schemas.microsoft.com/office/drawing/2014/main" id="{CCAAB6B4-5FCA-48BB-8417-A5316DEE5CE8}"/>
+              </a:ext>
+            </a:extLst>
+          </p:cNvPr>
+          <p:cNvSpPr txBox="1"/>
+          <p:nvPr/>
+        </p:nvSpPr>
+        <p:spPr>
+          <a:xfrm>
+            <a:off x="1120973" y="1522580"/>
+            <a:ext cx="2018280" cy="584775"/>
+          </a:xfrm>
+          <a:prstGeom prst="rect">
+            <a:avLst/>
+          </a:prstGeom>
+          <a:noFill/>
+        </p:spPr>
+        <p:txBody>
+          <a:bodyPr wrap="square" rtlCol="0">
+            <a:spAutoFit/>
+          </a:bodyPr>
+          <a:lstStyle/>
+          <a:p>
+            <a:r>
+              <a:rPr lang="it-IT" sz="3200" dirty="0">
+                <a:solidFill>
+                  <a:schemeClr val="bg1"/>
+                </a:solidFill>
+                <a:latin typeface="Tw Cen MT Condensed Extra Bold" panose="020B0803020202020204" pitchFamily="34" charset="0"/>
+                <a:ea typeface="Gadugi" panose="020B0502040204020203" pitchFamily="34" charset="0"/>
+                <a:cs typeface="Calibri" panose="020F0502020204030204" pitchFamily="34" charset="0"/>
+              </a:rPr>
+              <a:t>RAW TWEET</a:t>
+            </a:r>
+          </a:p>
+        </p:txBody>
+      </p:sp>
+      <p:sp>
+        <p:nvSpPr>
+          <p:cNvPr id="22" name="Freccia angolare in su 21">
+            <a:extLst>
+              <a:ext uri="{FF2B5EF4-FFF2-40B4-BE49-F238E27FC236}">
+                <a16:creationId xmlns:a16="http://schemas.microsoft.com/office/drawing/2014/main" id="{AA9BEADE-E422-4899-BF8A-168C5BD15A53}"/>
+              </a:ext>
+            </a:extLst>
+          </p:cNvPr>
+          <p:cNvSpPr/>
+          <p:nvPr/>
+        </p:nvSpPr>
+        <p:spPr>
+          <a:xfrm rot="10800000" flipH="1">
+            <a:off x="9349385" y="2488313"/>
+            <a:ext cx="1009115" cy="1499199"/>
+          </a:xfrm>
+          <a:prstGeom prst="bentUpArrow">
+            <a:avLst>
+              <a:gd name="adj1" fmla="val 31660"/>
+              <a:gd name="adj2" fmla="val 37690"/>
+              <a:gd name="adj3" fmla="val 50000"/>
+            </a:avLst>
+          </a:prstGeom>
+          <a:solidFill>
+            <a:srgbClr val="258EBB"/>
+          </a:solidFill>
+          <a:ln>
+            <a:noFill/>
+          </a:ln>
+        </p:spPr>
+        <p:style>
+          <a:lnRef idx="2">
+            <a:schemeClr val="accent1">
+              <a:shade val="50000"/>
+            </a:schemeClr>
+          </a:lnRef>
+          <a:fillRef idx="1">
+            <a:schemeClr val="accent1"/>
+          </a:fillRef>
+          <a:effectRef idx="0">
+            <a:schemeClr val="accent1"/>
+          </a:effectRef>
+          <a:fontRef idx="minor">
+            <a:schemeClr val="lt1"/>
+          </a:fontRef>
+        </p:style>
+        <p:txBody>
+          <a:bodyPr rtlCol="0" anchor="ctr"/>
+          <a:lstStyle/>
+          <a:p>
+            <a:pPr algn="ctr"/>
+            <a:endParaRPr lang="it-IT" dirty="0"/>
+          </a:p>
+        </p:txBody>
+      </p:sp>
+      <p:sp>
+        <p:nvSpPr>
+          <p:cNvPr id="24" name="CasellaDiTesto 23">
+            <a:extLst>
+              <a:ext uri="{FF2B5EF4-FFF2-40B4-BE49-F238E27FC236}">
+                <a16:creationId xmlns:a16="http://schemas.microsoft.com/office/drawing/2014/main" id="{CF8E6C63-F3CF-4353-A11D-87164E0512DD}"/>
+              </a:ext>
+            </a:extLst>
+          </p:cNvPr>
+          <p:cNvSpPr txBox="1"/>
+          <p:nvPr/>
+        </p:nvSpPr>
+        <p:spPr>
+          <a:xfrm>
+            <a:off x="8416212" y="4032239"/>
+            <a:ext cx="2955173" cy="1384995"/>
+          </a:xfrm>
+          <a:prstGeom prst="rect">
+            <a:avLst/>
+          </a:prstGeom>
+          <a:noFill/>
+        </p:spPr>
+        <p:txBody>
+          <a:bodyPr wrap="square" rtlCol="0">
+            <a:spAutoFit/>
+          </a:bodyPr>
+          <a:lstStyle/>
+          <a:p>
+            <a:pPr lvl="1" algn="ctr"/>
+            <a:r>
+              <a:rPr lang="it-IT" sz="2800" dirty="0">
+                <a:solidFill>
+                  <a:schemeClr val="bg1"/>
+                </a:solidFill>
+                <a:effectLst>
+                  <a:outerShdw blurRad="38100" dist="38100" dir="2700000" algn="tl">
+                    <a:srgbClr val="000000">
+                      <a:alpha val="43137"/>
+                    </a:srgbClr>
+                  </a:outerShdw>
+                </a:effectLst>
+                <a:latin typeface="Tw Cen MT Condensed Extra Bold" panose="020B0803020202020204" pitchFamily="34" charset="0"/>
+                <a:ea typeface="Gadugi" panose="020B0502040204020203" pitchFamily="34" charset="0"/>
+                <a:cs typeface="Calibri" panose="020F0502020204030204" pitchFamily="34" charset="0"/>
+              </a:rPr>
+              <a:t>TOKENIZATION &amp;</a:t>
+            </a:r>
+          </a:p>
+          <a:p>
+            <a:pPr lvl="1" algn="ctr"/>
+            <a:r>
+              <a:rPr lang="it-IT" sz="2800" dirty="0">
+                <a:solidFill>
+                  <a:schemeClr val="bg1"/>
+                </a:solidFill>
+                <a:effectLst>
+                  <a:outerShdw blurRad="38100" dist="38100" dir="2700000" algn="tl">
+                    <a:srgbClr val="000000">
+                      <a:alpha val="43137"/>
+                    </a:srgbClr>
+                  </a:outerShdw>
+                </a:effectLst>
+                <a:latin typeface="Tw Cen MT Condensed Extra Bold" panose="020B0803020202020204" pitchFamily="34" charset="0"/>
+                <a:ea typeface="Gadugi" panose="020B0502040204020203" pitchFamily="34" charset="0"/>
+                <a:cs typeface="Calibri" panose="020F0502020204030204" pitchFamily="34" charset="0"/>
+              </a:rPr>
+              <a:t>STOP WORDS REMOVAL</a:t>
+            </a:r>
+            <a:endParaRPr lang="it-IT" sz="2400" dirty="0">
+              <a:solidFill>
+                <a:schemeClr val="bg1"/>
+              </a:solidFill>
+              <a:effectLst>
+                <a:outerShdw blurRad="38100" dist="38100" dir="2700000" algn="tl">
+                  <a:srgbClr val="000000">
+                    <a:alpha val="43137"/>
+                  </a:srgbClr>
+                </a:outerShdw>
+              </a:effectLst>
+              <a:latin typeface="Tw Cen MT Condensed Extra Bold" panose="020B0803020202020204" pitchFamily="34" charset="0"/>
+              <a:ea typeface="Gadugi" panose="020B0502040204020203" pitchFamily="34" charset="0"/>
+              <a:cs typeface="Calibri" panose="020F0502020204030204" pitchFamily="34" charset="0"/>
+            </a:endParaRPr>
+          </a:p>
+        </p:txBody>
+      </p:sp>
+      <p:sp>
+        <p:nvSpPr>
+          <p:cNvPr id="26" name="Freccia a destra 25">
+            <a:extLst>
+              <a:ext uri="{FF2B5EF4-FFF2-40B4-BE49-F238E27FC236}">
+                <a16:creationId xmlns:a16="http://schemas.microsoft.com/office/drawing/2014/main" id="{B367DBE0-A821-4A99-95AF-B7280288BC3E}"/>
+              </a:ext>
+            </a:extLst>
+          </p:cNvPr>
+          <p:cNvSpPr/>
+          <p:nvPr/>
+        </p:nvSpPr>
+        <p:spPr>
+          <a:xfrm>
+            <a:off x="3100959" y="2323143"/>
+            <a:ext cx="1451467" cy="652946"/>
+          </a:xfrm>
+          <a:prstGeom prst="rightArrow">
+            <a:avLst>
+              <a:gd name="adj1" fmla="val 48142"/>
+              <a:gd name="adj2" fmla="val 71778"/>
+            </a:avLst>
+          </a:prstGeom>
+          <a:solidFill>
+            <a:srgbClr val="258EBB"/>
+          </a:solidFill>
+          <a:ln w="25400">
+            <a:noFill/>
+          </a:ln>
+        </p:spPr>
+        <p:style>
+          <a:lnRef idx="2">
+            <a:schemeClr val="accent1">
+              <a:shade val="50000"/>
+            </a:schemeClr>
+          </a:lnRef>
+          <a:fillRef idx="1">
+            <a:schemeClr val="accent1"/>
+          </a:fillRef>
+          <a:effectRef idx="0">
+            <a:schemeClr val="accent1"/>
+          </a:effectRef>
+          <a:fontRef idx="minor">
+            <a:schemeClr val="lt1"/>
+          </a:fontRef>
+        </p:style>
+        <p:txBody>
+          <a:bodyPr rtlCol="0" anchor="ctr"/>
+          <a:lstStyle/>
+          <a:p>
+            <a:pPr algn="ctr"/>
+            <a:endParaRPr lang="it-IT" dirty="0"/>
+          </a:p>
+        </p:txBody>
+      </p:sp>
+      <p:pic>
+        <p:nvPicPr>
+          <p:cNvPr id="27" name="Elemento grafico 26" descr="Indietro con riempimento a tinta unita">
+            <a:extLst>
+              <a:ext uri="{FF2B5EF4-FFF2-40B4-BE49-F238E27FC236}">
+                <a16:creationId xmlns:a16="http://schemas.microsoft.com/office/drawing/2014/main" id="{FBDF09A7-C570-41C8-93C4-39333C5980E2}"/>
+              </a:ext>
+            </a:extLst>
+          </p:cNvPr>
+          <p:cNvPicPr>
+            <a:picLocks noChangeAspect="1"/>
+          </p:cNvPicPr>
+          <p:nvPr/>
+        </p:nvPicPr>
+        <p:blipFill>
+          <a:blip r:embed="rId3">
+            <a:extLst>
+              <a:ext uri="{28A0092B-C50C-407E-A947-70E740481C1C}">
+                <a14:useLocalDpi xmlns:a14="http://schemas.microsoft.com/office/drawing/2010/main" val="0"/>
+              </a:ext>
+              <a:ext uri="{96DAC541-7B7A-43D3-8B79-37D633B846F1}">
+                <asvg:svgBlip xmlns:asvg="http://schemas.microsoft.com/office/drawing/2016/SVG/main" r:embed="rId4"/>
+              </a:ext>
+            </a:extLst>
+          </a:blip>
+          <a:stretch>
+            <a:fillRect/>
+          </a:stretch>
+        </p:blipFill>
+        <p:spPr>
+          <a:xfrm rot="1120567" flipH="1">
+            <a:off x="7571009" y="4496093"/>
+            <a:ext cx="1886730" cy="936427"/>
+          </a:xfrm>
+          <a:prstGeom prst="rect">
+            <a:avLst/>
+          </a:prstGeom>
+        </p:spPr>
+      </p:pic>
+      <p:pic>
+        <p:nvPicPr>
+          <p:cNvPr id="29" name="Elemento grafico 28" descr="Indietro con riempimento a tinta unita">
+            <a:extLst>
+              <a:ext uri="{FF2B5EF4-FFF2-40B4-BE49-F238E27FC236}">
+                <a16:creationId xmlns:a16="http://schemas.microsoft.com/office/drawing/2014/main" id="{5811F263-BC8A-4D8A-A595-8DB5B9D72E27}"/>
+              </a:ext>
+            </a:extLst>
+          </p:cNvPr>
+          <p:cNvPicPr>
+            <a:picLocks noChangeAspect="1"/>
+          </p:cNvPicPr>
+          <p:nvPr/>
+        </p:nvPicPr>
+        <p:blipFill>
+          <a:blip r:embed="rId3">
+            <a:extLst>
+              <a:ext uri="{28A0092B-C50C-407E-A947-70E740481C1C}">
+                <a14:useLocalDpi xmlns:a14="http://schemas.microsoft.com/office/drawing/2010/main" val="0"/>
+              </a:ext>
+              <a:ext uri="{96DAC541-7B7A-43D3-8B79-37D633B846F1}">
+                <asvg:svgBlip xmlns:asvg="http://schemas.microsoft.com/office/drawing/2016/SVG/main" r:embed="rId4"/>
+              </a:ext>
+            </a:extLst>
+          </a:blip>
+          <a:stretch>
+            <a:fillRect/>
+          </a:stretch>
+        </p:blipFill>
+        <p:spPr>
+          <a:xfrm rot="1594168" flipH="1" flipV="1">
+            <a:off x="7735494" y="5618082"/>
+            <a:ext cx="1460303" cy="914400"/>
+          </a:xfrm>
+          <a:prstGeom prst="rect">
+            <a:avLst/>
+          </a:prstGeom>
+        </p:spPr>
+      </p:pic>
+      <p:sp>
+        <p:nvSpPr>
+          <p:cNvPr id="30" name="CasellaDiTesto 29">
+            <a:extLst>
+              <a:ext uri="{FF2B5EF4-FFF2-40B4-BE49-F238E27FC236}">
+                <a16:creationId xmlns:a16="http://schemas.microsoft.com/office/drawing/2014/main" id="{79828F97-18EE-406B-BE2D-61BA5641CB42}"/>
+              </a:ext>
+            </a:extLst>
+          </p:cNvPr>
+          <p:cNvSpPr txBox="1"/>
+          <p:nvPr/>
+        </p:nvSpPr>
+        <p:spPr>
+          <a:xfrm>
+            <a:off x="5971647" y="4501043"/>
+            <a:ext cx="1579009" cy="461665"/>
+          </a:xfrm>
+          <a:prstGeom prst="rect">
+            <a:avLst/>
+          </a:prstGeom>
+          <a:noFill/>
+        </p:spPr>
+        <p:txBody>
+          <a:bodyPr wrap="square" rtlCol="0">
+            <a:spAutoFit/>
+          </a:bodyPr>
+          <a:lstStyle/>
+          <a:p>
+            <a:pPr algn="ctr"/>
+            <a:r>
+              <a:rPr lang="it-IT" sz="2400" dirty="0">
+                <a:solidFill>
+                  <a:schemeClr val="bg1"/>
+                </a:solidFill>
+                <a:latin typeface="Tw Cen MT Condensed Extra Bold" panose="020B0803020202020204" pitchFamily="34" charset="0"/>
+                <a:ea typeface="Gadugi" panose="020B0502040204020203" pitchFamily="34" charset="0"/>
+                <a:cs typeface="Calibri" panose="020F0502020204030204" pitchFamily="34" charset="0"/>
+              </a:rPr>
+              <a:t>STEMMING</a:t>
+            </a:r>
+          </a:p>
+        </p:txBody>
+      </p:sp>
+      <p:sp>
+        <p:nvSpPr>
+          <p:cNvPr id="31" name="CasellaDiTesto 30">
+            <a:extLst>
+              <a:ext uri="{FF2B5EF4-FFF2-40B4-BE49-F238E27FC236}">
+                <a16:creationId xmlns:a16="http://schemas.microsoft.com/office/drawing/2014/main" id="{0AAF7400-C98F-490E-B976-A38BFF52E313}"/>
+              </a:ext>
+            </a:extLst>
+          </p:cNvPr>
+          <p:cNvSpPr txBox="1"/>
+          <p:nvPr/>
+        </p:nvSpPr>
+        <p:spPr>
+          <a:xfrm>
+            <a:off x="5657363" y="5583954"/>
+            <a:ext cx="2207579" cy="461665"/>
+          </a:xfrm>
+          <a:prstGeom prst="rect">
+            <a:avLst/>
+          </a:prstGeom>
+          <a:noFill/>
+        </p:spPr>
+        <p:txBody>
+          <a:bodyPr wrap="square" rtlCol="0">
+            <a:spAutoFit/>
+          </a:bodyPr>
+          <a:lstStyle/>
+          <a:p>
+            <a:pPr algn="ctr"/>
+            <a:r>
+              <a:rPr lang="it-IT" sz="2400" dirty="0">
+                <a:solidFill>
+                  <a:schemeClr val="bg1"/>
+                </a:solidFill>
+                <a:latin typeface="Tw Cen MT Condensed Extra Bold" panose="020B0803020202020204" pitchFamily="34" charset="0"/>
+                <a:ea typeface="Gadugi" panose="020B0502040204020203" pitchFamily="34" charset="0"/>
+                <a:cs typeface="Calibri" panose="020F0502020204030204" pitchFamily="34" charset="0"/>
+              </a:rPr>
+              <a:t>LEMMATIZATION</a:t>
+            </a:r>
+          </a:p>
+        </p:txBody>
+      </p:sp>
+      <p:pic>
+        <p:nvPicPr>
+          <p:cNvPr id="32" name="Elemento grafico 31" descr="Accento circonflesso verso sinistra con riempimento a tinta unita">
+            <a:extLst>
+              <a:ext uri="{FF2B5EF4-FFF2-40B4-BE49-F238E27FC236}">
+                <a16:creationId xmlns:a16="http://schemas.microsoft.com/office/drawing/2014/main" id="{4DB458AA-3BAF-453C-A1EB-20BB636C521E}"/>
+              </a:ext>
+            </a:extLst>
+          </p:cNvPr>
+          <p:cNvPicPr>
+            <a:picLocks noChangeAspect="1"/>
+          </p:cNvPicPr>
+          <p:nvPr/>
+        </p:nvPicPr>
+        <p:blipFill>
+          <a:blip r:embed="rId5">
+            <a:extLst>
+              <a:ext uri="{28A0092B-C50C-407E-A947-70E740481C1C}">
+                <a14:useLocalDpi xmlns:a14="http://schemas.microsoft.com/office/drawing/2010/main" val="0"/>
+              </a:ext>
+              <a:ext uri="{96DAC541-7B7A-43D3-8B79-37D633B846F1}">
+                <asvg:svgBlip xmlns:asvg="http://schemas.microsoft.com/office/drawing/2016/SVG/main" r:embed="rId6"/>
+              </a:ext>
+            </a:extLst>
+          </a:blip>
+          <a:stretch>
+            <a:fillRect/>
+          </a:stretch>
+        </p:blipFill>
+        <p:spPr>
+          <a:xfrm>
+            <a:off x="2468760" y="4691118"/>
+            <a:ext cx="914400" cy="1187535"/>
+          </a:xfrm>
+          <a:prstGeom prst="rect">
+            <a:avLst/>
+          </a:prstGeom>
+        </p:spPr>
+      </p:pic>
+      <p:pic>
+        <p:nvPicPr>
+          <p:cNvPr id="34" name="Elemento grafico 33" descr="Frecce a zig zag con riempimento a tinta unita">
+            <a:extLst>
+              <a:ext uri="{FF2B5EF4-FFF2-40B4-BE49-F238E27FC236}">
+                <a16:creationId xmlns:a16="http://schemas.microsoft.com/office/drawing/2014/main" id="{153CE47F-ACFB-4A62-BA86-DA16C9608892}"/>
+              </a:ext>
+            </a:extLst>
+          </p:cNvPr>
+          <p:cNvPicPr>
+            <a:picLocks noChangeAspect="1"/>
+          </p:cNvPicPr>
+          <p:nvPr/>
+        </p:nvPicPr>
+        <p:blipFill>
+          <a:blip r:embed="rId7">
+            <a:extLst>
+              <a:ext uri="{28A0092B-C50C-407E-A947-70E740481C1C}">
+                <a14:useLocalDpi xmlns:a14="http://schemas.microsoft.com/office/drawing/2010/main" val="0"/>
+              </a:ext>
+              <a:ext uri="{96DAC541-7B7A-43D3-8B79-37D633B846F1}">
+                <asvg:svgBlip xmlns:asvg="http://schemas.microsoft.com/office/drawing/2016/SVG/main" r:embed="rId8"/>
+              </a:ext>
+            </a:extLst>
+          </a:blip>
+          <a:stretch>
+            <a:fillRect/>
+          </a:stretch>
+        </p:blipFill>
+        <p:spPr>
+          <a:xfrm>
+            <a:off x="2038106" y="4827685"/>
+            <a:ext cx="914400" cy="914400"/>
+          </a:xfrm>
+          <a:prstGeom prst="rect">
+            <a:avLst/>
+          </a:prstGeom>
+        </p:spPr>
+      </p:pic>
+      <p:sp>
+        <p:nvSpPr>
+          <p:cNvPr id="36" name="CasellaDiTesto 35">
+            <a:extLst>
+              <a:ext uri="{FF2B5EF4-FFF2-40B4-BE49-F238E27FC236}">
+                <a16:creationId xmlns:a16="http://schemas.microsoft.com/office/drawing/2014/main" id="{F0728AC1-B7A6-4821-BB3E-A94F0C8FFABF}"/>
+              </a:ext>
+            </a:extLst>
+          </p:cNvPr>
+          <p:cNvSpPr txBox="1"/>
+          <p:nvPr/>
+        </p:nvSpPr>
+        <p:spPr>
+          <a:xfrm>
+            <a:off x="753135" y="4676859"/>
+            <a:ext cx="1364386" cy="1200329"/>
+          </a:xfrm>
+          <a:prstGeom prst="rect">
+            <a:avLst/>
+          </a:prstGeom>
+          <a:noFill/>
+          <a:ln w="25400">
+            <a:solidFill>
+              <a:srgbClr val="258EBB"/>
+            </a:solidFill>
+          </a:ln>
+        </p:spPr>
+        <p:txBody>
+          <a:bodyPr wrap="square" rtlCol="0">
+            <a:spAutoFit/>
+          </a:bodyPr>
+          <a:lstStyle/>
+          <a:p>
+            <a:pPr algn="ctr"/>
+            <a:r>
+              <a:rPr lang="it-IT" sz="3600" dirty="0">
+                <a:solidFill>
+                  <a:schemeClr val="bg1"/>
+                </a:solidFill>
+                <a:latin typeface="Tw Cen MT Condensed Extra Bold" panose="020B0803020202020204" pitchFamily="34" charset="0"/>
+                <a:ea typeface="Gadugi" panose="020B0502040204020203" pitchFamily="34" charset="0"/>
+                <a:cs typeface="Calibri" panose="020F0502020204030204" pitchFamily="34" charset="0"/>
+              </a:rPr>
+              <a:t>TWEET CLEAN</a:t>
+            </a:r>
+          </a:p>
+        </p:txBody>
+      </p:sp>
+      <p:grpSp>
+        <p:nvGrpSpPr>
+          <p:cNvPr id="40" name="Gruppo 39">
+            <a:extLst>
+              <a:ext uri="{FF2B5EF4-FFF2-40B4-BE49-F238E27FC236}">
+                <a16:creationId xmlns:a16="http://schemas.microsoft.com/office/drawing/2014/main" id="{66342778-1D34-43E4-BDC1-56FDB73F37D2}"/>
+              </a:ext>
+            </a:extLst>
+          </p:cNvPr>
+          <p:cNvGrpSpPr>
+            <a:grpSpLocks noChangeAspect="1"/>
+          </p:cNvGrpSpPr>
+          <p:nvPr/>
+        </p:nvGrpSpPr>
+        <p:grpSpPr>
+          <a:xfrm>
+            <a:off x="9853942" y="-170286"/>
+            <a:ext cx="2098935" cy="2098935"/>
+            <a:chOff x="8146023" y="534040"/>
+            <a:chExt cx="1813452" cy="1813452"/>
+          </a:xfrm>
+          <a:solidFill>
+            <a:schemeClr val="tx1"/>
+          </a:solidFill>
+        </p:grpSpPr>
+        <p:pic>
+          <p:nvPicPr>
+            <p:cNvPr id="37" name="Elemento grafico 36" descr="Documento con riempimento a tinta unita">
+              <a:extLst>
+                <a:ext uri="{FF2B5EF4-FFF2-40B4-BE49-F238E27FC236}">
+                  <a16:creationId xmlns:a16="http://schemas.microsoft.com/office/drawing/2014/main" id="{2015F9E3-C779-426A-A3E3-EA541B240A5E}"/>
+                </a:ext>
+              </a:extLst>
+            </p:cNvPr>
+            <p:cNvPicPr>
+              <a:picLocks noChangeAspect="1"/>
+            </p:cNvPicPr>
+            <p:nvPr/>
+          </p:nvPicPr>
+          <p:blipFill>
+            <a:blip r:embed="rId9">
+              <a:extLst>
+                <a:ext uri="{28A0092B-C50C-407E-A947-70E740481C1C}">
+                  <a14:useLocalDpi xmlns:a14="http://schemas.microsoft.com/office/drawing/2010/main" val="0"/>
+                </a:ext>
+                <a:ext uri="{96DAC541-7B7A-43D3-8B79-37D633B846F1}">
+                  <asvg:svgBlip xmlns:asvg="http://schemas.microsoft.com/office/drawing/2016/SVG/main" r:embed="rId10"/>
+                </a:ext>
+              </a:extLst>
+            </a:blip>
+            <a:stretch>
+              <a:fillRect/>
+            </a:stretch>
+          </p:blipFill>
+          <p:spPr>
+            <a:xfrm>
+              <a:off x="8803738" y="1115497"/>
+              <a:ext cx="575388" cy="575388"/>
+            </a:xfrm>
+            <a:prstGeom prst="rect">
+              <a:avLst/>
+            </a:prstGeom>
+          </p:spPr>
+        </p:pic>
+        <p:pic>
+          <p:nvPicPr>
+            <p:cNvPr id="39" name="Elemento grafico 38" descr="Freccia circolare contorno">
+              <a:extLst>
+                <a:ext uri="{FF2B5EF4-FFF2-40B4-BE49-F238E27FC236}">
+                  <a16:creationId xmlns:a16="http://schemas.microsoft.com/office/drawing/2014/main" id="{091A2063-FB9A-4F5A-A91B-64D9F7B6D316}"/>
+                </a:ext>
+              </a:extLst>
+            </p:cNvPr>
+            <p:cNvPicPr>
+              <a:picLocks noChangeAspect="1"/>
+            </p:cNvPicPr>
+            <p:nvPr/>
+          </p:nvPicPr>
+          <p:blipFill>
+            <a:blip r:embed="rId11">
+              <a:extLst>
+                <a:ext uri="{28A0092B-C50C-407E-A947-70E740481C1C}">
+                  <a14:useLocalDpi xmlns:a14="http://schemas.microsoft.com/office/drawing/2010/main" val="0"/>
+                </a:ext>
+                <a:ext uri="{96DAC541-7B7A-43D3-8B79-37D633B846F1}">
+                  <asvg:svgBlip xmlns:asvg="http://schemas.microsoft.com/office/drawing/2016/SVG/main" r:embed="rId12"/>
+                </a:ext>
+              </a:extLst>
+            </a:blip>
+            <a:stretch>
+              <a:fillRect/>
+            </a:stretch>
+          </p:blipFill>
+          <p:spPr>
+            <a:xfrm>
+              <a:off x="8146023" y="534040"/>
+              <a:ext cx="1813452" cy="1813452"/>
+            </a:xfrm>
+            <a:prstGeom prst="rect">
+              <a:avLst/>
+            </a:prstGeom>
+          </p:spPr>
+        </p:pic>
+      </p:grpSp>
+      <p:cxnSp>
+        <p:nvCxnSpPr>
+          <p:cNvPr id="43" name="Connettore diritto 42">
+            <a:extLst>
+              <a:ext uri="{FF2B5EF4-FFF2-40B4-BE49-F238E27FC236}">
+                <a16:creationId xmlns:a16="http://schemas.microsoft.com/office/drawing/2014/main" id="{6C5CC225-B891-4C9F-8F38-B08C1CBBE015}"/>
+              </a:ext>
+            </a:extLst>
+          </p:cNvPr>
+          <p:cNvCxnSpPr>
+            <a:cxnSpLocks/>
+          </p:cNvCxnSpPr>
+          <p:nvPr/>
+        </p:nvCxnSpPr>
+        <p:spPr>
+          <a:xfrm flipH="1">
+            <a:off x="8873412" y="3974840"/>
+            <a:ext cx="2497973" cy="1"/>
+          </a:xfrm>
+          <a:prstGeom prst="line">
+            <a:avLst/>
+          </a:prstGeom>
+          <a:ln w="25400">
+            <a:solidFill>
+              <a:srgbClr val="258EBB"/>
+            </a:solidFill>
+          </a:ln>
+        </p:spPr>
+        <p:style>
+          <a:lnRef idx="1">
+            <a:schemeClr val="accent1"/>
+          </a:lnRef>
+          <a:fillRef idx="0">
+            <a:schemeClr val="accent1"/>
+          </a:fillRef>
+          <a:effectRef idx="0">
+            <a:schemeClr val="accent1"/>
+          </a:effectRef>
+          <a:fontRef idx="minor">
+            <a:schemeClr val="tx1"/>
+          </a:fontRef>
+        </p:style>
+      </p:cxnSp>
+      <p:cxnSp>
+        <p:nvCxnSpPr>
+          <p:cNvPr id="47" name="Connettore diritto 46">
+            <a:extLst>
+              <a:ext uri="{FF2B5EF4-FFF2-40B4-BE49-F238E27FC236}">
+                <a16:creationId xmlns:a16="http://schemas.microsoft.com/office/drawing/2014/main" id="{36E92C13-6E54-4946-9A6A-D75BB5B06709}"/>
+              </a:ext>
+            </a:extLst>
+          </p:cNvPr>
+          <p:cNvCxnSpPr>
+            <a:cxnSpLocks/>
+          </p:cNvCxnSpPr>
+          <p:nvPr/>
+        </p:nvCxnSpPr>
+        <p:spPr>
+          <a:xfrm>
+            <a:off x="11378195" y="3987512"/>
+            <a:ext cx="7341" cy="1576079"/>
+          </a:xfrm>
+          <a:prstGeom prst="line">
+            <a:avLst/>
+          </a:prstGeom>
+          <a:ln w="25400">
+            <a:solidFill>
+              <a:srgbClr val="258EBB"/>
+            </a:solidFill>
+          </a:ln>
+        </p:spPr>
+        <p:style>
+          <a:lnRef idx="1">
+            <a:schemeClr val="accent1"/>
+          </a:lnRef>
+          <a:fillRef idx="0">
+            <a:schemeClr val="accent1"/>
+          </a:fillRef>
+          <a:effectRef idx="0">
+            <a:schemeClr val="accent1"/>
+          </a:effectRef>
+          <a:fontRef idx="minor">
+            <a:schemeClr val="tx1"/>
+          </a:fontRef>
+        </p:style>
+      </p:cxnSp>
+      <p:cxnSp>
+        <p:nvCxnSpPr>
+          <p:cNvPr id="51" name="Connettore diritto 50">
+            <a:extLst>
+              <a:ext uri="{FF2B5EF4-FFF2-40B4-BE49-F238E27FC236}">
+                <a16:creationId xmlns:a16="http://schemas.microsoft.com/office/drawing/2014/main" id="{94533E5E-8D55-467C-81C7-978877965E6B}"/>
+              </a:ext>
+            </a:extLst>
+          </p:cNvPr>
+          <p:cNvCxnSpPr>
+            <a:cxnSpLocks/>
+          </p:cNvCxnSpPr>
+          <p:nvPr/>
+        </p:nvCxnSpPr>
+        <p:spPr>
+          <a:xfrm flipH="1" flipV="1">
+            <a:off x="11057101" y="5558802"/>
+            <a:ext cx="328436" cy="4789"/>
+          </a:xfrm>
+          <a:prstGeom prst="line">
+            <a:avLst/>
+          </a:prstGeom>
+          <a:ln w="25400">
+            <a:solidFill>
+              <a:srgbClr val="258EBB"/>
+            </a:solidFill>
+          </a:ln>
+        </p:spPr>
+        <p:style>
+          <a:lnRef idx="1">
+            <a:schemeClr val="accent1"/>
+          </a:lnRef>
+          <a:fillRef idx="0">
+            <a:schemeClr val="accent1"/>
+          </a:fillRef>
+          <a:effectRef idx="0">
+            <a:schemeClr val="accent1"/>
+          </a:effectRef>
+          <a:fontRef idx="minor">
+            <a:schemeClr val="tx1"/>
+          </a:fontRef>
+        </p:style>
+      </p:cxnSp>
+      <p:cxnSp>
+        <p:nvCxnSpPr>
+          <p:cNvPr id="57" name="Connettore diritto 56">
+            <a:extLst>
+              <a:ext uri="{FF2B5EF4-FFF2-40B4-BE49-F238E27FC236}">
+                <a16:creationId xmlns:a16="http://schemas.microsoft.com/office/drawing/2014/main" id="{6A4ED9EF-C2FB-4C47-B9A0-12A3A4C7DFF6}"/>
+              </a:ext>
+            </a:extLst>
+          </p:cNvPr>
+          <p:cNvCxnSpPr>
+            <a:cxnSpLocks/>
+          </p:cNvCxnSpPr>
+          <p:nvPr/>
+        </p:nvCxnSpPr>
+        <p:spPr>
+          <a:xfrm>
+            <a:off x="8858996" y="3974840"/>
+            <a:ext cx="10665" cy="1100835"/>
+          </a:xfrm>
+          <a:prstGeom prst="line">
+            <a:avLst/>
+          </a:prstGeom>
+          <a:ln w="25400">
+            <a:solidFill>
+              <a:srgbClr val="258EBB"/>
+            </a:solidFill>
+          </a:ln>
+        </p:spPr>
+        <p:style>
+          <a:lnRef idx="1">
+            <a:schemeClr val="accent1"/>
+          </a:lnRef>
+          <a:fillRef idx="0">
+            <a:schemeClr val="accent1"/>
+          </a:fillRef>
+          <a:effectRef idx="0">
+            <a:schemeClr val="accent1"/>
+          </a:effectRef>
+          <a:fontRef idx="minor">
+            <a:schemeClr val="tx1"/>
+          </a:fontRef>
+        </p:style>
+      </p:cxnSp>
+      <p:cxnSp>
+        <p:nvCxnSpPr>
+          <p:cNvPr id="61" name="Connettore diritto 60">
+            <a:extLst>
+              <a:ext uri="{FF2B5EF4-FFF2-40B4-BE49-F238E27FC236}">
+                <a16:creationId xmlns:a16="http://schemas.microsoft.com/office/drawing/2014/main" id="{296749F7-02CC-411D-90CA-FCAE0449B41A}"/>
+              </a:ext>
+            </a:extLst>
+          </p:cNvPr>
+          <p:cNvCxnSpPr>
+            <a:cxnSpLocks/>
+          </p:cNvCxnSpPr>
+          <p:nvPr/>
+        </p:nvCxnSpPr>
+        <p:spPr>
+          <a:xfrm flipH="1" flipV="1">
+            <a:off x="5398343" y="4457799"/>
+            <a:ext cx="2406208" cy="15990"/>
+          </a:xfrm>
+          <a:prstGeom prst="line">
+            <a:avLst/>
+          </a:prstGeom>
+          <a:ln w="25400">
+            <a:solidFill>
+              <a:srgbClr val="258EBB"/>
+            </a:solidFill>
+          </a:ln>
+        </p:spPr>
+        <p:style>
+          <a:lnRef idx="1">
+            <a:schemeClr val="accent1"/>
+          </a:lnRef>
+          <a:fillRef idx="0">
+            <a:schemeClr val="accent1"/>
+          </a:fillRef>
+          <a:effectRef idx="0">
+            <a:schemeClr val="accent1"/>
+          </a:effectRef>
+          <a:fontRef idx="minor">
+            <a:schemeClr val="tx1"/>
+          </a:fontRef>
+        </p:style>
+      </p:cxnSp>
+      <p:cxnSp>
+        <p:nvCxnSpPr>
+          <p:cNvPr id="63" name="Connettore diritto 62">
+            <a:extLst>
+              <a:ext uri="{FF2B5EF4-FFF2-40B4-BE49-F238E27FC236}">
+                <a16:creationId xmlns:a16="http://schemas.microsoft.com/office/drawing/2014/main" id="{BE689B1A-4E5C-4767-82F8-C0E5DA6CEB0A}"/>
+              </a:ext>
+            </a:extLst>
+          </p:cNvPr>
+          <p:cNvCxnSpPr>
+            <a:cxnSpLocks/>
+          </p:cNvCxnSpPr>
+          <p:nvPr/>
+        </p:nvCxnSpPr>
+        <p:spPr>
+          <a:xfrm flipH="1" flipV="1">
+            <a:off x="5403471" y="4995745"/>
+            <a:ext cx="2406208" cy="15990"/>
+          </a:xfrm>
+          <a:prstGeom prst="line">
+            <a:avLst/>
+          </a:prstGeom>
+          <a:ln w="25400">
+            <a:solidFill>
+              <a:srgbClr val="258EBB"/>
+            </a:solidFill>
+          </a:ln>
+        </p:spPr>
+        <p:style>
+          <a:lnRef idx="1">
+            <a:schemeClr val="accent1"/>
+          </a:lnRef>
+          <a:fillRef idx="0">
+            <a:schemeClr val="accent1"/>
+          </a:fillRef>
+          <a:effectRef idx="0">
+            <a:schemeClr val="accent1"/>
+          </a:effectRef>
+          <a:fontRef idx="minor">
+            <a:schemeClr val="tx1"/>
+          </a:fontRef>
+        </p:style>
+      </p:cxnSp>
+      <p:cxnSp>
+        <p:nvCxnSpPr>
+          <p:cNvPr id="64" name="Connettore diritto 63">
+            <a:extLst>
+              <a:ext uri="{FF2B5EF4-FFF2-40B4-BE49-F238E27FC236}">
+                <a16:creationId xmlns:a16="http://schemas.microsoft.com/office/drawing/2014/main" id="{504F30F3-3973-4EFD-BA0C-A35AF3359066}"/>
+              </a:ext>
+            </a:extLst>
+          </p:cNvPr>
+          <p:cNvCxnSpPr>
+            <a:cxnSpLocks/>
+          </p:cNvCxnSpPr>
+          <p:nvPr/>
+        </p:nvCxnSpPr>
+        <p:spPr>
+          <a:xfrm flipV="1">
+            <a:off x="7804551" y="4480641"/>
+            <a:ext cx="0" cy="531094"/>
+          </a:xfrm>
+          <a:prstGeom prst="line">
+            <a:avLst/>
+          </a:prstGeom>
+          <a:ln w="25400">
+            <a:solidFill>
+              <a:srgbClr val="258EBB"/>
+            </a:solidFill>
+          </a:ln>
+        </p:spPr>
+        <p:style>
+          <a:lnRef idx="1">
+            <a:schemeClr val="accent1"/>
+          </a:lnRef>
+          <a:fillRef idx="0">
+            <a:schemeClr val="accent1"/>
+          </a:fillRef>
+          <a:effectRef idx="0">
+            <a:schemeClr val="accent1"/>
+          </a:effectRef>
+          <a:fontRef idx="minor">
+            <a:schemeClr val="tx1"/>
+          </a:fontRef>
+        </p:style>
+      </p:cxnSp>
+      <p:cxnSp>
+        <p:nvCxnSpPr>
+          <p:cNvPr id="67" name="Connettore diritto 66">
+            <a:extLst>
+              <a:ext uri="{FF2B5EF4-FFF2-40B4-BE49-F238E27FC236}">
+                <a16:creationId xmlns:a16="http://schemas.microsoft.com/office/drawing/2014/main" id="{1B7B6B5F-F58A-4DE5-9959-CB9DEA5F2DB5}"/>
+              </a:ext>
+            </a:extLst>
+          </p:cNvPr>
+          <p:cNvCxnSpPr>
+            <a:cxnSpLocks/>
+          </p:cNvCxnSpPr>
+          <p:nvPr/>
+        </p:nvCxnSpPr>
+        <p:spPr>
+          <a:xfrm flipH="1" flipV="1">
+            <a:off x="5295702" y="5578916"/>
+            <a:ext cx="2603952" cy="5038"/>
+          </a:xfrm>
+          <a:prstGeom prst="line">
+            <a:avLst/>
+          </a:prstGeom>
+          <a:ln w="25400">
+            <a:solidFill>
+              <a:srgbClr val="258EBB"/>
+            </a:solidFill>
+          </a:ln>
+        </p:spPr>
+        <p:style>
+          <a:lnRef idx="1">
+            <a:schemeClr val="accent1"/>
+          </a:lnRef>
+          <a:fillRef idx="0">
+            <a:schemeClr val="accent1"/>
+          </a:fillRef>
+          <a:effectRef idx="0">
+            <a:schemeClr val="accent1"/>
+          </a:effectRef>
+          <a:fontRef idx="minor">
+            <a:schemeClr val="tx1"/>
+          </a:fontRef>
+        </p:style>
+      </p:cxnSp>
+      <p:cxnSp>
+        <p:nvCxnSpPr>
+          <p:cNvPr id="69" name="Connettore diritto 68">
+            <a:extLst>
+              <a:ext uri="{FF2B5EF4-FFF2-40B4-BE49-F238E27FC236}">
+                <a16:creationId xmlns:a16="http://schemas.microsoft.com/office/drawing/2014/main" id="{DA2A87C4-2A09-4353-BD7B-39AC8F1FB099}"/>
+              </a:ext>
+            </a:extLst>
+          </p:cNvPr>
+          <p:cNvCxnSpPr>
+            <a:cxnSpLocks/>
+          </p:cNvCxnSpPr>
+          <p:nvPr/>
+        </p:nvCxnSpPr>
+        <p:spPr>
+          <a:xfrm flipV="1">
+            <a:off x="7902266" y="5598726"/>
+            <a:ext cx="0" cy="531094"/>
+          </a:xfrm>
+          <a:prstGeom prst="line">
+            <a:avLst/>
+          </a:prstGeom>
+          <a:ln w="25400">
+            <a:solidFill>
+              <a:srgbClr val="258EBB"/>
+            </a:solidFill>
+          </a:ln>
+        </p:spPr>
+        <p:style>
+          <a:lnRef idx="1">
+            <a:schemeClr val="accent1"/>
+          </a:lnRef>
+          <a:fillRef idx="0">
+            <a:schemeClr val="accent1"/>
+          </a:fillRef>
+          <a:effectRef idx="0">
+            <a:schemeClr val="accent1"/>
+          </a:effectRef>
+          <a:fontRef idx="minor">
+            <a:schemeClr val="tx1"/>
+          </a:fontRef>
+        </p:style>
+      </p:cxnSp>
+      <p:cxnSp>
+        <p:nvCxnSpPr>
+          <p:cNvPr id="70" name="Connettore diritto 69">
+            <a:extLst>
+              <a:ext uri="{FF2B5EF4-FFF2-40B4-BE49-F238E27FC236}">
+                <a16:creationId xmlns:a16="http://schemas.microsoft.com/office/drawing/2014/main" id="{34B9EDB6-8649-4568-AE6B-708DDFE68E50}"/>
+              </a:ext>
+            </a:extLst>
+          </p:cNvPr>
+          <p:cNvCxnSpPr>
+            <a:cxnSpLocks/>
+          </p:cNvCxnSpPr>
+          <p:nvPr/>
+        </p:nvCxnSpPr>
+        <p:spPr>
+          <a:xfrm flipH="1" flipV="1">
+            <a:off x="5297287" y="6113811"/>
+            <a:ext cx="2603952" cy="5038"/>
+          </a:xfrm>
+          <a:prstGeom prst="line">
+            <a:avLst/>
+          </a:prstGeom>
+          <a:ln w="25400">
+            <a:solidFill>
+              <a:srgbClr val="258EBB"/>
+            </a:solidFill>
+          </a:ln>
+        </p:spPr>
+        <p:style>
+          <a:lnRef idx="1">
+            <a:schemeClr val="accent1"/>
+          </a:lnRef>
+          <a:fillRef idx="0">
+            <a:schemeClr val="accent1"/>
+          </a:fillRef>
+          <a:effectRef idx="0">
+            <a:schemeClr val="accent1"/>
+          </a:effectRef>
+          <a:fontRef idx="minor">
+            <a:schemeClr val="tx1"/>
+          </a:fontRef>
+        </p:style>
+      </p:cxnSp>
     </p:spTree>
     <p:extLst>
       <p:ext uri="{BB962C8B-B14F-4D97-AF65-F5344CB8AC3E}">
@@ -4794,7 +6641,7 @@
         </p:nvSpPr>
         <p:spPr>
           <a:xfrm>
-            <a:off x="2777394" y="235598"/>
+            <a:off x="2707423" y="192055"/>
             <a:ext cx="6777154" cy="1015663"/>
           </a:xfrm>
           <a:prstGeom prst="rect">
@@ -4827,6 +6674,1213 @@
               </a:rPr>
               <a:t>TEXT REPRESENTATION</a:t>
             </a:r>
+          </a:p>
+        </p:txBody>
+      </p:sp>
+      <p:sp>
+        <p:nvSpPr>
+          <p:cNvPr id="3" name="CasellaDiTesto 2">
+            <a:extLst>
+              <a:ext uri="{FF2B5EF4-FFF2-40B4-BE49-F238E27FC236}">
+                <a16:creationId xmlns:a16="http://schemas.microsoft.com/office/drawing/2014/main" id="{655E687B-EFA2-4982-A402-C4224C78F055}"/>
+              </a:ext>
+            </a:extLst>
+          </p:cNvPr>
+          <p:cNvSpPr txBox="1"/>
+          <p:nvPr/>
+        </p:nvSpPr>
+        <p:spPr>
+          <a:xfrm>
+            <a:off x="2115505" y="1954692"/>
+            <a:ext cx="1551232" cy="646331"/>
+          </a:xfrm>
+          <a:prstGeom prst="rect">
+            <a:avLst/>
+          </a:prstGeom>
+          <a:noFill/>
+          <a:ln w="25400">
+            <a:solidFill>
+              <a:srgbClr val="32AADC"/>
+            </a:solidFill>
+          </a:ln>
+        </p:spPr>
+        <p:txBody>
+          <a:bodyPr wrap="square" rtlCol="0">
+            <a:spAutoFit/>
+          </a:bodyPr>
+          <a:lstStyle/>
+          <a:p>
+            <a:pPr algn="ctr"/>
+            <a:r>
+              <a:rPr lang="it-IT" sz="3600" dirty="0">
+                <a:solidFill>
+                  <a:schemeClr val="accent5">
+                    <a:lumMod val="20000"/>
+                    <a:lumOff val="80000"/>
+                  </a:schemeClr>
+                </a:solidFill>
+                <a:effectLst>
+                  <a:outerShdw blurRad="38100" dist="38100" dir="2700000" algn="tl">
+                    <a:srgbClr val="000000">
+                      <a:alpha val="43137"/>
+                    </a:srgbClr>
+                  </a:outerShdw>
+                </a:effectLst>
+                <a:latin typeface="Tw Cen MT Condensed Extra Bold" panose="020B0803020202020204" pitchFamily="34" charset="0"/>
+              </a:rPr>
+              <a:t>TF-IDF</a:t>
+            </a:r>
+          </a:p>
+        </p:txBody>
+      </p:sp>
+      <p:sp>
+        <p:nvSpPr>
+          <p:cNvPr id="4" name="CasellaDiTesto 3">
+            <a:extLst>
+              <a:ext uri="{FF2B5EF4-FFF2-40B4-BE49-F238E27FC236}">
+                <a16:creationId xmlns:a16="http://schemas.microsoft.com/office/drawing/2014/main" id="{14B9F32F-8B86-4767-B2CD-DC14B7347F71}"/>
+              </a:ext>
+            </a:extLst>
+          </p:cNvPr>
+          <p:cNvSpPr txBox="1"/>
+          <p:nvPr/>
+        </p:nvSpPr>
+        <p:spPr>
+          <a:xfrm>
+            <a:off x="8190848" y="1954691"/>
+            <a:ext cx="1885647" cy="646331"/>
+          </a:xfrm>
+          <a:prstGeom prst="rect">
+            <a:avLst/>
+          </a:prstGeom>
+          <a:noFill/>
+          <a:ln w="25400">
+            <a:solidFill>
+              <a:srgbClr val="32AADC"/>
+            </a:solidFill>
+          </a:ln>
+        </p:spPr>
+        <p:txBody>
+          <a:bodyPr wrap="square" rtlCol="0">
+            <a:spAutoFit/>
+          </a:bodyPr>
+          <a:lstStyle/>
+          <a:p>
+            <a:pPr algn="ctr"/>
+            <a:r>
+              <a:rPr lang="it-IT" sz="3600" dirty="0">
+                <a:solidFill>
+                  <a:schemeClr val="accent5">
+                    <a:lumMod val="20000"/>
+                    <a:lumOff val="80000"/>
+                  </a:schemeClr>
+                </a:solidFill>
+                <a:effectLst>
+                  <a:outerShdw blurRad="38100" dist="38100" dir="2700000" algn="tl">
+                    <a:srgbClr val="000000">
+                      <a:alpha val="43137"/>
+                    </a:srgbClr>
+                  </a:outerShdw>
+                </a:effectLst>
+                <a:latin typeface="Tw Cen MT Condensed Extra Bold" panose="020B0803020202020204" pitchFamily="34" charset="0"/>
+              </a:rPr>
+              <a:t>DOC2VEC</a:t>
+            </a:r>
+          </a:p>
+        </p:txBody>
+      </p:sp>
+      <mc:AlternateContent xmlns:mc="http://schemas.openxmlformats.org/markup-compatibility/2006" xmlns:a14="http://schemas.microsoft.com/office/drawing/2010/main">
+        <mc:Choice Requires="a14">
+          <p:sp>
+            <p:nvSpPr>
+              <p:cNvPr id="5" name="CasellaDiTesto 4">
+                <a:extLst>
+                  <a:ext uri="{FF2B5EF4-FFF2-40B4-BE49-F238E27FC236}">
+                    <a16:creationId xmlns:a16="http://schemas.microsoft.com/office/drawing/2014/main" id="{6A585004-4C1E-4DA1-8F7D-A5699099A27C}"/>
+                  </a:ext>
+                </a:extLst>
+              </p:cNvPr>
+              <p:cNvSpPr txBox="1"/>
+              <p:nvPr/>
+            </p:nvSpPr>
+            <p:spPr>
+              <a:xfrm>
+                <a:off x="1298505" y="3239015"/>
+                <a:ext cx="3185231" cy="622350"/>
+              </a:xfrm>
+              <a:prstGeom prst="rect">
+                <a:avLst/>
+              </a:prstGeom>
+              <a:noFill/>
+              <a:ln w="15875">
+                <a:solidFill>
+                  <a:srgbClr val="32AADC"/>
+                </a:solidFill>
+              </a:ln>
+            </p:spPr>
+            <p:txBody>
+              <a:bodyPr wrap="square" lIns="0" tIns="0" rIns="0" bIns="0" rtlCol="0">
+                <a:spAutoFit/>
+              </a:bodyPr>
+              <a:lstStyle/>
+              <a:p>
+                <a:pPr/>
+                <a14:m>
+                  <m:oMathPara xmlns:m="http://schemas.openxmlformats.org/officeDocument/2006/math">
+                    <m:oMathParaPr>
+                      <m:jc m:val="centerGroup"/>
+                    </m:oMathParaPr>
+                    <m:oMath xmlns:m="http://schemas.openxmlformats.org/officeDocument/2006/math">
+                      <m:sSub>
+                        <m:sSubPr>
+                          <m:ctrlPr>
+                            <a:rPr lang="it-IT" i="1" smtClean="0">
+                              <a:solidFill>
+                                <a:schemeClr val="bg1"/>
+                              </a:solidFill>
+                              <a:latin typeface="Cambria Math" panose="02040503050406030204" pitchFamily="18" charset="0"/>
+                            </a:rPr>
+                          </m:ctrlPr>
+                        </m:sSubPr>
+                        <m:e>
+                          <m:r>
+                            <a:rPr lang="it-IT" b="0" i="1" smtClean="0">
+                              <a:solidFill>
+                                <a:schemeClr val="bg1"/>
+                              </a:solidFill>
+                              <a:latin typeface="Cambria Math" panose="02040503050406030204" pitchFamily="18" charset="0"/>
+                            </a:rPr>
+                            <m:t>𝑤</m:t>
+                          </m:r>
+                        </m:e>
+                        <m:sub>
+                          <m:r>
+                            <a:rPr lang="it-IT" b="0" i="1" smtClean="0">
+                              <a:solidFill>
+                                <a:schemeClr val="bg1"/>
+                              </a:solidFill>
+                              <a:latin typeface="Cambria Math" panose="02040503050406030204" pitchFamily="18" charset="0"/>
+                            </a:rPr>
+                            <m:t>𝑡</m:t>
+                          </m:r>
+                          <m:r>
+                            <a:rPr lang="it-IT" b="0" i="1" smtClean="0">
+                              <a:solidFill>
+                                <a:schemeClr val="bg1"/>
+                              </a:solidFill>
+                              <a:latin typeface="Cambria Math" panose="02040503050406030204" pitchFamily="18" charset="0"/>
+                            </a:rPr>
+                            <m:t>,</m:t>
+                          </m:r>
+                          <m:r>
+                            <a:rPr lang="it-IT" b="0" i="1" smtClean="0">
+                              <a:solidFill>
+                                <a:schemeClr val="bg1"/>
+                              </a:solidFill>
+                              <a:latin typeface="Cambria Math" panose="02040503050406030204" pitchFamily="18" charset="0"/>
+                            </a:rPr>
+                            <m:t>𝑑</m:t>
+                          </m:r>
+                        </m:sub>
+                      </m:sSub>
+                      <m:r>
+                        <a:rPr lang="it-IT" b="0" i="1" smtClean="0">
+                          <a:solidFill>
+                            <a:schemeClr val="bg1"/>
+                          </a:solidFill>
+                          <a:latin typeface="Cambria Math" panose="02040503050406030204" pitchFamily="18" charset="0"/>
+                        </a:rPr>
+                        <m:t>=</m:t>
+                      </m:r>
+                      <m:f>
+                        <m:fPr>
+                          <m:ctrlPr>
+                            <a:rPr lang="it-IT" i="1" smtClean="0">
+                              <a:solidFill>
+                                <a:schemeClr val="bg1"/>
+                              </a:solidFill>
+                              <a:latin typeface="Cambria Math" panose="02040503050406030204" pitchFamily="18" charset="0"/>
+                            </a:rPr>
+                          </m:ctrlPr>
+                        </m:fPr>
+                        <m:num>
+                          <m:sSub>
+                            <m:sSubPr>
+                              <m:ctrlPr>
+                                <a:rPr lang="it-IT" i="1" smtClean="0">
+                                  <a:solidFill>
+                                    <a:schemeClr val="bg1"/>
+                                  </a:solidFill>
+                                  <a:latin typeface="Cambria Math" panose="02040503050406030204" pitchFamily="18" charset="0"/>
+                                </a:rPr>
+                              </m:ctrlPr>
+                            </m:sSubPr>
+                            <m:e>
+                              <m:r>
+                                <a:rPr lang="it-IT" b="0" i="1" smtClean="0">
+                                  <a:solidFill>
+                                    <a:schemeClr val="bg1"/>
+                                  </a:solidFill>
+                                  <a:latin typeface="Cambria Math" panose="02040503050406030204" pitchFamily="18" charset="0"/>
+                                </a:rPr>
+                                <m:t>𝑡𝑓</m:t>
+                              </m:r>
+                            </m:e>
+                            <m:sub>
+                              <m:r>
+                                <a:rPr lang="it-IT" b="0" i="1" smtClean="0">
+                                  <a:solidFill>
+                                    <a:schemeClr val="bg1"/>
+                                  </a:solidFill>
+                                  <a:latin typeface="Cambria Math" panose="02040503050406030204" pitchFamily="18" charset="0"/>
+                                </a:rPr>
+                                <m:t>𝑡</m:t>
+                              </m:r>
+                              <m:r>
+                                <a:rPr lang="it-IT" b="0" i="1" smtClean="0">
+                                  <a:solidFill>
+                                    <a:schemeClr val="bg1"/>
+                                  </a:solidFill>
+                                  <a:latin typeface="Cambria Math" panose="02040503050406030204" pitchFamily="18" charset="0"/>
+                                </a:rPr>
+                                <m:t>,</m:t>
+                              </m:r>
+                              <m:r>
+                                <a:rPr lang="it-IT" b="0" i="1" smtClean="0">
+                                  <a:solidFill>
+                                    <a:schemeClr val="bg1"/>
+                                  </a:solidFill>
+                                  <a:latin typeface="Cambria Math" panose="02040503050406030204" pitchFamily="18" charset="0"/>
+                                </a:rPr>
+                                <m:t>𝑑</m:t>
+                              </m:r>
+                            </m:sub>
+                          </m:sSub>
+                        </m:num>
+                        <m:den>
+                          <m:sSub>
+                            <m:sSubPr>
+                              <m:ctrlPr>
+                                <a:rPr lang="it-IT" i="1" smtClean="0">
+                                  <a:solidFill>
+                                    <a:schemeClr val="bg1"/>
+                                  </a:solidFill>
+                                  <a:latin typeface="Cambria Math" panose="02040503050406030204" pitchFamily="18" charset="0"/>
+                                </a:rPr>
+                              </m:ctrlPr>
+                            </m:sSubPr>
+                            <m:e>
+                              <m:r>
+                                <a:rPr lang="it-IT" b="0" i="1" smtClean="0">
+                                  <a:solidFill>
+                                    <a:schemeClr val="bg1"/>
+                                  </a:solidFill>
+                                  <a:latin typeface="Cambria Math" panose="02040503050406030204" pitchFamily="18" charset="0"/>
+                                </a:rPr>
+                                <m:t>𝑚𝑎𝑥</m:t>
+                              </m:r>
+                            </m:e>
+                            <m:sub>
+                              <m:r>
+                                <a:rPr lang="it-IT" b="0" i="1" smtClean="0">
+                                  <a:solidFill>
+                                    <a:schemeClr val="bg1"/>
+                                  </a:solidFill>
+                                  <a:latin typeface="Cambria Math" panose="02040503050406030204" pitchFamily="18" charset="0"/>
+                                </a:rPr>
+                                <m:t>𝑡𝑖</m:t>
+                              </m:r>
+                            </m:sub>
+                          </m:sSub>
+                          <m:sSub>
+                            <m:sSubPr>
+                              <m:ctrlPr>
+                                <a:rPr lang="it-IT" i="1" smtClean="0">
+                                  <a:solidFill>
+                                    <a:schemeClr val="bg1"/>
+                                  </a:solidFill>
+                                  <a:latin typeface="Cambria Math" panose="02040503050406030204" pitchFamily="18" charset="0"/>
+                                </a:rPr>
+                              </m:ctrlPr>
+                            </m:sSubPr>
+                            <m:e>
+                              <m:r>
+                                <a:rPr lang="it-IT" b="0" i="1" smtClean="0">
+                                  <a:solidFill>
+                                    <a:schemeClr val="bg1"/>
+                                  </a:solidFill>
+                                  <a:latin typeface="Cambria Math" panose="02040503050406030204" pitchFamily="18" charset="0"/>
+                                </a:rPr>
+                                <m:t>𝑡𝑓</m:t>
+                              </m:r>
+                            </m:e>
+                            <m:sub>
+                              <m:r>
+                                <a:rPr lang="it-IT" b="0" i="1" smtClean="0">
+                                  <a:solidFill>
+                                    <a:schemeClr val="bg1"/>
+                                  </a:solidFill>
+                                  <a:latin typeface="Cambria Math" panose="02040503050406030204" pitchFamily="18" charset="0"/>
+                                </a:rPr>
+                                <m:t>𝑡𝑖</m:t>
+                              </m:r>
+                              <m:r>
+                                <a:rPr lang="it-IT" b="0" i="1" smtClean="0">
+                                  <a:solidFill>
+                                    <a:schemeClr val="bg1"/>
+                                  </a:solidFill>
+                                  <a:latin typeface="Cambria Math" panose="02040503050406030204" pitchFamily="18" charset="0"/>
+                                </a:rPr>
+                                <m:t>,</m:t>
+                              </m:r>
+                              <m:r>
+                                <a:rPr lang="it-IT" b="0" i="1" smtClean="0">
+                                  <a:solidFill>
+                                    <a:schemeClr val="bg1"/>
+                                  </a:solidFill>
+                                  <a:latin typeface="Cambria Math" panose="02040503050406030204" pitchFamily="18" charset="0"/>
+                                </a:rPr>
+                                <m:t>𝑑</m:t>
+                              </m:r>
+                            </m:sub>
+                          </m:sSub>
+                        </m:den>
+                      </m:f>
+                      <m:r>
+                        <a:rPr lang="it-IT" b="0" i="1" smtClean="0">
+                          <a:solidFill>
+                            <a:schemeClr val="bg1"/>
+                          </a:solidFill>
+                          <a:latin typeface="Cambria Math" panose="02040503050406030204" pitchFamily="18" charset="0"/>
+                        </a:rPr>
+                        <m:t> </m:t>
+                      </m:r>
+                      <m:r>
+                        <a:rPr lang="it-IT" b="0" i="1" smtClean="0">
+                          <a:solidFill>
+                            <a:schemeClr val="bg1"/>
+                          </a:solidFill>
+                          <a:latin typeface="Cambria Math" panose="02040503050406030204" pitchFamily="18" charset="0"/>
+                          <a:ea typeface="Cambria Math" panose="02040503050406030204" pitchFamily="18" charset="0"/>
+                        </a:rPr>
+                        <m:t>∙</m:t>
+                      </m:r>
+                      <m:sSub>
+                        <m:sSubPr>
+                          <m:ctrlPr>
+                            <a:rPr lang="it-IT" i="1" smtClean="0">
+                              <a:solidFill>
+                                <a:schemeClr val="bg1"/>
+                              </a:solidFill>
+                              <a:latin typeface="Cambria Math" panose="02040503050406030204" pitchFamily="18" charset="0"/>
+                              <a:ea typeface="Cambria Math" panose="02040503050406030204" pitchFamily="18" charset="0"/>
+                            </a:rPr>
+                          </m:ctrlPr>
+                        </m:sSubPr>
+                        <m:e>
+                          <m:r>
+                            <a:rPr lang="it-IT" b="0" i="1" smtClean="0">
+                              <a:solidFill>
+                                <a:schemeClr val="bg1"/>
+                              </a:solidFill>
+                              <a:latin typeface="Cambria Math" panose="02040503050406030204" pitchFamily="18" charset="0"/>
+                              <a:ea typeface="Cambria Math" panose="02040503050406030204" pitchFamily="18" charset="0"/>
+                            </a:rPr>
+                            <m:t>𝑙𝑜𝑔</m:t>
+                          </m:r>
+                        </m:e>
+                        <m:sub>
+                          <m:r>
+                            <a:rPr lang="it-IT" b="0" i="1" smtClean="0">
+                              <a:solidFill>
+                                <a:schemeClr val="bg1"/>
+                              </a:solidFill>
+                              <a:latin typeface="Cambria Math" panose="02040503050406030204" pitchFamily="18" charset="0"/>
+                              <a:ea typeface="Cambria Math" panose="02040503050406030204" pitchFamily="18" charset="0"/>
+                            </a:rPr>
+                            <m:t>10</m:t>
+                          </m:r>
+                        </m:sub>
+                      </m:sSub>
+                      <m:d>
+                        <m:dPr>
+                          <m:ctrlPr>
+                            <a:rPr lang="it-IT" i="1" smtClean="0">
+                              <a:solidFill>
+                                <a:schemeClr val="bg1"/>
+                              </a:solidFill>
+                              <a:latin typeface="Cambria Math" panose="02040503050406030204" pitchFamily="18" charset="0"/>
+                              <a:ea typeface="Cambria Math" panose="02040503050406030204" pitchFamily="18" charset="0"/>
+                            </a:rPr>
+                          </m:ctrlPr>
+                        </m:dPr>
+                        <m:e>
+                          <m:f>
+                            <m:fPr>
+                              <m:ctrlPr>
+                                <a:rPr lang="it-IT" i="1" smtClean="0">
+                                  <a:solidFill>
+                                    <a:schemeClr val="bg1"/>
+                                  </a:solidFill>
+                                  <a:latin typeface="Cambria Math" panose="02040503050406030204" pitchFamily="18" charset="0"/>
+                                  <a:ea typeface="Cambria Math" panose="02040503050406030204" pitchFamily="18" charset="0"/>
+                                </a:rPr>
+                              </m:ctrlPr>
+                            </m:fPr>
+                            <m:num>
+                              <m:r>
+                                <a:rPr lang="it-IT" b="0" i="1" smtClean="0">
+                                  <a:solidFill>
+                                    <a:schemeClr val="bg1"/>
+                                  </a:solidFill>
+                                  <a:latin typeface="Cambria Math" panose="02040503050406030204" pitchFamily="18" charset="0"/>
+                                  <a:ea typeface="Cambria Math" panose="02040503050406030204" pitchFamily="18" charset="0"/>
+                                </a:rPr>
+                                <m:t>𝑁</m:t>
+                              </m:r>
+                            </m:num>
+                            <m:den>
+                              <m:sSub>
+                                <m:sSubPr>
+                                  <m:ctrlPr>
+                                    <a:rPr lang="it-IT" i="1" smtClean="0">
+                                      <a:solidFill>
+                                        <a:schemeClr val="bg1"/>
+                                      </a:solidFill>
+                                      <a:latin typeface="Cambria Math" panose="02040503050406030204" pitchFamily="18" charset="0"/>
+                                      <a:ea typeface="Cambria Math" panose="02040503050406030204" pitchFamily="18" charset="0"/>
+                                    </a:rPr>
+                                  </m:ctrlPr>
+                                </m:sSubPr>
+                                <m:e>
+                                  <m:r>
+                                    <a:rPr lang="it-IT" b="0" i="1" smtClean="0">
+                                      <a:solidFill>
+                                        <a:schemeClr val="bg1"/>
+                                      </a:solidFill>
+                                      <a:latin typeface="Cambria Math" panose="02040503050406030204" pitchFamily="18" charset="0"/>
+                                      <a:ea typeface="Cambria Math" panose="02040503050406030204" pitchFamily="18" charset="0"/>
+                                    </a:rPr>
+                                    <m:t>𝑑𝑓</m:t>
+                                  </m:r>
+                                </m:e>
+                                <m:sub>
+                                  <m:r>
+                                    <a:rPr lang="it-IT" b="0" i="1" smtClean="0">
+                                      <a:solidFill>
+                                        <a:schemeClr val="bg1"/>
+                                      </a:solidFill>
+                                      <a:latin typeface="Cambria Math" panose="02040503050406030204" pitchFamily="18" charset="0"/>
+                                      <a:ea typeface="Cambria Math" panose="02040503050406030204" pitchFamily="18" charset="0"/>
+                                    </a:rPr>
+                                    <m:t>𝑡</m:t>
+                                  </m:r>
+                                </m:sub>
+                              </m:sSub>
+                            </m:den>
+                          </m:f>
+                        </m:e>
+                      </m:d>
+                    </m:oMath>
+                  </m:oMathPara>
+                </a14:m>
+                <a:endParaRPr lang="it-IT" dirty="0">
+                  <a:solidFill>
+                    <a:schemeClr val="bg1"/>
+                  </a:solidFill>
+                </a:endParaRPr>
+              </a:p>
+            </p:txBody>
+          </p:sp>
+        </mc:Choice>
+        <mc:Fallback xmlns="">
+          <p:sp>
+            <p:nvSpPr>
+              <p:cNvPr id="5" name="CasellaDiTesto 4">
+                <a:extLst>
+                  <a:ext uri="{FF2B5EF4-FFF2-40B4-BE49-F238E27FC236}">
+                    <a16:creationId xmlns:a16="http://schemas.microsoft.com/office/drawing/2014/main" id="{6A585004-4C1E-4DA1-8F7D-A5699099A27C}"/>
+                  </a:ext>
+                </a:extLst>
+              </p:cNvPr>
+              <p:cNvSpPr txBox="1">
+                <a:spLocks noRot="1" noChangeAspect="1" noMove="1" noResize="1" noEditPoints="1" noAdjustHandles="1" noChangeArrowheads="1" noChangeShapeType="1" noTextEdit="1"/>
+              </p:cNvSpPr>
+              <p:nvPr/>
+            </p:nvSpPr>
+            <p:spPr>
+              <a:xfrm>
+                <a:off x="1298505" y="3239015"/>
+                <a:ext cx="3185231" cy="622350"/>
+              </a:xfrm>
+              <a:prstGeom prst="rect">
+                <a:avLst/>
+              </a:prstGeom>
+              <a:blipFill>
+                <a:blip r:embed="rId2"/>
+                <a:stretch>
+                  <a:fillRect/>
+                </a:stretch>
+              </a:blipFill>
+              <a:ln w="15875">
+                <a:solidFill>
+                  <a:srgbClr val="32AADC"/>
+                </a:solidFill>
+              </a:ln>
+            </p:spPr>
+            <p:txBody>
+              <a:bodyPr/>
+              <a:lstStyle/>
+              <a:p>
+                <a:r>
+                  <a:rPr lang="it-IT">
+                    <a:noFill/>
+                  </a:rPr>
+                  <a:t> </a:t>
+                </a:r>
+              </a:p>
+            </p:txBody>
+          </p:sp>
+        </mc:Fallback>
+      </mc:AlternateContent>
+      <p:sp>
+        <p:nvSpPr>
+          <p:cNvPr id="7" name="CasellaDiTesto 6">
+            <a:extLst>
+              <a:ext uri="{FF2B5EF4-FFF2-40B4-BE49-F238E27FC236}">
+                <a16:creationId xmlns:a16="http://schemas.microsoft.com/office/drawing/2014/main" id="{52FB7503-6DD7-4DBF-B268-FE5BF162F2E6}"/>
+              </a:ext>
+            </a:extLst>
+          </p:cNvPr>
+          <p:cNvSpPr txBox="1"/>
+          <p:nvPr/>
+        </p:nvSpPr>
+        <p:spPr>
+          <a:xfrm>
+            <a:off x="7839338" y="3239015"/>
+            <a:ext cx="2588665" cy="1200329"/>
+          </a:xfrm>
+          <a:prstGeom prst="rect">
+            <a:avLst/>
+          </a:prstGeom>
+          <a:noFill/>
+          <a:ln w="22225">
+            <a:solidFill>
+              <a:srgbClr val="32AADC"/>
+            </a:solidFill>
+          </a:ln>
+        </p:spPr>
+        <p:txBody>
+          <a:bodyPr wrap="square" rtlCol="0">
+            <a:spAutoFit/>
+          </a:bodyPr>
+          <a:lstStyle/>
+          <a:p>
+            <a:pPr algn="ctr"/>
+            <a:r>
+              <a:rPr lang="it-IT" sz="2400" dirty="0">
+                <a:solidFill>
+                  <a:schemeClr val="accent5">
+                    <a:lumMod val="20000"/>
+                    <a:lumOff val="80000"/>
+                  </a:schemeClr>
+                </a:solidFill>
+                <a:latin typeface="Tw Cen MT Condensed Extra Bold" panose="020B0803020202020204" pitchFamily="34" charset="0"/>
+              </a:rPr>
+              <a:t>EVERY TWEETS REPRESENTED BY A </a:t>
+            </a:r>
+            <a:r>
+              <a:rPr lang="it-IT" sz="2400" dirty="0">
+                <a:solidFill>
+                  <a:srgbClr val="32AADC"/>
+                </a:solidFill>
+                <a:latin typeface="Tw Cen MT Condensed Extra Bold" panose="020B0803020202020204" pitchFamily="34" charset="0"/>
+              </a:rPr>
+              <a:t>DENSE VECTOR</a:t>
+            </a:r>
+          </a:p>
+        </p:txBody>
+      </p:sp>
+      <p:pic>
+        <p:nvPicPr>
+          <p:cNvPr id="10" name="Elemento grafico 9" descr="Documento con riempimento a tinta unita">
+            <a:extLst>
+              <a:ext uri="{FF2B5EF4-FFF2-40B4-BE49-F238E27FC236}">
+                <a16:creationId xmlns:a16="http://schemas.microsoft.com/office/drawing/2014/main" id="{6435EA14-8855-4CBA-B43E-B481FC2DAB2E}"/>
+              </a:ext>
+            </a:extLst>
+          </p:cNvPr>
+          <p:cNvPicPr>
+            <a:picLocks noChangeAspect="1"/>
+          </p:cNvPicPr>
+          <p:nvPr/>
+        </p:nvPicPr>
+        <p:blipFill>
+          <a:blip r:embed="rId3">
+            <a:extLst>
+              <a:ext uri="{28A0092B-C50C-407E-A947-70E740481C1C}">
+                <a14:useLocalDpi xmlns:a14="http://schemas.microsoft.com/office/drawing/2010/main" val="0"/>
+              </a:ext>
+              <a:ext uri="{96DAC541-7B7A-43D3-8B79-37D633B846F1}">
+                <asvg:svgBlip xmlns:asvg="http://schemas.microsoft.com/office/drawing/2016/SVG/main" r:embed="rId4"/>
+              </a:ext>
+            </a:extLst>
+          </a:blip>
+          <a:stretch>
+            <a:fillRect/>
+          </a:stretch>
+        </p:blipFill>
+        <p:spPr>
+          <a:xfrm>
+            <a:off x="471171" y="192055"/>
+            <a:ext cx="1037189" cy="1037189"/>
+          </a:xfrm>
+          <a:prstGeom prst="rect">
+            <a:avLst/>
+          </a:prstGeom>
+        </p:spPr>
+      </p:pic>
+      <p:sp>
+        <p:nvSpPr>
+          <p:cNvPr id="37" name="CasellaDiTesto 36">
+            <a:extLst>
+              <a:ext uri="{FF2B5EF4-FFF2-40B4-BE49-F238E27FC236}">
+                <a16:creationId xmlns:a16="http://schemas.microsoft.com/office/drawing/2014/main" id="{E7EE14F8-F7B7-4CCD-9E5A-ECF5BBF53831}"/>
+              </a:ext>
+            </a:extLst>
+          </p:cNvPr>
+          <p:cNvSpPr txBox="1"/>
+          <p:nvPr/>
+        </p:nvSpPr>
+        <p:spPr>
+          <a:xfrm>
+            <a:off x="1298505" y="4329072"/>
+            <a:ext cx="3875011" cy="1754326"/>
+          </a:xfrm>
+          <a:prstGeom prst="rect">
+            <a:avLst/>
+          </a:prstGeom>
+          <a:noFill/>
+          <a:ln w="22225">
+            <a:noFill/>
+          </a:ln>
+        </p:spPr>
+        <p:txBody>
+          <a:bodyPr wrap="square" rtlCol="0">
+            <a:spAutoFit/>
+          </a:bodyPr>
+          <a:lstStyle/>
+          <a:p>
+            <a:pPr marL="285750" indent="-285750">
+              <a:buClr>
+                <a:schemeClr val="bg1"/>
+              </a:buClr>
+              <a:buFont typeface="Arial" panose="020B0604020202020204" pitchFamily="34" charset="0"/>
+              <a:buChar char="•"/>
+            </a:pPr>
+            <a:r>
+              <a:rPr lang="it-IT" dirty="0">
+                <a:solidFill>
+                  <a:schemeClr val="accent5">
+                    <a:lumMod val="20000"/>
+                    <a:lumOff val="80000"/>
+                  </a:schemeClr>
+                </a:solidFill>
+                <a:latin typeface="Tw Cen MT Condensed Extra Bold" panose="020B0803020202020204" pitchFamily="34" charset="0"/>
+              </a:rPr>
+              <a:t>EVERY WORDS HAVE A </a:t>
+            </a:r>
+            <a:r>
+              <a:rPr lang="it-IT" dirty="0">
+                <a:solidFill>
+                  <a:srgbClr val="32AADC"/>
+                </a:solidFill>
+                <a:latin typeface="Tw Cen MT Condensed Extra Bold" panose="020B0803020202020204" pitchFamily="34" charset="0"/>
+              </a:rPr>
+              <a:t>WEIGHT</a:t>
+            </a:r>
+            <a:r>
+              <a:rPr lang="it-IT" dirty="0">
+                <a:solidFill>
+                  <a:schemeClr val="accent5">
+                    <a:lumMod val="20000"/>
+                    <a:lumOff val="80000"/>
+                  </a:schemeClr>
+                </a:solidFill>
+                <a:latin typeface="Tw Cen MT Condensed Extra Bold" panose="020B0803020202020204" pitchFamily="34" charset="0"/>
+              </a:rPr>
+              <a:t> ASSOCIATED</a:t>
+            </a:r>
+          </a:p>
+          <a:p>
+            <a:pPr marL="285750" indent="-285750">
+              <a:buClr>
+                <a:schemeClr val="bg1"/>
+              </a:buClr>
+              <a:buFont typeface="Arial" panose="020B0604020202020204" pitchFamily="34" charset="0"/>
+              <a:buChar char="•"/>
+            </a:pPr>
+            <a:r>
+              <a:rPr lang="it-IT" dirty="0">
+                <a:solidFill>
+                  <a:schemeClr val="bg1"/>
+                </a:solidFill>
+                <a:latin typeface="Tw Cen MT Condensed Extra Bold" panose="020B0803020202020204" pitchFamily="34" charset="0"/>
+              </a:rPr>
+              <a:t>WORD REPRESENTED BY </a:t>
+            </a:r>
+            <a:r>
+              <a:rPr lang="it-IT" dirty="0">
+                <a:solidFill>
+                  <a:srgbClr val="32AADC"/>
+                </a:solidFill>
+                <a:latin typeface="Tw Cen MT Condensed Extra Bold" panose="020B0803020202020204" pitchFamily="34" charset="0"/>
+              </a:rPr>
+              <a:t>3614 ELEMENTS</a:t>
+            </a:r>
+          </a:p>
+          <a:p>
+            <a:pPr marL="285750" indent="-285750">
+              <a:buClr>
+                <a:schemeClr val="bg1"/>
+              </a:buClr>
+              <a:buFont typeface="Arial" panose="020B0604020202020204" pitchFamily="34" charset="0"/>
+              <a:buChar char="•"/>
+            </a:pPr>
+            <a:r>
+              <a:rPr lang="it-IT" dirty="0">
+                <a:solidFill>
+                  <a:srgbClr val="32AADC"/>
+                </a:solidFill>
+                <a:latin typeface="Tw Cen MT Condensed Extra Bold" panose="020B0803020202020204" pitchFamily="34" charset="0"/>
+              </a:rPr>
+              <a:t>MAX</a:t>
+            </a:r>
+            <a:r>
+              <a:rPr lang="it-IT" dirty="0">
+                <a:solidFill>
+                  <a:schemeClr val="bg1"/>
+                </a:solidFill>
+                <a:latin typeface="Tw Cen MT Condensed Extra Bold" panose="020B0803020202020204" pitchFamily="34" charset="0"/>
+              </a:rPr>
+              <a:t> DOCUMENT FREQUENCY TO </a:t>
+            </a:r>
+            <a:r>
+              <a:rPr lang="it-IT" dirty="0">
+                <a:solidFill>
+                  <a:srgbClr val="32AADC"/>
+                </a:solidFill>
+                <a:latin typeface="Tw Cen MT Condensed Extra Bold" panose="020B0803020202020204" pitchFamily="34" charset="0"/>
+              </a:rPr>
+              <a:t>50%</a:t>
+            </a:r>
+          </a:p>
+          <a:p>
+            <a:pPr marL="285750" indent="-285750">
+              <a:buClr>
+                <a:schemeClr val="bg1"/>
+              </a:buClr>
+              <a:buFont typeface="Arial" panose="020B0604020202020204" pitchFamily="34" charset="0"/>
+              <a:buChar char="•"/>
+            </a:pPr>
+            <a:r>
+              <a:rPr lang="it-IT" dirty="0">
+                <a:solidFill>
+                  <a:srgbClr val="32AADC"/>
+                </a:solidFill>
+                <a:latin typeface="Tw Cen MT Condensed Extra Bold" panose="020B0803020202020204" pitchFamily="34" charset="0"/>
+              </a:rPr>
+              <a:t>MIN</a:t>
+            </a:r>
+            <a:r>
+              <a:rPr lang="it-IT" dirty="0">
+                <a:solidFill>
+                  <a:schemeClr val="bg1"/>
+                </a:solidFill>
+                <a:latin typeface="Tw Cen MT Condensed Extra Bold" panose="020B0803020202020204" pitchFamily="34" charset="0"/>
+              </a:rPr>
+              <a:t> DOCUMENT  FREQUENCY TO </a:t>
+            </a:r>
+            <a:r>
+              <a:rPr lang="it-IT" dirty="0">
+                <a:solidFill>
+                  <a:srgbClr val="32AADC"/>
+                </a:solidFill>
+                <a:latin typeface="Tw Cen MT Condensed Extra Bold" panose="020B0803020202020204" pitchFamily="34" charset="0"/>
+              </a:rPr>
+              <a:t>5</a:t>
+            </a:r>
+          </a:p>
+        </p:txBody>
+      </p:sp>
+      <p:pic>
+        <p:nvPicPr>
+          <p:cNvPr id="38" name="Elemento grafico 37" descr="Muro di mattoni dell'edificio con riempimento a tinta unita">
+            <a:extLst>
+              <a:ext uri="{FF2B5EF4-FFF2-40B4-BE49-F238E27FC236}">
+                <a16:creationId xmlns:a16="http://schemas.microsoft.com/office/drawing/2014/main" id="{81A0B37B-949E-45F3-A6E0-777C7ECAA227}"/>
+              </a:ext>
+            </a:extLst>
+          </p:cNvPr>
+          <p:cNvPicPr>
+            <a:picLocks noChangeAspect="1"/>
+          </p:cNvPicPr>
+          <p:nvPr/>
+        </p:nvPicPr>
+        <p:blipFill>
+          <a:blip r:embed="rId5">
+            <a:extLst>
+              <a:ext uri="{28A0092B-C50C-407E-A947-70E740481C1C}">
+                <a14:useLocalDpi xmlns:a14="http://schemas.microsoft.com/office/drawing/2010/main" val="0"/>
+              </a:ext>
+              <a:ext uri="{96DAC541-7B7A-43D3-8B79-37D633B846F1}">
+                <asvg:svgBlip xmlns:asvg="http://schemas.microsoft.com/office/drawing/2016/SVG/main" r:embed="rId6"/>
+              </a:ext>
+            </a:extLst>
+          </a:blip>
+          <a:stretch>
+            <a:fillRect/>
+          </a:stretch>
+        </p:blipFill>
+        <p:spPr>
+          <a:xfrm>
+            <a:off x="1323564" y="1942104"/>
+            <a:ext cx="671504" cy="671504"/>
+          </a:xfrm>
+          <a:prstGeom prst="rect">
+            <a:avLst/>
+          </a:prstGeom>
+        </p:spPr>
+      </p:pic>
+      <p:cxnSp>
+        <p:nvCxnSpPr>
+          <p:cNvPr id="40" name="Connettore 2 39">
+            <a:extLst>
+              <a:ext uri="{FF2B5EF4-FFF2-40B4-BE49-F238E27FC236}">
+                <a16:creationId xmlns:a16="http://schemas.microsoft.com/office/drawing/2014/main" id="{2D7C52C1-0921-4370-B676-2908DA1E26DE}"/>
+              </a:ext>
+            </a:extLst>
+          </p:cNvPr>
+          <p:cNvCxnSpPr>
+            <a:stCxn id="3" idx="2"/>
+            <a:endCxn id="5" idx="0"/>
+          </p:cNvCxnSpPr>
+          <p:nvPr/>
+        </p:nvCxnSpPr>
+        <p:spPr>
+          <a:xfrm>
+            <a:off x="2891121" y="2601023"/>
+            <a:ext cx="0" cy="637992"/>
+          </a:xfrm>
+          <a:prstGeom prst="straightConnector1">
+            <a:avLst/>
+          </a:prstGeom>
+          <a:ln w="25400">
+            <a:solidFill>
+              <a:srgbClr val="32AADC"/>
+            </a:solidFill>
+            <a:tailEnd type="triangle" w="lg" len="lg"/>
+          </a:ln>
+        </p:spPr>
+        <p:style>
+          <a:lnRef idx="1">
+            <a:schemeClr val="accent1"/>
+          </a:lnRef>
+          <a:fillRef idx="0">
+            <a:schemeClr val="accent1"/>
+          </a:fillRef>
+          <a:effectRef idx="0">
+            <a:schemeClr val="accent1"/>
+          </a:effectRef>
+          <a:fontRef idx="minor">
+            <a:schemeClr val="tx1"/>
+          </a:fontRef>
+        </p:style>
+      </p:cxnSp>
+      <p:cxnSp>
+        <p:nvCxnSpPr>
+          <p:cNvPr id="43" name="Connettore 2 42">
+            <a:extLst>
+              <a:ext uri="{FF2B5EF4-FFF2-40B4-BE49-F238E27FC236}">
+                <a16:creationId xmlns:a16="http://schemas.microsoft.com/office/drawing/2014/main" id="{A4BC7CD7-A22B-476F-85F8-AD7B7A05EC00}"/>
+              </a:ext>
+            </a:extLst>
+          </p:cNvPr>
+          <p:cNvCxnSpPr>
+            <a:cxnSpLocks/>
+            <a:stCxn id="4" idx="2"/>
+            <a:endCxn id="7" idx="0"/>
+          </p:cNvCxnSpPr>
+          <p:nvPr/>
+        </p:nvCxnSpPr>
+        <p:spPr>
+          <a:xfrm flipH="1">
+            <a:off x="9133671" y="2601022"/>
+            <a:ext cx="1" cy="637993"/>
+          </a:xfrm>
+          <a:prstGeom prst="straightConnector1">
+            <a:avLst/>
+          </a:prstGeom>
+          <a:ln w="25400">
+            <a:solidFill>
+              <a:srgbClr val="32AADC"/>
+            </a:solidFill>
+            <a:tailEnd type="triangle" w="lg" len="lg"/>
+          </a:ln>
+        </p:spPr>
+        <p:style>
+          <a:lnRef idx="1">
+            <a:schemeClr val="accent1"/>
+          </a:lnRef>
+          <a:fillRef idx="0">
+            <a:schemeClr val="accent1"/>
+          </a:fillRef>
+          <a:effectRef idx="0">
+            <a:schemeClr val="accent1"/>
+          </a:effectRef>
+          <a:fontRef idx="minor">
+            <a:schemeClr val="tx1"/>
+          </a:fontRef>
+        </p:style>
+      </p:cxnSp>
+      <p:cxnSp>
+        <p:nvCxnSpPr>
+          <p:cNvPr id="47" name="Connettore diritto 46">
+            <a:extLst>
+              <a:ext uri="{FF2B5EF4-FFF2-40B4-BE49-F238E27FC236}">
+                <a16:creationId xmlns:a16="http://schemas.microsoft.com/office/drawing/2014/main" id="{3449C654-D899-42A6-B191-05A771670433}"/>
+              </a:ext>
+            </a:extLst>
+          </p:cNvPr>
+          <p:cNvCxnSpPr>
+            <a:cxnSpLocks/>
+          </p:cNvCxnSpPr>
+          <p:nvPr/>
+        </p:nvCxnSpPr>
+        <p:spPr>
+          <a:xfrm>
+            <a:off x="6096000" y="1828800"/>
+            <a:ext cx="0" cy="3937518"/>
+          </a:xfrm>
+          <a:prstGeom prst="line">
+            <a:avLst/>
+          </a:prstGeom>
+          <a:ln w="25400">
+            <a:solidFill>
+              <a:srgbClr val="32AADC"/>
+            </a:solidFill>
+          </a:ln>
+        </p:spPr>
+        <p:style>
+          <a:lnRef idx="1">
+            <a:schemeClr val="accent1"/>
+          </a:lnRef>
+          <a:fillRef idx="0">
+            <a:schemeClr val="accent1"/>
+          </a:fillRef>
+          <a:effectRef idx="0">
+            <a:schemeClr val="accent1"/>
+          </a:effectRef>
+          <a:fontRef idx="minor">
+            <a:schemeClr val="tx1"/>
+          </a:fontRef>
+        </p:style>
+      </p:cxnSp>
+      <p:sp>
+        <p:nvSpPr>
+          <p:cNvPr id="63" name="CasellaDiTesto 62">
+            <a:extLst>
+              <a:ext uri="{FF2B5EF4-FFF2-40B4-BE49-F238E27FC236}">
+                <a16:creationId xmlns:a16="http://schemas.microsoft.com/office/drawing/2014/main" id="{29067A1A-748C-4AFE-8D0C-7A5E7967725B}"/>
+              </a:ext>
+            </a:extLst>
+          </p:cNvPr>
+          <p:cNvSpPr txBox="1"/>
+          <p:nvPr/>
+        </p:nvSpPr>
+        <p:spPr>
+          <a:xfrm>
+            <a:off x="7839338" y="4777317"/>
+            <a:ext cx="3875011" cy="646331"/>
+          </a:xfrm>
+          <a:prstGeom prst="rect">
+            <a:avLst/>
+          </a:prstGeom>
+          <a:noFill/>
+          <a:ln w="22225">
+            <a:noFill/>
+          </a:ln>
+        </p:spPr>
+        <p:txBody>
+          <a:bodyPr wrap="square" rtlCol="0">
+            <a:spAutoFit/>
+          </a:bodyPr>
+          <a:lstStyle/>
+          <a:p>
+            <a:pPr marL="285750" indent="-285750">
+              <a:buClr>
+                <a:schemeClr val="bg1"/>
+              </a:buClr>
+              <a:buFont typeface="Arial" panose="020B0604020202020204" pitchFamily="34" charset="0"/>
+              <a:buChar char="•"/>
+            </a:pPr>
+            <a:r>
+              <a:rPr lang="it-IT" dirty="0">
+                <a:solidFill>
+                  <a:schemeClr val="accent5">
+                    <a:lumMod val="20000"/>
+                    <a:lumOff val="80000"/>
+                  </a:schemeClr>
+                </a:solidFill>
+                <a:latin typeface="Tw Cen MT Condensed Extra Bold" panose="020B0803020202020204" pitchFamily="34" charset="0"/>
+              </a:rPr>
+              <a:t>WINDOW OF </a:t>
+            </a:r>
+            <a:r>
+              <a:rPr lang="it-IT" dirty="0">
+                <a:solidFill>
+                  <a:srgbClr val="32AADC"/>
+                </a:solidFill>
+                <a:latin typeface="Tw Cen MT Condensed Extra Bold" panose="020B0803020202020204" pitchFamily="34" charset="0"/>
+              </a:rPr>
+              <a:t>10 ELEMENTS</a:t>
+            </a:r>
+          </a:p>
+          <a:p>
+            <a:pPr marL="285750" indent="-285750">
+              <a:buClr>
+                <a:schemeClr val="bg1"/>
+              </a:buClr>
+              <a:buFont typeface="Arial" panose="020B0604020202020204" pitchFamily="34" charset="0"/>
+              <a:buChar char="•"/>
+            </a:pPr>
+            <a:r>
+              <a:rPr lang="it-IT" dirty="0">
+                <a:solidFill>
+                  <a:schemeClr val="accent5">
+                    <a:lumMod val="20000"/>
+                    <a:lumOff val="80000"/>
+                  </a:schemeClr>
+                </a:solidFill>
+                <a:latin typeface="Tw Cen MT Condensed Extra Bold" panose="020B0803020202020204" pitchFamily="34" charset="0"/>
+              </a:rPr>
+              <a:t>VECTOR </a:t>
+            </a:r>
+            <a:r>
+              <a:rPr lang="it-IT" dirty="0">
+                <a:solidFill>
+                  <a:srgbClr val="32AADC"/>
+                </a:solidFill>
+                <a:latin typeface="Tw Cen MT Condensed Extra Bold" panose="020B0803020202020204" pitchFamily="34" charset="0"/>
+              </a:rPr>
+              <a:t>SIZE </a:t>
+            </a:r>
+            <a:r>
+              <a:rPr lang="it-IT" dirty="0">
+                <a:solidFill>
+                  <a:schemeClr val="accent5">
+                    <a:lumMod val="20000"/>
+                    <a:lumOff val="80000"/>
+                  </a:schemeClr>
+                </a:solidFill>
+                <a:latin typeface="Tw Cen MT Condensed Extra Bold" panose="020B0803020202020204" pitchFamily="34" charset="0"/>
+              </a:rPr>
+              <a:t>OF 4000</a:t>
+            </a:r>
+          </a:p>
+        </p:txBody>
+      </p:sp>
+      <p:pic>
+        <p:nvPicPr>
+          <p:cNvPr id="64" name="Elemento grafico 63" descr="Documento con riempimento a tinta unita">
+            <a:extLst>
+              <a:ext uri="{FF2B5EF4-FFF2-40B4-BE49-F238E27FC236}">
+                <a16:creationId xmlns:a16="http://schemas.microsoft.com/office/drawing/2014/main" id="{E2C5CBFA-03AB-4E79-8174-10461AD2D572}"/>
+              </a:ext>
+            </a:extLst>
+          </p:cNvPr>
+          <p:cNvPicPr>
+            <a:picLocks noChangeAspect="1"/>
+          </p:cNvPicPr>
+          <p:nvPr/>
+        </p:nvPicPr>
+        <p:blipFill>
+          <a:blip r:embed="rId7">
+            <a:extLst>
+              <a:ext uri="{28A0092B-C50C-407E-A947-70E740481C1C}">
+                <a14:useLocalDpi xmlns:a14="http://schemas.microsoft.com/office/drawing/2010/main" val="0"/>
+              </a:ext>
+              <a:ext uri="{96DAC541-7B7A-43D3-8B79-37D633B846F1}">
+                <asvg:svgBlip xmlns:asvg="http://schemas.microsoft.com/office/drawing/2016/SVG/main" r:embed="rId8"/>
+              </a:ext>
+            </a:extLst>
+          </a:blip>
+          <a:stretch>
+            <a:fillRect/>
+          </a:stretch>
+        </p:blipFill>
+        <p:spPr>
+          <a:xfrm>
+            <a:off x="7401694" y="2085759"/>
+            <a:ext cx="548279" cy="548279"/>
+          </a:xfrm>
+          <a:prstGeom prst="rect">
+            <a:avLst/>
+          </a:prstGeom>
+        </p:spPr>
+      </p:pic>
+      <p:sp>
+        <p:nvSpPr>
+          <p:cNvPr id="65" name="Freccia a destra 64">
+            <a:extLst>
+              <a:ext uri="{FF2B5EF4-FFF2-40B4-BE49-F238E27FC236}">
+                <a16:creationId xmlns:a16="http://schemas.microsoft.com/office/drawing/2014/main" id="{BFEC9291-73EE-4B8C-A919-DC10D5CFD3BA}"/>
+              </a:ext>
+            </a:extLst>
+          </p:cNvPr>
+          <p:cNvSpPr/>
+          <p:nvPr/>
+        </p:nvSpPr>
+        <p:spPr>
+          <a:xfrm>
+            <a:off x="7445297" y="1917080"/>
+            <a:ext cx="456820" cy="206475"/>
+          </a:xfrm>
+          <a:prstGeom prst="rightArrow">
+            <a:avLst>
+              <a:gd name="adj1" fmla="val 32012"/>
+              <a:gd name="adj2" fmla="val 50000"/>
+            </a:avLst>
+          </a:prstGeom>
+          <a:solidFill>
+            <a:srgbClr val="32AADC"/>
+          </a:solidFill>
+          <a:ln>
+            <a:noFill/>
+          </a:ln>
+        </p:spPr>
+        <p:style>
+          <a:lnRef idx="2">
+            <a:schemeClr val="accent1">
+              <a:shade val="50000"/>
+            </a:schemeClr>
+          </a:lnRef>
+          <a:fillRef idx="1">
+            <a:schemeClr val="accent1"/>
+          </a:fillRef>
+          <a:effectRef idx="0">
+            <a:schemeClr val="accent1"/>
+          </a:effectRef>
+          <a:fontRef idx="minor">
+            <a:schemeClr val="lt1"/>
+          </a:fontRef>
+        </p:style>
+        <p:txBody>
+          <a:bodyPr rtlCol="0" anchor="ctr"/>
+          <a:lstStyle/>
+          <a:p>
+            <a:pPr algn="ctr"/>
+            <a:endParaRPr lang="it-IT" dirty="0"/>
           </a:p>
         </p:txBody>
       </p:sp>
@@ -4895,8 +7949,8 @@
         </p:nvSpPr>
         <p:spPr>
           <a:xfrm>
-            <a:off x="2786723" y="-46653"/>
-            <a:ext cx="5974721" cy="1938992"/>
+            <a:off x="2707423" y="192055"/>
+            <a:ext cx="6777154" cy="1015663"/>
           </a:xfrm>
           <a:prstGeom prst="rect">
             <a:avLst/>
@@ -4926,15 +7980,912 @@
                 <a:ea typeface="Gadugi" panose="020B0502040204020203" pitchFamily="34" charset="0"/>
                 <a:cs typeface="Calibri" panose="020F0502020204030204" pitchFamily="34" charset="0"/>
               </a:rPr>
-              <a:t>TEXT CLASSIFICATION</a:t>
-            </a:r>
-          </a:p>
-        </p:txBody>
-      </p:sp>
+              <a:t>FEATURE EXTRACTION</a:t>
+            </a:r>
+          </a:p>
+        </p:txBody>
+      </p:sp>
+      <p:pic>
+        <p:nvPicPr>
+          <p:cNvPr id="14" name="Elemento grafico 13" descr="Lavoro con riempimento a tinta unita">
+            <a:extLst>
+              <a:ext uri="{FF2B5EF4-FFF2-40B4-BE49-F238E27FC236}">
+                <a16:creationId xmlns:a16="http://schemas.microsoft.com/office/drawing/2014/main" id="{0F46B94F-6F80-4A1E-8177-2AA0A8A1E664}"/>
+              </a:ext>
+            </a:extLst>
+          </p:cNvPr>
+          <p:cNvPicPr>
+            <a:picLocks noChangeAspect="1"/>
+          </p:cNvPicPr>
+          <p:nvPr/>
+        </p:nvPicPr>
+        <p:blipFill>
+          <a:blip r:embed="rId2">
+            <a:extLst>
+              <a:ext uri="{28A0092B-C50C-407E-A947-70E740481C1C}">
+                <a14:useLocalDpi xmlns:a14="http://schemas.microsoft.com/office/drawing/2010/main" val="0"/>
+              </a:ext>
+              <a:ext uri="{96DAC541-7B7A-43D3-8B79-37D633B846F1}">
+                <asvg:svgBlip xmlns:asvg="http://schemas.microsoft.com/office/drawing/2016/SVG/main" r:embed="rId3"/>
+              </a:ext>
+            </a:extLst>
+          </a:blip>
+          <a:stretch>
+            <a:fillRect/>
+          </a:stretch>
+        </p:blipFill>
+        <p:spPr>
+          <a:xfrm>
+            <a:off x="499041" y="199522"/>
+            <a:ext cx="1037189" cy="1037189"/>
+          </a:xfrm>
+          <a:prstGeom prst="rect">
+            <a:avLst/>
+          </a:prstGeom>
+        </p:spPr>
+      </p:pic>
+      <p:sp>
+        <p:nvSpPr>
+          <p:cNvPr id="16" name="CasellaDiTesto 15">
+            <a:extLst>
+              <a:ext uri="{FF2B5EF4-FFF2-40B4-BE49-F238E27FC236}">
+                <a16:creationId xmlns:a16="http://schemas.microsoft.com/office/drawing/2014/main" id="{94B4C735-E392-4A52-AF82-B49FCB62ECF8}"/>
+              </a:ext>
+            </a:extLst>
+          </p:cNvPr>
+          <p:cNvSpPr txBox="1"/>
+          <p:nvPr/>
+        </p:nvSpPr>
+        <p:spPr>
+          <a:xfrm>
+            <a:off x="1091608" y="3998150"/>
+            <a:ext cx="2410619" cy="461665"/>
+          </a:xfrm>
+          <a:prstGeom prst="rect">
+            <a:avLst/>
+          </a:prstGeom>
+          <a:noFill/>
+        </p:spPr>
+        <p:txBody>
+          <a:bodyPr wrap="square" rtlCol="0">
+            <a:spAutoFit/>
+          </a:bodyPr>
+          <a:lstStyle/>
+          <a:p>
+            <a:pPr algn="ctr"/>
+            <a:r>
+              <a:rPr lang="it-IT" sz="2400" dirty="0">
+                <a:solidFill>
+                  <a:schemeClr val="accent5">
+                    <a:lumMod val="20000"/>
+                    <a:lumOff val="80000"/>
+                  </a:schemeClr>
+                </a:solidFill>
+                <a:latin typeface="Tw Cen MT Condensed Extra Bold" panose="020B0803020202020204" pitchFamily="34" charset="0"/>
+              </a:rPr>
+              <a:t>TWEETS LENGTH</a:t>
+            </a:r>
+          </a:p>
+        </p:txBody>
+      </p:sp>
+      <p:sp>
+        <p:nvSpPr>
+          <p:cNvPr id="17" name="CasellaDiTesto 16">
+            <a:extLst>
+              <a:ext uri="{FF2B5EF4-FFF2-40B4-BE49-F238E27FC236}">
+                <a16:creationId xmlns:a16="http://schemas.microsoft.com/office/drawing/2014/main" id="{88899D1A-8FA2-4D5C-9472-59FF2B41CDF4}"/>
+              </a:ext>
+            </a:extLst>
+          </p:cNvPr>
+          <p:cNvSpPr txBox="1"/>
+          <p:nvPr/>
+        </p:nvSpPr>
+        <p:spPr>
+          <a:xfrm>
+            <a:off x="9176667" y="3274273"/>
+            <a:ext cx="1415356" cy="461665"/>
+          </a:xfrm>
+          <a:prstGeom prst="rect">
+            <a:avLst/>
+          </a:prstGeom>
+          <a:noFill/>
+        </p:spPr>
+        <p:txBody>
+          <a:bodyPr wrap="square" rtlCol="0">
+            <a:spAutoFit/>
+          </a:bodyPr>
+          <a:lstStyle/>
+          <a:p>
+            <a:r>
+              <a:rPr lang="it-IT" sz="2400" dirty="0">
+                <a:solidFill>
+                  <a:schemeClr val="accent5">
+                    <a:lumMod val="20000"/>
+                    <a:lumOff val="80000"/>
+                  </a:schemeClr>
+                </a:solidFill>
+                <a:latin typeface="Tw Cen MT Condensed Extra Bold" panose="020B0803020202020204" pitchFamily="34" charset="0"/>
+              </a:rPr>
+              <a:t>RETWEET</a:t>
+            </a:r>
+          </a:p>
+        </p:txBody>
+      </p:sp>
+      <p:sp>
+        <p:nvSpPr>
+          <p:cNvPr id="19" name="CasellaDiTesto 18">
+            <a:extLst>
+              <a:ext uri="{FF2B5EF4-FFF2-40B4-BE49-F238E27FC236}">
+                <a16:creationId xmlns:a16="http://schemas.microsoft.com/office/drawing/2014/main" id="{EBEE4EEA-CDF2-4724-9FB6-8B6EE2C068DC}"/>
+              </a:ext>
+            </a:extLst>
+          </p:cNvPr>
+          <p:cNvSpPr txBox="1"/>
+          <p:nvPr/>
+        </p:nvSpPr>
+        <p:spPr>
+          <a:xfrm>
+            <a:off x="4853779" y="1686378"/>
+            <a:ext cx="2659414" cy="461665"/>
+          </a:xfrm>
+          <a:prstGeom prst="rect">
+            <a:avLst/>
+          </a:prstGeom>
+          <a:noFill/>
+        </p:spPr>
+        <p:txBody>
+          <a:bodyPr wrap="square" rtlCol="0">
+            <a:spAutoFit/>
+          </a:bodyPr>
+          <a:lstStyle/>
+          <a:p>
+            <a:pPr algn="ctr"/>
+            <a:r>
+              <a:rPr lang="it-IT" sz="2400" dirty="0">
+                <a:solidFill>
+                  <a:schemeClr val="accent5">
+                    <a:lumMod val="20000"/>
+                    <a:lumOff val="80000"/>
+                  </a:schemeClr>
+                </a:solidFill>
+                <a:latin typeface="Tw Cen MT Condensed Extra Bold" panose="020B0803020202020204" pitchFamily="34" charset="0"/>
+              </a:rPr>
+              <a:t>EXCLAMATION POINT</a:t>
+            </a:r>
+          </a:p>
+        </p:txBody>
+      </p:sp>
+      <p:grpSp>
+        <p:nvGrpSpPr>
+          <p:cNvPr id="12" name="Gruppo 11">
+            <a:extLst>
+              <a:ext uri="{FF2B5EF4-FFF2-40B4-BE49-F238E27FC236}">
+                <a16:creationId xmlns:a16="http://schemas.microsoft.com/office/drawing/2014/main" id="{D29F6C2B-609D-4A5D-A845-FEEE3A9DABB5}"/>
+              </a:ext>
+            </a:extLst>
+          </p:cNvPr>
+          <p:cNvGrpSpPr/>
+          <p:nvPr/>
+        </p:nvGrpSpPr>
+        <p:grpSpPr>
+          <a:xfrm>
+            <a:off x="1198880" y="1686378"/>
+            <a:ext cx="2410619" cy="2078663"/>
+            <a:chOff x="921753" y="2079379"/>
+            <a:chExt cx="2410619" cy="2078663"/>
+          </a:xfrm>
+        </p:grpSpPr>
+        <p:sp>
+          <p:nvSpPr>
+            <p:cNvPr id="15" name="CasellaDiTesto 14">
+              <a:extLst>
+                <a:ext uri="{FF2B5EF4-FFF2-40B4-BE49-F238E27FC236}">
+                  <a16:creationId xmlns:a16="http://schemas.microsoft.com/office/drawing/2014/main" id="{A310B727-C6C7-41A8-8C6E-C7C79A6F7C13}"/>
+                </a:ext>
+              </a:extLst>
+            </p:cNvPr>
+            <p:cNvSpPr txBox="1"/>
+            <p:nvPr/>
+          </p:nvSpPr>
+          <p:spPr>
+            <a:xfrm>
+              <a:off x="921753" y="2079379"/>
+              <a:ext cx="2410619" cy="830997"/>
+            </a:xfrm>
+            <a:prstGeom prst="rect">
+              <a:avLst/>
+            </a:prstGeom>
+            <a:noFill/>
+            <a:ln>
+              <a:noFill/>
+            </a:ln>
+          </p:spPr>
+          <p:txBody>
+            <a:bodyPr wrap="square" rtlCol="0">
+              <a:spAutoFit/>
+            </a:bodyPr>
+            <a:lstStyle/>
+            <a:p>
+              <a:pPr algn="ctr"/>
+              <a:r>
+                <a:rPr lang="it-IT" sz="2400" dirty="0">
+                  <a:solidFill>
+                    <a:schemeClr val="accent5">
+                      <a:lumMod val="20000"/>
+                      <a:lumOff val="80000"/>
+                    </a:schemeClr>
+                  </a:solidFill>
+                  <a:latin typeface="Tw Cen MT Condensed Extra Bold" panose="020B0803020202020204" pitchFamily="34" charset="0"/>
+                </a:rPr>
+                <a:t>VADER </a:t>
+              </a:r>
+              <a:r>
+                <a:rPr lang="it-IT" sz="2400" dirty="0">
+                  <a:solidFill>
+                    <a:srgbClr val="32AADC"/>
+                  </a:solidFill>
+                  <a:latin typeface="Tw Cen MT Condensed Extra Bold" panose="020B0803020202020204" pitchFamily="34" charset="0"/>
+                </a:rPr>
+                <a:t>SENTIMENT</a:t>
+              </a:r>
+              <a:r>
+                <a:rPr lang="it-IT" sz="2400" dirty="0">
+                  <a:solidFill>
+                    <a:schemeClr val="accent5">
+                      <a:lumMod val="20000"/>
+                      <a:lumOff val="80000"/>
+                    </a:schemeClr>
+                  </a:solidFill>
+                  <a:latin typeface="Tw Cen MT Condensed Extra Bold" panose="020B0803020202020204" pitchFamily="34" charset="0"/>
+                </a:rPr>
+                <a:t> ANALYSIS</a:t>
+              </a:r>
+            </a:p>
+          </p:txBody>
+        </p:sp>
+        <p:sp>
+          <p:nvSpPr>
+            <p:cNvPr id="23" name="CasellaDiTesto 22">
+              <a:extLst>
+                <a:ext uri="{FF2B5EF4-FFF2-40B4-BE49-F238E27FC236}">
+                  <a16:creationId xmlns:a16="http://schemas.microsoft.com/office/drawing/2014/main" id="{879901E0-D671-429D-86EC-3E8B10F765F2}"/>
+                </a:ext>
+              </a:extLst>
+            </p:cNvPr>
+            <p:cNvSpPr txBox="1"/>
+            <p:nvPr/>
+          </p:nvSpPr>
+          <p:spPr>
+            <a:xfrm>
+              <a:off x="1184612" y="2957713"/>
+              <a:ext cx="1884899" cy="1200329"/>
+            </a:xfrm>
+            <a:prstGeom prst="rect">
+              <a:avLst/>
+            </a:prstGeom>
+            <a:noFill/>
+            <a:ln>
+              <a:noFill/>
+            </a:ln>
+          </p:spPr>
+          <p:txBody>
+            <a:bodyPr wrap="square" rtlCol="0">
+              <a:spAutoFit/>
+            </a:bodyPr>
+            <a:lstStyle/>
+            <a:p>
+              <a:pPr marL="457200" indent="-457200">
+                <a:buFont typeface="Arial" panose="020B0604020202020204" pitchFamily="34" charset="0"/>
+                <a:buChar char="•"/>
+              </a:pPr>
+              <a:r>
+                <a:rPr lang="it-IT" dirty="0">
+                  <a:solidFill>
+                    <a:schemeClr val="accent5">
+                      <a:lumMod val="20000"/>
+                      <a:lumOff val="80000"/>
+                    </a:schemeClr>
+                  </a:solidFill>
+                  <a:latin typeface="Tw Cen MT Condensed Extra Bold" panose="020B0803020202020204" pitchFamily="34" charset="0"/>
+                </a:rPr>
+                <a:t>NEGATIVE</a:t>
+              </a:r>
+            </a:p>
+            <a:p>
+              <a:pPr marL="457200" indent="-457200">
+                <a:buFont typeface="Arial" panose="020B0604020202020204" pitchFamily="34" charset="0"/>
+                <a:buChar char="•"/>
+              </a:pPr>
+              <a:r>
+                <a:rPr lang="it-IT" dirty="0">
+                  <a:solidFill>
+                    <a:schemeClr val="accent5">
+                      <a:lumMod val="20000"/>
+                      <a:lumOff val="80000"/>
+                    </a:schemeClr>
+                  </a:solidFill>
+                  <a:latin typeface="Tw Cen MT Condensed Extra Bold" panose="020B0803020202020204" pitchFamily="34" charset="0"/>
+                </a:rPr>
+                <a:t>NEUTRAL</a:t>
+              </a:r>
+            </a:p>
+            <a:p>
+              <a:pPr marL="457200" indent="-457200">
+                <a:buFont typeface="Arial" panose="020B0604020202020204" pitchFamily="34" charset="0"/>
+                <a:buChar char="•"/>
+              </a:pPr>
+              <a:r>
+                <a:rPr lang="it-IT" dirty="0">
+                  <a:solidFill>
+                    <a:schemeClr val="accent5">
+                      <a:lumMod val="20000"/>
+                      <a:lumOff val="80000"/>
+                    </a:schemeClr>
+                  </a:solidFill>
+                  <a:latin typeface="Tw Cen MT Condensed Extra Bold" panose="020B0803020202020204" pitchFamily="34" charset="0"/>
+                </a:rPr>
+                <a:t>POSITIVE</a:t>
+              </a:r>
+            </a:p>
+            <a:p>
+              <a:pPr marL="457200" indent="-457200">
+                <a:buFont typeface="Arial" panose="020B0604020202020204" pitchFamily="34" charset="0"/>
+                <a:buChar char="•"/>
+              </a:pPr>
+              <a:r>
+                <a:rPr lang="it-IT" dirty="0">
+                  <a:solidFill>
+                    <a:schemeClr val="accent5">
+                      <a:lumMod val="20000"/>
+                      <a:lumOff val="80000"/>
+                    </a:schemeClr>
+                  </a:solidFill>
+                  <a:latin typeface="Tw Cen MT Condensed Extra Bold" panose="020B0803020202020204" pitchFamily="34" charset="0"/>
+                </a:rPr>
+                <a:t>COMPOUND</a:t>
+              </a:r>
+            </a:p>
+          </p:txBody>
+        </p:sp>
+      </p:grpSp>
+      <p:pic>
+        <p:nvPicPr>
+          <p:cNvPr id="21" name="Elemento grafico 20" descr="Badge 3 contorno">
+            <a:extLst>
+              <a:ext uri="{FF2B5EF4-FFF2-40B4-BE49-F238E27FC236}">
+                <a16:creationId xmlns:a16="http://schemas.microsoft.com/office/drawing/2014/main" id="{417096C7-51C0-459B-B3BF-684F87498174}"/>
+              </a:ext>
+            </a:extLst>
+          </p:cNvPr>
+          <p:cNvPicPr>
+            <a:picLocks noChangeAspect="1"/>
+          </p:cNvPicPr>
+          <p:nvPr/>
+        </p:nvPicPr>
+        <p:blipFill>
+          <a:blip r:embed="rId4">
+            <a:extLst>
+              <a:ext uri="{28A0092B-C50C-407E-A947-70E740481C1C}">
+                <a14:useLocalDpi xmlns:a14="http://schemas.microsoft.com/office/drawing/2010/main" val="0"/>
+              </a:ext>
+              <a:ext uri="{96DAC541-7B7A-43D3-8B79-37D633B846F1}">
+                <asvg:svgBlip xmlns:asvg="http://schemas.microsoft.com/office/drawing/2016/SVG/main" r:embed="rId5"/>
+              </a:ext>
+            </a:extLst>
+          </a:blip>
+          <a:stretch>
+            <a:fillRect/>
+          </a:stretch>
+        </p:blipFill>
+        <p:spPr>
+          <a:xfrm>
+            <a:off x="4486427" y="1747136"/>
+            <a:ext cx="378091" cy="378091"/>
+          </a:xfrm>
+          <a:prstGeom prst="rect">
+            <a:avLst/>
+          </a:prstGeom>
+        </p:spPr>
+      </p:pic>
+      <p:pic>
+        <p:nvPicPr>
+          <p:cNvPr id="26" name="Elemento grafico 25" descr="Badge 5 contorno">
+            <a:extLst>
+              <a:ext uri="{FF2B5EF4-FFF2-40B4-BE49-F238E27FC236}">
+                <a16:creationId xmlns:a16="http://schemas.microsoft.com/office/drawing/2014/main" id="{D44CA5A3-4E57-417C-89DF-57207211F471}"/>
+              </a:ext>
+            </a:extLst>
+          </p:cNvPr>
+          <p:cNvPicPr>
+            <a:picLocks noChangeAspect="1"/>
+          </p:cNvPicPr>
+          <p:nvPr/>
+        </p:nvPicPr>
+        <p:blipFill>
+          <a:blip r:embed="rId6">
+            <a:extLst>
+              <a:ext uri="{28A0092B-C50C-407E-A947-70E740481C1C}">
+                <a14:useLocalDpi xmlns:a14="http://schemas.microsoft.com/office/drawing/2010/main" val="0"/>
+              </a:ext>
+              <a:ext uri="{96DAC541-7B7A-43D3-8B79-37D633B846F1}">
+                <asvg:svgBlip xmlns:asvg="http://schemas.microsoft.com/office/drawing/2016/SVG/main" r:embed="rId7"/>
+              </a:ext>
+            </a:extLst>
+          </a:blip>
+          <a:stretch>
+            <a:fillRect/>
+          </a:stretch>
+        </p:blipFill>
+        <p:spPr>
+          <a:xfrm>
+            <a:off x="8534185" y="2194120"/>
+            <a:ext cx="378092" cy="378092"/>
+          </a:xfrm>
+          <a:prstGeom prst="rect">
+            <a:avLst/>
+          </a:prstGeom>
+        </p:spPr>
+      </p:pic>
+      <p:pic>
+        <p:nvPicPr>
+          <p:cNvPr id="32" name="Elemento grafico 31" descr="Badge 4 contorno">
+            <a:extLst>
+              <a:ext uri="{FF2B5EF4-FFF2-40B4-BE49-F238E27FC236}">
+                <a16:creationId xmlns:a16="http://schemas.microsoft.com/office/drawing/2014/main" id="{E363AF2C-0B3C-4D51-8197-F34B8291BED6}"/>
+              </a:ext>
+            </a:extLst>
+          </p:cNvPr>
+          <p:cNvPicPr>
+            <a:picLocks noChangeAspect="1"/>
+          </p:cNvPicPr>
+          <p:nvPr/>
+        </p:nvPicPr>
+        <p:blipFill>
+          <a:blip r:embed="rId8">
+            <a:extLst>
+              <a:ext uri="{28A0092B-C50C-407E-A947-70E740481C1C}">
+                <a14:useLocalDpi xmlns:a14="http://schemas.microsoft.com/office/drawing/2010/main" val="0"/>
+              </a:ext>
+              <a:ext uri="{96DAC541-7B7A-43D3-8B79-37D633B846F1}">
+                <asvg:svgBlip xmlns:asvg="http://schemas.microsoft.com/office/drawing/2016/SVG/main" r:embed="rId9"/>
+              </a:ext>
+            </a:extLst>
+          </a:blip>
+          <a:stretch>
+            <a:fillRect/>
+          </a:stretch>
+        </p:blipFill>
+        <p:spPr>
+          <a:xfrm>
+            <a:off x="4486427" y="4418029"/>
+            <a:ext cx="378091" cy="378091"/>
+          </a:xfrm>
+          <a:prstGeom prst="rect">
+            <a:avLst/>
+          </a:prstGeom>
+        </p:spPr>
+      </p:pic>
+      <p:pic>
+        <p:nvPicPr>
+          <p:cNvPr id="34" name="Elemento grafico 33" descr="Badge 1 contorno">
+            <a:extLst>
+              <a:ext uri="{FF2B5EF4-FFF2-40B4-BE49-F238E27FC236}">
+                <a16:creationId xmlns:a16="http://schemas.microsoft.com/office/drawing/2014/main" id="{B8ECDD39-337D-4D2A-BDC9-D13DB1FA5690}"/>
+              </a:ext>
+            </a:extLst>
+          </p:cNvPr>
+          <p:cNvPicPr>
+            <a:picLocks noChangeAspect="1"/>
+          </p:cNvPicPr>
+          <p:nvPr/>
+        </p:nvPicPr>
+        <p:blipFill>
+          <a:blip r:embed="rId10">
+            <a:extLst>
+              <a:ext uri="{28A0092B-C50C-407E-A947-70E740481C1C}">
+                <a14:useLocalDpi xmlns:a14="http://schemas.microsoft.com/office/drawing/2010/main" val="0"/>
+              </a:ext>
+              <a:ext uri="{96DAC541-7B7A-43D3-8B79-37D633B846F1}">
+                <asvg:svgBlip xmlns:asvg="http://schemas.microsoft.com/office/drawing/2016/SVG/main" r:embed="rId11"/>
+              </a:ext>
+            </a:extLst>
+          </a:blip>
+          <a:stretch>
+            <a:fillRect/>
+          </a:stretch>
+        </p:blipFill>
+        <p:spPr>
+          <a:xfrm>
+            <a:off x="916706" y="1742215"/>
+            <a:ext cx="378091" cy="378091"/>
+          </a:xfrm>
+          <a:prstGeom prst="rect">
+            <a:avLst/>
+          </a:prstGeom>
+        </p:spPr>
+      </p:pic>
+      <p:pic>
+        <p:nvPicPr>
+          <p:cNvPr id="36" name="Elemento grafico 35" descr="Badge contorno">
+            <a:extLst>
+              <a:ext uri="{FF2B5EF4-FFF2-40B4-BE49-F238E27FC236}">
+                <a16:creationId xmlns:a16="http://schemas.microsoft.com/office/drawing/2014/main" id="{EA661884-2C73-43A6-B0F9-F948A6D4C4CD}"/>
+              </a:ext>
+            </a:extLst>
+          </p:cNvPr>
+          <p:cNvPicPr>
+            <a:picLocks noChangeAspect="1"/>
+          </p:cNvPicPr>
+          <p:nvPr/>
+        </p:nvPicPr>
+        <p:blipFill>
+          <a:blip r:embed="rId12">
+            <a:extLst>
+              <a:ext uri="{28A0092B-C50C-407E-A947-70E740481C1C}">
+                <a14:useLocalDpi xmlns:a14="http://schemas.microsoft.com/office/drawing/2010/main" val="0"/>
+              </a:ext>
+              <a:ext uri="{96DAC541-7B7A-43D3-8B79-37D633B846F1}">
+                <asvg:svgBlip xmlns:asvg="http://schemas.microsoft.com/office/drawing/2016/SVG/main" r:embed="rId13"/>
+              </a:ext>
+            </a:extLst>
+          </a:blip>
+          <a:stretch>
+            <a:fillRect/>
+          </a:stretch>
+        </p:blipFill>
+        <p:spPr>
+          <a:xfrm>
+            <a:off x="916706" y="4039938"/>
+            <a:ext cx="378091" cy="378091"/>
+          </a:xfrm>
+          <a:prstGeom prst="rect">
+            <a:avLst/>
+          </a:prstGeom>
+        </p:spPr>
+      </p:pic>
+      <p:pic>
+        <p:nvPicPr>
+          <p:cNvPr id="41" name="Immagine 40">
+            <a:extLst>
+              <a:ext uri="{FF2B5EF4-FFF2-40B4-BE49-F238E27FC236}">
+                <a16:creationId xmlns:a16="http://schemas.microsoft.com/office/drawing/2014/main" id="{65F1FCEF-9952-4834-BE05-913CD980CB37}"/>
+              </a:ext>
+            </a:extLst>
+          </p:cNvPr>
+          <p:cNvPicPr>
+            <a:picLocks noChangeAspect="1"/>
+          </p:cNvPicPr>
+          <p:nvPr/>
+        </p:nvPicPr>
+        <p:blipFill>
+          <a:blip r:embed="rId14">
+            <a:extLst>
+              <a:ext uri="{28A0092B-C50C-407E-A947-70E740481C1C}">
+                <a14:useLocalDpi xmlns:a14="http://schemas.microsoft.com/office/drawing/2010/main" val="0"/>
+              </a:ext>
+            </a:extLst>
+          </a:blip>
+          <a:stretch>
+            <a:fillRect/>
+          </a:stretch>
+        </p:blipFill>
+        <p:spPr>
+          <a:xfrm>
+            <a:off x="842813" y="4501603"/>
+            <a:ext cx="2659414" cy="1758839"/>
+          </a:xfrm>
+          <a:prstGeom prst="rect">
+            <a:avLst/>
+          </a:prstGeom>
+          <a:effectLst>
+            <a:reflection blurRad="6350" stA="52000" endA="300" endPos="26000" dir="5400000" sy="-100000" algn="bl" rotWithShape="0"/>
+            <a:softEdge rad="25400"/>
+          </a:effectLst>
+        </p:spPr>
+      </p:pic>
+      <p:pic>
+        <p:nvPicPr>
+          <p:cNvPr id="45" name="Immagine 44">
+            <a:extLst>
+              <a:ext uri="{FF2B5EF4-FFF2-40B4-BE49-F238E27FC236}">
+                <a16:creationId xmlns:a16="http://schemas.microsoft.com/office/drawing/2014/main" id="{92127762-F6A1-4229-B971-420879FB9ED3}"/>
+              </a:ext>
+            </a:extLst>
+          </p:cNvPr>
+          <p:cNvPicPr>
+            <a:picLocks noChangeAspect="1"/>
+          </p:cNvPicPr>
+          <p:nvPr/>
+        </p:nvPicPr>
+        <p:blipFill>
+          <a:blip r:embed="rId15">
+            <a:extLst>
+              <a:ext uri="{28A0092B-C50C-407E-A947-70E740481C1C}">
+                <a14:useLocalDpi xmlns:a14="http://schemas.microsoft.com/office/drawing/2010/main" val="0"/>
+              </a:ext>
+            </a:extLst>
+          </a:blip>
+          <a:stretch>
+            <a:fillRect/>
+          </a:stretch>
+        </p:blipFill>
+        <p:spPr>
+          <a:xfrm>
+            <a:off x="4766292" y="2208801"/>
+            <a:ext cx="2659415" cy="1714383"/>
+          </a:xfrm>
+          <a:prstGeom prst="rect">
+            <a:avLst/>
+          </a:prstGeom>
+          <a:effectLst>
+            <a:reflection blurRad="6350" stA="52000" endA="300" endPos="26000" dir="5400000" sy="-100000" algn="bl" rotWithShape="0"/>
+            <a:softEdge rad="25400"/>
+          </a:effectLst>
+        </p:spPr>
+      </p:pic>
+      <p:sp>
+        <p:nvSpPr>
+          <p:cNvPr id="48" name="CasellaDiTesto 47">
+            <a:extLst>
+              <a:ext uri="{FF2B5EF4-FFF2-40B4-BE49-F238E27FC236}">
+                <a16:creationId xmlns:a16="http://schemas.microsoft.com/office/drawing/2014/main" id="{BBB2E383-6357-4A1B-A252-1867E124B602}"/>
+              </a:ext>
+            </a:extLst>
+          </p:cNvPr>
+          <p:cNvSpPr txBox="1"/>
+          <p:nvPr/>
+        </p:nvSpPr>
+        <p:spPr>
+          <a:xfrm>
+            <a:off x="4766293" y="4376241"/>
+            <a:ext cx="2659414" cy="461665"/>
+          </a:xfrm>
+          <a:prstGeom prst="rect">
+            <a:avLst/>
+          </a:prstGeom>
+          <a:noFill/>
+        </p:spPr>
+        <p:txBody>
+          <a:bodyPr wrap="square" rtlCol="0">
+            <a:spAutoFit/>
+          </a:bodyPr>
+          <a:lstStyle/>
+          <a:p>
+            <a:pPr algn="ctr"/>
+            <a:r>
+              <a:rPr lang="it-IT" sz="2400" dirty="0">
+                <a:solidFill>
+                  <a:schemeClr val="accent5">
+                    <a:lumMod val="20000"/>
+                    <a:lumOff val="80000"/>
+                  </a:schemeClr>
+                </a:solidFill>
+                <a:latin typeface="Tw Cen MT Condensed Extra Bold" panose="020B0803020202020204" pitchFamily="34" charset="0"/>
+              </a:rPr>
+              <a:t>NUMBER OF EMOJI</a:t>
+            </a:r>
+          </a:p>
+        </p:txBody>
+      </p:sp>
+      <p:pic>
+        <p:nvPicPr>
+          <p:cNvPr id="49" name="Immagine 48">
+            <a:extLst>
+              <a:ext uri="{FF2B5EF4-FFF2-40B4-BE49-F238E27FC236}">
+                <a16:creationId xmlns:a16="http://schemas.microsoft.com/office/drawing/2014/main" id="{82C08C97-4EA0-43AB-9CD1-4F175671EEAE}"/>
+              </a:ext>
+            </a:extLst>
+          </p:cNvPr>
+          <p:cNvPicPr>
+            <a:picLocks noChangeAspect="1"/>
+          </p:cNvPicPr>
+          <p:nvPr/>
+        </p:nvPicPr>
+        <p:blipFill>
+          <a:blip r:embed="rId16">
+            <a:extLst>
+              <a:ext uri="{28A0092B-C50C-407E-A947-70E740481C1C}">
+                <a14:useLocalDpi xmlns:a14="http://schemas.microsoft.com/office/drawing/2010/main" val="0"/>
+              </a:ext>
+            </a:extLst>
+          </a:blip>
+          <a:stretch>
+            <a:fillRect/>
+          </a:stretch>
+        </p:blipFill>
+        <p:spPr>
+          <a:xfrm>
+            <a:off x="4776741" y="4765922"/>
+            <a:ext cx="2703686" cy="1714383"/>
+          </a:xfrm>
+          <a:prstGeom prst="rect">
+            <a:avLst/>
+          </a:prstGeom>
+          <a:effectLst>
+            <a:reflection blurRad="6350" stA="52000" endA="300" endPos="25000" dir="5400000" sy="-100000" algn="bl" rotWithShape="0"/>
+            <a:softEdge rad="25400"/>
+          </a:effectLst>
+        </p:spPr>
+      </p:pic>
+      <p:sp>
+        <p:nvSpPr>
+          <p:cNvPr id="51" name="CasellaDiTesto 50">
+            <a:extLst>
+              <a:ext uri="{FF2B5EF4-FFF2-40B4-BE49-F238E27FC236}">
+                <a16:creationId xmlns:a16="http://schemas.microsoft.com/office/drawing/2014/main" id="{C39D1ED6-87C5-4D9A-9F23-9064606E1707}"/>
+              </a:ext>
+            </a:extLst>
+          </p:cNvPr>
+          <p:cNvSpPr txBox="1"/>
+          <p:nvPr/>
+        </p:nvSpPr>
+        <p:spPr>
+          <a:xfrm>
+            <a:off x="8845361" y="2094802"/>
+            <a:ext cx="2659414" cy="523220"/>
+          </a:xfrm>
+          <a:prstGeom prst="rect">
+            <a:avLst/>
+          </a:prstGeom>
+          <a:noFill/>
+        </p:spPr>
+        <p:txBody>
+          <a:bodyPr wrap="square" rtlCol="0">
+            <a:spAutoFit/>
+          </a:bodyPr>
+          <a:lstStyle/>
+          <a:p>
+            <a:pPr algn="ctr"/>
+            <a:r>
+              <a:rPr lang="it-IT" sz="2800" dirty="0">
+                <a:solidFill>
+                  <a:schemeClr val="accent5">
+                    <a:lumMod val="20000"/>
+                    <a:lumOff val="80000"/>
+                  </a:schemeClr>
+                </a:solidFill>
+                <a:latin typeface="Tw Cen MT Condensed Extra Bold" panose="020B0803020202020204" pitchFamily="34" charset="0"/>
+              </a:rPr>
+              <a:t>OTHERS FEATURES</a:t>
+            </a:r>
+          </a:p>
+        </p:txBody>
+      </p:sp>
+      <p:sp>
+        <p:nvSpPr>
+          <p:cNvPr id="52" name="CasellaDiTesto 51">
+            <a:extLst>
+              <a:ext uri="{FF2B5EF4-FFF2-40B4-BE49-F238E27FC236}">
+                <a16:creationId xmlns:a16="http://schemas.microsoft.com/office/drawing/2014/main" id="{94ECFCC1-7AF4-4861-97BE-B8D929964CED}"/>
+              </a:ext>
+            </a:extLst>
+          </p:cNvPr>
+          <p:cNvSpPr txBox="1"/>
+          <p:nvPr/>
+        </p:nvSpPr>
+        <p:spPr>
+          <a:xfrm>
+            <a:off x="9176667" y="4187196"/>
+            <a:ext cx="1415356" cy="461665"/>
+          </a:xfrm>
+          <a:prstGeom prst="rect">
+            <a:avLst/>
+          </a:prstGeom>
+          <a:noFill/>
+        </p:spPr>
+        <p:txBody>
+          <a:bodyPr wrap="square" rtlCol="0">
+            <a:spAutoFit/>
+          </a:bodyPr>
+          <a:lstStyle/>
+          <a:p>
+            <a:r>
+              <a:rPr lang="it-IT" sz="2400" dirty="0">
+                <a:solidFill>
+                  <a:schemeClr val="accent5">
+                    <a:lumMod val="20000"/>
+                    <a:lumOff val="80000"/>
+                  </a:schemeClr>
+                </a:solidFill>
+                <a:latin typeface="Tw Cen MT Condensed Extra Bold" panose="020B0803020202020204" pitchFamily="34" charset="0"/>
+              </a:rPr>
+              <a:t>TAGS</a:t>
+            </a:r>
+          </a:p>
+        </p:txBody>
+      </p:sp>
+      <p:cxnSp>
+        <p:nvCxnSpPr>
+          <p:cNvPr id="53" name="Connettore 2 52">
+            <a:extLst>
+              <a:ext uri="{FF2B5EF4-FFF2-40B4-BE49-F238E27FC236}">
+                <a16:creationId xmlns:a16="http://schemas.microsoft.com/office/drawing/2014/main" id="{4DA83FB6-762E-43BB-8897-A20094ADCB22}"/>
+              </a:ext>
+            </a:extLst>
+          </p:cNvPr>
+          <p:cNvCxnSpPr>
+            <a:cxnSpLocks/>
+          </p:cNvCxnSpPr>
+          <p:nvPr/>
+        </p:nvCxnSpPr>
+        <p:spPr>
+          <a:xfrm>
+            <a:off x="8802074" y="3511220"/>
+            <a:ext cx="374593" cy="0"/>
+          </a:xfrm>
+          <a:prstGeom prst="straightConnector1">
+            <a:avLst/>
+          </a:prstGeom>
+          <a:ln w="25400">
+            <a:solidFill>
+              <a:srgbClr val="32AADC"/>
+            </a:solidFill>
+            <a:tailEnd type="triangle" w="lg" len="lg"/>
+          </a:ln>
+        </p:spPr>
+        <p:style>
+          <a:lnRef idx="1">
+            <a:schemeClr val="accent1"/>
+          </a:lnRef>
+          <a:fillRef idx="0">
+            <a:schemeClr val="accent1"/>
+          </a:fillRef>
+          <a:effectRef idx="0">
+            <a:schemeClr val="accent1"/>
+          </a:effectRef>
+          <a:fontRef idx="minor">
+            <a:schemeClr val="tx1"/>
+          </a:fontRef>
+        </p:style>
+      </p:cxnSp>
+      <p:cxnSp>
+        <p:nvCxnSpPr>
+          <p:cNvPr id="55" name="Connettore 2 54">
+            <a:extLst>
+              <a:ext uri="{FF2B5EF4-FFF2-40B4-BE49-F238E27FC236}">
+                <a16:creationId xmlns:a16="http://schemas.microsoft.com/office/drawing/2014/main" id="{1B73E147-5085-417F-B556-91C499154665}"/>
+              </a:ext>
+            </a:extLst>
+          </p:cNvPr>
+          <p:cNvCxnSpPr>
+            <a:cxnSpLocks/>
+          </p:cNvCxnSpPr>
+          <p:nvPr/>
+        </p:nvCxnSpPr>
+        <p:spPr>
+          <a:xfrm>
+            <a:off x="8802074" y="4418029"/>
+            <a:ext cx="374593" cy="0"/>
+          </a:xfrm>
+          <a:prstGeom prst="straightConnector1">
+            <a:avLst/>
+          </a:prstGeom>
+          <a:ln w="25400">
+            <a:solidFill>
+              <a:srgbClr val="32AADC"/>
+            </a:solidFill>
+            <a:tailEnd type="triangle" w="lg" len="lg"/>
+          </a:ln>
+        </p:spPr>
+        <p:style>
+          <a:lnRef idx="1">
+            <a:schemeClr val="accent1"/>
+          </a:lnRef>
+          <a:fillRef idx="0">
+            <a:schemeClr val="accent1"/>
+          </a:fillRef>
+          <a:effectRef idx="0">
+            <a:schemeClr val="accent1"/>
+          </a:effectRef>
+          <a:fontRef idx="minor">
+            <a:schemeClr val="tx1"/>
+          </a:fontRef>
+        </p:style>
+      </p:cxnSp>
     </p:spTree>
     <p:extLst>
       <p:ext uri="{BB962C8B-B14F-4D97-AF65-F5344CB8AC3E}">
-        <p14:creationId xmlns:p14="http://schemas.microsoft.com/office/powerpoint/2010/main" val="3524710192"/>
+        <p14:creationId xmlns:p14="http://schemas.microsoft.com/office/powerpoint/2010/main" val="2664175077"/>
       </p:ext>
     </p:extLst>
   </p:cSld>
@@ -4996,8 +8947,8 @@
         </p:nvSpPr>
         <p:spPr>
           <a:xfrm>
-            <a:off x="3001327" y="419878"/>
-            <a:ext cx="5974721" cy="1015663"/>
+            <a:off x="2735414" y="177281"/>
+            <a:ext cx="6721171" cy="1015663"/>
           </a:xfrm>
           <a:prstGeom prst="rect">
             <a:avLst/>
@@ -5027,15 +8978,386 @@
                 <a:ea typeface="Gadugi" panose="020B0502040204020203" pitchFamily="34" charset="0"/>
                 <a:cs typeface="Calibri" panose="020F0502020204030204" pitchFamily="34" charset="0"/>
               </a:rPr>
-              <a:t>RESULTS</a:t>
-            </a:r>
-          </a:p>
-        </p:txBody>
-      </p:sp>
+              <a:t>TEXT CLASSIFICATION</a:t>
+            </a:r>
+          </a:p>
+        </p:txBody>
+      </p:sp>
+      <p:sp>
+        <p:nvSpPr>
+          <p:cNvPr id="3" name="CasellaDiTesto 2">
+            <a:extLst>
+              <a:ext uri="{FF2B5EF4-FFF2-40B4-BE49-F238E27FC236}">
+                <a16:creationId xmlns:a16="http://schemas.microsoft.com/office/drawing/2014/main" id="{62034283-1815-4F53-8BDA-B98CD9ED2664}"/>
+              </a:ext>
+            </a:extLst>
+          </p:cNvPr>
+          <p:cNvSpPr txBox="1"/>
+          <p:nvPr/>
+        </p:nvSpPr>
+        <p:spPr>
+          <a:xfrm>
+            <a:off x="1086174" y="1874536"/>
+            <a:ext cx="5249741" cy="523220"/>
+          </a:xfrm>
+          <a:prstGeom prst="rect">
+            <a:avLst/>
+          </a:prstGeom>
+          <a:noFill/>
+          <a:ln w="25400">
+            <a:noFill/>
+          </a:ln>
+        </p:spPr>
+        <p:txBody>
+          <a:bodyPr wrap="square" rtlCol="0">
+            <a:spAutoFit/>
+          </a:bodyPr>
+          <a:lstStyle/>
+          <a:p>
+            <a:pPr algn="ctr"/>
+            <a:r>
+              <a:rPr lang="it-IT" sz="2800" dirty="0">
+                <a:solidFill>
+                  <a:schemeClr val="accent5">
+                    <a:lumMod val="20000"/>
+                    <a:lumOff val="80000"/>
+                  </a:schemeClr>
+                </a:solidFill>
+                <a:effectLst>
+                  <a:outerShdw blurRad="38100" dist="38100" dir="2700000" algn="tl">
+                    <a:srgbClr val="000000">
+                      <a:alpha val="43137"/>
+                    </a:srgbClr>
+                  </a:outerShdw>
+                </a:effectLst>
+                <a:latin typeface="Tw Cen MT Condensed Extra Bold" panose="020B0803020202020204" pitchFamily="34" charset="0"/>
+              </a:rPr>
+              <a:t>SUPPORT VECTOR MACHINE</a:t>
+            </a:r>
+          </a:p>
+        </p:txBody>
+      </p:sp>
+      <p:sp>
+        <p:nvSpPr>
+          <p:cNvPr id="4" name="CasellaDiTesto 3">
+            <a:extLst>
+              <a:ext uri="{FF2B5EF4-FFF2-40B4-BE49-F238E27FC236}">
+                <a16:creationId xmlns:a16="http://schemas.microsoft.com/office/drawing/2014/main" id="{3EFD2685-F1F5-432D-A70D-D3751CC1D14E}"/>
+              </a:ext>
+            </a:extLst>
+          </p:cNvPr>
+          <p:cNvSpPr txBox="1"/>
+          <p:nvPr/>
+        </p:nvSpPr>
+        <p:spPr>
+          <a:xfrm>
+            <a:off x="1904302" y="2651610"/>
+            <a:ext cx="3613491" cy="523220"/>
+          </a:xfrm>
+          <a:prstGeom prst="rect">
+            <a:avLst/>
+          </a:prstGeom>
+          <a:noFill/>
+          <a:ln w="25400">
+            <a:noFill/>
+          </a:ln>
+        </p:spPr>
+        <p:txBody>
+          <a:bodyPr wrap="square" rtlCol="0">
+            <a:spAutoFit/>
+          </a:bodyPr>
+          <a:lstStyle/>
+          <a:p>
+            <a:pPr algn="ctr"/>
+            <a:r>
+              <a:rPr lang="it-IT" sz="2800" dirty="0">
+                <a:solidFill>
+                  <a:schemeClr val="accent5">
+                    <a:lumMod val="20000"/>
+                    <a:lumOff val="80000"/>
+                  </a:schemeClr>
+                </a:solidFill>
+                <a:effectLst>
+                  <a:outerShdw blurRad="38100" dist="38100" dir="2700000" algn="tl">
+                    <a:srgbClr val="000000">
+                      <a:alpha val="43137"/>
+                    </a:srgbClr>
+                  </a:outerShdw>
+                </a:effectLst>
+                <a:latin typeface="Tw Cen MT Condensed Extra Bold" panose="020B0803020202020204" pitchFamily="34" charset="0"/>
+              </a:rPr>
+              <a:t>ADABOOST</a:t>
+            </a:r>
+          </a:p>
+        </p:txBody>
+      </p:sp>
+      <p:sp>
+        <p:nvSpPr>
+          <p:cNvPr id="5" name="CasellaDiTesto 4">
+            <a:extLst>
+              <a:ext uri="{FF2B5EF4-FFF2-40B4-BE49-F238E27FC236}">
+                <a16:creationId xmlns:a16="http://schemas.microsoft.com/office/drawing/2014/main" id="{6A686192-07EB-4807-AF5B-32853B8AF745}"/>
+              </a:ext>
+            </a:extLst>
+          </p:cNvPr>
+          <p:cNvSpPr txBox="1"/>
+          <p:nvPr/>
+        </p:nvSpPr>
+        <p:spPr>
+          <a:xfrm>
+            <a:off x="1703691" y="3434981"/>
+            <a:ext cx="4014709" cy="523220"/>
+          </a:xfrm>
+          <a:prstGeom prst="rect">
+            <a:avLst/>
+          </a:prstGeom>
+          <a:noFill/>
+          <a:ln w="25400">
+            <a:noFill/>
+          </a:ln>
+        </p:spPr>
+        <p:txBody>
+          <a:bodyPr wrap="square" rtlCol="0">
+            <a:spAutoFit/>
+          </a:bodyPr>
+          <a:lstStyle/>
+          <a:p>
+            <a:pPr algn="ctr"/>
+            <a:r>
+              <a:rPr lang="it-IT" sz="2800" dirty="0">
+                <a:solidFill>
+                  <a:schemeClr val="accent5">
+                    <a:lumMod val="20000"/>
+                    <a:lumOff val="80000"/>
+                  </a:schemeClr>
+                </a:solidFill>
+                <a:effectLst>
+                  <a:outerShdw blurRad="38100" dist="38100" dir="2700000" algn="tl">
+                    <a:srgbClr val="000000">
+                      <a:alpha val="43137"/>
+                    </a:srgbClr>
+                  </a:outerShdw>
+                </a:effectLst>
+                <a:latin typeface="Tw Cen MT Condensed Extra Bold" panose="020B0803020202020204" pitchFamily="34" charset="0"/>
+              </a:rPr>
+              <a:t>LOGISTIC REGRESSION</a:t>
+            </a:r>
+          </a:p>
+        </p:txBody>
+      </p:sp>
+      <p:sp>
+        <p:nvSpPr>
+          <p:cNvPr id="6" name="CasellaDiTesto 5">
+            <a:extLst>
+              <a:ext uri="{FF2B5EF4-FFF2-40B4-BE49-F238E27FC236}">
+                <a16:creationId xmlns:a16="http://schemas.microsoft.com/office/drawing/2014/main" id="{0D23317C-154A-4DF5-ACD9-B0C738C647B6}"/>
+              </a:ext>
+            </a:extLst>
+          </p:cNvPr>
+          <p:cNvSpPr txBox="1"/>
+          <p:nvPr/>
+        </p:nvSpPr>
+        <p:spPr>
+          <a:xfrm>
+            <a:off x="1892557" y="4218352"/>
+            <a:ext cx="3613491" cy="523220"/>
+          </a:xfrm>
+          <a:prstGeom prst="rect">
+            <a:avLst/>
+          </a:prstGeom>
+          <a:noFill/>
+          <a:ln w="25400">
+            <a:noFill/>
+          </a:ln>
+        </p:spPr>
+        <p:txBody>
+          <a:bodyPr wrap="square" rtlCol="0">
+            <a:spAutoFit/>
+          </a:bodyPr>
+          <a:lstStyle/>
+          <a:p>
+            <a:pPr algn="ctr"/>
+            <a:r>
+              <a:rPr lang="it-IT" sz="2800" dirty="0">
+                <a:solidFill>
+                  <a:schemeClr val="accent5">
+                    <a:lumMod val="20000"/>
+                    <a:lumOff val="80000"/>
+                  </a:schemeClr>
+                </a:solidFill>
+                <a:effectLst>
+                  <a:outerShdw blurRad="38100" dist="38100" dir="2700000" algn="tl">
+                    <a:srgbClr val="000000">
+                      <a:alpha val="43137"/>
+                    </a:srgbClr>
+                  </a:outerShdw>
+                </a:effectLst>
+                <a:latin typeface="Tw Cen MT Condensed Extra Bold" panose="020B0803020202020204" pitchFamily="34" charset="0"/>
+              </a:rPr>
+              <a:t>RANDOM FOREST</a:t>
+            </a:r>
+          </a:p>
+        </p:txBody>
+      </p:sp>
+      <p:sp>
+        <p:nvSpPr>
+          <p:cNvPr id="7" name="CasellaDiTesto 6">
+            <a:extLst>
+              <a:ext uri="{FF2B5EF4-FFF2-40B4-BE49-F238E27FC236}">
+                <a16:creationId xmlns:a16="http://schemas.microsoft.com/office/drawing/2014/main" id="{CF40B549-6F44-4439-B131-3F0F5DCE7AC5}"/>
+              </a:ext>
+            </a:extLst>
+          </p:cNvPr>
+          <p:cNvSpPr txBox="1"/>
+          <p:nvPr/>
+        </p:nvSpPr>
+        <p:spPr>
+          <a:xfrm>
+            <a:off x="1904302" y="5001723"/>
+            <a:ext cx="3613491" cy="523220"/>
+          </a:xfrm>
+          <a:prstGeom prst="rect">
+            <a:avLst/>
+          </a:prstGeom>
+          <a:noFill/>
+          <a:ln w="25400">
+            <a:noFill/>
+          </a:ln>
+        </p:spPr>
+        <p:txBody>
+          <a:bodyPr wrap="square" rtlCol="0">
+            <a:spAutoFit/>
+          </a:bodyPr>
+          <a:lstStyle/>
+          <a:p>
+            <a:pPr algn="ctr"/>
+            <a:r>
+              <a:rPr lang="it-IT" sz="2800" dirty="0">
+                <a:solidFill>
+                  <a:schemeClr val="accent5">
+                    <a:lumMod val="20000"/>
+                    <a:lumOff val="80000"/>
+                  </a:schemeClr>
+                </a:solidFill>
+                <a:effectLst>
+                  <a:outerShdw blurRad="38100" dist="38100" dir="2700000" algn="tl">
+                    <a:srgbClr val="000000">
+                      <a:alpha val="43137"/>
+                    </a:srgbClr>
+                  </a:outerShdw>
+                </a:effectLst>
+                <a:latin typeface="Tw Cen MT Condensed Extra Bold" panose="020B0803020202020204" pitchFamily="34" charset="0"/>
+              </a:rPr>
+              <a:t>NEURAL NETWORKS</a:t>
+            </a:r>
+          </a:p>
+        </p:txBody>
+      </p:sp>
+      <p:grpSp>
+        <p:nvGrpSpPr>
+          <p:cNvPr id="11" name="Gruppo 10">
+            <a:extLst>
+              <a:ext uri="{FF2B5EF4-FFF2-40B4-BE49-F238E27FC236}">
+                <a16:creationId xmlns:a16="http://schemas.microsoft.com/office/drawing/2014/main" id="{3F58A1B3-9186-4F4C-8E15-BF688198049E}"/>
+              </a:ext>
+            </a:extLst>
+          </p:cNvPr>
+          <p:cNvGrpSpPr>
+            <a:grpSpLocks noChangeAspect="1"/>
+          </p:cNvGrpSpPr>
+          <p:nvPr/>
+        </p:nvGrpSpPr>
+        <p:grpSpPr>
+          <a:xfrm>
+            <a:off x="458470" y="177281"/>
+            <a:ext cx="1516476" cy="1146039"/>
+            <a:chOff x="197213" y="1174030"/>
+            <a:chExt cx="1222311" cy="923731"/>
+          </a:xfrm>
+        </p:grpSpPr>
+        <p:pic>
+          <p:nvPicPr>
+            <p:cNvPr id="8" name="Elemento grafico 7" descr="Priorità con riempimento a tinta unita">
+              <a:extLst>
+                <a:ext uri="{FF2B5EF4-FFF2-40B4-BE49-F238E27FC236}">
+                  <a16:creationId xmlns:a16="http://schemas.microsoft.com/office/drawing/2014/main" id="{3EE8CA52-AF24-4175-AE3D-BF0BE2469327}"/>
+                </a:ext>
+              </a:extLst>
+            </p:cNvPr>
+            <p:cNvPicPr>
+              <a:picLocks noChangeAspect="1"/>
+            </p:cNvPicPr>
+            <p:nvPr/>
+          </p:nvPicPr>
+          <p:blipFill>
+            <a:blip r:embed="rId2">
+              <a:extLst>
+                <a:ext uri="{28A0092B-C50C-407E-A947-70E740481C1C}">
+                  <a14:useLocalDpi xmlns:a14="http://schemas.microsoft.com/office/drawing/2010/main" val="0"/>
+                </a:ext>
+                <a:ext uri="{96DAC541-7B7A-43D3-8B79-37D633B846F1}">
+                  <asvg:svgBlip xmlns:asvg="http://schemas.microsoft.com/office/drawing/2016/SVG/main" r:embed="rId3"/>
+                </a:ext>
+              </a:extLst>
+            </a:blip>
+            <a:stretch>
+              <a:fillRect/>
+            </a:stretch>
+          </p:blipFill>
+          <p:spPr>
+            <a:xfrm>
+              <a:off x="197213" y="1183361"/>
+              <a:ext cx="914400" cy="914400"/>
+            </a:xfrm>
+            <a:prstGeom prst="rect">
+              <a:avLst/>
+            </a:prstGeom>
+          </p:spPr>
+        </p:pic>
+        <p:pic>
+          <p:nvPicPr>
+            <p:cNvPr id="10" name="Elemento grafico 9" descr="Priorità con riempimento a tinta unita">
+              <a:extLst>
+                <a:ext uri="{FF2B5EF4-FFF2-40B4-BE49-F238E27FC236}">
+                  <a16:creationId xmlns:a16="http://schemas.microsoft.com/office/drawing/2014/main" id="{DF590B49-B956-4A71-9CBE-171BE67D77A5}"/>
+                </a:ext>
+              </a:extLst>
+            </p:cNvPr>
+            <p:cNvPicPr>
+              <a:picLocks noChangeAspect="1"/>
+            </p:cNvPicPr>
+            <p:nvPr/>
+          </p:nvPicPr>
+          <p:blipFill>
+            <a:blip r:embed="rId4">
+              <a:extLst>
+                <a:ext uri="{28A0092B-C50C-407E-A947-70E740481C1C}">
+                  <a14:useLocalDpi xmlns:a14="http://schemas.microsoft.com/office/drawing/2010/main" val="0"/>
+                </a:ext>
+                <a:ext uri="{96DAC541-7B7A-43D3-8B79-37D633B846F1}">
+                  <asvg:svgBlip xmlns:asvg="http://schemas.microsoft.com/office/drawing/2016/SVG/main" r:embed="rId5"/>
+                </a:ext>
+              </a:extLst>
+            </a:blip>
+            <a:stretch>
+              <a:fillRect/>
+            </a:stretch>
+          </p:blipFill>
+          <p:spPr>
+            <a:xfrm flipH="1">
+              <a:off x="505124" y="1174030"/>
+              <a:ext cx="914400" cy="914400"/>
+            </a:xfrm>
+            <a:prstGeom prst="rect">
+              <a:avLst/>
+            </a:prstGeom>
+          </p:spPr>
+        </p:pic>
+      </p:grpSp>
     </p:spTree>
     <p:extLst>
       <p:ext uri="{BB962C8B-B14F-4D97-AF65-F5344CB8AC3E}">
-        <p14:creationId xmlns:p14="http://schemas.microsoft.com/office/powerpoint/2010/main" val="3926172479"/>
+        <p14:creationId xmlns:p14="http://schemas.microsoft.com/office/powerpoint/2010/main" val="3525924094"/>
       </p:ext>
     </p:extLst>
   </p:cSld>
@@ -5097,6 +9419,778 @@
         </p:nvSpPr>
         <p:spPr>
           <a:xfrm>
+            <a:off x="3001326" y="158913"/>
+            <a:ext cx="5974721" cy="1015663"/>
+          </a:xfrm>
+          <a:prstGeom prst="rect">
+            <a:avLst/>
+          </a:prstGeom>
+          <a:noFill/>
+        </p:spPr>
+        <p:txBody>
+          <a:bodyPr wrap="square" rtlCol="0">
+            <a:spAutoFit/>
+          </a:bodyPr>
+          <a:lstStyle/>
+          <a:p>
+            <a:pPr algn="ctr"/>
+            <a:r>
+              <a:rPr lang="it-IT" sz="6000" dirty="0">
+                <a:solidFill>
+                  <a:srgbClr val="32AADC"/>
+                </a:solidFill>
+                <a:effectLst>
+                  <a:outerShdw blurRad="38100" dist="38100" dir="2700000" algn="tl">
+                    <a:srgbClr val="000000">
+                      <a:alpha val="43137"/>
+                    </a:srgbClr>
+                  </a:outerShdw>
+                </a:effectLst>
+                <a:latin typeface="Tw Cen MT Condensed Extra Bold" panose="020B0803020202020204" pitchFamily="34" charset="0"/>
+                <a:ea typeface="Gadugi" panose="020B0502040204020203" pitchFamily="34" charset="0"/>
+                <a:cs typeface="Calibri" panose="020F0502020204030204" pitchFamily="34" charset="0"/>
+              </a:rPr>
+              <a:t>RESULTS</a:t>
+            </a:r>
+          </a:p>
+        </p:txBody>
+      </p:sp>
+      <p:pic>
+        <p:nvPicPr>
+          <p:cNvPr id="3" name="Immagine 2" descr="Immagine che contiene tavolo&#10;&#10;Descrizione generata automaticamente">
+            <a:extLst>
+              <a:ext uri="{FF2B5EF4-FFF2-40B4-BE49-F238E27FC236}">
+                <a16:creationId xmlns:a16="http://schemas.microsoft.com/office/drawing/2014/main" id="{54EC5582-5AD1-47AE-9481-1C145CE4FC43}"/>
+              </a:ext>
+            </a:extLst>
+          </p:cNvPr>
+          <p:cNvPicPr>
+            <a:picLocks noChangeAspect="1"/>
+          </p:cNvPicPr>
+          <p:nvPr/>
+        </p:nvPicPr>
+        <p:blipFill>
+          <a:blip r:embed="rId2">
+            <a:extLst>
+              <a:ext uri="{28A0092B-C50C-407E-A947-70E740481C1C}">
+                <a14:useLocalDpi xmlns:a14="http://schemas.microsoft.com/office/drawing/2010/main" val="0"/>
+              </a:ext>
+            </a:extLst>
+          </a:blip>
+          <a:stretch>
+            <a:fillRect/>
+          </a:stretch>
+        </p:blipFill>
+        <p:spPr>
+          <a:xfrm>
+            <a:off x="1343318" y="1941389"/>
+            <a:ext cx="3877216" cy="1638529"/>
+          </a:xfrm>
+          <a:prstGeom prst="rect">
+            <a:avLst/>
+          </a:prstGeom>
+          <a:effectLst>
+            <a:softEdge rad="12700"/>
+          </a:effectLst>
+        </p:spPr>
+      </p:pic>
+      <p:pic>
+        <p:nvPicPr>
+          <p:cNvPr id="4" name="Immagine 3" descr="Immagine che contiene tavolo&#10;&#10;Descrizione generata automaticamente">
+            <a:extLst>
+              <a:ext uri="{FF2B5EF4-FFF2-40B4-BE49-F238E27FC236}">
+                <a16:creationId xmlns:a16="http://schemas.microsoft.com/office/drawing/2014/main" id="{14C84FD0-F687-4462-8310-8304C8BF5339}"/>
+              </a:ext>
+            </a:extLst>
+          </p:cNvPr>
+          <p:cNvPicPr>
+            <a:picLocks noChangeAspect="1"/>
+          </p:cNvPicPr>
+          <p:nvPr/>
+        </p:nvPicPr>
+        <p:blipFill>
+          <a:blip r:embed="rId3">
+            <a:extLst>
+              <a:ext uri="{28A0092B-C50C-407E-A947-70E740481C1C}">
+                <a14:useLocalDpi xmlns:a14="http://schemas.microsoft.com/office/drawing/2010/main" val="0"/>
+              </a:ext>
+            </a:extLst>
+          </a:blip>
+          <a:stretch>
+            <a:fillRect/>
+          </a:stretch>
+        </p:blipFill>
+        <p:spPr>
+          <a:xfrm>
+            <a:off x="7236881" y="1941389"/>
+            <a:ext cx="3877216" cy="1638529"/>
+          </a:xfrm>
+          <a:prstGeom prst="rect">
+            <a:avLst/>
+          </a:prstGeom>
+          <a:effectLst>
+            <a:softEdge rad="12700"/>
+          </a:effectLst>
+        </p:spPr>
+      </p:pic>
+      <p:pic>
+        <p:nvPicPr>
+          <p:cNvPr id="5" name="Immagine 4" descr="Immagine che contiene tavolo&#10;&#10;Descrizione generata automaticamente">
+            <a:extLst>
+              <a:ext uri="{FF2B5EF4-FFF2-40B4-BE49-F238E27FC236}">
+                <a16:creationId xmlns:a16="http://schemas.microsoft.com/office/drawing/2014/main" id="{B453CBAD-40CF-4DC0-A824-DE70564A777F}"/>
+              </a:ext>
+            </a:extLst>
+          </p:cNvPr>
+          <p:cNvPicPr>
+            <a:picLocks noChangeAspect="1"/>
+          </p:cNvPicPr>
+          <p:nvPr/>
+        </p:nvPicPr>
+        <p:blipFill>
+          <a:blip r:embed="rId4">
+            <a:extLst>
+              <a:ext uri="{28A0092B-C50C-407E-A947-70E740481C1C}">
+                <a14:useLocalDpi xmlns:a14="http://schemas.microsoft.com/office/drawing/2010/main" val="0"/>
+              </a:ext>
+            </a:extLst>
+          </a:blip>
+          <a:stretch>
+            <a:fillRect/>
+          </a:stretch>
+        </p:blipFill>
+        <p:spPr>
+          <a:xfrm>
+            <a:off x="1343318" y="4461129"/>
+            <a:ext cx="3877216" cy="1648055"/>
+          </a:xfrm>
+          <a:prstGeom prst="rect">
+            <a:avLst/>
+          </a:prstGeom>
+          <a:effectLst>
+            <a:softEdge rad="12700"/>
+          </a:effectLst>
+        </p:spPr>
+      </p:pic>
+      <p:pic>
+        <p:nvPicPr>
+          <p:cNvPr id="6" name="Immagine 5" descr="Immagine che contiene tavolo&#10;&#10;Descrizione generata automaticamente">
+            <a:extLst>
+              <a:ext uri="{FF2B5EF4-FFF2-40B4-BE49-F238E27FC236}">
+                <a16:creationId xmlns:a16="http://schemas.microsoft.com/office/drawing/2014/main" id="{458AB4BD-759E-4BF2-9024-B8B1C1AA620F}"/>
+              </a:ext>
+            </a:extLst>
+          </p:cNvPr>
+          <p:cNvPicPr>
+            <a:picLocks noChangeAspect="1"/>
+          </p:cNvPicPr>
+          <p:nvPr/>
+        </p:nvPicPr>
+        <p:blipFill>
+          <a:blip r:embed="rId5">
+            <a:extLst>
+              <a:ext uri="{28A0092B-C50C-407E-A947-70E740481C1C}">
+                <a14:useLocalDpi xmlns:a14="http://schemas.microsoft.com/office/drawing/2010/main" val="0"/>
+              </a:ext>
+            </a:extLst>
+          </a:blip>
+          <a:stretch>
+            <a:fillRect/>
+          </a:stretch>
+        </p:blipFill>
+        <p:spPr>
+          <a:xfrm>
+            <a:off x="7236881" y="4461129"/>
+            <a:ext cx="3877216" cy="1638529"/>
+          </a:xfrm>
+          <a:prstGeom prst="rect">
+            <a:avLst/>
+          </a:prstGeom>
+          <a:effectLst>
+            <a:softEdge rad="12700"/>
+          </a:effectLst>
+        </p:spPr>
+      </p:pic>
+      <p:sp>
+        <p:nvSpPr>
+          <p:cNvPr id="7" name="CasellaDiTesto 6">
+            <a:extLst>
+              <a:ext uri="{FF2B5EF4-FFF2-40B4-BE49-F238E27FC236}">
+                <a16:creationId xmlns:a16="http://schemas.microsoft.com/office/drawing/2014/main" id="{E66C7343-3EB5-4B49-A6C5-5B171D836F5E}"/>
+              </a:ext>
+            </a:extLst>
+          </p:cNvPr>
+          <p:cNvSpPr txBox="1"/>
+          <p:nvPr/>
+        </p:nvSpPr>
+        <p:spPr>
+          <a:xfrm>
+            <a:off x="657055" y="3937909"/>
+            <a:ext cx="5249741" cy="523220"/>
+          </a:xfrm>
+          <a:prstGeom prst="rect">
+            <a:avLst/>
+          </a:prstGeom>
+          <a:noFill/>
+          <a:ln w="25400">
+            <a:noFill/>
+          </a:ln>
+        </p:spPr>
+        <p:txBody>
+          <a:bodyPr wrap="square" rtlCol="0">
+            <a:spAutoFit/>
+          </a:bodyPr>
+          <a:lstStyle/>
+          <a:p>
+            <a:pPr algn="ctr"/>
+            <a:r>
+              <a:rPr lang="it-IT" sz="2800" dirty="0">
+                <a:solidFill>
+                  <a:schemeClr val="accent5">
+                    <a:lumMod val="20000"/>
+                    <a:lumOff val="80000"/>
+                  </a:schemeClr>
+                </a:solidFill>
+                <a:effectLst>
+                  <a:outerShdw blurRad="38100" dist="38100" dir="2700000" algn="tl">
+                    <a:srgbClr val="000000">
+                      <a:alpha val="43137"/>
+                    </a:srgbClr>
+                  </a:outerShdw>
+                </a:effectLst>
+                <a:latin typeface="Tw Cen MT Condensed Extra Bold" panose="020B0803020202020204" pitchFamily="34" charset="0"/>
+              </a:rPr>
+              <a:t>TFID &amp; STEMMING</a:t>
+            </a:r>
+          </a:p>
+        </p:txBody>
+      </p:sp>
+      <p:sp>
+        <p:nvSpPr>
+          <p:cNvPr id="8" name="CasellaDiTesto 7">
+            <a:extLst>
+              <a:ext uri="{FF2B5EF4-FFF2-40B4-BE49-F238E27FC236}">
+                <a16:creationId xmlns:a16="http://schemas.microsoft.com/office/drawing/2014/main" id="{8F97B3C3-02FB-4A27-85A4-BE65F5BCFDF3}"/>
+              </a:ext>
+            </a:extLst>
+          </p:cNvPr>
+          <p:cNvSpPr txBox="1"/>
+          <p:nvPr/>
+        </p:nvSpPr>
+        <p:spPr>
+          <a:xfrm>
+            <a:off x="6550618" y="1418169"/>
+            <a:ext cx="5249741" cy="523220"/>
+          </a:xfrm>
+          <a:prstGeom prst="rect">
+            <a:avLst/>
+          </a:prstGeom>
+          <a:noFill/>
+          <a:ln w="25400">
+            <a:noFill/>
+          </a:ln>
+        </p:spPr>
+        <p:txBody>
+          <a:bodyPr wrap="square" rtlCol="0">
+            <a:spAutoFit/>
+          </a:bodyPr>
+          <a:lstStyle/>
+          <a:p>
+            <a:pPr algn="ctr"/>
+            <a:r>
+              <a:rPr lang="it-IT" sz="2800" dirty="0">
+                <a:solidFill>
+                  <a:schemeClr val="accent5">
+                    <a:lumMod val="20000"/>
+                    <a:lumOff val="80000"/>
+                  </a:schemeClr>
+                </a:solidFill>
+                <a:effectLst>
+                  <a:outerShdw blurRad="38100" dist="38100" dir="2700000" algn="tl">
+                    <a:srgbClr val="000000">
+                      <a:alpha val="43137"/>
+                    </a:srgbClr>
+                  </a:outerShdw>
+                </a:effectLst>
+                <a:latin typeface="Tw Cen MT Condensed Extra Bold" panose="020B0803020202020204" pitchFamily="34" charset="0"/>
+              </a:rPr>
+              <a:t>DOC2VEC</a:t>
+            </a:r>
+          </a:p>
+        </p:txBody>
+      </p:sp>
+      <p:sp>
+        <p:nvSpPr>
+          <p:cNvPr id="9" name="CasellaDiTesto 8">
+            <a:extLst>
+              <a:ext uri="{FF2B5EF4-FFF2-40B4-BE49-F238E27FC236}">
+                <a16:creationId xmlns:a16="http://schemas.microsoft.com/office/drawing/2014/main" id="{A7D6E61F-FCBE-4051-BC8C-8E59A74B0397}"/>
+              </a:ext>
+            </a:extLst>
+          </p:cNvPr>
+          <p:cNvSpPr txBox="1"/>
+          <p:nvPr/>
+        </p:nvSpPr>
+        <p:spPr>
+          <a:xfrm>
+            <a:off x="738945" y="1411185"/>
+            <a:ext cx="5249741" cy="523220"/>
+          </a:xfrm>
+          <a:prstGeom prst="rect">
+            <a:avLst/>
+          </a:prstGeom>
+          <a:noFill/>
+          <a:ln w="25400">
+            <a:noFill/>
+          </a:ln>
+        </p:spPr>
+        <p:txBody>
+          <a:bodyPr wrap="square" rtlCol="0">
+            <a:spAutoFit/>
+          </a:bodyPr>
+          <a:lstStyle/>
+          <a:p>
+            <a:pPr algn="ctr"/>
+            <a:r>
+              <a:rPr lang="it-IT" sz="2800" dirty="0">
+                <a:solidFill>
+                  <a:schemeClr val="accent5">
+                    <a:lumMod val="20000"/>
+                    <a:lumOff val="80000"/>
+                  </a:schemeClr>
+                </a:solidFill>
+                <a:effectLst>
+                  <a:outerShdw blurRad="38100" dist="38100" dir="2700000" algn="tl">
+                    <a:srgbClr val="000000">
+                      <a:alpha val="43137"/>
+                    </a:srgbClr>
+                  </a:outerShdw>
+                </a:effectLst>
+                <a:latin typeface="Tw Cen MT Condensed Extra Bold" panose="020B0803020202020204" pitchFamily="34" charset="0"/>
+              </a:rPr>
+              <a:t>SENTIMENT ANALYSIS</a:t>
+            </a:r>
+          </a:p>
+        </p:txBody>
+      </p:sp>
+      <p:sp>
+        <p:nvSpPr>
+          <p:cNvPr id="10" name="CasellaDiTesto 9">
+            <a:extLst>
+              <a:ext uri="{FF2B5EF4-FFF2-40B4-BE49-F238E27FC236}">
+                <a16:creationId xmlns:a16="http://schemas.microsoft.com/office/drawing/2014/main" id="{07F905AB-CCD4-45EE-985F-DFE78466A710}"/>
+              </a:ext>
+            </a:extLst>
+          </p:cNvPr>
+          <p:cNvSpPr txBox="1"/>
+          <p:nvPr/>
+        </p:nvSpPr>
+        <p:spPr>
+          <a:xfrm>
+            <a:off x="6593059" y="3937909"/>
+            <a:ext cx="5249741" cy="523220"/>
+          </a:xfrm>
+          <a:prstGeom prst="rect">
+            <a:avLst/>
+          </a:prstGeom>
+          <a:noFill/>
+          <a:ln w="25400">
+            <a:noFill/>
+          </a:ln>
+        </p:spPr>
+        <p:txBody>
+          <a:bodyPr wrap="square" rtlCol="0">
+            <a:spAutoFit/>
+          </a:bodyPr>
+          <a:lstStyle/>
+          <a:p>
+            <a:pPr algn="ctr"/>
+            <a:r>
+              <a:rPr lang="it-IT" sz="2800" dirty="0">
+                <a:solidFill>
+                  <a:schemeClr val="accent5">
+                    <a:lumMod val="20000"/>
+                    <a:lumOff val="80000"/>
+                  </a:schemeClr>
+                </a:solidFill>
+                <a:effectLst>
+                  <a:outerShdw blurRad="38100" dist="38100" dir="2700000" algn="tl">
+                    <a:srgbClr val="000000">
+                      <a:alpha val="43137"/>
+                    </a:srgbClr>
+                  </a:outerShdw>
+                </a:effectLst>
+                <a:latin typeface="Tw Cen MT Condensed Extra Bold" panose="020B0803020202020204" pitchFamily="34" charset="0"/>
+              </a:rPr>
+              <a:t>TFID &amp; LEMMATIZAION</a:t>
+            </a:r>
+          </a:p>
+        </p:txBody>
+      </p:sp>
+      <p:pic>
+        <p:nvPicPr>
+          <p:cNvPr id="11" name="Elemento grafico 10" descr="Elenco con riempimento a tinta unita">
+            <a:extLst>
+              <a:ext uri="{FF2B5EF4-FFF2-40B4-BE49-F238E27FC236}">
+                <a16:creationId xmlns:a16="http://schemas.microsoft.com/office/drawing/2014/main" id="{A7F09026-F06D-4E77-9471-54DCF902E6A3}"/>
+              </a:ext>
+            </a:extLst>
+          </p:cNvPr>
+          <p:cNvPicPr>
+            <a:picLocks noChangeAspect="1"/>
+          </p:cNvPicPr>
+          <p:nvPr/>
+        </p:nvPicPr>
+        <p:blipFill>
+          <a:blip r:embed="rId6">
+            <a:extLst>
+              <a:ext uri="{28A0092B-C50C-407E-A947-70E740481C1C}">
+                <a14:useLocalDpi xmlns:a14="http://schemas.microsoft.com/office/drawing/2010/main" val="0"/>
+              </a:ext>
+              <a:ext uri="{96DAC541-7B7A-43D3-8B79-37D633B846F1}">
+                <asvg:svgBlip xmlns:asvg="http://schemas.microsoft.com/office/drawing/2016/SVG/main" r:embed="rId7"/>
+              </a:ext>
+            </a:extLst>
+          </a:blip>
+          <a:stretch>
+            <a:fillRect/>
+          </a:stretch>
+        </p:blipFill>
+        <p:spPr>
+          <a:xfrm>
+            <a:off x="10565146" y="209391"/>
+            <a:ext cx="1097902" cy="1097902"/>
+          </a:xfrm>
+          <a:prstGeom prst="rect">
+            <a:avLst/>
+          </a:prstGeom>
+        </p:spPr>
+      </p:pic>
+      <p:sp>
+        <p:nvSpPr>
+          <p:cNvPr id="14" name="Rettangolo 13">
+            <a:extLst>
+              <a:ext uri="{FF2B5EF4-FFF2-40B4-BE49-F238E27FC236}">
+                <a16:creationId xmlns:a16="http://schemas.microsoft.com/office/drawing/2014/main" id="{6DDE4386-AA15-4386-AAB9-FD6125316DC6}"/>
+              </a:ext>
+            </a:extLst>
+          </p:cNvPr>
+          <p:cNvSpPr/>
+          <p:nvPr/>
+        </p:nvSpPr>
+        <p:spPr>
+          <a:xfrm>
+            <a:off x="3750906" y="4461129"/>
+            <a:ext cx="1469628" cy="1648055"/>
+          </a:xfrm>
+          <a:prstGeom prst="rect">
+            <a:avLst/>
+          </a:prstGeom>
+          <a:noFill/>
+          <a:ln w="25400">
+            <a:solidFill>
+              <a:srgbClr val="8A0000"/>
+            </a:solidFill>
+          </a:ln>
+        </p:spPr>
+        <p:style>
+          <a:lnRef idx="2">
+            <a:schemeClr val="accent1">
+              <a:shade val="50000"/>
+            </a:schemeClr>
+          </a:lnRef>
+          <a:fillRef idx="1">
+            <a:schemeClr val="accent1"/>
+          </a:fillRef>
+          <a:effectRef idx="0">
+            <a:schemeClr val="accent1"/>
+          </a:effectRef>
+          <a:fontRef idx="minor">
+            <a:schemeClr val="lt1"/>
+          </a:fontRef>
+        </p:style>
+        <p:txBody>
+          <a:bodyPr rtlCol="0" anchor="ctr"/>
+          <a:lstStyle/>
+          <a:p>
+            <a:pPr algn="ctr"/>
+            <a:endParaRPr lang="it-IT"/>
+          </a:p>
+        </p:txBody>
+      </p:sp>
+      <p:sp>
+        <p:nvSpPr>
+          <p:cNvPr id="16" name="Rettangolo 15">
+            <a:extLst>
+              <a:ext uri="{FF2B5EF4-FFF2-40B4-BE49-F238E27FC236}">
+                <a16:creationId xmlns:a16="http://schemas.microsoft.com/office/drawing/2014/main" id="{74E0EED8-2D16-4F07-A90E-BEF988988FC3}"/>
+              </a:ext>
+            </a:extLst>
+          </p:cNvPr>
+          <p:cNvSpPr/>
+          <p:nvPr/>
+        </p:nvSpPr>
+        <p:spPr>
+          <a:xfrm>
+            <a:off x="2281278" y="3219258"/>
+            <a:ext cx="1469628" cy="160443"/>
+          </a:xfrm>
+          <a:prstGeom prst="rect">
+            <a:avLst/>
+          </a:prstGeom>
+          <a:noFill/>
+          <a:ln w="25400">
+            <a:solidFill>
+              <a:srgbClr val="8A0000"/>
+            </a:solidFill>
+          </a:ln>
+        </p:spPr>
+        <p:style>
+          <a:lnRef idx="2">
+            <a:schemeClr val="accent1">
+              <a:shade val="50000"/>
+            </a:schemeClr>
+          </a:lnRef>
+          <a:fillRef idx="1">
+            <a:schemeClr val="accent1"/>
+          </a:fillRef>
+          <a:effectRef idx="0">
+            <a:schemeClr val="accent1"/>
+          </a:effectRef>
+          <a:fontRef idx="minor">
+            <a:schemeClr val="lt1"/>
+          </a:fontRef>
+        </p:style>
+        <p:txBody>
+          <a:bodyPr rtlCol="0" anchor="ctr"/>
+          <a:lstStyle/>
+          <a:p>
+            <a:pPr algn="ctr"/>
+            <a:endParaRPr lang="it-IT"/>
+          </a:p>
+        </p:txBody>
+      </p:sp>
+      <p:sp>
+        <p:nvSpPr>
+          <p:cNvPr id="17" name="Rettangolo 16">
+            <a:extLst>
+              <a:ext uri="{FF2B5EF4-FFF2-40B4-BE49-F238E27FC236}">
+                <a16:creationId xmlns:a16="http://schemas.microsoft.com/office/drawing/2014/main" id="{667307D0-DB62-4CE2-8322-26CE124300B1}"/>
+              </a:ext>
+            </a:extLst>
+          </p:cNvPr>
+          <p:cNvSpPr/>
+          <p:nvPr/>
+        </p:nvSpPr>
+        <p:spPr>
+          <a:xfrm>
+            <a:off x="3750907" y="2486612"/>
+            <a:ext cx="718700" cy="187424"/>
+          </a:xfrm>
+          <a:prstGeom prst="rect">
+            <a:avLst/>
+          </a:prstGeom>
+          <a:noFill/>
+          <a:ln w="25400">
+            <a:solidFill>
+              <a:srgbClr val="8A0000"/>
+            </a:solidFill>
+          </a:ln>
+        </p:spPr>
+        <p:style>
+          <a:lnRef idx="2">
+            <a:schemeClr val="accent1">
+              <a:shade val="50000"/>
+            </a:schemeClr>
+          </a:lnRef>
+          <a:fillRef idx="1">
+            <a:schemeClr val="accent1"/>
+          </a:fillRef>
+          <a:effectRef idx="0">
+            <a:schemeClr val="accent1"/>
+          </a:effectRef>
+          <a:fontRef idx="minor">
+            <a:schemeClr val="lt1"/>
+          </a:fontRef>
+        </p:style>
+        <p:txBody>
+          <a:bodyPr rtlCol="0" anchor="ctr"/>
+          <a:lstStyle/>
+          <a:p>
+            <a:pPr algn="ctr"/>
+            <a:endParaRPr lang="it-IT"/>
+          </a:p>
+        </p:txBody>
+      </p:sp>
+      <p:sp>
+        <p:nvSpPr>
+          <p:cNvPr id="18" name="Rettangolo 17">
+            <a:extLst>
+              <a:ext uri="{FF2B5EF4-FFF2-40B4-BE49-F238E27FC236}">
+                <a16:creationId xmlns:a16="http://schemas.microsoft.com/office/drawing/2014/main" id="{7F4F9913-5BFF-48B0-A73C-CBD220091CCA}"/>
+              </a:ext>
+            </a:extLst>
+          </p:cNvPr>
+          <p:cNvSpPr/>
+          <p:nvPr/>
+        </p:nvSpPr>
+        <p:spPr>
+          <a:xfrm>
+            <a:off x="3750906" y="5548118"/>
+            <a:ext cx="1469628" cy="160443"/>
+          </a:xfrm>
+          <a:prstGeom prst="rect">
+            <a:avLst/>
+          </a:prstGeom>
+          <a:noFill/>
+          <a:ln w="25400">
+            <a:solidFill>
+              <a:srgbClr val="8A0000"/>
+            </a:solidFill>
+          </a:ln>
+        </p:spPr>
+        <p:style>
+          <a:lnRef idx="2">
+            <a:schemeClr val="accent1">
+              <a:shade val="50000"/>
+            </a:schemeClr>
+          </a:lnRef>
+          <a:fillRef idx="1">
+            <a:schemeClr val="accent1"/>
+          </a:fillRef>
+          <a:effectRef idx="0">
+            <a:schemeClr val="accent1"/>
+          </a:effectRef>
+          <a:fontRef idx="minor">
+            <a:schemeClr val="lt1"/>
+          </a:fontRef>
+        </p:style>
+        <p:txBody>
+          <a:bodyPr rtlCol="0" anchor="ctr"/>
+          <a:lstStyle/>
+          <a:p>
+            <a:pPr algn="ctr"/>
+            <a:endParaRPr lang="it-IT"/>
+          </a:p>
+        </p:txBody>
+      </p:sp>
+      <p:sp>
+        <p:nvSpPr>
+          <p:cNvPr id="19" name="Rettangolo 18">
+            <a:extLst>
+              <a:ext uri="{FF2B5EF4-FFF2-40B4-BE49-F238E27FC236}">
+                <a16:creationId xmlns:a16="http://schemas.microsoft.com/office/drawing/2014/main" id="{9CF72AEE-13A9-4A21-90BC-BEEBACEE4BFD}"/>
+              </a:ext>
+            </a:extLst>
+          </p:cNvPr>
+          <p:cNvSpPr/>
+          <p:nvPr/>
+        </p:nvSpPr>
+        <p:spPr>
+          <a:xfrm>
+            <a:off x="3750906" y="4829794"/>
+            <a:ext cx="1469628" cy="160443"/>
+          </a:xfrm>
+          <a:prstGeom prst="rect">
+            <a:avLst/>
+          </a:prstGeom>
+          <a:noFill/>
+          <a:ln w="25400">
+            <a:solidFill>
+              <a:srgbClr val="8A0000"/>
+            </a:solidFill>
+          </a:ln>
+        </p:spPr>
+        <p:style>
+          <a:lnRef idx="2">
+            <a:schemeClr val="accent1">
+              <a:shade val="50000"/>
+            </a:schemeClr>
+          </a:lnRef>
+          <a:fillRef idx="1">
+            <a:schemeClr val="accent1"/>
+          </a:fillRef>
+          <a:effectRef idx="0">
+            <a:schemeClr val="accent1"/>
+          </a:effectRef>
+          <a:fontRef idx="minor">
+            <a:schemeClr val="lt1"/>
+          </a:fontRef>
+        </p:style>
+        <p:txBody>
+          <a:bodyPr rtlCol="0" anchor="ctr"/>
+          <a:lstStyle/>
+          <a:p>
+            <a:pPr algn="ctr"/>
+            <a:endParaRPr lang="it-IT"/>
+          </a:p>
+        </p:txBody>
+      </p:sp>
+    </p:spTree>
+    <p:extLst>
+      <p:ext uri="{BB962C8B-B14F-4D97-AF65-F5344CB8AC3E}">
+        <p14:creationId xmlns:p14="http://schemas.microsoft.com/office/powerpoint/2010/main" val="3926172479"/>
+      </p:ext>
+    </p:extLst>
+  </p:cSld>
+  <p:clrMapOvr>
+    <a:masterClrMapping/>
+  </p:clrMapOvr>
+</p:sld>
+</file>
+
+<file path=ppt/slides/slide8.xml><?xml version="1.0" encoding="utf-8"?>
+<p:sld xmlns:a="http://schemas.openxmlformats.org/drawingml/2006/main" xmlns:r="http://schemas.openxmlformats.org/officeDocument/2006/relationships" xmlns:p="http://schemas.openxmlformats.org/presentationml/2006/main">
+  <p:cSld>
+    <p:bg>
+      <p:bgPr>
+        <a:gradFill>
+          <a:gsLst>
+            <a:gs pos="55000">
+              <a:srgbClr val="00405C"/>
+            </a:gs>
+            <a:gs pos="89000">
+              <a:srgbClr val="0F5F81"/>
+            </a:gs>
+            <a:gs pos="100000">
+              <a:srgbClr val="2083AD"/>
+            </a:gs>
+          </a:gsLst>
+          <a:path path="circle">
+            <a:fillToRect l="100000" t="100000"/>
+          </a:path>
+        </a:gradFill>
+        <a:effectLst/>
+      </p:bgPr>
+    </p:bg>
+    <p:spTree>
+      <p:nvGrpSpPr>
+        <p:cNvPr id="1" name=""/>
+        <p:cNvGrpSpPr/>
+        <p:nvPr/>
+      </p:nvGrpSpPr>
+      <p:grpSpPr>
+        <a:xfrm>
+          <a:off x="0" y="0"/>
+          <a:ext cx="0" cy="0"/>
+          <a:chOff x="0" y="0"/>
+          <a:chExt cx="0" cy="0"/>
+        </a:xfrm>
+      </p:grpSpPr>
+      <p:sp>
+        <p:nvSpPr>
+          <p:cNvPr id="42" name="CasellaDiTesto 41">
+            <a:extLst>
+              <a:ext uri="{FF2B5EF4-FFF2-40B4-BE49-F238E27FC236}">
+                <a16:creationId xmlns:a16="http://schemas.microsoft.com/office/drawing/2014/main" id="{515CC22E-779E-4946-9178-52E9409F75F5}"/>
+              </a:ext>
+            </a:extLst>
+          </p:cNvPr>
+          <p:cNvSpPr txBox="1"/>
+          <p:nvPr/>
+        </p:nvSpPr>
+        <p:spPr>
+          <a:xfrm>
             <a:off x="3001327" y="419878"/>
             <a:ext cx="5974721" cy="1015663"/>
           </a:xfrm>
@@ -5146,7 +10240,7 @@
 </p:sld>
 </file>
 
-<file path=ppt/slides/slide8.xml><?xml version="1.0" encoding="utf-8"?>
+<file path=ppt/slides/slide9.xml><?xml version="1.0" encoding="utf-8"?>
 <p:sld xmlns:a="http://schemas.openxmlformats.org/drawingml/2006/main" xmlns:r="http://schemas.openxmlformats.org/officeDocument/2006/relationships" xmlns:p="http://schemas.openxmlformats.org/presentationml/2006/main">
   <p:cSld>
     <p:bg>

--- a/PresentationTextMining.pptx
+++ b/PresentationTextMining.pptx
@@ -12,8 +12,9 @@
     <p:sldId id="268" r:id="rId6"/>
     <p:sldId id="266" r:id="rId7"/>
     <p:sldId id="263" r:id="rId8"/>
-    <p:sldId id="264" r:id="rId9"/>
-    <p:sldId id="265" r:id="rId10"/>
+    <p:sldId id="269" r:id="rId9"/>
+    <p:sldId id="264" r:id="rId10"/>
+    <p:sldId id="265" r:id="rId11"/>
   </p:sldIdLst>
   <p:sldSz cx="12192000" cy="6858000"/>
   <p:notesSz cx="6858000" cy="9144000"/>
@@ -3805,6 +3806,112 @@
     <p:extLst>
       <p:ext uri="{BB962C8B-B14F-4D97-AF65-F5344CB8AC3E}">
         <p14:creationId xmlns:p14="http://schemas.microsoft.com/office/powerpoint/2010/main" val="13748760"/>
+      </p:ext>
+    </p:extLst>
+  </p:cSld>
+  <p:clrMapOvr>
+    <a:masterClrMapping/>
+  </p:clrMapOvr>
+</p:sld>
+</file>
+
+<file path=ppt/slides/slide10.xml><?xml version="1.0" encoding="utf-8"?>
+<p:sld xmlns:a="http://schemas.openxmlformats.org/drawingml/2006/main" xmlns:r="http://schemas.openxmlformats.org/officeDocument/2006/relationships" xmlns:p="http://schemas.openxmlformats.org/presentationml/2006/main">
+  <p:cSld>
+    <p:bg>
+      <p:bgPr>
+        <a:gradFill>
+          <a:gsLst>
+            <a:gs pos="55000">
+              <a:srgbClr val="00405C"/>
+            </a:gs>
+            <a:gs pos="89000">
+              <a:srgbClr val="0F5F81"/>
+            </a:gs>
+            <a:gs pos="100000">
+              <a:srgbClr val="2083AD"/>
+            </a:gs>
+          </a:gsLst>
+          <a:path path="circle">
+            <a:fillToRect l="100000" t="100000"/>
+          </a:path>
+        </a:gradFill>
+        <a:effectLst/>
+      </p:bgPr>
+    </p:bg>
+    <p:spTree>
+      <p:nvGrpSpPr>
+        <p:cNvPr id="1" name=""/>
+        <p:cNvGrpSpPr/>
+        <p:nvPr/>
+      </p:nvGrpSpPr>
+      <p:grpSpPr>
+        <a:xfrm>
+          <a:off x="0" y="0"/>
+          <a:ext cx="0" cy="0"/>
+          <a:chOff x="0" y="0"/>
+          <a:chExt cx="0" cy="0"/>
+        </a:xfrm>
+      </p:grpSpPr>
+      <p:sp>
+        <p:nvSpPr>
+          <p:cNvPr id="42" name="CasellaDiTesto 41">
+            <a:extLst>
+              <a:ext uri="{FF2B5EF4-FFF2-40B4-BE49-F238E27FC236}">
+                <a16:creationId xmlns:a16="http://schemas.microsoft.com/office/drawing/2014/main" id="{515CC22E-779E-4946-9178-52E9409F75F5}"/>
+              </a:ext>
+            </a:extLst>
+          </p:cNvPr>
+          <p:cNvSpPr txBox="1"/>
+          <p:nvPr/>
+        </p:nvSpPr>
+        <p:spPr>
+          <a:xfrm>
+            <a:off x="3108639" y="2459504"/>
+            <a:ext cx="5974721" cy="1938992"/>
+          </a:xfrm>
+          <a:prstGeom prst="rect">
+            <a:avLst/>
+          </a:prstGeom>
+          <a:noFill/>
+          <a:ln w="25400">
+            <a:solidFill>
+              <a:srgbClr val="32AADC"/>
+            </a:solidFill>
+          </a:ln>
+        </p:spPr>
+        <p:txBody>
+          <a:bodyPr wrap="square" rtlCol="0">
+            <a:spAutoFit/>
+          </a:bodyPr>
+          <a:lstStyle/>
+          <a:p>
+            <a:pPr algn="ctr"/>
+            <a:r>
+              <a:rPr lang="it-IT" sz="6000" dirty="0">
+                <a:solidFill>
+                  <a:srgbClr val="32AADC"/>
+                </a:solidFill>
+                <a:effectLst>
+                  <a:outerShdw blurRad="38100" dist="38100" dir="2700000" algn="tl">
+                    <a:srgbClr val="000000">
+                      <a:alpha val="43137"/>
+                    </a:srgbClr>
+                  </a:outerShdw>
+                </a:effectLst>
+                <a:latin typeface="Tw Cen MT Condensed Extra Bold" panose="020B0803020202020204" pitchFamily="34" charset="0"/>
+                <a:ea typeface="Gadugi" panose="020B0502040204020203" pitchFamily="34" charset="0"/>
+                <a:cs typeface="Calibri" panose="020F0502020204030204" pitchFamily="34" charset="0"/>
+              </a:rPr>
+              <a:t>THANKS FOR YOUR ATTENTION</a:t>
+            </a:r>
+          </a:p>
+        </p:txBody>
+      </p:sp>
+    </p:spTree>
+    <p:extLst>
+      <p:ext uri="{BB962C8B-B14F-4D97-AF65-F5344CB8AC3E}">
+        <p14:creationId xmlns:p14="http://schemas.microsoft.com/office/powerpoint/2010/main" val="3207727151"/>
       </p:ext>
     </p:extLst>
   </p:cSld>
@@ -9822,7 +9929,7 @@
                 </a:effectLst>
                 <a:latin typeface="Tw Cen MT Condensed Extra Bold" panose="020B0803020202020204" pitchFamily="34" charset="0"/>
               </a:rPr>
-              <a:t>TFID &amp; LEMMATIZAION</a:t>
+              <a:t>TFID &amp; LEMMATIZATION</a:t>
             </a:r>
           </a:p>
         </p:txBody>
@@ -10191,7 +10298,7 @@
         </p:nvSpPr>
         <p:spPr>
           <a:xfrm>
-            <a:off x="3001327" y="419878"/>
+            <a:off x="3001326" y="158913"/>
             <a:ext cx="5974721" cy="1015663"/>
           </a:xfrm>
           <a:prstGeom prst="rect">
@@ -10222,15 +10329,54 @@
                 <a:ea typeface="Gadugi" panose="020B0502040204020203" pitchFamily="34" charset="0"/>
                 <a:cs typeface="Calibri" panose="020F0502020204030204" pitchFamily="34" charset="0"/>
               </a:rPr>
-              <a:t>CONCLUSIONS</a:t>
-            </a:r>
-          </a:p>
-        </p:txBody>
-      </p:sp>
+              <a:t>RESULTS</a:t>
+            </a:r>
+          </a:p>
+        </p:txBody>
+      </p:sp>
+      <p:pic>
+        <p:nvPicPr>
+          <p:cNvPr id="11" name="Elemento grafico 10" descr="Elenco con riempimento a tinta unita">
+            <a:extLst>
+              <a:ext uri="{FF2B5EF4-FFF2-40B4-BE49-F238E27FC236}">
+                <a16:creationId xmlns:a16="http://schemas.microsoft.com/office/drawing/2014/main" id="{A7F09026-F06D-4E77-9471-54DCF902E6A3}"/>
+              </a:ext>
+            </a:extLst>
+          </p:cNvPr>
+          <p:cNvPicPr>
+            <a:picLocks noChangeAspect="1"/>
+          </p:cNvPicPr>
+          <p:nvPr/>
+        </p:nvPicPr>
+        <p:blipFill>
+          <a:blip r:embed="rId2">
+            <a:extLst>
+              <a:ext uri="{28A0092B-C50C-407E-A947-70E740481C1C}">
+                <a14:useLocalDpi xmlns:a14="http://schemas.microsoft.com/office/drawing/2010/main" val="0"/>
+              </a:ext>
+              <a:ext uri="{96DAC541-7B7A-43D3-8B79-37D633B846F1}">
+                <asvg:svgBlip xmlns:asvg="http://schemas.microsoft.com/office/drawing/2016/SVG/main" r:embed="rId3"/>
+              </a:ext>
+            </a:extLst>
+          </a:blip>
+          <a:stretch>
+            <a:fillRect/>
+          </a:stretch>
+        </p:blipFill>
+        <p:spPr>
+          <a:xfrm>
+            <a:off x="10565146" y="209391"/>
+            <a:ext cx="1097902" cy="1097902"/>
+          </a:xfrm>
+          <a:prstGeom prst="rect">
+            <a:avLst/>
+          </a:prstGeom>
+        </p:spPr>
+      </p:pic>
     </p:spTree>
     <p:extLst>
       <p:ext uri="{BB962C8B-B14F-4D97-AF65-F5344CB8AC3E}">
-        <p14:creationId xmlns:p14="http://schemas.microsoft.com/office/powerpoint/2010/main" val="4143140777"/>
+        <p14:creationId xmlns:p14="http://schemas.microsoft.com/office/powerpoint/2010/main" val="3657954760"/>
       </p:ext>
     </p:extLst>
   </p:cSld>
@@ -10292,18 +10438,13 @@
         </p:nvSpPr>
         <p:spPr>
           <a:xfrm>
-            <a:off x="3108639" y="2459504"/>
-            <a:ext cx="5974721" cy="1938992"/>
+            <a:off x="3001327" y="419878"/>
+            <a:ext cx="5974721" cy="1015663"/>
           </a:xfrm>
           <a:prstGeom prst="rect">
             <a:avLst/>
           </a:prstGeom>
           <a:noFill/>
-          <a:ln w="25400">
-            <a:solidFill>
-              <a:srgbClr val="32AADC"/>
-            </a:solidFill>
-          </a:ln>
         </p:spPr>
         <p:txBody>
           <a:bodyPr wrap="square" rtlCol="0">
@@ -10328,7 +10469,7 @@
                 <a:ea typeface="Gadugi" panose="020B0502040204020203" pitchFamily="34" charset="0"/>
                 <a:cs typeface="Calibri" panose="020F0502020204030204" pitchFamily="34" charset="0"/>
               </a:rPr>
-              <a:t>THANKS FOR YOUR ATTENTION</a:t>
+              <a:t>CONCLUSIONS</a:t>
             </a:r>
           </a:p>
         </p:txBody>
@@ -10336,7 +10477,7 @@
     </p:spTree>
     <p:extLst>
       <p:ext uri="{BB962C8B-B14F-4D97-AF65-F5344CB8AC3E}">
-        <p14:creationId xmlns:p14="http://schemas.microsoft.com/office/powerpoint/2010/main" val="3207727151"/>
+        <p14:creationId xmlns:p14="http://schemas.microsoft.com/office/powerpoint/2010/main" val="4143140777"/>
       </p:ext>
     </p:extLst>
   </p:cSld>

--- a/PresentationTextMining.pptx
+++ b/PresentationTextMining.pptx
@@ -3370,7 +3370,7 @@
         </p:nvGrpSpPr>
         <p:grpSpPr>
           <a:xfrm>
-            <a:off x="7074928" y="1689261"/>
+            <a:off x="6692372" y="1696393"/>
             <a:ext cx="5025353" cy="4692895"/>
             <a:chOff x="6603424" y="1847881"/>
             <a:chExt cx="5025353" cy="4692895"/>
@@ -3752,7 +3752,7 @@
                 </a:effectLst>
                 <a:latin typeface="Tw Cen MT Condensed Extra Bold" panose="020B0803020202020204" pitchFamily="34" charset="0"/>
               </a:rPr>
-              <a:t>Luzzi Federico </a:t>
+              <a:t>Luzzi Federico   </a:t>
             </a:r>
             <a:r>
               <a:rPr lang="it-IT" dirty="0">
@@ -3764,7 +3764,7 @@
                 </a:solidFill>
                 <a:latin typeface="Tw Cen MT Condensed Extra Bold" panose="020B0803020202020204" pitchFamily="34" charset="0"/>
               </a:rPr>
-              <a:t>861…</a:t>
+              <a:t>816753</a:t>
             </a:r>
           </a:p>
           <a:p>
@@ -3908,6 +3908,78 @@
           </a:p>
         </p:txBody>
       </p:sp>
+      <p:pic>
+        <p:nvPicPr>
+          <p:cNvPr id="3" name="Immagine 2">
+            <a:extLst>
+              <a:ext uri="{FF2B5EF4-FFF2-40B4-BE49-F238E27FC236}">
+                <a16:creationId xmlns:a16="http://schemas.microsoft.com/office/drawing/2014/main" id="{A82FAC5A-5AE5-4141-9FFB-4F8903C7C5EE}"/>
+              </a:ext>
+            </a:extLst>
+          </p:cNvPr>
+          <p:cNvPicPr>
+            <a:picLocks noChangeAspect="1"/>
+          </p:cNvPicPr>
+          <p:nvPr/>
+        </p:nvPicPr>
+        <p:blipFill>
+          <a:blip r:embed="rId2">
+            <a:extLst>
+              <a:ext uri="{28A0092B-C50C-407E-A947-70E740481C1C}">
+                <a14:useLocalDpi xmlns:a14="http://schemas.microsoft.com/office/drawing/2010/main" val="0"/>
+              </a:ext>
+            </a:extLst>
+          </a:blip>
+          <a:stretch>
+            <a:fillRect/>
+          </a:stretch>
+        </p:blipFill>
+        <p:spPr>
+          <a:xfrm>
+            <a:off x="1010230" y="728735"/>
+            <a:ext cx="1291782" cy="1291782"/>
+          </a:xfrm>
+          <a:prstGeom prst="rect">
+            <a:avLst/>
+          </a:prstGeom>
+        </p:spPr>
+      </p:pic>
+      <p:pic>
+        <p:nvPicPr>
+          <p:cNvPr id="4" name="Immagine 3">
+            <a:extLst>
+              <a:ext uri="{FF2B5EF4-FFF2-40B4-BE49-F238E27FC236}">
+                <a16:creationId xmlns:a16="http://schemas.microsoft.com/office/drawing/2014/main" id="{F55065BC-3803-4496-B3FB-F9F84F43BE81}"/>
+              </a:ext>
+            </a:extLst>
+          </p:cNvPr>
+          <p:cNvPicPr>
+            <a:picLocks noChangeAspect="1"/>
+          </p:cNvPicPr>
+          <p:nvPr/>
+        </p:nvPicPr>
+        <p:blipFill>
+          <a:blip r:embed="rId2">
+            <a:extLst>
+              <a:ext uri="{28A0092B-C50C-407E-A947-70E740481C1C}">
+                <a14:useLocalDpi xmlns:a14="http://schemas.microsoft.com/office/drawing/2010/main" val="0"/>
+              </a:ext>
+            </a:extLst>
+          </a:blip>
+          <a:stretch>
+            <a:fillRect/>
+          </a:stretch>
+        </p:blipFill>
+        <p:spPr>
+          <a:xfrm>
+            <a:off x="10108382" y="4812663"/>
+            <a:ext cx="1291782" cy="1291782"/>
+          </a:xfrm>
+          <a:prstGeom prst="rect">
+            <a:avLst/>
+          </a:prstGeom>
+        </p:spPr>
+      </p:pic>
     </p:spTree>
     <p:extLst>
       <p:ext uri="{BB962C8B-B14F-4D97-AF65-F5344CB8AC3E}">
@@ -4736,6 +4808,101 @@
           </a:p>
         </p:txBody>
       </p:sp>
+      <p:sp>
+        <p:nvSpPr>
+          <p:cNvPr id="20" name="CasellaDiTesto 19">
+            <a:extLst>
+              <a:ext uri="{FF2B5EF4-FFF2-40B4-BE49-F238E27FC236}">
+                <a16:creationId xmlns:a16="http://schemas.microsoft.com/office/drawing/2014/main" id="{590A0C0C-8E7B-455A-BC39-3600828D5211}"/>
+              </a:ext>
+            </a:extLst>
+          </p:cNvPr>
+          <p:cNvSpPr txBox="1"/>
+          <p:nvPr/>
+        </p:nvSpPr>
+        <p:spPr>
+          <a:xfrm>
+            <a:off x="-26672" y="6211669"/>
+            <a:ext cx="3057185" cy="646331"/>
+          </a:xfrm>
+          <a:prstGeom prst="rect">
+            <a:avLst/>
+          </a:prstGeom>
+          <a:noFill/>
+        </p:spPr>
+        <p:txBody>
+          <a:bodyPr wrap="square" rtlCol="0">
+            <a:spAutoFit/>
+          </a:bodyPr>
+          <a:lstStyle/>
+          <a:p>
+            <a:r>
+              <a:rPr lang="it-IT" sz="1200" b="1" i="1" dirty="0">
+                <a:solidFill>
+                  <a:schemeClr val="tx1">
+                    <a:lumMod val="85000"/>
+                    <a:lumOff val="15000"/>
+                  </a:schemeClr>
+                </a:solidFill>
+                <a:latin typeface="Tw Cen MT Condensed" panose="020B0606020104020203" pitchFamily="34" charset="0"/>
+              </a:rPr>
+              <a:t>Text Mining &amp; </a:t>
+            </a:r>
+            <a:r>
+              <a:rPr lang="it-IT" sz="1200" b="1" i="1" dirty="0" err="1">
+                <a:solidFill>
+                  <a:schemeClr val="tx1">
+                    <a:lumMod val="85000"/>
+                    <a:lumOff val="15000"/>
+                  </a:schemeClr>
+                </a:solidFill>
+                <a:latin typeface="Tw Cen MT Condensed" panose="020B0606020104020203" pitchFamily="34" charset="0"/>
+              </a:rPr>
+              <a:t>Search</a:t>
+            </a:r>
+            <a:r>
+              <a:rPr lang="it-IT" sz="1200" b="1" i="1" dirty="0">
+                <a:solidFill>
+                  <a:schemeClr val="tx1">
+                    <a:lumMod val="85000"/>
+                    <a:lumOff val="15000"/>
+                  </a:schemeClr>
+                </a:solidFill>
+                <a:latin typeface="Tw Cen MT Condensed" panose="020B0606020104020203" pitchFamily="34" charset="0"/>
+              </a:rPr>
+              <a:t> 2020/21</a:t>
+            </a:r>
+          </a:p>
+          <a:p>
+            <a:r>
+              <a:rPr lang="it-IT" sz="1200" b="1" i="1" dirty="0">
+                <a:solidFill>
+                  <a:schemeClr val="tx1">
+                    <a:lumMod val="85000"/>
+                    <a:lumOff val="15000"/>
+                  </a:schemeClr>
+                </a:solidFill>
+                <a:latin typeface="Tw Cen MT Condensed" panose="020B0606020104020203" pitchFamily="34" charset="0"/>
+              </a:rPr>
+              <a:t>Luzzi Federico </a:t>
+            </a:r>
+          </a:p>
+          <a:p>
+            <a:r>
+              <a:rPr lang="it-IT" sz="1200" b="1" i="1" dirty="0">
+                <a:solidFill>
+                  <a:schemeClr val="tx1">
+                    <a:lumMod val="85000"/>
+                    <a:lumOff val="15000"/>
+                  </a:schemeClr>
+                </a:solidFill>
+                <a:latin typeface="Tw Cen MT Condensed" panose="020B0606020104020203" pitchFamily="34" charset="0"/>
+              </a:rPr>
+              <a:t>Peracchi Marco</a:t>
+            </a:r>
+          </a:p>
+        </p:txBody>
+      </p:sp>
     </p:spTree>
     <p:extLst>
       <p:ext uri="{BB962C8B-B14F-4D97-AF65-F5344CB8AC3E}">
@@ -6171,7 +6338,10 @@
             <a:chExt cx="1813452" cy="1813452"/>
           </a:xfrm>
           <a:solidFill>
-            <a:schemeClr val="tx1"/>
+            <a:schemeClr val="tx1">
+              <a:lumMod val="85000"/>
+              <a:lumOff val="15000"/>
+            </a:schemeClr>
           </a:solidFill>
         </p:grpSpPr>
         <p:pic>
@@ -6683,6 +6853,101 @@
           </a:fontRef>
         </p:style>
       </p:cxnSp>
+      <p:sp>
+        <p:nvSpPr>
+          <p:cNvPr id="35" name="CasellaDiTesto 34">
+            <a:extLst>
+              <a:ext uri="{FF2B5EF4-FFF2-40B4-BE49-F238E27FC236}">
+                <a16:creationId xmlns:a16="http://schemas.microsoft.com/office/drawing/2014/main" id="{870130E5-904B-42FD-BC2D-B40FCD83144F}"/>
+              </a:ext>
+            </a:extLst>
+          </p:cNvPr>
+          <p:cNvSpPr txBox="1"/>
+          <p:nvPr/>
+        </p:nvSpPr>
+        <p:spPr>
+          <a:xfrm>
+            <a:off x="-26672" y="6211669"/>
+            <a:ext cx="3057185" cy="646331"/>
+          </a:xfrm>
+          <a:prstGeom prst="rect">
+            <a:avLst/>
+          </a:prstGeom>
+          <a:noFill/>
+        </p:spPr>
+        <p:txBody>
+          <a:bodyPr wrap="square" rtlCol="0">
+            <a:spAutoFit/>
+          </a:bodyPr>
+          <a:lstStyle/>
+          <a:p>
+            <a:r>
+              <a:rPr lang="it-IT" sz="1200" b="1" i="1" dirty="0">
+                <a:solidFill>
+                  <a:schemeClr val="tx1">
+                    <a:lumMod val="85000"/>
+                    <a:lumOff val="15000"/>
+                  </a:schemeClr>
+                </a:solidFill>
+                <a:latin typeface="Tw Cen MT Condensed" panose="020B0606020104020203" pitchFamily="34" charset="0"/>
+              </a:rPr>
+              <a:t>Text Mining &amp; </a:t>
+            </a:r>
+            <a:r>
+              <a:rPr lang="it-IT" sz="1200" b="1" i="1" dirty="0" err="1">
+                <a:solidFill>
+                  <a:schemeClr val="tx1">
+                    <a:lumMod val="85000"/>
+                    <a:lumOff val="15000"/>
+                  </a:schemeClr>
+                </a:solidFill>
+                <a:latin typeface="Tw Cen MT Condensed" panose="020B0606020104020203" pitchFamily="34" charset="0"/>
+              </a:rPr>
+              <a:t>Search</a:t>
+            </a:r>
+            <a:r>
+              <a:rPr lang="it-IT" sz="1200" b="1" i="1" dirty="0">
+                <a:solidFill>
+                  <a:schemeClr val="tx1">
+                    <a:lumMod val="85000"/>
+                    <a:lumOff val="15000"/>
+                  </a:schemeClr>
+                </a:solidFill>
+                <a:latin typeface="Tw Cen MT Condensed" panose="020B0606020104020203" pitchFamily="34" charset="0"/>
+              </a:rPr>
+              <a:t> 2020/21</a:t>
+            </a:r>
+          </a:p>
+          <a:p>
+            <a:r>
+              <a:rPr lang="it-IT" sz="1200" b="1" i="1" dirty="0">
+                <a:solidFill>
+                  <a:schemeClr val="tx1">
+                    <a:lumMod val="85000"/>
+                    <a:lumOff val="15000"/>
+                  </a:schemeClr>
+                </a:solidFill>
+                <a:latin typeface="Tw Cen MT Condensed" panose="020B0606020104020203" pitchFamily="34" charset="0"/>
+              </a:rPr>
+              <a:t>Luzzi Federico </a:t>
+            </a:r>
+          </a:p>
+          <a:p>
+            <a:r>
+              <a:rPr lang="it-IT" sz="1200" b="1" i="1" dirty="0">
+                <a:solidFill>
+                  <a:schemeClr val="tx1">
+                    <a:lumMod val="85000"/>
+                    <a:lumOff val="15000"/>
+                  </a:schemeClr>
+                </a:solidFill>
+                <a:latin typeface="Tw Cen MT Condensed" panose="020B0606020104020203" pitchFamily="34" charset="0"/>
+              </a:rPr>
+              <a:t>Peracchi Marco</a:t>
+            </a:r>
+          </a:p>
+        </p:txBody>
+      </p:sp>
     </p:spTree>
     <p:extLst>
       <p:ext uri="{BB962C8B-B14F-4D97-AF65-F5344CB8AC3E}">
@@ -7991,6 +8256,101 @@
           </a:p>
         </p:txBody>
       </p:sp>
+      <p:sp>
+        <p:nvSpPr>
+          <p:cNvPr id="16" name="CasellaDiTesto 15">
+            <a:extLst>
+              <a:ext uri="{FF2B5EF4-FFF2-40B4-BE49-F238E27FC236}">
+                <a16:creationId xmlns:a16="http://schemas.microsoft.com/office/drawing/2014/main" id="{CCD99D62-5A2A-4744-8296-BBCE7B3B0130}"/>
+              </a:ext>
+            </a:extLst>
+          </p:cNvPr>
+          <p:cNvSpPr txBox="1"/>
+          <p:nvPr/>
+        </p:nvSpPr>
+        <p:spPr>
+          <a:xfrm>
+            <a:off x="-26672" y="6211669"/>
+            <a:ext cx="3057185" cy="646331"/>
+          </a:xfrm>
+          <a:prstGeom prst="rect">
+            <a:avLst/>
+          </a:prstGeom>
+          <a:noFill/>
+        </p:spPr>
+        <p:txBody>
+          <a:bodyPr wrap="square" rtlCol="0">
+            <a:spAutoFit/>
+          </a:bodyPr>
+          <a:lstStyle/>
+          <a:p>
+            <a:r>
+              <a:rPr lang="it-IT" sz="1200" b="1" i="1" dirty="0">
+                <a:solidFill>
+                  <a:schemeClr val="tx1">
+                    <a:lumMod val="85000"/>
+                    <a:lumOff val="15000"/>
+                  </a:schemeClr>
+                </a:solidFill>
+                <a:latin typeface="Tw Cen MT Condensed" panose="020B0606020104020203" pitchFamily="34" charset="0"/>
+              </a:rPr>
+              <a:t>Text Mining &amp; </a:t>
+            </a:r>
+            <a:r>
+              <a:rPr lang="it-IT" sz="1200" b="1" i="1" dirty="0" err="1">
+                <a:solidFill>
+                  <a:schemeClr val="tx1">
+                    <a:lumMod val="85000"/>
+                    <a:lumOff val="15000"/>
+                  </a:schemeClr>
+                </a:solidFill>
+                <a:latin typeface="Tw Cen MT Condensed" panose="020B0606020104020203" pitchFamily="34" charset="0"/>
+              </a:rPr>
+              <a:t>Search</a:t>
+            </a:r>
+            <a:r>
+              <a:rPr lang="it-IT" sz="1200" b="1" i="1" dirty="0">
+                <a:solidFill>
+                  <a:schemeClr val="tx1">
+                    <a:lumMod val="85000"/>
+                    <a:lumOff val="15000"/>
+                  </a:schemeClr>
+                </a:solidFill>
+                <a:latin typeface="Tw Cen MT Condensed" panose="020B0606020104020203" pitchFamily="34" charset="0"/>
+              </a:rPr>
+              <a:t> 2020/21</a:t>
+            </a:r>
+          </a:p>
+          <a:p>
+            <a:r>
+              <a:rPr lang="it-IT" sz="1200" b="1" i="1" dirty="0">
+                <a:solidFill>
+                  <a:schemeClr val="tx1">
+                    <a:lumMod val="85000"/>
+                    <a:lumOff val="15000"/>
+                  </a:schemeClr>
+                </a:solidFill>
+                <a:latin typeface="Tw Cen MT Condensed" panose="020B0606020104020203" pitchFamily="34" charset="0"/>
+              </a:rPr>
+              <a:t>Luzzi Federico </a:t>
+            </a:r>
+          </a:p>
+          <a:p>
+            <a:r>
+              <a:rPr lang="it-IT" sz="1200" b="1" i="1" dirty="0">
+                <a:solidFill>
+                  <a:schemeClr val="tx1">
+                    <a:lumMod val="85000"/>
+                    <a:lumOff val="15000"/>
+                  </a:schemeClr>
+                </a:solidFill>
+                <a:latin typeface="Tw Cen MT Condensed" panose="020B0606020104020203" pitchFamily="34" charset="0"/>
+              </a:rPr>
+              <a:t>Peracchi Marco</a:t>
+            </a:r>
+          </a:p>
+        </p:txBody>
+      </p:sp>
     </p:spTree>
     <p:extLst>
       <p:ext uri="{BB962C8B-B14F-4D97-AF65-F5344CB8AC3E}">
@@ -8989,6 +9349,104 @@
           </a:fontRef>
         </p:style>
       </p:cxnSp>
+      <p:sp>
+        <p:nvSpPr>
+          <p:cNvPr id="24" name="CasellaDiTesto 23">
+            <a:extLst>
+              <a:ext uri="{FF2B5EF4-FFF2-40B4-BE49-F238E27FC236}">
+                <a16:creationId xmlns:a16="http://schemas.microsoft.com/office/drawing/2014/main" id="{C2FBB62E-1EC6-4C29-B25A-893535E6F683}"/>
+              </a:ext>
+            </a:extLst>
+          </p:cNvPr>
+          <p:cNvSpPr txBox="1"/>
+          <p:nvPr/>
+        </p:nvSpPr>
+        <p:spPr>
+          <a:xfrm>
+            <a:off x="9134815" y="6211669"/>
+            <a:ext cx="3057185" cy="646331"/>
+          </a:xfrm>
+          <a:prstGeom prst="rect">
+            <a:avLst/>
+          </a:prstGeom>
+          <a:noFill/>
+        </p:spPr>
+        <p:txBody>
+          <a:bodyPr wrap="square" rtlCol="0">
+            <a:spAutoFit/>
+          </a:bodyPr>
+          <a:lstStyle/>
+          <a:p>
+            <a:pPr algn="r"/>
+            <a:r>
+              <a:rPr lang="it-IT" sz="1200" b="1" i="1" dirty="0">
+                <a:solidFill>
+                  <a:schemeClr val="tx1">
+                    <a:lumMod val="95000"/>
+                    <a:lumOff val="5000"/>
+                  </a:schemeClr>
+                </a:solidFill>
+                <a:latin typeface="Tw Cen MT Condensed" panose="020B0606020104020203" pitchFamily="34" charset="0"/>
+              </a:rPr>
+              <a:t>Text Mining &amp; </a:t>
+            </a:r>
+            <a:r>
+              <a:rPr lang="it-IT" sz="1200" b="1" i="1" dirty="0" err="1">
+                <a:solidFill>
+                  <a:schemeClr val="tx1">
+                    <a:lumMod val="95000"/>
+                    <a:lumOff val="5000"/>
+                  </a:schemeClr>
+                </a:solidFill>
+                <a:latin typeface="Tw Cen MT Condensed" panose="020B0606020104020203" pitchFamily="34" charset="0"/>
+              </a:rPr>
+              <a:t>Search</a:t>
+            </a:r>
+            <a:r>
+              <a:rPr lang="it-IT" sz="1200" b="1" i="1" dirty="0">
+                <a:solidFill>
+                  <a:schemeClr val="tx1">
+                    <a:lumMod val="95000"/>
+                    <a:lumOff val="5000"/>
+                  </a:schemeClr>
+                </a:solidFill>
+                <a:latin typeface="Tw Cen MT Condensed" panose="020B0606020104020203" pitchFamily="34" charset="0"/>
+              </a:rPr>
+              <a:t> 2020/21</a:t>
+            </a:r>
+          </a:p>
+          <a:p>
+            <a:pPr algn="r"/>
+            <a:r>
+              <a:rPr lang="it-IT" sz="1200" b="1" i="1" dirty="0">
+                <a:solidFill>
+                  <a:schemeClr val="tx1">
+                    <a:lumMod val="95000"/>
+                    <a:lumOff val="5000"/>
+                  </a:schemeClr>
+                </a:solidFill>
+                <a:latin typeface="Tw Cen MT Condensed" panose="020B0606020104020203" pitchFamily="34" charset="0"/>
+              </a:rPr>
+              <a:t>Luzzi Federico </a:t>
+            </a:r>
+          </a:p>
+          <a:p>
+            <a:pPr algn="r"/>
+            <a:r>
+              <a:rPr lang="it-IT" sz="1200" b="1" i="1" dirty="0">
+                <a:solidFill>
+                  <a:schemeClr val="tx1">
+                    <a:lumMod val="95000"/>
+                    <a:lumOff val="5000"/>
+                  </a:schemeClr>
+                </a:solidFill>
+                <a:latin typeface="Tw Cen MT Condensed" panose="020B0606020104020203" pitchFamily="34" charset="0"/>
+              </a:rPr>
+              <a:t>Peracchi Marco</a:t>
+            </a:r>
+          </a:p>
+        </p:txBody>
+      </p:sp>
     </p:spTree>
     <p:extLst>
       <p:ext uri="{BB962C8B-B14F-4D97-AF65-F5344CB8AC3E}">
@@ -9042,6 +9500,58 @@
       </p:grpSpPr>
       <p:sp>
         <p:nvSpPr>
+          <p:cNvPr id="2" name="Rettangolo con angoli arrotondati 1">
+            <a:extLst>
+              <a:ext uri="{FF2B5EF4-FFF2-40B4-BE49-F238E27FC236}">
+                <a16:creationId xmlns:a16="http://schemas.microsoft.com/office/drawing/2014/main" id="{1C14BE74-2400-4E49-8AEB-43DBDCDA6CE5}"/>
+              </a:ext>
+            </a:extLst>
+          </p:cNvPr>
+          <p:cNvSpPr/>
+          <p:nvPr/>
+        </p:nvSpPr>
+        <p:spPr>
+          <a:xfrm>
+            <a:off x="1365815" y="2269838"/>
+            <a:ext cx="4276023" cy="3051110"/>
+          </a:xfrm>
+          <a:prstGeom prst="roundRect">
+            <a:avLst/>
+          </a:prstGeom>
+          <a:noFill/>
+          <a:ln w="38100">
+            <a:solidFill>
+              <a:srgbClr val="258EBB"/>
+            </a:solidFill>
+          </a:ln>
+        </p:spPr>
+        <p:style>
+          <a:lnRef idx="2">
+            <a:schemeClr val="accent1">
+              <a:shade val="50000"/>
+            </a:schemeClr>
+          </a:lnRef>
+          <a:fillRef idx="1">
+            <a:schemeClr val="accent1"/>
+          </a:fillRef>
+          <a:effectRef idx="0">
+            <a:schemeClr val="accent1"/>
+          </a:effectRef>
+          <a:fontRef idx="minor">
+            <a:schemeClr val="lt1"/>
+          </a:fontRef>
+        </p:style>
+        <p:txBody>
+          <a:bodyPr rtlCol="0" anchor="ctr"/>
+          <a:lstStyle/>
+          <a:p>
+            <a:pPr algn="ctr"/>
+            <a:endParaRPr lang="it-IT"/>
+          </a:p>
+        </p:txBody>
+      </p:sp>
+      <p:sp>
+        <p:nvSpPr>
           <p:cNvPr id="42" name="CasellaDiTesto 41">
             <a:extLst>
               <a:ext uri="{FF2B5EF4-FFF2-40B4-BE49-F238E27FC236}">
@@ -9104,7 +9614,7 @@
         </p:nvSpPr>
         <p:spPr>
           <a:xfrm>
-            <a:off x="1086174" y="1874536"/>
+            <a:off x="770346" y="2465905"/>
             <a:ext cx="5249741" cy="523220"/>
           </a:xfrm>
           <a:prstGeom prst="rect">
@@ -9130,13 +9640,6 @@
                     <a:lumOff val="80000"/>
                   </a:schemeClr>
                 </a:solidFill>
-                <a:effectLst>
-                  <a:outerShdw blurRad="38100" dist="38100" dir="2700000" algn="tl">
-                    <a:srgbClr val="000000">
-                      <a:alpha val="43137"/>
-                    </a:srgbClr>
-                  </a:outerShdw>
-                </a:effectLst>
                 <a:latin typeface="Tw Cen MT Condensed Extra Bold" panose="020B0803020202020204" pitchFamily="34" charset="0"/>
               </a:rPr>
               <a:t>SUPPORT VECTOR MACHINE</a:t>
@@ -9158,7 +9661,7 @@
         </p:nvSpPr>
         <p:spPr>
           <a:xfrm>
-            <a:off x="1904302" y="2651610"/>
+            <a:off x="1600217" y="2973022"/>
             <a:ext cx="3613491" cy="523220"/>
           </a:xfrm>
           <a:prstGeom prst="rect">
@@ -9184,13 +9687,6 @@
                     <a:lumOff val="80000"/>
                   </a:schemeClr>
                 </a:solidFill>
-                <a:effectLst>
-                  <a:outerShdw blurRad="38100" dist="38100" dir="2700000" algn="tl">
-                    <a:srgbClr val="000000">
-                      <a:alpha val="43137"/>
-                    </a:srgbClr>
-                  </a:outerShdw>
-                </a:effectLst>
                 <a:latin typeface="Tw Cen MT Condensed Extra Bold" panose="020B0803020202020204" pitchFamily="34" charset="0"/>
               </a:rPr>
               <a:t>ADABOOST</a:t>
@@ -9212,7 +9708,7 @@
         </p:nvSpPr>
         <p:spPr>
           <a:xfrm>
-            <a:off x="1703691" y="3434981"/>
+            <a:off x="1419503" y="3492259"/>
             <a:ext cx="4014709" cy="523220"/>
           </a:xfrm>
           <a:prstGeom prst="rect">
@@ -9238,13 +9734,6 @@
                     <a:lumOff val="80000"/>
                   </a:schemeClr>
                 </a:solidFill>
-                <a:effectLst>
-                  <a:outerShdw blurRad="38100" dist="38100" dir="2700000" algn="tl">
-                    <a:srgbClr val="000000">
-                      <a:alpha val="43137"/>
-                    </a:srgbClr>
-                  </a:outerShdw>
-                </a:effectLst>
                 <a:latin typeface="Tw Cen MT Condensed Extra Bold" panose="020B0803020202020204" pitchFamily="34" charset="0"/>
               </a:rPr>
               <a:t>LOGISTIC REGRESSION</a:t>
@@ -9266,7 +9755,7 @@
         </p:nvSpPr>
         <p:spPr>
           <a:xfrm>
-            <a:off x="1892557" y="4218352"/>
+            <a:off x="1588472" y="4015480"/>
             <a:ext cx="3613491" cy="523220"/>
           </a:xfrm>
           <a:prstGeom prst="rect">
@@ -9292,13 +9781,6 @@
                     <a:lumOff val="80000"/>
                   </a:schemeClr>
                 </a:solidFill>
-                <a:effectLst>
-                  <a:outerShdw blurRad="38100" dist="38100" dir="2700000" algn="tl">
-                    <a:srgbClr val="000000">
-                      <a:alpha val="43137"/>
-                    </a:srgbClr>
-                  </a:outerShdw>
-                </a:effectLst>
                 <a:latin typeface="Tw Cen MT Condensed Extra Bold" panose="020B0803020202020204" pitchFamily="34" charset="0"/>
               </a:rPr>
               <a:t>RANDOM FOREST</a:t>
@@ -9320,7 +9802,7 @@
         </p:nvSpPr>
         <p:spPr>
           <a:xfrm>
-            <a:off x="1904302" y="5001723"/>
+            <a:off x="1600217" y="4602498"/>
             <a:ext cx="3613491" cy="523220"/>
           </a:xfrm>
           <a:prstGeom prst="rect">
@@ -9346,13 +9828,6 @@
                     <a:lumOff val="80000"/>
                   </a:schemeClr>
                 </a:solidFill>
-                <a:effectLst>
-                  <a:outerShdw blurRad="38100" dist="38100" dir="2700000" algn="tl">
-                    <a:srgbClr val="000000">
-                      <a:alpha val="43137"/>
-                    </a:srgbClr>
-                  </a:outerShdw>
-                </a:effectLst>
                 <a:latin typeface="Tw Cen MT Condensed Extra Bold" panose="020B0803020202020204" pitchFamily="34" charset="0"/>
               </a:rPr>
               <a:t>NEURAL NETWORKS</a:t>
@@ -9381,6 +9856,12 @@
             <a:chOff x="197213" y="1174030"/>
             <a:chExt cx="1222311" cy="923731"/>
           </a:xfrm>
+          <a:solidFill>
+            <a:schemeClr val="tx1">
+              <a:lumMod val="85000"/>
+              <a:lumOff val="15000"/>
+            </a:schemeClr>
+          </a:solidFill>
         </p:grpSpPr>
         <p:pic>
           <p:nvPicPr>
@@ -9461,6 +9942,701 @@
           </p:spPr>
         </p:pic>
       </p:grpSp>
+      <p:sp>
+        <p:nvSpPr>
+          <p:cNvPr id="12" name="CasellaDiTesto 11">
+            <a:extLst>
+              <a:ext uri="{FF2B5EF4-FFF2-40B4-BE49-F238E27FC236}">
+                <a16:creationId xmlns:a16="http://schemas.microsoft.com/office/drawing/2014/main" id="{D8DBB2A6-B91F-48EE-9BFE-999450EF8563}"/>
+              </a:ext>
+            </a:extLst>
+          </p:cNvPr>
+          <p:cNvSpPr txBox="1"/>
+          <p:nvPr/>
+        </p:nvSpPr>
+        <p:spPr>
+          <a:xfrm>
+            <a:off x="2507362" y="1561952"/>
+            <a:ext cx="1955606" cy="707886"/>
+          </a:xfrm>
+          <a:prstGeom prst="rect">
+            <a:avLst/>
+          </a:prstGeom>
+          <a:noFill/>
+          <a:ln w="25400">
+            <a:noFill/>
+          </a:ln>
+        </p:spPr>
+        <p:txBody>
+          <a:bodyPr wrap="square" rtlCol="0">
+            <a:spAutoFit/>
+          </a:bodyPr>
+          <a:lstStyle/>
+          <a:p>
+            <a:pPr algn="ctr"/>
+            <a:r>
+              <a:rPr lang="it-IT" sz="4000" dirty="0">
+                <a:solidFill>
+                  <a:schemeClr val="accent5">
+                    <a:lumMod val="20000"/>
+                    <a:lumOff val="80000"/>
+                  </a:schemeClr>
+                </a:solidFill>
+                <a:effectLst>
+                  <a:outerShdw blurRad="38100" dist="38100" dir="2700000" algn="tl">
+                    <a:srgbClr val="000000">
+                      <a:alpha val="43137"/>
+                    </a:srgbClr>
+                  </a:outerShdw>
+                </a:effectLst>
+                <a:latin typeface="Tw Cen MT Condensed Extra Bold" panose="020B0803020202020204" pitchFamily="34" charset="0"/>
+              </a:rPr>
+              <a:t>MODELS</a:t>
+            </a:r>
+          </a:p>
+        </p:txBody>
+      </p:sp>
+      <p:sp>
+        <p:nvSpPr>
+          <p:cNvPr id="14" name="CasellaDiTesto 13">
+            <a:extLst>
+              <a:ext uri="{FF2B5EF4-FFF2-40B4-BE49-F238E27FC236}">
+                <a16:creationId xmlns:a16="http://schemas.microsoft.com/office/drawing/2014/main" id="{C987E08A-0D62-4D5D-846E-FBB2B551CC34}"/>
+              </a:ext>
+            </a:extLst>
+          </p:cNvPr>
+          <p:cNvSpPr txBox="1"/>
+          <p:nvPr/>
+        </p:nvSpPr>
+        <p:spPr>
+          <a:xfrm>
+            <a:off x="6948295" y="1561952"/>
+            <a:ext cx="3680597" cy="707886"/>
+          </a:xfrm>
+          <a:prstGeom prst="rect">
+            <a:avLst/>
+          </a:prstGeom>
+          <a:noFill/>
+          <a:ln w="25400">
+            <a:noFill/>
+          </a:ln>
+        </p:spPr>
+        <p:txBody>
+          <a:bodyPr wrap="square" rtlCol="0">
+            <a:spAutoFit/>
+          </a:bodyPr>
+          <a:lstStyle/>
+          <a:p>
+            <a:pPr algn="ctr"/>
+            <a:r>
+              <a:rPr lang="it-IT" sz="4000" dirty="0">
+                <a:solidFill>
+                  <a:schemeClr val="accent5">
+                    <a:lumMod val="20000"/>
+                    <a:lumOff val="80000"/>
+                  </a:schemeClr>
+                </a:solidFill>
+                <a:effectLst>
+                  <a:outerShdw blurRad="38100" dist="38100" dir="2700000" algn="tl">
+                    <a:srgbClr val="000000">
+                      <a:alpha val="43137"/>
+                    </a:srgbClr>
+                  </a:outerShdw>
+                </a:effectLst>
+                <a:latin typeface="Tw Cen MT Condensed Extra Bold" panose="020B0803020202020204" pitchFamily="34" charset="0"/>
+              </a:rPr>
+              <a:t>CONFIGURATIONS</a:t>
+            </a:r>
+          </a:p>
+        </p:txBody>
+      </p:sp>
+      <p:sp>
+        <p:nvSpPr>
+          <p:cNvPr id="16" name="Rettangolo con angoli arrotondati 15">
+            <a:extLst>
+              <a:ext uri="{FF2B5EF4-FFF2-40B4-BE49-F238E27FC236}">
+                <a16:creationId xmlns:a16="http://schemas.microsoft.com/office/drawing/2014/main" id="{8329D167-E3D9-4AE1-B0AF-F907E8793AF3}"/>
+              </a:ext>
+            </a:extLst>
+          </p:cNvPr>
+          <p:cNvSpPr/>
+          <p:nvPr/>
+        </p:nvSpPr>
+        <p:spPr>
+          <a:xfrm>
+            <a:off x="6615556" y="2269838"/>
+            <a:ext cx="4276023" cy="3051110"/>
+          </a:xfrm>
+          <a:prstGeom prst="roundRect">
+            <a:avLst/>
+          </a:prstGeom>
+          <a:noFill/>
+          <a:ln w="38100">
+            <a:solidFill>
+              <a:srgbClr val="258EBB"/>
+            </a:solidFill>
+          </a:ln>
+        </p:spPr>
+        <p:style>
+          <a:lnRef idx="2">
+            <a:schemeClr val="accent1">
+              <a:shade val="50000"/>
+            </a:schemeClr>
+          </a:lnRef>
+          <a:fillRef idx="1">
+            <a:schemeClr val="accent1"/>
+          </a:fillRef>
+          <a:effectRef idx="0">
+            <a:schemeClr val="accent1"/>
+          </a:effectRef>
+          <a:fontRef idx="minor">
+            <a:schemeClr val="lt1"/>
+          </a:fontRef>
+        </p:style>
+        <p:txBody>
+          <a:bodyPr rtlCol="0" anchor="ctr"/>
+          <a:lstStyle/>
+          <a:p>
+            <a:pPr algn="ctr"/>
+            <a:endParaRPr lang="it-IT"/>
+          </a:p>
+        </p:txBody>
+      </p:sp>
+      <p:sp>
+        <p:nvSpPr>
+          <p:cNvPr id="17" name="CasellaDiTesto 16">
+            <a:extLst>
+              <a:ext uri="{FF2B5EF4-FFF2-40B4-BE49-F238E27FC236}">
+                <a16:creationId xmlns:a16="http://schemas.microsoft.com/office/drawing/2014/main" id="{ED74580A-9188-4B4B-851B-786EB5C0301F}"/>
+              </a:ext>
+            </a:extLst>
+          </p:cNvPr>
+          <p:cNvSpPr txBox="1"/>
+          <p:nvPr/>
+        </p:nvSpPr>
+        <p:spPr>
+          <a:xfrm>
+            <a:off x="7020831" y="2440347"/>
+            <a:ext cx="3465470" cy="523220"/>
+          </a:xfrm>
+          <a:prstGeom prst="rect">
+            <a:avLst/>
+          </a:prstGeom>
+          <a:noFill/>
+          <a:ln w="25400">
+            <a:noFill/>
+          </a:ln>
+        </p:spPr>
+        <p:txBody>
+          <a:bodyPr wrap="square" rtlCol="0">
+            <a:spAutoFit/>
+          </a:bodyPr>
+          <a:lstStyle/>
+          <a:p>
+            <a:pPr algn="ctr"/>
+            <a:r>
+              <a:rPr lang="it-IT" sz="2800" dirty="0">
+                <a:solidFill>
+                  <a:schemeClr val="accent5">
+                    <a:lumMod val="20000"/>
+                    <a:lumOff val="80000"/>
+                  </a:schemeClr>
+                </a:solidFill>
+                <a:latin typeface="Tw Cen MT Condensed Extra Bold" panose="020B0803020202020204" pitchFamily="34" charset="0"/>
+              </a:rPr>
+              <a:t>SENTIMENT &amp; FEATURES</a:t>
+            </a:r>
+          </a:p>
+        </p:txBody>
+      </p:sp>
+      <p:sp>
+        <p:nvSpPr>
+          <p:cNvPr id="18" name="CasellaDiTesto 17">
+            <a:extLst>
+              <a:ext uri="{FF2B5EF4-FFF2-40B4-BE49-F238E27FC236}">
+                <a16:creationId xmlns:a16="http://schemas.microsoft.com/office/drawing/2014/main" id="{CBDC3D99-6282-4290-9668-32F5707AD25A}"/>
+              </a:ext>
+            </a:extLst>
+          </p:cNvPr>
+          <p:cNvSpPr txBox="1"/>
+          <p:nvPr/>
+        </p:nvSpPr>
+        <p:spPr>
+          <a:xfrm>
+            <a:off x="6993805" y="2962143"/>
+            <a:ext cx="3465470" cy="523220"/>
+          </a:xfrm>
+          <a:prstGeom prst="rect">
+            <a:avLst/>
+          </a:prstGeom>
+          <a:noFill/>
+          <a:ln w="25400">
+            <a:noFill/>
+          </a:ln>
+        </p:spPr>
+        <p:txBody>
+          <a:bodyPr wrap="square" rtlCol="0">
+            <a:spAutoFit/>
+          </a:bodyPr>
+          <a:lstStyle/>
+          <a:p>
+            <a:pPr algn="ctr"/>
+            <a:r>
+              <a:rPr lang="it-IT" sz="2800" dirty="0">
+                <a:solidFill>
+                  <a:schemeClr val="accent5">
+                    <a:lumMod val="20000"/>
+                    <a:lumOff val="80000"/>
+                  </a:schemeClr>
+                </a:solidFill>
+                <a:latin typeface="Tw Cen MT Condensed Extra Bold" panose="020B0803020202020204" pitchFamily="34" charset="0"/>
+              </a:rPr>
+              <a:t>DOC2VEC</a:t>
+            </a:r>
+          </a:p>
+        </p:txBody>
+      </p:sp>
+      <p:sp>
+        <p:nvSpPr>
+          <p:cNvPr id="19" name="CasellaDiTesto 18">
+            <a:extLst>
+              <a:ext uri="{FF2B5EF4-FFF2-40B4-BE49-F238E27FC236}">
+                <a16:creationId xmlns:a16="http://schemas.microsoft.com/office/drawing/2014/main" id="{DF126EA3-D618-4B89-8A83-E2837828F52B}"/>
+              </a:ext>
+            </a:extLst>
+          </p:cNvPr>
+          <p:cNvSpPr txBox="1"/>
+          <p:nvPr/>
+        </p:nvSpPr>
+        <p:spPr>
+          <a:xfrm>
+            <a:off x="6993805" y="3482804"/>
+            <a:ext cx="3465470" cy="523220"/>
+          </a:xfrm>
+          <a:prstGeom prst="rect">
+            <a:avLst/>
+          </a:prstGeom>
+          <a:noFill/>
+          <a:ln w="25400">
+            <a:noFill/>
+          </a:ln>
+        </p:spPr>
+        <p:txBody>
+          <a:bodyPr wrap="square" rtlCol="0">
+            <a:spAutoFit/>
+          </a:bodyPr>
+          <a:lstStyle/>
+          <a:p>
+            <a:pPr algn="ctr"/>
+            <a:r>
+              <a:rPr lang="it-IT" sz="2800" dirty="0">
+                <a:solidFill>
+                  <a:schemeClr val="accent5">
+                    <a:lumMod val="20000"/>
+                    <a:lumOff val="80000"/>
+                  </a:schemeClr>
+                </a:solidFill>
+                <a:latin typeface="Tw Cen MT Condensed Extra Bold" panose="020B0803020202020204" pitchFamily="34" charset="0"/>
+              </a:rPr>
+              <a:t>TFIDF &amp; STOP-WORDS</a:t>
+            </a:r>
+          </a:p>
+        </p:txBody>
+      </p:sp>
+      <p:sp>
+        <p:nvSpPr>
+          <p:cNvPr id="20" name="CasellaDiTesto 19">
+            <a:extLst>
+              <a:ext uri="{FF2B5EF4-FFF2-40B4-BE49-F238E27FC236}">
+                <a16:creationId xmlns:a16="http://schemas.microsoft.com/office/drawing/2014/main" id="{6B1EFB36-95A6-4F69-B4A7-FC598E454697}"/>
+              </a:ext>
+            </a:extLst>
+          </p:cNvPr>
+          <p:cNvSpPr txBox="1"/>
+          <p:nvPr/>
+        </p:nvSpPr>
+        <p:spPr>
+          <a:xfrm>
+            <a:off x="6993805" y="4002041"/>
+            <a:ext cx="3465470" cy="523220"/>
+          </a:xfrm>
+          <a:prstGeom prst="rect">
+            <a:avLst/>
+          </a:prstGeom>
+          <a:noFill/>
+          <a:ln w="25400">
+            <a:noFill/>
+          </a:ln>
+        </p:spPr>
+        <p:txBody>
+          <a:bodyPr wrap="square" rtlCol="0">
+            <a:spAutoFit/>
+          </a:bodyPr>
+          <a:lstStyle/>
+          <a:p>
+            <a:pPr algn="ctr"/>
+            <a:r>
+              <a:rPr lang="it-IT" sz="2800" dirty="0">
+                <a:solidFill>
+                  <a:schemeClr val="accent5">
+                    <a:lumMod val="20000"/>
+                    <a:lumOff val="80000"/>
+                  </a:schemeClr>
+                </a:solidFill>
+                <a:latin typeface="Tw Cen MT Condensed Extra Bold" panose="020B0803020202020204" pitchFamily="34" charset="0"/>
+              </a:rPr>
+              <a:t>TFIDF &amp; STEMMING</a:t>
+            </a:r>
+          </a:p>
+        </p:txBody>
+      </p:sp>
+      <p:sp>
+        <p:nvSpPr>
+          <p:cNvPr id="21" name="CasellaDiTesto 20">
+            <a:extLst>
+              <a:ext uri="{FF2B5EF4-FFF2-40B4-BE49-F238E27FC236}">
+                <a16:creationId xmlns:a16="http://schemas.microsoft.com/office/drawing/2014/main" id="{7DBC10BF-5633-4A92-BDA0-941D4D2FFA3B}"/>
+              </a:ext>
+            </a:extLst>
+          </p:cNvPr>
+          <p:cNvSpPr txBox="1"/>
+          <p:nvPr/>
+        </p:nvSpPr>
+        <p:spPr>
+          <a:xfrm>
+            <a:off x="7020831" y="4593043"/>
+            <a:ext cx="3554586" cy="523220"/>
+          </a:xfrm>
+          <a:prstGeom prst="rect">
+            <a:avLst/>
+          </a:prstGeom>
+          <a:noFill/>
+          <a:ln w="25400">
+            <a:noFill/>
+          </a:ln>
+        </p:spPr>
+        <p:txBody>
+          <a:bodyPr wrap="square" rtlCol="0">
+            <a:spAutoFit/>
+          </a:bodyPr>
+          <a:lstStyle/>
+          <a:p>
+            <a:pPr algn="ctr"/>
+            <a:r>
+              <a:rPr lang="it-IT" sz="2800" dirty="0">
+                <a:solidFill>
+                  <a:schemeClr val="accent5">
+                    <a:lumMod val="20000"/>
+                    <a:lumOff val="80000"/>
+                  </a:schemeClr>
+                </a:solidFill>
+                <a:latin typeface="Tw Cen MT Condensed Extra Bold" panose="020B0803020202020204" pitchFamily="34" charset="0"/>
+              </a:rPr>
+              <a:t>TFIDF &amp; LEMMATIZATION</a:t>
+            </a:r>
+          </a:p>
+        </p:txBody>
+      </p:sp>
+      <p:sp>
+        <p:nvSpPr>
+          <p:cNvPr id="22" name="CasellaDiTesto 21">
+            <a:extLst>
+              <a:ext uri="{FF2B5EF4-FFF2-40B4-BE49-F238E27FC236}">
+                <a16:creationId xmlns:a16="http://schemas.microsoft.com/office/drawing/2014/main" id="{760B3C2F-6108-4165-884C-5A3AACD54A4C}"/>
+              </a:ext>
+            </a:extLst>
+          </p:cNvPr>
+          <p:cNvSpPr txBox="1"/>
+          <p:nvPr/>
+        </p:nvSpPr>
+        <p:spPr>
+          <a:xfrm>
+            <a:off x="1547659" y="5517015"/>
+            <a:ext cx="3875011" cy="646331"/>
+          </a:xfrm>
+          <a:prstGeom prst="rect">
+            <a:avLst/>
+          </a:prstGeom>
+          <a:noFill/>
+          <a:ln w="22225">
+            <a:noFill/>
+          </a:ln>
+        </p:spPr>
+        <p:txBody>
+          <a:bodyPr wrap="square" rtlCol="0">
+            <a:spAutoFit/>
+          </a:bodyPr>
+          <a:lstStyle/>
+          <a:p>
+            <a:pPr marL="285750" indent="-285750">
+              <a:buClr>
+                <a:schemeClr val="bg1"/>
+              </a:buClr>
+              <a:buFont typeface="Arial" panose="020B0604020202020204" pitchFamily="34" charset="0"/>
+              <a:buChar char="•"/>
+            </a:pPr>
+            <a:r>
+              <a:rPr lang="it-IT" dirty="0">
+                <a:solidFill>
+                  <a:srgbClr val="258EBB"/>
+                </a:solidFill>
+                <a:latin typeface="Tw Cen MT Condensed Extra Bold" panose="020B0803020202020204" pitchFamily="34" charset="0"/>
+              </a:rPr>
+              <a:t>DECISION TREES </a:t>
+            </a:r>
+            <a:r>
+              <a:rPr lang="it-IT" dirty="0">
+                <a:solidFill>
+                  <a:schemeClr val="accent5">
+                    <a:lumMod val="20000"/>
+                    <a:lumOff val="80000"/>
+                  </a:schemeClr>
+                </a:solidFill>
+                <a:latin typeface="Tw Cen MT Condensed Extra Bold" panose="020B0803020202020204" pitchFamily="34" charset="0"/>
+              </a:rPr>
+              <a:t>AS WEAK CLASSIFIER</a:t>
+            </a:r>
+          </a:p>
+          <a:p>
+            <a:pPr marL="285750" indent="-285750">
+              <a:buClr>
+                <a:schemeClr val="bg1"/>
+              </a:buClr>
+              <a:buFont typeface="Arial" panose="020B0604020202020204" pitchFamily="34" charset="0"/>
+              <a:buChar char="•"/>
+            </a:pPr>
+            <a:r>
+              <a:rPr lang="it-IT" dirty="0">
+                <a:solidFill>
+                  <a:srgbClr val="258EBB"/>
+                </a:solidFill>
+                <a:latin typeface="Tw Cen MT Condensed Extra Bold" panose="020B0803020202020204" pitchFamily="34" charset="0"/>
+              </a:rPr>
+              <a:t>THREE</a:t>
+            </a:r>
+            <a:r>
+              <a:rPr lang="it-IT" dirty="0">
+                <a:solidFill>
+                  <a:schemeClr val="accent5">
+                    <a:lumMod val="20000"/>
+                    <a:lumOff val="80000"/>
+                  </a:schemeClr>
+                </a:solidFill>
+                <a:latin typeface="Tw Cen MT Condensed Extra Bold" panose="020B0803020202020204" pitchFamily="34" charset="0"/>
+              </a:rPr>
+              <a:t> DIFFERENT NEURAL NETWORKS</a:t>
+            </a:r>
+          </a:p>
+        </p:txBody>
+      </p:sp>
+      <p:sp>
+        <p:nvSpPr>
+          <p:cNvPr id="23" name="CasellaDiTesto 22">
+            <a:extLst>
+              <a:ext uri="{FF2B5EF4-FFF2-40B4-BE49-F238E27FC236}">
+                <a16:creationId xmlns:a16="http://schemas.microsoft.com/office/drawing/2014/main" id="{3A1E6C74-1FFF-4B8C-8F93-F78A0CB652BB}"/>
+              </a:ext>
+            </a:extLst>
+          </p:cNvPr>
+          <p:cNvSpPr txBox="1"/>
+          <p:nvPr/>
+        </p:nvSpPr>
+        <p:spPr>
+          <a:xfrm>
+            <a:off x="7242017" y="5485402"/>
+            <a:ext cx="3112214" cy="646331"/>
+          </a:xfrm>
+          <a:prstGeom prst="rect">
+            <a:avLst/>
+          </a:prstGeom>
+          <a:noFill/>
+          <a:ln w="22225">
+            <a:noFill/>
+          </a:ln>
+        </p:spPr>
+        <p:txBody>
+          <a:bodyPr wrap="square" rtlCol="0">
+            <a:spAutoFit/>
+          </a:bodyPr>
+          <a:lstStyle/>
+          <a:p>
+            <a:pPr marL="285750" indent="-285750">
+              <a:buClr>
+                <a:schemeClr val="bg1"/>
+              </a:buClr>
+              <a:buFont typeface="Arial" panose="020B0604020202020204" pitchFamily="34" charset="0"/>
+              <a:buChar char="•"/>
+            </a:pPr>
+            <a:r>
+              <a:rPr lang="it-IT" dirty="0">
+                <a:solidFill>
+                  <a:schemeClr val="accent5">
+                    <a:lumMod val="20000"/>
+                    <a:lumOff val="80000"/>
+                  </a:schemeClr>
+                </a:solidFill>
+                <a:latin typeface="Tw Cen MT Condensed Extra Bold" panose="020B0803020202020204" pitchFamily="34" charset="0"/>
+              </a:rPr>
+              <a:t>DIFFERENT </a:t>
+            </a:r>
+            <a:r>
+              <a:rPr lang="it-IT" dirty="0">
+                <a:solidFill>
+                  <a:srgbClr val="258EBB"/>
+                </a:solidFill>
+                <a:latin typeface="Tw Cen MT Condensed Extra Bold" panose="020B0803020202020204" pitchFamily="34" charset="0"/>
+              </a:rPr>
+              <a:t>LENGTH’S</a:t>
+            </a:r>
+            <a:r>
+              <a:rPr lang="it-IT" dirty="0">
+                <a:solidFill>
+                  <a:schemeClr val="accent5">
+                    <a:lumMod val="20000"/>
+                    <a:lumOff val="80000"/>
+                  </a:schemeClr>
+                </a:solidFill>
+                <a:latin typeface="Tw Cen MT Condensed Extra Bold" panose="020B0803020202020204" pitchFamily="34" charset="0"/>
+              </a:rPr>
+              <a:t> VECTOR</a:t>
+            </a:r>
+          </a:p>
+          <a:p>
+            <a:pPr marL="285750" indent="-285750">
+              <a:buClr>
+                <a:schemeClr val="bg1"/>
+              </a:buClr>
+              <a:buFont typeface="Arial" panose="020B0604020202020204" pitchFamily="34" charset="0"/>
+              <a:buChar char="•"/>
+            </a:pPr>
+            <a:r>
+              <a:rPr lang="it-IT" dirty="0">
+                <a:solidFill>
+                  <a:schemeClr val="accent5">
+                    <a:lumMod val="20000"/>
+                    <a:lumOff val="80000"/>
+                  </a:schemeClr>
+                </a:solidFill>
+                <a:latin typeface="Tw Cen MT Condensed Extra Bold" panose="020B0803020202020204" pitchFamily="34" charset="0"/>
+              </a:rPr>
+              <a:t>DIFFERENT </a:t>
+            </a:r>
+            <a:r>
+              <a:rPr lang="it-IT" dirty="0">
+                <a:solidFill>
+                  <a:srgbClr val="258EBB"/>
+                </a:solidFill>
+                <a:latin typeface="Tw Cen MT Condensed Extra Bold" panose="020B0803020202020204" pitchFamily="34" charset="0"/>
+              </a:rPr>
+              <a:t>WINDOWS</a:t>
+            </a:r>
+            <a:endParaRPr lang="it-IT" dirty="0">
+              <a:solidFill>
+                <a:schemeClr val="accent5">
+                  <a:lumMod val="20000"/>
+                  <a:lumOff val="80000"/>
+                </a:schemeClr>
+              </a:solidFill>
+              <a:latin typeface="Tw Cen MT Condensed Extra Bold" panose="020B0803020202020204" pitchFamily="34" charset="0"/>
+            </a:endParaRPr>
+          </a:p>
+        </p:txBody>
+      </p:sp>
+      <p:sp>
+        <p:nvSpPr>
+          <p:cNvPr id="25" name="CasellaDiTesto 24">
+            <a:extLst>
+              <a:ext uri="{FF2B5EF4-FFF2-40B4-BE49-F238E27FC236}">
+                <a16:creationId xmlns:a16="http://schemas.microsoft.com/office/drawing/2014/main" id="{8C4FE17A-BFAD-42A7-ABEC-85C0D1C9EE8B}"/>
+              </a:ext>
+            </a:extLst>
+          </p:cNvPr>
+          <p:cNvSpPr txBox="1"/>
+          <p:nvPr/>
+        </p:nvSpPr>
+        <p:spPr>
+          <a:xfrm>
+            <a:off x="-26672" y="6211669"/>
+            <a:ext cx="3057185" cy="646331"/>
+          </a:xfrm>
+          <a:prstGeom prst="rect">
+            <a:avLst/>
+          </a:prstGeom>
+          <a:noFill/>
+        </p:spPr>
+        <p:txBody>
+          <a:bodyPr wrap="square" rtlCol="0">
+            <a:spAutoFit/>
+          </a:bodyPr>
+          <a:lstStyle/>
+          <a:p>
+            <a:r>
+              <a:rPr lang="it-IT" sz="1200" b="1" i="1" dirty="0">
+                <a:solidFill>
+                  <a:schemeClr val="tx1">
+                    <a:lumMod val="85000"/>
+                    <a:lumOff val="15000"/>
+                  </a:schemeClr>
+                </a:solidFill>
+                <a:latin typeface="Tw Cen MT Condensed" panose="020B0606020104020203" pitchFamily="34" charset="0"/>
+              </a:rPr>
+              <a:t>Text Mining &amp; </a:t>
+            </a:r>
+            <a:r>
+              <a:rPr lang="it-IT" sz="1200" b="1" i="1" dirty="0" err="1">
+                <a:solidFill>
+                  <a:schemeClr val="tx1">
+                    <a:lumMod val="85000"/>
+                    <a:lumOff val="15000"/>
+                  </a:schemeClr>
+                </a:solidFill>
+                <a:latin typeface="Tw Cen MT Condensed" panose="020B0606020104020203" pitchFamily="34" charset="0"/>
+              </a:rPr>
+              <a:t>Search</a:t>
+            </a:r>
+            <a:r>
+              <a:rPr lang="it-IT" sz="1200" b="1" i="1" dirty="0">
+                <a:solidFill>
+                  <a:schemeClr val="tx1">
+                    <a:lumMod val="85000"/>
+                    <a:lumOff val="15000"/>
+                  </a:schemeClr>
+                </a:solidFill>
+                <a:latin typeface="Tw Cen MT Condensed" panose="020B0606020104020203" pitchFamily="34" charset="0"/>
+              </a:rPr>
+              <a:t> 2020/21</a:t>
+            </a:r>
+          </a:p>
+          <a:p>
+            <a:r>
+              <a:rPr lang="it-IT" sz="1200" b="1" i="1" dirty="0">
+                <a:solidFill>
+                  <a:schemeClr val="tx1">
+                    <a:lumMod val="85000"/>
+                    <a:lumOff val="15000"/>
+                  </a:schemeClr>
+                </a:solidFill>
+                <a:latin typeface="Tw Cen MT Condensed" panose="020B0606020104020203" pitchFamily="34" charset="0"/>
+              </a:rPr>
+              <a:t>Luzzi Federico </a:t>
+            </a:r>
+          </a:p>
+          <a:p>
+            <a:r>
+              <a:rPr lang="it-IT" sz="1200" b="1" i="1" dirty="0">
+                <a:solidFill>
+                  <a:schemeClr val="tx1">
+                    <a:lumMod val="85000"/>
+                    <a:lumOff val="15000"/>
+                  </a:schemeClr>
+                </a:solidFill>
+                <a:latin typeface="Tw Cen MT Condensed" panose="020B0606020104020203" pitchFamily="34" charset="0"/>
+              </a:rPr>
+              <a:t>Peracchi Marco</a:t>
+            </a:r>
+          </a:p>
+        </p:txBody>
+      </p:sp>
     </p:spTree>
     <p:extLst>
       <p:ext uri="{BB962C8B-B14F-4D97-AF65-F5344CB8AC3E}">
@@ -9596,6 +10772,9 @@
           <a:prstGeom prst="rect">
             <a:avLst/>
           </a:prstGeom>
+          <a:ln w="31750">
+            <a:noFill/>
+          </a:ln>
           <a:effectLst>
             <a:softEdge rad="12700"/>
           </a:effectLst>
@@ -9732,8 +10911,8 @@
         </p:nvSpPr>
         <p:spPr>
           <a:xfrm>
-            <a:off x="657055" y="3937909"/>
-            <a:ext cx="5249741" cy="523220"/>
+            <a:off x="2026828" y="3937909"/>
+            <a:ext cx="2673974" cy="523220"/>
           </a:xfrm>
           <a:prstGeom prst="rect">
             <a:avLst/>
@@ -9753,10 +10932,7 @@
             <a:r>
               <a:rPr lang="it-IT" sz="2800" dirty="0">
                 <a:solidFill>
-                  <a:schemeClr val="accent5">
-                    <a:lumMod val="20000"/>
-                    <a:lumOff val="80000"/>
-                  </a:schemeClr>
+                  <a:srgbClr val="258EBB"/>
                 </a:solidFill>
                 <a:effectLst>
                   <a:outerShdw blurRad="38100" dist="38100" dir="2700000" algn="tl">
@@ -9934,45 +11110,6 @@
           </a:p>
         </p:txBody>
       </p:sp>
-      <p:pic>
-        <p:nvPicPr>
-          <p:cNvPr id="11" name="Elemento grafico 10" descr="Elenco con riempimento a tinta unita">
-            <a:extLst>
-              <a:ext uri="{FF2B5EF4-FFF2-40B4-BE49-F238E27FC236}">
-                <a16:creationId xmlns:a16="http://schemas.microsoft.com/office/drawing/2014/main" id="{A7F09026-F06D-4E77-9471-54DCF902E6A3}"/>
-              </a:ext>
-            </a:extLst>
-          </p:cNvPr>
-          <p:cNvPicPr>
-            <a:picLocks noChangeAspect="1"/>
-          </p:cNvPicPr>
-          <p:nvPr/>
-        </p:nvPicPr>
-        <p:blipFill>
-          <a:blip r:embed="rId6">
-            <a:extLst>
-              <a:ext uri="{28A0092B-C50C-407E-A947-70E740481C1C}">
-                <a14:useLocalDpi xmlns:a14="http://schemas.microsoft.com/office/drawing/2010/main" val="0"/>
-              </a:ext>
-              <a:ext uri="{96DAC541-7B7A-43D3-8B79-37D633B846F1}">
-                <asvg:svgBlip xmlns:asvg="http://schemas.microsoft.com/office/drawing/2016/SVG/main" r:embed="rId7"/>
-              </a:ext>
-            </a:extLst>
-          </a:blip>
-          <a:stretch>
-            <a:fillRect/>
-          </a:stretch>
-        </p:blipFill>
-        <p:spPr>
-          <a:xfrm>
-            <a:off x="10565146" y="209391"/>
-            <a:ext cx="1097902" cy="1097902"/>
-          </a:xfrm>
-          <a:prstGeom prst="rect">
-            <a:avLst/>
-          </a:prstGeom>
-        </p:spPr>
-      </p:pic>
       <p:sp>
         <p:nvSpPr>
           <p:cNvPr id="14" name="Rettangolo 13">
@@ -10230,6 +11367,335 @@
           <a:p>
             <a:pPr algn="ctr"/>
             <a:endParaRPr lang="it-IT"/>
+          </a:p>
+        </p:txBody>
+      </p:sp>
+      <p:sp>
+        <p:nvSpPr>
+          <p:cNvPr id="20" name="Rettangolo 19">
+            <a:extLst>
+              <a:ext uri="{FF2B5EF4-FFF2-40B4-BE49-F238E27FC236}">
+                <a16:creationId xmlns:a16="http://schemas.microsoft.com/office/drawing/2014/main" id="{047AEBD2-E2EB-4514-92A2-61FE7B227F50}"/>
+              </a:ext>
+            </a:extLst>
+          </p:cNvPr>
+          <p:cNvSpPr/>
+          <p:nvPr/>
+        </p:nvSpPr>
+        <p:spPr>
+          <a:xfrm>
+            <a:off x="9635760" y="2491393"/>
+            <a:ext cx="1469628" cy="160443"/>
+          </a:xfrm>
+          <a:prstGeom prst="rect">
+            <a:avLst/>
+          </a:prstGeom>
+          <a:noFill/>
+          <a:ln w="25400">
+            <a:solidFill>
+              <a:srgbClr val="8A0000"/>
+            </a:solidFill>
+          </a:ln>
+        </p:spPr>
+        <p:style>
+          <a:lnRef idx="2">
+            <a:schemeClr val="accent1">
+              <a:shade val="50000"/>
+            </a:schemeClr>
+          </a:lnRef>
+          <a:fillRef idx="1">
+            <a:schemeClr val="accent1"/>
+          </a:fillRef>
+          <a:effectRef idx="0">
+            <a:schemeClr val="accent1"/>
+          </a:effectRef>
+          <a:fontRef idx="minor">
+            <a:schemeClr val="lt1"/>
+          </a:fontRef>
+        </p:style>
+        <p:txBody>
+          <a:bodyPr rtlCol="0" anchor="ctr"/>
+          <a:lstStyle/>
+          <a:p>
+            <a:pPr algn="ctr"/>
+            <a:endParaRPr lang="it-IT"/>
+          </a:p>
+        </p:txBody>
+      </p:sp>
+      <p:sp>
+        <p:nvSpPr>
+          <p:cNvPr id="21" name="Rettangolo 20">
+            <a:extLst>
+              <a:ext uri="{FF2B5EF4-FFF2-40B4-BE49-F238E27FC236}">
+                <a16:creationId xmlns:a16="http://schemas.microsoft.com/office/drawing/2014/main" id="{6BC01532-7675-48D0-B582-C0F2FD725BC8}"/>
+              </a:ext>
+            </a:extLst>
+          </p:cNvPr>
+          <p:cNvSpPr/>
+          <p:nvPr/>
+        </p:nvSpPr>
+        <p:spPr>
+          <a:xfrm>
+            <a:off x="9635760" y="5010476"/>
+            <a:ext cx="1469628" cy="160443"/>
+          </a:xfrm>
+          <a:prstGeom prst="rect">
+            <a:avLst/>
+          </a:prstGeom>
+          <a:noFill/>
+          <a:ln w="25400">
+            <a:solidFill>
+              <a:srgbClr val="8A0000"/>
+            </a:solidFill>
+          </a:ln>
+        </p:spPr>
+        <p:style>
+          <a:lnRef idx="2">
+            <a:schemeClr val="accent1">
+              <a:shade val="50000"/>
+            </a:schemeClr>
+          </a:lnRef>
+          <a:fillRef idx="1">
+            <a:schemeClr val="accent1"/>
+          </a:fillRef>
+          <a:effectRef idx="0">
+            <a:schemeClr val="accent1"/>
+          </a:effectRef>
+          <a:fontRef idx="minor">
+            <a:schemeClr val="lt1"/>
+          </a:fontRef>
+        </p:style>
+        <p:txBody>
+          <a:bodyPr rtlCol="0" anchor="ctr"/>
+          <a:lstStyle/>
+          <a:p>
+            <a:pPr algn="ctr"/>
+            <a:endParaRPr lang="it-IT"/>
+          </a:p>
+        </p:txBody>
+      </p:sp>
+      <p:sp>
+        <p:nvSpPr>
+          <p:cNvPr id="22" name="Rettangolo 21">
+            <a:extLst>
+              <a:ext uri="{FF2B5EF4-FFF2-40B4-BE49-F238E27FC236}">
+                <a16:creationId xmlns:a16="http://schemas.microsoft.com/office/drawing/2014/main" id="{5AE78BAB-F8CC-495A-99EB-670F125EE85E}"/>
+              </a:ext>
+            </a:extLst>
+          </p:cNvPr>
+          <p:cNvSpPr/>
+          <p:nvPr/>
+        </p:nvSpPr>
+        <p:spPr>
+          <a:xfrm>
+            <a:off x="9631398" y="5363179"/>
+            <a:ext cx="1469628" cy="160443"/>
+          </a:xfrm>
+          <a:prstGeom prst="rect">
+            <a:avLst/>
+          </a:prstGeom>
+          <a:noFill/>
+          <a:ln w="25400">
+            <a:solidFill>
+              <a:srgbClr val="8A0000"/>
+            </a:solidFill>
+          </a:ln>
+        </p:spPr>
+        <p:style>
+          <a:lnRef idx="2">
+            <a:schemeClr val="accent1">
+              <a:shade val="50000"/>
+            </a:schemeClr>
+          </a:lnRef>
+          <a:fillRef idx="1">
+            <a:schemeClr val="accent1"/>
+          </a:fillRef>
+          <a:effectRef idx="0">
+            <a:schemeClr val="accent1"/>
+          </a:effectRef>
+          <a:fontRef idx="minor">
+            <a:schemeClr val="lt1"/>
+          </a:fontRef>
+        </p:style>
+        <p:txBody>
+          <a:bodyPr rtlCol="0" anchor="ctr"/>
+          <a:lstStyle/>
+          <a:p>
+            <a:pPr algn="ctr"/>
+            <a:endParaRPr lang="it-IT"/>
+          </a:p>
+        </p:txBody>
+      </p:sp>
+      <p:pic>
+        <p:nvPicPr>
+          <p:cNvPr id="24" name="Elemento grafico 23" descr="Medaglia con riempimento a tinta unita">
+            <a:extLst>
+              <a:ext uri="{FF2B5EF4-FFF2-40B4-BE49-F238E27FC236}">
+                <a16:creationId xmlns:a16="http://schemas.microsoft.com/office/drawing/2014/main" id="{9CF14FD0-FF32-4EE8-ADAF-1FEBD043C372}"/>
+              </a:ext>
+            </a:extLst>
+          </p:cNvPr>
+          <p:cNvPicPr>
+            <a:picLocks noChangeAspect="1"/>
+          </p:cNvPicPr>
+          <p:nvPr/>
+        </p:nvPicPr>
+        <p:blipFill>
+          <a:blip r:embed="rId6">
+            <a:extLst>
+              <a:ext uri="{28A0092B-C50C-407E-A947-70E740481C1C}">
+                <a14:useLocalDpi xmlns:a14="http://schemas.microsoft.com/office/drawing/2010/main" val="0"/>
+              </a:ext>
+              <a:ext uri="{96DAC541-7B7A-43D3-8B79-37D633B846F1}">
+                <asvg:svgBlip xmlns:asvg="http://schemas.microsoft.com/office/drawing/2016/SVG/main" r:embed="rId7"/>
+              </a:ext>
+            </a:extLst>
+          </a:blip>
+          <a:stretch>
+            <a:fillRect/>
+          </a:stretch>
+        </p:blipFill>
+        <p:spPr>
+          <a:xfrm>
+            <a:off x="4649765" y="3937909"/>
+            <a:ext cx="554995" cy="554995"/>
+          </a:xfrm>
+          <a:prstGeom prst="rect">
+            <a:avLst/>
+          </a:prstGeom>
+        </p:spPr>
+      </p:pic>
+      <p:pic>
+        <p:nvPicPr>
+          <p:cNvPr id="25" name="Elemento grafico 24" descr="Tabella con riempimento a tinta unita">
+            <a:extLst>
+              <a:ext uri="{FF2B5EF4-FFF2-40B4-BE49-F238E27FC236}">
+                <a16:creationId xmlns:a16="http://schemas.microsoft.com/office/drawing/2014/main" id="{2DDED439-F8A8-4840-A09E-2EE49EA0981C}"/>
+              </a:ext>
+            </a:extLst>
+          </p:cNvPr>
+          <p:cNvPicPr>
+            <a:picLocks noChangeAspect="1"/>
+          </p:cNvPicPr>
+          <p:nvPr/>
+        </p:nvPicPr>
+        <p:blipFill>
+          <a:blip r:embed="rId8">
+            <a:extLst>
+              <a:ext uri="{28A0092B-C50C-407E-A947-70E740481C1C}">
+                <a14:useLocalDpi xmlns:a14="http://schemas.microsoft.com/office/drawing/2010/main" val="0"/>
+              </a:ext>
+              <a:ext uri="{96DAC541-7B7A-43D3-8B79-37D633B846F1}">
+                <asvg:svgBlip xmlns:asvg="http://schemas.microsoft.com/office/drawing/2016/SVG/main" r:embed="rId9"/>
+              </a:ext>
+            </a:extLst>
+          </a:blip>
+          <a:stretch>
+            <a:fillRect/>
+          </a:stretch>
+        </p:blipFill>
+        <p:spPr>
+          <a:xfrm>
+            <a:off x="1137692" y="97936"/>
+            <a:ext cx="1143586" cy="1143586"/>
+          </a:xfrm>
+          <a:prstGeom prst="rect">
+            <a:avLst/>
+          </a:prstGeom>
+        </p:spPr>
+      </p:pic>
+      <p:sp>
+        <p:nvSpPr>
+          <p:cNvPr id="26" name="CasellaDiTesto 25">
+            <a:extLst>
+              <a:ext uri="{FF2B5EF4-FFF2-40B4-BE49-F238E27FC236}">
+                <a16:creationId xmlns:a16="http://schemas.microsoft.com/office/drawing/2014/main" id="{4B19BADD-576F-4CA9-AE88-6F721F239E4A}"/>
+              </a:ext>
+            </a:extLst>
+          </p:cNvPr>
+          <p:cNvSpPr txBox="1"/>
+          <p:nvPr/>
+        </p:nvSpPr>
+        <p:spPr>
+          <a:xfrm>
+            <a:off x="-26672" y="6211669"/>
+            <a:ext cx="3057185" cy="646331"/>
+          </a:xfrm>
+          <a:prstGeom prst="rect">
+            <a:avLst/>
+          </a:prstGeom>
+          <a:noFill/>
+        </p:spPr>
+        <p:txBody>
+          <a:bodyPr wrap="square" rtlCol="0">
+            <a:spAutoFit/>
+          </a:bodyPr>
+          <a:lstStyle/>
+          <a:p>
+            <a:r>
+              <a:rPr lang="it-IT" sz="1200" b="1" i="1" dirty="0">
+                <a:solidFill>
+                  <a:schemeClr val="tx1">
+                    <a:lumMod val="85000"/>
+                    <a:lumOff val="15000"/>
+                  </a:schemeClr>
+                </a:solidFill>
+                <a:latin typeface="Tw Cen MT Condensed" panose="020B0606020104020203" pitchFamily="34" charset="0"/>
+              </a:rPr>
+              <a:t>Text Mining &amp; </a:t>
+            </a:r>
+            <a:r>
+              <a:rPr lang="it-IT" sz="1200" b="1" i="1" dirty="0" err="1">
+                <a:solidFill>
+                  <a:schemeClr val="tx1">
+                    <a:lumMod val="85000"/>
+                    <a:lumOff val="15000"/>
+                  </a:schemeClr>
+                </a:solidFill>
+                <a:latin typeface="Tw Cen MT Condensed" panose="020B0606020104020203" pitchFamily="34" charset="0"/>
+              </a:rPr>
+              <a:t>Search</a:t>
+            </a:r>
+            <a:r>
+              <a:rPr lang="it-IT" sz="1200" b="1" i="1" dirty="0">
+                <a:solidFill>
+                  <a:schemeClr val="tx1">
+                    <a:lumMod val="85000"/>
+                    <a:lumOff val="15000"/>
+                  </a:schemeClr>
+                </a:solidFill>
+                <a:latin typeface="Tw Cen MT Condensed" panose="020B0606020104020203" pitchFamily="34" charset="0"/>
+              </a:rPr>
+              <a:t> 2020/21</a:t>
+            </a:r>
+          </a:p>
+          <a:p>
+            <a:r>
+              <a:rPr lang="it-IT" sz="1200" b="1" i="1" dirty="0">
+                <a:solidFill>
+                  <a:schemeClr val="tx1">
+                    <a:lumMod val="85000"/>
+                    <a:lumOff val="15000"/>
+                  </a:schemeClr>
+                </a:solidFill>
+                <a:latin typeface="Tw Cen MT Condensed" panose="020B0606020104020203" pitchFamily="34" charset="0"/>
+              </a:rPr>
+              <a:t>Luzzi Federico </a:t>
+            </a:r>
+          </a:p>
+          <a:p>
+            <a:r>
+              <a:rPr lang="it-IT" sz="1200" b="1" i="1" dirty="0">
+                <a:solidFill>
+                  <a:schemeClr val="tx1">
+                    <a:lumMod val="85000"/>
+                    <a:lumOff val="15000"/>
+                  </a:schemeClr>
+                </a:solidFill>
+                <a:latin typeface="Tw Cen MT Condensed" panose="020B0606020104020203" pitchFamily="34" charset="0"/>
+              </a:rPr>
+              <a:t>Peracchi Marco</a:t>
+            </a:r>
           </a:p>
         </p:txBody>
       </p:sp>
@@ -10336,10 +11802,10 @@
       </p:sp>
       <p:pic>
         <p:nvPicPr>
-          <p:cNvPr id="11" name="Elemento grafico 10" descr="Elenco con riempimento a tinta unita">
-            <a:extLst>
-              <a:ext uri="{FF2B5EF4-FFF2-40B4-BE49-F238E27FC236}">
-                <a16:creationId xmlns:a16="http://schemas.microsoft.com/office/drawing/2014/main" id="{A7F09026-F06D-4E77-9471-54DCF902E6A3}"/>
+          <p:cNvPr id="3" name="Immagine 2">
+            <a:extLst>
+              <a:ext uri="{FF2B5EF4-FFF2-40B4-BE49-F238E27FC236}">
+                <a16:creationId xmlns:a16="http://schemas.microsoft.com/office/drawing/2014/main" id="{3D2F53ED-7EFB-4287-9FC1-0A3C6143FBD1}"/>
               </a:ext>
             </a:extLst>
           </p:cNvPr>
@@ -10353,9 +11819,6 @@
             <a:extLst>
               <a:ext uri="{28A0092B-C50C-407E-A947-70E740481C1C}">
                 <a14:useLocalDpi xmlns:a14="http://schemas.microsoft.com/office/drawing/2010/main" val="0"/>
-              </a:ext>
-              <a:ext uri="{96DAC541-7B7A-43D3-8B79-37D633B846F1}">
-                <asvg:svgBlip xmlns:asvg="http://schemas.microsoft.com/office/drawing/2016/SVG/main" r:embed="rId3"/>
               </a:ext>
             </a:extLst>
           </a:blip>
@@ -10365,14 +11828,970 @@
         </p:blipFill>
         <p:spPr>
           <a:xfrm>
-            <a:off x="10565146" y="209391"/>
-            <a:ext cx="1097902" cy="1097902"/>
+            <a:off x="7114476" y="2524951"/>
+            <a:ext cx="4152396" cy="3210316"/>
           </a:xfrm>
           <a:prstGeom prst="rect">
             <a:avLst/>
           </a:prstGeom>
+          <a:effectLst>
+            <a:reflection blurRad="6350" stA="52000" endA="300" endPos="16000" dir="5400000" sy="-100000" algn="bl" rotWithShape="0"/>
+            <a:softEdge rad="25400"/>
+          </a:effectLst>
         </p:spPr>
       </p:pic>
+      <p:pic>
+        <p:nvPicPr>
+          <p:cNvPr id="5" name="Immagine 4">
+            <a:extLst>
+              <a:ext uri="{FF2B5EF4-FFF2-40B4-BE49-F238E27FC236}">
+                <a16:creationId xmlns:a16="http://schemas.microsoft.com/office/drawing/2014/main" id="{51ED1970-3CF0-4946-893E-FD8CFB7BA510}"/>
+              </a:ext>
+            </a:extLst>
+          </p:cNvPr>
+          <p:cNvPicPr>
+            <a:picLocks noChangeAspect="1"/>
+          </p:cNvPicPr>
+          <p:nvPr/>
+        </p:nvPicPr>
+        <p:blipFill>
+          <a:blip r:embed="rId3">
+            <a:extLst>
+              <a:ext uri="{28A0092B-C50C-407E-A947-70E740481C1C}">
+                <a14:useLocalDpi xmlns:a14="http://schemas.microsoft.com/office/drawing/2010/main" val="0"/>
+              </a:ext>
+            </a:extLst>
+          </a:blip>
+          <a:stretch>
+            <a:fillRect/>
+          </a:stretch>
+        </p:blipFill>
+        <p:spPr>
+          <a:xfrm>
+            <a:off x="925128" y="2425958"/>
+            <a:ext cx="4152396" cy="3309309"/>
+          </a:xfrm>
+          <a:prstGeom prst="rect">
+            <a:avLst/>
+          </a:prstGeom>
+          <a:effectLst>
+            <a:reflection blurRad="6350" stA="52000" endA="300" endPos="16000" dir="5400000" sy="-100000" algn="bl" rotWithShape="0"/>
+            <a:softEdge rad="25400"/>
+          </a:effectLst>
+        </p:spPr>
+      </p:pic>
+      <p:sp>
+        <p:nvSpPr>
+          <p:cNvPr id="10" name="CasellaDiTesto 9">
+            <a:extLst>
+              <a:ext uri="{FF2B5EF4-FFF2-40B4-BE49-F238E27FC236}">
+                <a16:creationId xmlns:a16="http://schemas.microsoft.com/office/drawing/2014/main" id="{4FCF255A-499F-4858-9ACF-E92D63EEFA6E}"/>
+              </a:ext>
+            </a:extLst>
+          </p:cNvPr>
+          <p:cNvSpPr txBox="1"/>
+          <p:nvPr/>
+        </p:nvSpPr>
+        <p:spPr>
+          <a:xfrm>
+            <a:off x="1142373" y="1335786"/>
+            <a:ext cx="3717906" cy="707886"/>
+          </a:xfrm>
+          <a:prstGeom prst="rect">
+            <a:avLst/>
+          </a:prstGeom>
+          <a:noFill/>
+          <a:ln w="25400">
+            <a:noFill/>
+          </a:ln>
+        </p:spPr>
+        <p:txBody>
+          <a:bodyPr wrap="square" rtlCol="0">
+            <a:spAutoFit/>
+          </a:bodyPr>
+          <a:lstStyle/>
+          <a:p>
+            <a:pPr algn="ctr"/>
+            <a:r>
+              <a:rPr lang="it-IT" sz="4000" dirty="0">
+                <a:solidFill>
+                  <a:schemeClr val="accent5">
+                    <a:lumMod val="20000"/>
+                    <a:lumOff val="80000"/>
+                  </a:schemeClr>
+                </a:solidFill>
+                <a:latin typeface="Tw Cen MT Condensed Extra Bold" panose="020B0803020202020204" pitchFamily="34" charset="0"/>
+              </a:rPr>
+              <a:t>TFID &amp; STEMMING</a:t>
+            </a:r>
+          </a:p>
+        </p:txBody>
+      </p:sp>
+      <p:pic>
+        <p:nvPicPr>
+          <p:cNvPr id="9" name="Elemento grafico 8" descr="Trofeo con riempimento a tinta unita">
+            <a:extLst>
+              <a:ext uri="{FF2B5EF4-FFF2-40B4-BE49-F238E27FC236}">
+                <a16:creationId xmlns:a16="http://schemas.microsoft.com/office/drawing/2014/main" id="{2058D22D-0533-4332-8240-2CA2EECCE509}"/>
+              </a:ext>
+            </a:extLst>
+          </p:cNvPr>
+          <p:cNvPicPr>
+            <a:picLocks noChangeAspect="1"/>
+          </p:cNvPicPr>
+          <p:nvPr/>
+        </p:nvPicPr>
+        <p:blipFill>
+          <a:blip r:embed="rId4">
+            <a:extLst>
+              <a:ext uri="{28A0092B-C50C-407E-A947-70E740481C1C}">
+                <a14:useLocalDpi xmlns:a14="http://schemas.microsoft.com/office/drawing/2010/main" val="0"/>
+              </a:ext>
+              <a:ext uri="{96DAC541-7B7A-43D3-8B79-37D633B846F1}">
+                <asvg:svgBlip xmlns:asvg="http://schemas.microsoft.com/office/drawing/2016/SVG/main" r:embed="rId5"/>
+              </a:ext>
+            </a:extLst>
+          </a:blip>
+          <a:stretch>
+            <a:fillRect/>
+          </a:stretch>
+        </p:blipFill>
+        <p:spPr>
+          <a:xfrm>
+            <a:off x="368612" y="1335786"/>
+            <a:ext cx="773761" cy="773761"/>
+          </a:xfrm>
+          <a:prstGeom prst="rect">
+            <a:avLst/>
+          </a:prstGeom>
+        </p:spPr>
+      </p:pic>
+      <p:pic>
+        <p:nvPicPr>
+          <p:cNvPr id="18" name="Elemento grafico 17" descr="Ricerca contorno">
+            <a:extLst>
+              <a:ext uri="{FF2B5EF4-FFF2-40B4-BE49-F238E27FC236}">
+                <a16:creationId xmlns:a16="http://schemas.microsoft.com/office/drawing/2014/main" id="{A3EC72D5-90F4-4BD5-9785-667F45E70472}"/>
+              </a:ext>
+            </a:extLst>
+          </p:cNvPr>
+          <p:cNvPicPr>
+            <a:picLocks noChangeAspect="1"/>
+          </p:cNvPicPr>
+          <p:nvPr/>
+        </p:nvPicPr>
+        <p:blipFill>
+          <a:blip r:embed="rId6">
+            <a:extLst>
+              <a:ext uri="{28A0092B-C50C-407E-A947-70E740481C1C}">
+                <a14:useLocalDpi xmlns:a14="http://schemas.microsoft.com/office/drawing/2010/main" val="0"/>
+              </a:ext>
+              <a:ext uri="{96DAC541-7B7A-43D3-8B79-37D633B846F1}">
+                <asvg:svgBlip xmlns:asvg="http://schemas.microsoft.com/office/drawing/2016/SVG/main" r:embed="rId7"/>
+              </a:ext>
+            </a:extLst>
+          </a:blip>
+          <a:stretch>
+            <a:fillRect/>
+          </a:stretch>
+        </p:blipFill>
+        <p:spPr>
+          <a:xfrm>
+            <a:off x="9547619" y="281872"/>
+            <a:ext cx="914400" cy="914400"/>
+          </a:xfrm>
+          <a:prstGeom prst="rect">
+            <a:avLst/>
+          </a:prstGeom>
+        </p:spPr>
+      </p:pic>
+      <p:sp>
+        <p:nvSpPr>
+          <p:cNvPr id="23" name="CasellaDiTesto 22">
+            <a:extLst>
+              <a:ext uri="{FF2B5EF4-FFF2-40B4-BE49-F238E27FC236}">
+                <a16:creationId xmlns:a16="http://schemas.microsoft.com/office/drawing/2014/main" id="{FEAF08D9-95B2-4393-890A-A57ADB370FE5}"/>
+              </a:ext>
+            </a:extLst>
+          </p:cNvPr>
+          <p:cNvSpPr txBox="1"/>
+          <p:nvPr/>
+        </p:nvSpPr>
+        <p:spPr>
+          <a:xfrm>
+            <a:off x="6609678" y="1329956"/>
+            <a:ext cx="5161992" cy="707886"/>
+          </a:xfrm>
+          <a:prstGeom prst="rect">
+            <a:avLst/>
+          </a:prstGeom>
+          <a:noFill/>
+          <a:ln w="25400">
+            <a:noFill/>
+          </a:ln>
+        </p:spPr>
+        <p:txBody>
+          <a:bodyPr wrap="square" rtlCol="0">
+            <a:spAutoFit/>
+          </a:bodyPr>
+          <a:lstStyle/>
+          <a:p>
+            <a:pPr algn="ctr"/>
+            <a:r>
+              <a:rPr lang="it-IT" sz="4000" dirty="0">
+                <a:solidFill>
+                  <a:schemeClr val="accent5">
+                    <a:lumMod val="20000"/>
+                    <a:lumOff val="80000"/>
+                  </a:schemeClr>
+                </a:solidFill>
+                <a:latin typeface="Tw Cen MT Condensed Extra Bold" panose="020B0803020202020204" pitchFamily="34" charset="0"/>
+              </a:rPr>
+              <a:t>NEURAL NETWORK ONE</a:t>
+            </a:r>
+          </a:p>
+        </p:txBody>
+      </p:sp>
+      <p:sp>
+        <p:nvSpPr>
+          <p:cNvPr id="24" name="CasellaDiTesto 23">
+            <a:extLst>
+              <a:ext uri="{FF2B5EF4-FFF2-40B4-BE49-F238E27FC236}">
+                <a16:creationId xmlns:a16="http://schemas.microsoft.com/office/drawing/2014/main" id="{7277FDF5-918C-4825-92C5-B69A0DC69AC4}"/>
+              </a:ext>
+            </a:extLst>
+          </p:cNvPr>
+          <p:cNvSpPr txBox="1"/>
+          <p:nvPr/>
+        </p:nvSpPr>
+        <p:spPr>
+          <a:xfrm>
+            <a:off x="5170406" y="3177487"/>
+            <a:ext cx="1851188" cy="769441"/>
+          </a:xfrm>
+          <a:prstGeom prst="rect">
+            <a:avLst/>
+          </a:prstGeom>
+          <a:noFill/>
+          <a:ln w="25400">
+            <a:noFill/>
+          </a:ln>
+        </p:spPr>
+        <p:txBody>
+          <a:bodyPr wrap="square" rtlCol="0">
+            <a:spAutoFit/>
+          </a:bodyPr>
+          <a:lstStyle/>
+          <a:p>
+            <a:pPr algn="ctr"/>
+            <a:r>
+              <a:rPr lang="it-IT" sz="4400" dirty="0">
+                <a:solidFill>
+                  <a:srgbClr val="258EBB"/>
+                </a:solidFill>
+                <a:effectLst>
+                  <a:outerShdw blurRad="38100" dist="38100" dir="2700000" algn="tl">
+                    <a:srgbClr val="000000">
+                      <a:alpha val="43137"/>
+                    </a:srgbClr>
+                  </a:outerShdw>
+                </a:effectLst>
+                <a:latin typeface="Tw Cen MT Condensed Extra Bold" panose="020B0803020202020204" pitchFamily="34" charset="0"/>
+              </a:rPr>
+              <a:t>96%</a:t>
+            </a:r>
+          </a:p>
+        </p:txBody>
+      </p:sp>
+      <p:sp>
+        <p:nvSpPr>
+          <p:cNvPr id="25" name="CasellaDiTesto 24">
+            <a:extLst>
+              <a:ext uri="{FF2B5EF4-FFF2-40B4-BE49-F238E27FC236}">
+                <a16:creationId xmlns:a16="http://schemas.microsoft.com/office/drawing/2014/main" id="{47E81834-F325-4A6D-8C8F-7CA0972DE6EA}"/>
+              </a:ext>
+            </a:extLst>
+          </p:cNvPr>
+          <p:cNvSpPr txBox="1"/>
+          <p:nvPr/>
+        </p:nvSpPr>
+        <p:spPr>
+          <a:xfrm>
+            <a:off x="5468985" y="2837586"/>
+            <a:ext cx="1254030" cy="400110"/>
+          </a:xfrm>
+          <a:prstGeom prst="rect">
+            <a:avLst/>
+          </a:prstGeom>
+          <a:noFill/>
+          <a:ln w="25400">
+            <a:noFill/>
+          </a:ln>
+        </p:spPr>
+        <p:txBody>
+          <a:bodyPr wrap="square" rtlCol="0">
+            <a:spAutoFit/>
+          </a:bodyPr>
+          <a:lstStyle/>
+          <a:p>
+            <a:pPr algn="ctr"/>
+            <a:r>
+              <a:rPr lang="it-IT" sz="2000" dirty="0">
+                <a:solidFill>
+                  <a:schemeClr val="accent5">
+                    <a:lumMod val="20000"/>
+                    <a:lumOff val="80000"/>
+                  </a:schemeClr>
+                </a:solidFill>
+                <a:latin typeface="Tw Cen MT Condensed Extra Bold" panose="020B0803020202020204" pitchFamily="34" charset="0"/>
+              </a:rPr>
+              <a:t>ACCURACY</a:t>
+            </a:r>
+          </a:p>
+        </p:txBody>
+      </p:sp>
+      <p:sp>
+        <p:nvSpPr>
+          <p:cNvPr id="26" name="CasellaDiTesto 25">
+            <a:extLst>
+              <a:ext uri="{FF2B5EF4-FFF2-40B4-BE49-F238E27FC236}">
+                <a16:creationId xmlns:a16="http://schemas.microsoft.com/office/drawing/2014/main" id="{BFCB171C-0725-4523-9284-E78DA72E5F9B}"/>
+              </a:ext>
+            </a:extLst>
+          </p:cNvPr>
+          <p:cNvSpPr txBox="1"/>
+          <p:nvPr/>
+        </p:nvSpPr>
+        <p:spPr>
+          <a:xfrm>
+            <a:off x="5170406" y="4388244"/>
+            <a:ext cx="1851188" cy="769441"/>
+          </a:xfrm>
+          <a:prstGeom prst="rect">
+            <a:avLst/>
+          </a:prstGeom>
+          <a:noFill/>
+          <a:ln w="25400">
+            <a:noFill/>
+          </a:ln>
+        </p:spPr>
+        <p:txBody>
+          <a:bodyPr wrap="square" rtlCol="0">
+            <a:spAutoFit/>
+          </a:bodyPr>
+          <a:lstStyle/>
+          <a:p>
+            <a:pPr algn="ctr"/>
+            <a:r>
+              <a:rPr lang="it-IT" sz="4400" dirty="0">
+                <a:solidFill>
+                  <a:srgbClr val="258EBB"/>
+                </a:solidFill>
+                <a:effectLst>
+                  <a:outerShdw blurRad="38100" dist="38100" dir="2700000" algn="tl">
+                    <a:srgbClr val="000000">
+                      <a:alpha val="43137"/>
+                    </a:srgbClr>
+                  </a:outerShdw>
+                </a:effectLst>
+                <a:latin typeface="Tw Cen MT Condensed Extra Bold" panose="020B0803020202020204" pitchFamily="34" charset="0"/>
+              </a:rPr>
+              <a:t>94%</a:t>
+            </a:r>
+          </a:p>
+        </p:txBody>
+      </p:sp>
+      <p:sp>
+        <p:nvSpPr>
+          <p:cNvPr id="27" name="CasellaDiTesto 26">
+            <a:extLst>
+              <a:ext uri="{FF2B5EF4-FFF2-40B4-BE49-F238E27FC236}">
+                <a16:creationId xmlns:a16="http://schemas.microsoft.com/office/drawing/2014/main" id="{3F774ECB-387D-4C38-9E46-C3E5D17B6148}"/>
+              </a:ext>
+            </a:extLst>
+          </p:cNvPr>
+          <p:cNvSpPr txBox="1"/>
+          <p:nvPr/>
+        </p:nvSpPr>
+        <p:spPr>
+          <a:xfrm>
+            <a:off x="5396827" y="4080612"/>
+            <a:ext cx="1398346" cy="400110"/>
+          </a:xfrm>
+          <a:prstGeom prst="rect">
+            <a:avLst/>
+          </a:prstGeom>
+          <a:noFill/>
+          <a:ln w="25400">
+            <a:noFill/>
+          </a:ln>
+        </p:spPr>
+        <p:txBody>
+          <a:bodyPr wrap="square" rtlCol="0">
+            <a:spAutoFit/>
+          </a:bodyPr>
+          <a:lstStyle/>
+          <a:p>
+            <a:pPr algn="ctr"/>
+            <a:r>
+              <a:rPr lang="it-IT" sz="2000" dirty="0">
+                <a:solidFill>
+                  <a:schemeClr val="accent5">
+                    <a:lumMod val="20000"/>
+                    <a:lumOff val="80000"/>
+                  </a:schemeClr>
+                </a:solidFill>
+                <a:latin typeface="Tw Cen MT Condensed Extra Bold" panose="020B0803020202020204" pitchFamily="34" charset="0"/>
+              </a:rPr>
+              <a:t>F1 MEASURE</a:t>
+            </a:r>
+          </a:p>
+        </p:txBody>
+      </p:sp>
+      <p:grpSp>
+        <p:nvGrpSpPr>
+          <p:cNvPr id="29" name="Gruppo 28">
+            <a:extLst>
+              <a:ext uri="{FF2B5EF4-FFF2-40B4-BE49-F238E27FC236}">
+                <a16:creationId xmlns:a16="http://schemas.microsoft.com/office/drawing/2014/main" id="{8959179C-7591-4C71-8582-54B502D80FB3}"/>
+              </a:ext>
+            </a:extLst>
+          </p:cNvPr>
+          <p:cNvGrpSpPr>
+            <a:grpSpLocks noChangeAspect="1"/>
+          </p:cNvGrpSpPr>
+          <p:nvPr/>
+        </p:nvGrpSpPr>
+        <p:grpSpPr>
+          <a:xfrm>
+            <a:off x="6553200" y="4480722"/>
+            <a:ext cx="132130" cy="133684"/>
+            <a:chOff x="5468984" y="5240607"/>
+            <a:chExt cx="914401" cy="925152"/>
+          </a:xfrm>
+          <a:solidFill>
+            <a:srgbClr val="8A0000"/>
+          </a:solidFill>
+        </p:grpSpPr>
+        <p:pic>
+          <p:nvPicPr>
+            <p:cNvPr id="28" name="Elemento grafico 27" descr="Chiudi contorno">
+              <a:extLst>
+                <a:ext uri="{FF2B5EF4-FFF2-40B4-BE49-F238E27FC236}">
+                  <a16:creationId xmlns:a16="http://schemas.microsoft.com/office/drawing/2014/main" id="{E82F3A42-7E88-4201-A1B7-BF292DA6D081}"/>
+                </a:ext>
+              </a:extLst>
+            </p:cNvPr>
+            <p:cNvPicPr>
+              <a:picLocks noChangeAspect="1"/>
+            </p:cNvPicPr>
+            <p:nvPr/>
+          </p:nvPicPr>
+          <p:blipFill>
+            <a:blip r:embed="rId8">
+              <a:extLst>
+                <a:ext uri="{28A0092B-C50C-407E-A947-70E740481C1C}">
+                  <a14:useLocalDpi xmlns:a14="http://schemas.microsoft.com/office/drawing/2010/main" val="0"/>
+                </a:ext>
+                <a:ext uri="{96DAC541-7B7A-43D3-8B79-37D633B846F1}">
+                  <asvg:svgBlip xmlns:asvg="http://schemas.microsoft.com/office/drawing/2016/SVG/main" r:embed="rId9"/>
+                </a:ext>
+              </a:extLst>
+            </a:blip>
+            <a:stretch>
+              <a:fillRect/>
+            </a:stretch>
+          </p:blipFill>
+          <p:spPr>
+            <a:xfrm>
+              <a:off x="5468985" y="5240607"/>
+              <a:ext cx="914400" cy="914400"/>
+            </a:xfrm>
+            <a:prstGeom prst="rect">
+              <a:avLst/>
+            </a:prstGeom>
+          </p:spPr>
+        </p:pic>
+        <p:pic>
+          <p:nvPicPr>
+            <p:cNvPr id="30" name="Elemento grafico 29" descr="Chiudi contorno">
+              <a:extLst>
+                <a:ext uri="{FF2B5EF4-FFF2-40B4-BE49-F238E27FC236}">
+                  <a16:creationId xmlns:a16="http://schemas.microsoft.com/office/drawing/2014/main" id="{AE4BD31D-AC5B-47DC-9260-3BB86FD90CA0}"/>
+                </a:ext>
+              </a:extLst>
+            </p:cNvPr>
+            <p:cNvPicPr>
+              <a:picLocks noChangeAspect="1"/>
+            </p:cNvPicPr>
+            <p:nvPr/>
+          </p:nvPicPr>
+          <p:blipFill>
+            <a:blip r:embed="rId8">
+              <a:extLst>
+                <a:ext uri="{28A0092B-C50C-407E-A947-70E740481C1C}">
+                  <a14:useLocalDpi xmlns:a14="http://schemas.microsoft.com/office/drawing/2010/main" val="0"/>
+                </a:ext>
+                <a:ext uri="{96DAC541-7B7A-43D3-8B79-37D633B846F1}">
+                  <asvg:svgBlip xmlns:asvg="http://schemas.microsoft.com/office/drawing/2016/SVG/main" r:embed="rId9"/>
+                </a:ext>
+              </a:extLst>
+            </a:blip>
+            <a:stretch>
+              <a:fillRect/>
+            </a:stretch>
+          </p:blipFill>
+          <p:spPr>
+            <a:xfrm rot="2739335">
+              <a:off x="5468984" y="5251359"/>
+              <a:ext cx="914400" cy="914400"/>
+            </a:xfrm>
+            <a:prstGeom prst="rect">
+              <a:avLst/>
+            </a:prstGeom>
+          </p:spPr>
+        </p:pic>
+      </p:grpSp>
+      <p:grpSp>
+        <p:nvGrpSpPr>
+          <p:cNvPr id="32" name="Gruppo 31">
+            <a:extLst>
+              <a:ext uri="{FF2B5EF4-FFF2-40B4-BE49-F238E27FC236}">
+                <a16:creationId xmlns:a16="http://schemas.microsoft.com/office/drawing/2014/main" id="{541DCE87-1178-44D4-912F-B30392F27FF4}"/>
+              </a:ext>
+            </a:extLst>
+          </p:cNvPr>
+          <p:cNvGrpSpPr>
+            <a:grpSpLocks noChangeAspect="1"/>
+          </p:cNvGrpSpPr>
+          <p:nvPr/>
+        </p:nvGrpSpPr>
+        <p:grpSpPr>
+          <a:xfrm>
+            <a:off x="6553200" y="3236919"/>
+            <a:ext cx="132130" cy="133684"/>
+            <a:chOff x="5468984" y="5240607"/>
+            <a:chExt cx="914401" cy="925152"/>
+          </a:xfrm>
+          <a:solidFill>
+            <a:srgbClr val="8A0000"/>
+          </a:solidFill>
+        </p:grpSpPr>
+        <p:pic>
+          <p:nvPicPr>
+            <p:cNvPr id="33" name="Elemento grafico 32" descr="Chiudi contorno">
+              <a:extLst>
+                <a:ext uri="{FF2B5EF4-FFF2-40B4-BE49-F238E27FC236}">
+                  <a16:creationId xmlns:a16="http://schemas.microsoft.com/office/drawing/2014/main" id="{67A620A7-C693-4073-BFCA-CEF459D0676C}"/>
+                </a:ext>
+              </a:extLst>
+            </p:cNvPr>
+            <p:cNvPicPr>
+              <a:picLocks noChangeAspect="1"/>
+            </p:cNvPicPr>
+            <p:nvPr/>
+          </p:nvPicPr>
+          <p:blipFill>
+            <a:blip r:embed="rId8">
+              <a:extLst>
+                <a:ext uri="{28A0092B-C50C-407E-A947-70E740481C1C}">
+                  <a14:useLocalDpi xmlns:a14="http://schemas.microsoft.com/office/drawing/2010/main" val="0"/>
+                </a:ext>
+                <a:ext uri="{96DAC541-7B7A-43D3-8B79-37D633B846F1}">
+                  <asvg:svgBlip xmlns:asvg="http://schemas.microsoft.com/office/drawing/2016/SVG/main" r:embed="rId9"/>
+                </a:ext>
+              </a:extLst>
+            </a:blip>
+            <a:stretch>
+              <a:fillRect/>
+            </a:stretch>
+          </p:blipFill>
+          <p:spPr>
+            <a:xfrm>
+              <a:off x="5468985" y="5240607"/>
+              <a:ext cx="914400" cy="914400"/>
+            </a:xfrm>
+            <a:prstGeom prst="rect">
+              <a:avLst/>
+            </a:prstGeom>
+          </p:spPr>
+        </p:pic>
+        <p:pic>
+          <p:nvPicPr>
+            <p:cNvPr id="34" name="Elemento grafico 33" descr="Chiudi contorno">
+              <a:extLst>
+                <a:ext uri="{FF2B5EF4-FFF2-40B4-BE49-F238E27FC236}">
+                  <a16:creationId xmlns:a16="http://schemas.microsoft.com/office/drawing/2014/main" id="{869DDFC4-C902-4249-BBAF-D33CB1CE10A0}"/>
+                </a:ext>
+              </a:extLst>
+            </p:cNvPr>
+            <p:cNvPicPr>
+              <a:picLocks noChangeAspect="1"/>
+            </p:cNvPicPr>
+            <p:nvPr/>
+          </p:nvPicPr>
+          <p:blipFill>
+            <a:blip r:embed="rId8">
+              <a:extLst>
+                <a:ext uri="{28A0092B-C50C-407E-A947-70E740481C1C}">
+                  <a14:useLocalDpi xmlns:a14="http://schemas.microsoft.com/office/drawing/2010/main" val="0"/>
+                </a:ext>
+                <a:ext uri="{96DAC541-7B7A-43D3-8B79-37D633B846F1}">
+                  <asvg:svgBlip xmlns:asvg="http://schemas.microsoft.com/office/drawing/2016/SVG/main" r:embed="rId9"/>
+                </a:ext>
+              </a:extLst>
+            </a:blip>
+            <a:stretch>
+              <a:fillRect/>
+            </a:stretch>
+          </p:blipFill>
+          <p:spPr>
+            <a:xfrm rot="2739335">
+              <a:off x="5468984" y="5251359"/>
+              <a:ext cx="914400" cy="914400"/>
+            </a:xfrm>
+            <a:prstGeom prst="rect">
+              <a:avLst/>
+            </a:prstGeom>
+          </p:spPr>
+        </p:pic>
+      </p:grpSp>
+      <p:grpSp>
+        <p:nvGrpSpPr>
+          <p:cNvPr id="35" name="Gruppo 34">
+            <a:extLst>
+              <a:ext uri="{FF2B5EF4-FFF2-40B4-BE49-F238E27FC236}">
+                <a16:creationId xmlns:a16="http://schemas.microsoft.com/office/drawing/2014/main" id="{31C93AC9-105A-438C-A211-09CECB1EB1C8}"/>
+              </a:ext>
+            </a:extLst>
+          </p:cNvPr>
+          <p:cNvGrpSpPr>
+            <a:grpSpLocks noChangeAspect="1"/>
+          </p:cNvGrpSpPr>
+          <p:nvPr/>
+        </p:nvGrpSpPr>
+        <p:grpSpPr>
+          <a:xfrm>
+            <a:off x="5346314" y="5761072"/>
+            <a:ext cx="132130" cy="133684"/>
+            <a:chOff x="5468984" y="5240607"/>
+            <a:chExt cx="914401" cy="925152"/>
+          </a:xfrm>
+          <a:solidFill>
+            <a:srgbClr val="8A0000"/>
+          </a:solidFill>
+        </p:grpSpPr>
+        <p:pic>
+          <p:nvPicPr>
+            <p:cNvPr id="36" name="Elemento grafico 35" descr="Chiudi contorno">
+              <a:extLst>
+                <a:ext uri="{FF2B5EF4-FFF2-40B4-BE49-F238E27FC236}">
+                  <a16:creationId xmlns:a16="http://schemas.microsoft.com/office/drawing/2014/main" id="{8348A3AC-CEA3-4829-BABA-B35826E8EA80}"/>
+                </a:ext>
+              </a:extLst>
+            </p:cNvPr>
+            <p:cNvPicPr>
+              <a:picLocks noChangeAspect="1"/>
+            </p:cNvPicPr>
+            <p:nvPr/>
+          </p:nvPicPr>
+          <p:blipFill>
+            <a:blip r:embed="rId8">
+              <a:extLst>
+                <a:ext uri="{28A0092B-C50C-407E-A947-70E740481C1C}">
+                  <a14:useLocalDpi xmlns:a14="http://schemas.microsoft.com/office/drawing/2010/main" val="0"/>
+                </a:ext>
+                <a:ext uri="{96DAC541-7B7A-43D3-8B79-37D633B846F1}">
+                  <asvg:svgBlip xmlns:asvg="http://schemas.microsoft.com/office/drawing/2016/SVG/main" r:embed="rId9"/>
+                </a:ext>
+              </a:extLst>
+            </a:blip>
+            <a:stretch>
+              <a:fillRect/>
+            </a:stretch>
+          </p:blipFill>
+          <p:spPr>
+            <a:xfrm>
+              <a:off x="5468985" y="5240607"/>
+              <a:ext cx="914400" cy="914400"/>
+            </a:xfrm>
+            <a:prstGeom prst="rect">
+              <a:avLst/>
+            </a:prstGeom>
+          </p:spPr>
+        </p:pic>
+        <p:pic>
+          <p:nvPicPr>
+            <p:cNvPr id="37" name="Elemento grafico 36" descr="Chiudi contorno">
+              <a:extLst>
+                <a:ext uri="{FF2B5EF4-FFF2-40B4-BE49-F238E27FC236}">
+                  <a16:creationId xmlns:a16="http://schemas.microsoft.com/office/drawing/2014/main" id="{B5273B43-7AB6-49D5-8DCF-0B8D6F50F48B}"/>
+                </a:ext>
+              </a:extLst>
+            </p:cNvPr>
+            <p:cNvPicPr>
+              <a:picLocks noChangeAspect="1"/>
+            </p:cNvPicPr>
+            <p:nvPr/>
+          </p:nvPicPr>
+          <p:blipFill>
+            <a:blip r:embed="rId8">
+              <a:extLst>
+                <a:ext uri="{28A0092B-C50C-407E-A947-70E740481C1C}">
+                  <a14:useLocalDpi xmlns:a14="http://schemas.microsoft.com/office/drawing/2010/main" val="0"/>
+                </a:ext>
+                <a:ext uri="{96DAC541-7B7A-43D3-8B79-37D633B846F1}">
+                  <asvg:svgBlip xmlns:asvg="http://schemas.microsoft.com/office/drawing/2016/SVG/main" r:embed="rId9"/>
+                </a:ext>
+              </a:extLst>
+            </a:blip>
+            <a:stretch>
+              <a:fillRect/>
+            </a:stretch>
+          </p:blipFill>
+          <p:spPr>
+            <a:xfrm rot="2739335">
+              <a:off x="5468984" y="5251359"/>
+              <a:ext cx="914400" cy="914400"/>
+            </a:xfrm>
+            <a:prstGeom prst="rect">
+              <a:avLst/>
+            </a:prstGeom>
+          </p:spPr>
+        </p:pic>
+      </p:grpSp>
+      <p:sp>
+        <p:nvSpPr>
+          <p:cNvPr id="38" name="CasellaDiTesto 37">
+            <a:extLst>
+              <a:ext uri="{FF2B5EF4-FFF2-40B4-BE49-F238E27FC236}">
+                <a16:creationId xmlns:a16="http://schemas.microsoft.com/office/drawing/2014/main" id="{7B7DBD3A-A4B3-4CA9-96DE-8888DFEB069E}"/>
+              </a:ext>
+            </a:extLst>
+          </p:cNvPr>
+          <p:cNvSpPr txBox="1"/>
+          <p:nvPr/>
+        </p:nvSpPr>
+        <p:spPr>
+          <a:xfrm>
+            <a:off x="5408113" y="5735267"/>
+            <a:ext cx="1387060" cy="707886"/>
+          </a:xfrm>
+          <a:prstGeom prst="rect">
+            <a:avLst/>
+          </a:prstGeom>
+          <a:noFill/>
+          <a:ln w="25400">
+            <a:noFill/>
+          </a:ln>
+        </p:spPr>
+        <p:txBody>
+          <a:bodyPr wrap="square" rtlCol="0">
+            <a:spAutoFit/>
+          </a:bodyPr>
+          <a:lstStyle/>
+          <a:p>
+            <a:pPr algn="ctr"/>
+            <a:r>
+              <a:rPr lang="it-IT" sz="2000" dirty="0">
+                <a:solidFill>
+                  <a:schemeClr val="accent5">
+                    <a:lumMod val="20000"/>
+                    <a:lumOff val="80000"/>
+                  </a:schemeClr>
+                </a:solidFill>
+                <a:latin typeface="Tw Cen MT Condensed Extra Bold" panose="020B0803020202020204" pitchFamily="34" charset="0"/>
+              </a:rPr>
+              <a:t>ON BINARY PROBLEM</a:t>
+            </a:r>
+          </a:p>
+        </p:txBody>
+      </p:sp>
+      <p:pic>
+        <p:nvPicPr>
+          <p:cNvPr id="39" name="Elemento grafico 38" descr="Tiro a segno con riempimento a tinta unita">
+            <a:extLst>
+              <a:ext uri="{FF2B5EF4-FFF2-40B4-BE49-F238E27FC236}">
+                <a16:creationId xmlns:a16="http://schemas.microsoft.com/office/drawing/2014/main" id="{6A399579-DD7D-4D9A-A47F-F6F88CC0A782}"/>
+              </a:ext>
+            </a:extLst>
+          </p:cNvPr>
+          <p:cNvPicPr>
+            <a:picLocks noChangeAspect="1"/>
+          </p:cNvPicPr>
+          <p:nvPr/>
+        </p:nvPicPr>
+        <p:blipFill>
+          <a:blip r:embed="rId10">
+            <a:extLst>
+              <a:ext uri="{28A0092B-C50C-407E-A947-70E740481C1C}">
+                <a14:useLocalDpi xmlns:a14="http://schemas.microsoft.com/office/drawing/2010/main" val="0"/>
+              </a:ext>
+              <a:ext uri="{96DAC541-7B7A-43D3-8B79-37D633B846F1}">
+                <asvg:svgBlip xmlns:asvg="http://schemas.microsoft.com/office/drawing/2016/SVG/main" r:embed="rId11"/>
+              </a:ext>
+            </a:extLst>
+          </a:blip>
+          <a:stretch>
+            <a:fillRect/>
+          </a:stretch>
+        </p:blipFill>
+        <p:spPr>
+          <a:xfrm>
+            <a:off x="1515354" y="281872"/>
+            <a:ext cx="914400" cy="914400"/>
+          </a:xfrm>
+          <a:prstGeom prst="rect">
+            <a:avLst/>
+          </a:prstGeom>
+        </p:spPr>
+      </p:pic>
+      <p:sp>
+        <p:nvSpPr>
+          <p:cNvPr id="43" name="CasellaDiTesto 42">
+            <a:extLst>
+              <a:ext uri="{FF2B5EF4-FFF2-40B4-BE49-F238E27FC236}">
+                <a16:creationId xmlns:a16="http://schemas.microsoft.com/office/drawing/2014/main" id="{89E8C6AA-97BD-4189-AB5C-FC9585E0B940}"/>
+              </a:ext>
+            </a:extLst>
+          </p:cNvPr>
+          <p:cNvSpPr txBox="1"/>
+          <p:nvPr/>
+        </p:nvSpPr>
+        <p:spPr>
+          <a:xfrm>
+            <a:off x="5709119" y="1268400"/>
+            <a:ext cx="773761" cy="830997"/>
+          </a:xfrm>
+          <a:prstGeom prst="rect">
+            <a:avLst/>
+          </a:prstGeom>
+          <a:noFill/>
+          <a:ln w="25400">
+            <a:noFill/>
+          </a:ln>
+        </p:spPr>
+        <p:txBody>
+          <a:bodyPr wrap="square" rtlCol="0">
+            <a:spAutoFit/>
+          </a:bodyPr>
+          <a:lstStyle/>
+          <a:p>
+            <a:pPr algn="ctr"/>
+            <a:r>
+              <a:rPr lang="it-IT" sz="4800" dirty="0">
+                <a:solidFill>
+                  <a:srgbClr val="258EBB"/>
+                </a:solidFill>
+                <a:effectLst>
+                  <a:outerShdw blurRad="38100" dist="38100" dir="2700000" algn="tl">
+                    <a:srgbClr val="000000">
+                      <a:alpha val="43137"/>
+                    </a:srgbClr>
+                  </a:outerShdw>
+                </a:effectLst>
+                <a:latin typeface="Tw Cen MT Condensed Extra Bold" panose="020B0803020202020204" pitchFamily="34" charset="0"/>
+              </a:rPr>
+              <a:t>&amp;</a:t>
+            </a:r>
+          </a:p>
+        </p:txBody>
+      </p:sp>
+      <p:sp>
+        <p:nvSpPr>
+          <p:cNvPr id="44" name="CasellaDiTesto 43">
+            <a:extLst>
+              <a:ext uri="{FF2B5EF4-FFF2-40B4-BE49-F238E27FC236}">
+                <a16:creationId xmlns:a16="http://schemas.microsoft.com/office/drawing/2014/main" id="{D2ACDE4E-09A9-4595-A309-EAAC30AEC37C}"/>
+              </a:ext>
+            </a:extLst>
+          </p:cNvPr>
+          <p:cNvSpPr txBox="1"/>
+          <p:nvPr/>
+        </p:nvSpPr>
+        <p:spPr>
+          <a:xfrm>
+            <a:off x="-26672" y="6211669"/>
+            <a:ext cx="3057185" cy="646331"/>
+          </a:xfrm>
+          <a:prstGeom prst="rect">
+            <a:avLst/>
+          </a:prstGeom>
+          <a:noFill/>
+        </p:spPr>
+        <p:txBody>
+          <a:bodyPr wrap="square" rtlCol="0">
+            <a:spAutoFit/>
+          </a:bodyPr>
+          <a:lstStyle/>
+          <a:p>
+            <a:r>
+              <a:rPr lang="it-IT" sz="1200" b="1" i="1" dirty="0">
+                <a:solidFill>
+                  <a:schemeClr val="tx1">
+                    <a:lumMod val="85000"/>
+                    <a:lumOff val="15000"/>
+                  </a:schemeClr>
+                </a:solidFill>
+                <a:latin typeface="Tw Cen MT Condensed" panose="020B0606020104020203" pitchFamily="34" charset="0"/>
+              </a:rPr>
+              <a:t>Text Mining &amp; </a:t>
+            </a:r>
+            <a:r>
+              <a:rPr lang="it-IT" sz="1200" b="1" i="1" dirty="0" err="1">
+                <a:solidFill>
+                  <a:schemeClr val="tx1">
+                    <a:lumMod val="85000"/>
+                    <a:lumOff val="15000"/>
+                  </a:schemeClr>
+                </a:solidFill>
+                <a:latin typeface="Tw Cen MT Condensed" panose="020B0606020104020203" pitchFamily="34" charset="0"/>
+              </a:rPr>
+              <a:t>Search</a:t>
+            </a:r>
+            <a:r>
+              <a:rPr lang="it-IT" sz="1200" b="1" i="1" dirty="0">
+                <a:solidFill>
+                  <a:schemeClr val="tx1">
+                    <a:lumMod val="85000"/>
+                    <a:lumOff val="15000"/>
+                  </a:schemeClr>
+                </a:solidFill>
+                <a:latin typeface="Tw Cen MT Condensed" panose="020B0606020104020203" pitchFamily="34" charset="0"/>
+              </a:rPr>
+              <a:t> 2020/21</a:t>
+            </a:r>
+          </a:p>
+          <a:p>
+            <a:r>
+              <a:rPr lang="it-IT" sz="1200" b="1" i="1" dirty="0">
+                <a:solidFill>
+                  <a:schemeClr val="tx1">
+                    <a:lumMod val="85000"/>
+                    <a:lumOff val="15000"/>
+                  </a:schemeClr>
+                </a:solidFill>
+                <a:latin typeface="Tw Cen MT Condensed" panose="020B0606020104020203" pitchFamily="34" charset="0"/>
+              </a:rPr>
+              <a:t>Luzzi Federico </a:t>
+            </a:r>
+          </a:p>
+          <a:p>
+            <a:r>
+              <a:rPr lang="it-IT" sz="1200" b="1" i="1" dirty="0">
+                <a:solidFill>
+                  <a:schemeClr val="tx1">
+                    <a:lumMod val="85000"/>
+                    <a:lumOff val="15000"/>
+                  </a:schemeClr>
+                </a:solidFill>
+                <a:latin typeface="Tw Cen MT Condensed" panose="020B0606020104020203" pitchFamily="34" charset="0"/>
+              </a:rPr>
+              <a:t>Peracchi Marco</a:t>
+            </a:r>
+          </a:p>
+        </p:txBody>
+      </p:sp>
     </p:spTree>
     <p:extLst>
       <p:ext uri="{BB962C8B-B14F-4D97-AF65-F5344CB8AC3E}">
@@ -10474,6 +12893,691 @@
           </a:p>
         </p:txBody>
       </p:sp>
+      <p:pic>
+        <p:nvPicPr>
+          <p:cNvPr id="3" name="Elemento grafico 2" descr="Testa con ingranaggi con riempimento a tinta unita">
+            <a:extLst>
+              <a:ext uri="{FF2B5EF4-FFF2-40B4-BE49-F238E27FC236}">
+                <a16:creationId xmlns:a16="http://schemas.microsoft.com/office/drawing/2014/main" id="{1E2939FC-F6C7-4F8E-B584-0BD50C73E44D}"/>
+              </a:ext>
+            </a:extLst>
+          </p:cNvPr>
+          <p:cNvPicPr>
+            <a:picLocks noChangeAspect="1"/>
+          </p:cNvPicPr>
+          <p:nvPr/>
+        </p:nvPicPr>
+        <p:blipFill>
+          <a:blip r:embed="rId2">
+            <a:extLst>
+              <a:ext uri="{28A0092B-C50C-407E-A947-70E740481C1C}">
+                <a14:useLocalDpi xmlns:a14="http://schemas.microsoft.com/office/drawing/2010/main" val="0"/>
+              </a:ext>
+              <a:ext uri="{96DAC541-7B7A-43D3-8B79-37D633B846F1}">
+                <asvg:svgBlip xmlns:asvg="http://schemas.microsoft.com/office/drawing/2016/SVG/main" r:embed="rId3"/>
+              </a:ext>
+            </a:extLst>
+          </a:blip>
+          <a:stretch>
+            <a:fillRect/>
+          </a:stretch>
+        </p:blipFill>
+        <p:spPr>
+          <a:xfrm>
+            <a:off x="1936045" y="470509"/>
+            <a:ext cx="914400" cy="914400"/>
+          </a:xfrm>
+          <a:prstGeom prst="rect">
+            <a:avLst/>
+          </a:prstGeom>
+        </p:spPr>
+      </p:pic>
+      <p:pic>
+        <p:nvPicPr>
+          <p:cNvPr id="5" name="Elemento grafico 4" descr="Testa con ingranaggi con riempimento a tinta unita">
+            <a:extLst>
+              <a:ext uri="{FF2B5EF4-FFF2-40B4-BE49-F238E27FC236}">
+                <a16:creationId xmlns:a16="http://schemas.microsoft.com/office/drawing/2014/main" id="{88CFEDDD-CF26-4E21-85A0-30D8EF48ABE8}"/>
+              </a:ext>
+            </a:extLst>
+          </p:cNvPr>
+          <p:cNvPicPr>
+            <a:picLocks noChangeAspect="1"/>
+          </p:cNvPicPr>
+          <p:nvPr/>
+        </p:nvPicPr>
+        <p:blipFill>
+          <a:blip r:embed="rId2">
+            <a:extLst>
+              <a:ext uri="{28A0092B-C50C-407E-A947-70E740481C1C}">
+                <a14:useLocalDpi xmlns:a14="http://schemas.microsoft.com/office/drawing/2010/main" val="0"/>
+              </a:ext>
+              <a:ext uri="{96DAC541-7B7A-43D3-8B79-37D633B846F1}">
+                <asvg:svgBlip xmlns:asvg="http://schemas.microsoft.com/office/drawing/2016/SVG/main" r:embed="rId3"/>
+              </a:ext>
+            </a:extLst>
+          </a:blip>
+          <a:stretch>
+            <a:fillRect/>
+          </a:stretch>
+        </p:blipFill>
+        <p:spPr>
+          <a:xfrm flipH="1">
+            <a:off x="1021645" y="470509"/>
+            <a:ext cx="914400" cy="914400"/>
+          </a:xfrm>
+          <a:prstGeom prst="rect">
+            <a:avLst/>
+          </a:prstGeom>
+        </p:spPr>
+      </p:pic>
+      <p:sp>
+        <p:nvSpPr>
+          <p:cNvPr id="6" name="CasellaDiTesto 5">
+            <a:extLst>
+              <a:ext uri="{FF2B5EF4-FFF2-40B4-BE49-F238E27FC236}">
+                <a16:creationId xmlns:a16="http://schemas.microsoft.com/office/drawing/2014/main" id="{8C53153D-C060-4E32-A7C1-7D15741FBB98}"/>
+              </a:ext>
+            </a:extLst>
+          </p:cNvPr>
+          <p:cNvSpPr txBox="1"/>
+          <p:nvPr/>
+        </p:nvSpPr>
+        <p:spPr>
+          <a:xfrm>
+            <a:off x="1021645" y="2474405"/>
+            <a:ext cx="5873678" cy="2677656"/>
+          </a:xfrm>
+          <a:prstGeom prst="rect">
+            <a:avLst/>
+          </a:prstGeom>
+          <a:noFill/>
+          <a:ln w="25400">
+            <a:noFill/>
+          </a:ln>
+        </p:spPr>
+        <p:txBody>
+          <a:bodyPr wrap="square" rtlCol="0">
+            <a:spAutoFit/>
+          </a:bodyPr>
+          <a:lstStyle/>
+          <a:p>
+            <a:pPr marL="514350" indent="-514350">
+              <a:buClr>
+                <a:schemeClr val="accent5">
+                  <a:lumMod val="20000"/>
+                  <a:lumOff val="80000"/>
+                </a:schemeClr>
+              </a:buClr>
+              <a:buFont typeface="+mj-lt"/>
+              <a:buAutoNum type="arabicPeriod"/>
+            </a:pPr>
+            <a:r>
+              <a:rPr lang="it-IT" sz="2800" dirty="0">
+                <a:solidFill>
+                  <a:srgbClr val="258EBB"/>
+                </a:solidFill>
+                <a:effectLst>
+                  <a:outerShdw blurRad="38100" dist="38100" dir="2700000" algn="tl">
+                    <a:srgbClr val="000000">
+                      <a:alpha val="43137"/>
+                    </a:srgbClr>
+                  </a:outerShdw>
+                </a:effectLst>
+                <a:latin typeface="Tw Cen MT Condensed Extra Bold" panose="020B0803020202020204" pitchFamily="34" charset="0"/>
+              </a:rPr>
+              <a:t>TF-IDF</a:t>
+            </a:r>
+            <a:r>
+              <a:rPr lang="it-IT" sz="2800" dirty="0">
+                <a:solidFill>
+                  <a:schemeClr val="accent5">
+                    <a:lumMod val="20000"/>
+                    <a:lumOff val="80000"/>
+                  </a:schemeClr>
+                </a:solidFill>
+                <a:effectLst>
+                  <a:outerShdw blurRad="38100" dist="38100" dir="2700000" algn="tl">
+                    <a:srgbClr val="000000">
+                      <a:alpha val="43137"/>
+                    </a:srgbClr>
+                  </a:outerShdw>
+                </a:effectLst>
+                <a:latin typeface="Tw Cen MT Condensed Extra Bold" panose="020B0803020202020204" pitchFamily="34" charset="0"/>
+              </a:rPr>
+              <a:t> BEST REPRESENTATION</a:t>
+            </a:r>
+          </a:p>
+          <a:p>
+            <a:pPr marL="514350" indent="-514350">
+              <a:buClr>
+                <a:schemeClr val="accent5">
+                  <a:lumMod val="20000"/>
+                  <a:lumOff val="80000"/>
+                </a:schemeClr>
+              </a:buClr>
+              <a:buFont typeface="+mj-lt"/>
+              <a:buAutoNum type="arabicPeriod"/>
+            </a:pPr>
+            <a:r>
+              <a:rPr lang="it-IT" sz="2800" dirty="0">
+                <a:solidFill>
+                  <a:srgbClr val="258EBB"/>
+                </a:solidFill>
+                <a:effectLst>
+                  <a:outerShdw blurRad="38100" dist="38100" dir="2700000" algn="tl">
+                    <a:srgbClr val="000000">
+                      <a:alpha val="43137"/>
+                    </a:srgbClr>
+                  </a:outerShdw>
+                </a:effectLst>
+                <a:latin typeface="Tw Cen MT Condensed Extra Bold" panose="020B0803020202020204" pitchFamily="34" charset="0"/>
+              </a:rPr>
+              <a:t>BINARIZATION </a:t>
+            </a:r>
+            <a:r>
+              <a:rPr lang="it-IT" sz="2800" dirty="0">
+                <a:solidFill>
+                  <a:schemeClr val="accent5">
+                    <a:lumMod val="20000"/>
+                    <a:lumOff val="80000"/>
+                  </a:schemeClr>
+                </a:solidFill>
+                <a:effectLst>
+                  <a:outerShdw blurRad="38100" dist="38100" dir="2700000" algn="tl">
+                    <a:srgbClr val="000000">
+                      <a:alpha val="43137"/>
+                    </a:srgbClr>
+                  </a:outerShdw>
+                </a:effectLst>
+                <a:latin typeface="Tw Cen MT Condensed Extra Bold" panose="020B0803020202020204" pitchFamily="34" charset="0"/>
+              </a:rPr>
+              <a:t>OPTIMAL SOLUTION</a:t>
+            </a:r>
+          </a:p>
+          <a:p>
+            <a:pPr marL="514350" indent="-514350">
+              <a:buClr>
+                <a:schemeClr val="accent5">
+                  <a:lumMod val="20000"/>
+                  <a:lumOff val="80000"/>
+                </a:schemeClr>
+              </a:buClr>
+              <a:buFont typeface="+mj-lt"/>
+              <a:buAutoNum type="arabicPeriod"/>
+            </a:pPr>
+            <a:r>
+              <a:rPr lang="it-IT" sz="2800" dirty="0">
+                <a:solidFill>
+                  <a:schemeClr val="accent5">
+                    <a:lumMod val="20000"/>
+                    <a:lumOff val="80000"/>
+                  </a:schemeClr>
+                </a:solidFill>
+                <a:effectLst>
+                  <a:outerShdw blurRad="38100" dist="38100" dir="2700000" algn="tl">
+                    <a:srgbClr val="000000">
+                      <a:alpha val="43137"/>
+                    </a:srgbClr>
+                  </a:outerShdw>
+                </a:effectLst>
+                <a:latin typeface="Tw Cen MT Condensed Extra Bold" panose="020B0803020202020204" pitchFamily="34" charset="0"/>
+              </a:rPr>
+              <a:t>SUPPORT VECTOR MACHINE WORKED WELL IN </a:t>
+            </a:r>
+            <a:r>
+              <a:rPr lang="it-IT" sz="2800" dirty="0">
+                <a:solidFill>
+                  <a:srgbClr val="258EBB"/>
+                </a:solidFill>
+                <a:effectLst>
+                  <a:outerShdw blurRad="38100" dist="38100" dir="2700000" algn="tl">
+                    <a:srgbClr val="000000">
+                      <a:alpha val="43137"/>
+                    </a:srgbClr>
+                  </a:outerShdw>
+                </a:effectLst>
+                <a:latin typeface="Tw Cen MT Condensed Extra Bold" panose="020B0803020202020204" pitchFamily="34" charset="0"/>
+              </a:rPr>
+              <a:t>ALL CASES</a:t>
+            </a:r>
+          </a:p>
+          <a:p>
+            <a:pPr marL="514350" indent="-514350">
+              <a:buClr>
+                <a:schemeClr val="accent5">
+                  <a:lumMod val="20000"/>
+                  <a:lumOff val="80000"/>
+                </a:schemeClr>
+              </a:buClr>
+              <a:buFont typeface="+mj-lt"/>
+              <a:buAutoNum type="arabicPeriod"/>
+            </a:pPr>
+            <a:r>
+              <a:rPr lang="it-IT" sz="2800" dirty="0">
+                <a:solidFill>
+                  <a:schemeClr val="accent5">
+                    <a:lumMod val="20000"/>
+                    <a:lumOff val="80000"/>
+                  </a:schemeClr>
+                </a:solidFill>
+                <a:effectLst>
+                  <a:outerShdw blurRad="38100" dist="38100" dir="2700000" algn="tl">
+                    <a:srgbClr val="000000">
+                      <a:alpha val="43137"/>
+                    </a:srgbClr>
+                  </a:outerShdw>
+                </a:effectLst>
+                <a:latin typeface="Tw Cen MT Condensed Extra Bold" panose="020B0803020202020204" pitchFamily="34" charset="0"/>
+              </a:rPr>
+              <a:t>RANDOM FOREST’S </a:t>
+            </a:r>
+            <a:r>
+              <a:rPr lang="it-IT" sz="2800" dirty="0">
+                <a:solidFill>
+                  <a:srgbClr val="258EBB"/>
+                </a:solidFill>
+                <a:effectLst>
+                  <a:outerShdw blurRad="38100" dist="38100" dir="2700000" algn="tl">
+                    <a:srgbClr val="000000">
+                      <a:alpha val="43137"/>
+                    </a:srgbClr>
+                  </a:outerShdw>
+                </a:effectLst>
+                <a:latin typeface="Tw Cen MT Condensed Extra Bold" panose="020B0803020202020204" pitchFamily="34" charset="0"/>
+              </a:rPr>
+              <a:t>OVERFITTING</a:t>
+            </a:r>
+          </a:p>
+          <a:p>
+            <a:pPr marL="514350" indent="-514350">
+              <a:buClr>
+                <a:schemeClr val="accent5">
+                  <a:lumMod val="20000"/>
+                  <a:lumOff val="80000"/>
+                </a:schemeClr>
+              </a:buClr>
+              <a:buFont typeface="+mj-lt"/>
+              <a:buAutoNum type="arabicPeriod"/>
+            </a:pPr>
+            <a:r>
+              <a:rPr lang="it-IT" sz="2800" dirty="0">
+                <a:solidFill>
+                  <a:srgbClr val="258EBB"/>
+                </a:solidFill>
+                <a:effectLst>
+                  <a:outerShdw blurRad="38100" dist="38100" dir="2700000" algn="tl">
+                    <a:srgbClr val="000000">
+                      <a:alpha val="43137"/>
+                    </a:srgbClr>
+                  </a:outerShdw>
+                </a:effectLst>
+                <a:latin typeface="Tw Cen MT Condensed Extra Bold" panose="020B0803020202020204" pitchFamily="34" charset="0"/>
+              </a:rPr>
+              <a:t>MORE</a:t>
+            </a:r>
+            <a:r>
+              <a:rPr lang="it-IT" sz="2800" dirty="0">
+                <a:solidFill>
+                  <a:schemeClr val="accent5">
+                    <a:lumMod val="20000"/>
+                    <a:lumOff val="80000"/>
+                  </a:schemeClr>
+                </a:solidFill>
+                <a:effectLst>
+                  <a:outerShdw blurRad="38100" dist="38100" dir="2700000" algn="tl">
+                    <a:srgbClr val="000000">
+                      <a:alpha val="43137"/>
+                    </a:srgbClr>
+                  </a:outerShdw>
+                </a:effectLst>
+                <a:latin typeface="Tw Cen MT Condensed Extra Bold" panose="020B0803020202020204" pitchFamily="34" charset="0"/>
+              </a:rPr>
+              <a:t> DATA FOR NEURAL NETWORKS</a:t>
+            </a:r>
+          </a:p>
+        </p:txBody>
+      </p:sp>
+      <p:pic>
+        <p:nvPicPr>
+          <p:cNvPr id="8" name="Elemento grafico 7" descr="Segna Pollice su con riempimento a tinta unita">
+            <a:extLst>
+              <a:ext uri="{FF2B5EF4-FFF2-40B4-BE49-F238E27FC236}">
+                <a16:creationId xmlns:a16="http://schemas.microsoft.com/office/drawing/2014/main" id="{932571FD-1F49-4C7E-8E38-4D079F0F5FC9}"/>
+              </a:ext>
+            </a:extLst>
+          </p:cNvPr>
+          <p:cNvPicPr>
+            <a:picLocks noChangeAspect="1"/>
+          </p:cNvPicPr>
+          <p:nvPr/>
+        </p:nvPicPr>
+        <p:blipFill>
+          <a:blip r:embed="rId4">
+            <a:extLst>
+              <a:ext uri="{28A0092B-C50C-407E-A947-70E740481C1C}">
+                <a14:useLocalDpi xmlns:a14="http://schemas.microsoft.com/office/drawing/2010/main" val="0"/>
+              </a:ext>
+              <a:ext uri="{96DAC541-7B7A-43D3-8B79-37D633B846F1}">
+                <asvg:svgBlip xmlns:asvg="http://schemas.microsoft.com/office/drawing/2016/SVG/main" r:embed="rId5"/>
+              </a:ext>
+            </a:extLst>
+          </a:blip>
+          <a:stretch>
+            <a:fillRect/>
+          </a:stretch>
+        </p:blipFill>
+        <p:spPr>
+          <a:xfrm>
+            <a:off x="6720486" y="2729654"/>
+            <a:ext cx="699346" cy="699346"/>
+          </a:xfrm>
+          <a:prstGeom prst="rect">
+            <a:avLst/>
+          </a:prstGeom>
+        </p:spPr>
+      </p:pic>
+      <p:pic>
+        <p:nvPicPr>
+          <p:cNvPr id="10" name="Elemento grafico 9" descr="Segna Pollice su con riempimento a tinta unita">
+            <a:extLst>
+              <a:ext uri="{FF2B5EF4-FFF2-40B4-BE49-F238E27FC236}">
+                <a16:creationId xmlns:a16="http://schemas.microsoft.com/office/drawing/2014/main" id="{97466DF6-60B4-4D3F-98A7-43D058FF2E89}"/>
+              </a:ext>
+            </a:extLst>
+          </p:cNvPr>
+          <p:cNvPicPr>
+            <a:picLocks noChangeAspect="1"/>
+          </p:cNvPicPr>
+          <p:nvPr/>
+        </p:nvPicPr>
+        <p:blipFill>
+          <a:blip r:embed="rId4">
+            <a:extLst>
+              <a:ext uri="{28A0092B-C50C-407E-A947-70E740481C1C}">
+                <a14:useLocalDpi xmlns:a14="http://schemas.microsoft.com/office/drawing/2010/main" val="0"/>
+              </a:ext>
+              <a:ext uri="{96DAC541-7B7A-43D3-8B79-37D633B846F1}">
+                <asvg:svgBlip xmlns:asvg="http://schemas.microsoft.com/office/drawing/2016/SVG/main" r:embed="rId5"/>
+              </a:ext>
+            </a:extLst>
+          </a:blip>
+          <a:stretch>
+            <a:fillRect/>
+          </a:stretch>
+        </p:blipFill>
+        <p:spPr>
+          <a:xfrm rot="10800000" flipH="1">
+            <a:off x="6720487" y="4607295"/>
+            <a:ext cx="699346" cy="699346"/>
+          </a:xfrm>
+          <a:prstGeom prst="rect">
+            <a:avLst/>
+          </a:prstGeom>
+        </p:spPr>
+      </p:pic>
+      <p:sp>
+        <p:nvSpPr>
+          <p:cNvPr id="11" name="CasellaDiTesto 10">
+            <a:extLst>
+              <a:ext uri="{FF2B5EF4-FFF2-40B4-BE49-F238E27FC236}">
+                <a16:creationId xmlns:a16="http://schemas.microsoft.com/office/drawing/2014/main" id="{0F9D3636-FA4E-4412-9E4F-B74966C449C2}"/>
+              </a:ext>
+            </a:extLst>
+          </p:cNvPr>
+          <p:cNvSpPr txBox="1"/>
+          <p:nvPr/>
+        </p:nvSpPr>
+        <p:spPr>
+          <a:xfrm>
+            <a:off x="8431819" y="2721114"/>
+            <a:ext cx="2730264" cy="707886"/>
+          </a:xfrm>
+          <a:prstGeom prst="rect">
+            <a:avLst/>
+          </a:prstGeom>
+          <a:noFill/>
+          <a:ln w="25400">
+            <a:solidFill>
+              <a:srgbClr val="32AADC"/>
+            </a:solidFill>
+          </a:ln>
+        </p:spPr>
+        <p:txBody>
+          <a:bodyPr wrap="square" rtlCol="0">
+            <a:spAutoFit/>
+          </a:bodyPr>
+          <a:lstStyle/>
+          <a:p>
+            <a:pPr algn="ctr"/>
+            <a:r>
+              <a:rPr lang="it-IT" sz="4000" dirty="0">
+                <a:solidFill>
+                  <a:schemeClr val="accent5">
+                    <a:lumMod val="20000"/>
+                    <a:lumOff val="80000"/>
+                  </a:schemeClr>
+                </a:solidFill>
+                <a:latin typeface="Tw Cen MT Condensed Extra Bold" panose="020B0803020202020204" pitchFamily="34" charset="0"/>
+              </a:rPr>
+              <a:t>BEST SCORES</a:t>
+            </a:r>
+          </a:p>
+        </p:txBody>
+      </p:sp>
+      <p:sp>
+        <p:nvSpPr>
+          <p:cNvPr id="12" name="CasellaDiTesto 11">
+            <a:extLst>
+              <a:ext uri="{FF2B5EF4-FFF2-40B4-BE49-F238E27FC236}">
+                <a16:creationId xmlns:a16="http://schemas.microsoft.com/office/drawing/2014/main" id="{BDFA9265-2441-48A6-AA87-F5B1ADB94CFB}"/>
+              </a:ext>
+            </a:extLst>
+          </p:cNvPr>
+          <p:cNvSpPr txBox="1"/>
+          <p:nvPr/>
+        </p:nvSpPr>
+        <p:spPr>
+          <a:xfrm>
+            <a:off x="8277864" y="3429000"/>
+            <a:ext cx="3038174" cy="1200329"/>
+          </a:xfrm>
+          <a:prstGeom prst="rect">
+            <a:avLst/>
+          </a:prstGeom>
+          <a:noFill/>
+          <a:ln w="25400">
+            <a:solidFill>
+              <a:srgbClr val="32AADC"/>
+            </a:solidFill>
+          </a:ln>
+        </p:spPr>
+        <p:txBody>
+          <a:bodyPr wrap="square" rtlCol="0">
+            <a:spAutoFit/>
+          </a:bodyPr>
+          <a:lstStyle/>
+          <a:p>
+            <a:pPr algn="ctr"/>
+            <a:r>
+              <a:rPr lang="it-IT" sz="2400" dirty="0">
+                <a:solidFill>
+                  <a:schemeClr val="accent5">
+                    <a:lumMod val="20000"/>
+                    <a:lumOff val="80000"/>
+                  </a:schemeClr>
+                </a:solidFill>
+                <a:latin typeface="Tw Cen MT Condensed Extra Bold" panose="020B0803020202020204" pitchFamily="34" charset="0"/>
+              </a:rPr>
+              <a:t>SVM</a:t>
+            </a:r>
+          </a:p>
+          <a:p>
+            <a:pPr algn="ctr"/>
+            <a:r>
+              <a:rPr lang="it-IT" sz="2400" dirty="0">
+                <a:solidFill>
+                  <a:schemeClr val="accent5">
+                    <a:lumMod val="20000"/>
+                    <a:lumOff val="80000"/>
+                  </a:schemeClr>
+                </a:solidFill>
+                <a:latin typeface="Tw Cen MT Condensed Extra Bold" panose="020B0803020202020204" pitchFamily="34" charset="0"/>
+              </a:rPr>
+              <a:t>NEURAL NETWORK ONE</a:t>
+            </a:r>
+          </a:p>
+          <a:p>
+            <a:pPr algn="ctr"/>
+            <a:r>
+              <a:rPr lang="it-IT" sz="2400" dirty="0">
+                <a:solidFill>
+                  <a:schemeClr val="accent5">
+                    <a:lumMod val="20000"/>
+                    <a:lumOff val="80000"/>
+                  </a:schemeClr>
+                </a:solidFill>
+                <a:latin typeface="Tw Cen MT Condensed Extra Bold" panose="020B0803020202020204" pitchFamily="34" charset="0"/>
+              </a:rPr>
+              <a:t>TF-IDF</a:t>
+            </a:r>
+          </a:p>
+        </p:txBody>
+      </p:sp>
+      <p:sp>
+        <p:nvSpPr>
+          <p:cNvPr id="13" name="CasellaDiTesto 12">
+            <a:extLst>
+              <a:ext uri="{FF2B5EF4-FFF2-40B4-BE49-F238E27FC236}">
+                <a16:creationId xmlns:a16="http://schemas.microsoft.com/office/drawing/2014/main" id="{DD332451-74B3-4A2A-9771-F36DC4915E0A}"/>
+              </a:ext>
+            </a:extLst>
+          </p:cNvPr>
+          <p:cNvSpPr txBox="1"/>
+          <p:nvPr/>
+        </p:nvSpPr>
+        <p:spPr>
+          <a:xfrm>
+            <a:off x="-26672" y="6211669"/>
+            <a:ext cx="3057185" cy="646331"/>
+          </a:xfrm>
+          <a:prstGeom prst="rect">
+            <a:avLst/>
+          </a:prstGeom>
+          <a:noFill/>
+        </p:spPr>
+        <p:txBody>
+          <a:bodyPr wrap="square" rtlCol="0">
+            <a:spAutoFit/>
+          </a:bodyPr>
+          <a:lstStyle/>
+          <a:p>
+            <a:r>
+              <a:rPr lang="it-IT" sz="1200" b="1" i="1" dirty="0">
+                <a:solidFill>
+                  <a:schemeClr val="tx1">
+                    <a:lumMod val="85000"/>
+                    <a:lumOff val="15000"/>
+                  </a:schemeClr>
+                </a:solidFill>
+                <a:latin typeface="Tw Cen MT Condensed" panose="020B0606020104020203" pitchFamily="34" charset="0"/>
+              </a:rPr>
+              <a:t>Text Mining &amp; </a:t>
+            </a:r>
+            <a:r>
+              <a:rPr lang="it-IT" sz="1200" b="1" i="1" dirty="0" err="1">
+                <a:solidFill>
+                  <a:schemeClr val="tx1">
+                    <a:lumMod val="85000"/>
+                    <a:lumOff val="15000"/>
+                  </a:schemeClr>
+                </a:solidFill>
+                <a:latin typeface="Tw Cen MT Condensed" panose="020B0606020104020203" pitchFamily="34" charset="0"/>
+              </a:rPr>
+              <a:t>Search</a:t>
+            </a:r>
+            <a:r>
+              <a:rPr lang="it-IT" sz="1200" b="1" i="1" dirty="0">
+                <a:solidFill>
+                  <a:schemeClr val="tx1">
+                    <a:lumMod val="85000"/>
+                    <a:lumOff val="15000"/>
+                  </a:schemeClr>
+                </a:solidFill>
+                <a:latin typeface="Tw Cen MT Condensed" panose="020B0606020104020203" pitchFamily="34" charset="0"/>
+              </a:rPr>
+              <a:t> 2020/21</a:t>
+            </a:r>
+          </a:p>
+          <a:p>
+            <a:r>
+              <a:rPr lang="it-IT" sz="1200" b="1" i="1" dirty="0">
+                <a:solidFill>
+                  <a:schemeClr val="tx1">
+                    <a:lumMod val="85000"/>
+                    <a:lumOff val="15000"/>
+                  </a:schemeClr>
+                </a:solidFill>
+                <a:latin typeface="Tw Cen MT Condensed" panose="020B0606020104020203" pitchFamily="34" charset="0"/>
+              </a:rPr>
+              <a:t>Luzzi Federico </a:t>
+            </a:r>
+          </a:p>
+          <a:p>
+            <a:r>
+              <a:rPr lang="it-IT" sz="1200" b="1" i="1" dirty="0">
+                <a:solidFill>
+                  <a:schemeClr val="tx1">
+                    <a:lumMod val="85000"/>
+                    <a:lumOff val="15000"/>
+                  </a:schemeClr>
+                </a:solidFill>
+                <a:latin typeface="Tw Cen MT Condensed" panose="020B0606020104020203" pitchFamily="34" charset="0"/>
+              </a:rPr>
+              <a:t>Peracchi Marco</a:t>
+            </a:r>
+          </a:p>
+        </p:txBody>
+      </p:sp>
+      <p:pic>
+        <p:nvPicPr>
+          <p:cNvPr id="14" name="Elemento grafico 13" descr="Conteggio contorno">
+            <a:extLst>
+              <a:ext uri="{FF2B5EF4-FFF2-40B4-BE49-F238E27FC236}">
+                <a16:creationId xmlns:a16="http://schemas.microsoft.com/office/drawing/2014/main" id="{3893EC0B-64B9-4241-8FEE-9E1215818608}"/>
+              </a:ext>
+            </a:extLst>
+          </p:cNvPr>
+          <p:cNvPicPr>
+            <a:picLocks noChangeAspect="1"/>
+          </p:cNvPicPr>
+          <p:nvPr/>
+        </p:nvPicPr>
+        <p:blipFill>
+          <a:blip r:embed="rId6">
+            <a:extLst>
+              <a:ext uri="{28A0092B-C50C-407E-A947-70E740481C1C}">
+                <a14:useLocalDpi xmlns:a14="http://schemas.microsoft.com/office/drawing/2010/main" val="0"/>
+              </a:ext>
+              <a:ext uri="{96DAC541-7B7A-43D3-8B79-37D633B846F1}">
+                <asvg:svgBlip xmlns:asvg="http://schemas.microsoft.com/office/drawing/2016/SVG/main" r:embed="rId7"/>
+              </a:ext>
+            </a:extLst>
+          </a:blip>
+          <a:stretch>
+            <a:fillRect/>
+          </a:stretch>
+        </p:blipFill>
+        <p:spPr>
+          <a:xfrm>
+            <a:off x="11170355" y="2778500"/>
+            <a:ext cx="593114" cy="593114"/>
+          </a:xfrm>
+          <a:prstGeom prst="rect">
+            <a:avLst/>
+          </a:prstGeom>
+        </p:spPr>
+      </p:pic>
     </p:spTree>
     <p:extLst>
       <p:ext uri="{BB962C8B-B14F-4D97-AF65-F5344CB8AC3E}">

--- a/PresentationTextMining.pptx
+++ b/PresentationTextMining.pptx
@@ -268,7 +268,7 @@
           <a:p>
             <a:fld id="{B0B53A52-DDDC-4212-AEF9-5E5E54926935}" type="datetimeFigureOut">
               <a:rPr lang="it-IT" smtClean="0"/>
-              <a:t>14/02/2021</a:t>
+              <a:t>15/02/2021</a:t>
             </a:fld>
             <a:endParaRPr lang="it-IT" dirty="0"/>
           </a:p>
@@ -466,7 +466,7 @@
           <a:p>
             <a:fld id="{B0B53A52-DDDC-4212-AEF9-5E5E54926935}" type="datetimeFigureOut">
               <a:rPr lang="it-IT" smtClean="0"/>
-              <a:t>14/02/2021</a:t>
+              <a:t>15/02/2021</a:t>
             </a:fld>
             <a:endParaRPr lang="it-IT" dirty="0"/>
           </a:p>
@@ -674,7 +674,7 @@
           <a:p>
             <a:fld id="{B0B53A52-DDDC-4212-AEF9-5E5E54926935}" type="datetimeFigureOut">
               <a:rPr lang="it-IT" smtClean="0"/>
-              <a:t>14/02/2021</a:t>
+              <a:t>15/02/2021</a:t>
             </a:fld>
             <a:endParaRPr lang="it-IT" dirty="0"/>
           </a:p>
@@ -872,7 +872,7 @@
           <a:p>
             <a:fld id="{B0B53A52-DDDC-4212-AEF9-5E5E54926935}" type="datetimeFigureOut">
               <a:rPr lang="it-IT" smtClean="0"/>
-              <a:t>14/02/2021</a:t>
+              <a:t>15/02/2021</a:t>
             </a:fld>
             <a:endParaRPr lang="it-IT" dirty="0"/>
           </a:p>
@@ -1147,7 +1147,7 @@
           <a:p>
             <a:fld id="{B0B53A52-DDDC-4212-AEF9-5E5E54926935}" type="datetimeFigureOut">
               <a:rPr lang="it-IT" smtClean="0"/>
-              <a:t>14/02/2021</a:t>
+              <a:t>15/02/2021</a:t>
             </a:fld>
             <a:endParaRPr lang="it-IT" dirty="0"/>
           </a:p>
@@ -1412,7 +1412,7 @@
           <a:p>
             <a:fld id="{B0B53A52-DDDC-4212-AEF9-5E5E54926935}" type="datetimeFigureOut">
               <a:rPr lang="it-IT" smtClean="0"/>
-              <a:t>14/02/2021</a:t>
+              <a:t>15/02/2021</a:t>
             </a:fld>
             <a:endParaRPr lang="it-IT" dirty="0"/>
           </a:p>
@@ -1824,7 +1824,7 @@
           <a:p>
             <a:fld id="{B0B53A52-DDDC-4212-AEF9-5E5E54926935}" type="datetimeFigureOut">
               <a:rPr lang="it-IT" smtClean="0"/>
-              <a:t>14/02/2021</a:t>
+              <a:t>15/02/2021</a:t>
             </a:fld>
             <a:endParaRPr lang="it-IT" dirty="0"/>
           </a:p>
@@ -1965,7 +1965,7 @@
           <a:p>
             <a:fld id="{B0B53A52-DDDC-4212-AEF9-5E5E54926935}" type="datetimeFigureOut">
               <a:rPr lang="it-IT" smtClean="0"/>
-              <a:t>14/02/2021</a:t>
+              <a:t>15/02/2021</a:t>
             </a:fld>
             <a:endParaRPr lang="it-IT" dirty="0"/>
           </a:p>
@@ -2078,7 +2078,7 @@
           <a:p>
             <a:fld id="{B0B53A52-DDDC-4212-AEF9-5E5E54926935}" type="datetimeFigureOut">
               <a:rPr lang="it-IT" smtClean="0"/>
-              <a:t>14/02/2021</a:t>
+              <a:t>15/02/2021</a:t>
             </a:fld>
             <a:endParaRPr lang="it-IT" dirty="0"/>
           </a:p>
@@ -2389,7 +2389,7 @@
           <a:p>
             <a:fld id="{B0B53A52-DDDC-4212-AEF9-5E5E54926935}" type="datetimeFigureOut">
               <a:rPr lang="it-IT" smtClean="0"/>
-              <a:t>14/02/2021</a:t>
+              <a:t>15/02/2021</a:t>
             </a:fld>
             <a:endParaRPr lang="it-IT" dirty="0"/>
           </a:p>
@@ -2677,7 +2677,7 @@
           <a:p>
             <a:fld id="{B0B53A52-DDDC-4212-AEF9-5E5E54926935}" type="datetimeFigureOut">
               <a:rPr lang="it-IT" smtClean="0"/>
-              <a:t>14/02/2021</a:t>
+              <a:t>15/02/2021</a:t>
             </a:fld>
             <a:endParaRPr lang="it-IT" dirty="0"/>
           </a:p>
@@ -2918,7 +2918,7 @@
           <a:p>
             <a:fld id="{B0B53A52-DDDC-4212-AEF9-5E5E54926935}" type="datetimeFigureOut">
               <a:rPr lang="it-IT" smtClean="0"/>
-              <a:t>14/02/2021</a:t>
+              <a:t>15/02/2021</a:t>
             </a:fld>
             <a:endParaRPr lang="it-IT" dirty="0"/>
           </a:p>
@@ -4533,7 +4533,7 @@
             <a:r>
               <a:rPr lang="it-IT" sz="2800" dirty="0">
                 <a:solidFill>
-                  <a:srgbClr val="8A0000"/>
+                  <a:srgbClr val="A80000"/>
                 </a:solidFill>
                 <a:effectLst>
                   <a:outerShdw blurRad="38100" dist="38100" dir="2700000" algn="tl">
@@ -4600,7 +4600,7 @@
             <a:r>
               <a:rPr lang="it-IT" sz="2800" dirty="0">
                 <a:solidFill>
-                  <a:srgbClr val="8A0000"/>
+                  <a:srgbClr val="A80000"/>
                 </a:solidFill>
                 <a:effectLst>
                   <a:outerShdw blurRad="38100" dist="38100" dir="2700000" algn="tl">
@@ -5141,7 +5141,7 @@
             <a:r>
               <a:rPr lang="it-IT" altLang="it-IT" sz="1100" dirty="0">
                 <a:solidFill>
-                  <a:srgbClr val="8A0000"/>
+                  <a:srgbClr val="A80000"/>
                 </a:solidFill>
                 <a:effectLst>
                   <a:outerShdw blurRad="38100" dist="38100" dir="2700000" algn="tl">
@@ -5177,7 +5177,7 @@
             <a:r>
               <a:rPr lang="it-IT" altLang="it-IT" sz="1100" dirty="0">
                 <a:solidFill>
-                  <a:srgbClr val="8A0000"/>
+                  <a:srgbClr val="A80000"/>
                 </a:solidFill>
                 <a:effectLst>
                   <a:outerShdw blurRad="38100" dist="38100" dir="2700000" algn="tl">
@@ -5213,7 +5213,7 @@
             <a:r>
               <a:rPr lang="it-IT" altLang="it-IT" sz="1100" dirty="0">
                 <a:solidFill>
-                  <a:srgbClr val="8A0000"/>
+                  <a:srgbClr val="A80000"/>
                 </a:solidFill>
                 <a:effectLst>
                   <a:outerShdw blurRad="38100" dist="38100" dir="2700000" algn="tl">
@@ -5249,7 +5249,7 @@
             <a:r>
               <a:rPr lang="it-IT" altLang="it-IT" sz="1100" dirty="0">
                 <a:solidFill>
-                  <a:srgbClr val="8A0000"/>
+                  <a:srgbClr val="A80000"/>
                 </a:solidFill>
                 <a:effectLst>
                   <a:outerShdw blurRad="38100" dist="38100" dir="2700000" algn="tl">
@@ -5285,7 +5285,7 @@
             <a:r>
               <a:rPr lang="it-IT" altLang="it-IT" sz="1100" dirty="0">
                 <a:solidFill>
-                  <a:srgbClr val="8A0000"/>
+                  <a:srgbClr val="A80000"/>
                 </a:solidFill>
                 <a:effectLst>
                   <a:outerShdw blurRad="38100" dist="38100" dir="2700000" algn="tl">
@@ -5321,7 +5321,7 @@
             <a:r>
               <a:rPr lang="it-IT" altLang="it-IT" sz="1100" dirty="0">
                 <a:solidFill>
-                  <a:srgbClr val="8A0000"/>
+                  <a:srgbClr val="A80000"/>
                 </a:solidFill>
                 <a:effectLst>
                   <a:outerShdw blurRad="38100" dist="38100" dir="2700000" algn="tl">
@@ -5491,7 +5491,7 @@
             <a:r>
               <a:rPr lang="it-IT" altLang="it-IT" sz="1100" dirty="0">
                 <a:solidFill>
-                  <a:srgbClr val="8A0000"/>
+                  <a:srgbClr val="A80000"/>
                 </a:solidFill>
                 <a:effectLst>
                   <a:outerShdw blurRad="38100" dist="38100" dir="2700000" algn="tl">
@@ -5577,7 +5577,7 @@
             <a:r>
               <a:rPr lang="it-IT" altLang="it-IT" sz="1100" dirty="0">
                 <a:solidFill>
-                  <a:srgbClr val="8A0000"/>
+                  <a:srgbClr val="A80000"/>
                 </a:solidFill>
                 <a:effectLst>
                   <a:outerShdw blurRad="38100" dist="38100" dir="2700000" algn="tl">
@@ -8227,8 +8227,10 @@
           <a:solidFill>
             <a:srgbClr val="32AADC"/>
           </a:solidFill>
-          <a:ln>
-            <a:noFill/>
+          <a:ln w="12700">
+            <a:solidFill>
+              <a:srgbClr val="262626"/>
+            </a:solidFill>
           </a:ln>
         </p:spPr>
         <p:style>
@@ -10231,6 +10233,66 @@
             <a:r>
               <a:rPr lang="it-IT" sz="2800" dirty="0">
                 <a:solidFill>
+                  <a:srgbClr val="A80000"/>
+                </a:solidFill>
+                <a:effectLst>
+                  <a:outerShdw blurRad="38100" dist="38100" dir="2700000" algn="tl">
+                    <a:srgbClr val="000000">
+                      <a:alpha val="43137"/>
+                    </a:srgbClr>
+                  </a:outerShdw>
+                </a:effectLst>
+                <a:latin typeface="Tw Cen MT Condensed Extra Bold" panose="020B0803020202020204" pitchFamily="34" charset="0"/>
+              </a:rPr>
+              <a:t>BINARIZATION</a:t>
+            </a:r>
+            <a:r>
+              <a:rPr lang="it-IT" sz="2800" dirty="0">
+                <a:solidFill>
+                  <a:srgbClr val="A80000"/>
+                </a:solidFill>
+                <a:latin typeface="Tw Cen MT Condensed Extra Bold" panose="020B0803020202020204" pitchFamily="34" charset="0"/>
+              </a:rPr>
+              <a:t> </a:t>
+            </a:r>
+          </a:p>
+        </p:txBody>
+      </p:sp>
+      <p:sp>
+        <p:nvSpPr>
+          <p:cNvPr id="20" name="CasellaDiTesto 19">
+            <a:extLst>
+              <a:ext uri="{FF2B5EF4-FFF2-40B4-BE49-F238E27FC236}">
+                <a16:creationId xmlns:a16="http://schemas.microsoft.com/office/drawing/2014/main" id="{6B1EFB36-95A6-4F69-B4A7-FC598E454697}"/>
+              </a:ext>
+            </a:extLst>
+          </p:cNvPr>
+          <p:cNvSpPr txBox="1"/>
+          <p:nvPr/>
+        </p:nvSpPr>
+        <p:spPr>
+          <a:xfrm>
+            <a:off x="6993805" y="4002041"/>
+            <a:ext cx="3465470" cy="523220"/>
+          </a:xfrm>
+          <a:prstGeom prst="rect">
+            <a:avLst/>
+          </a:prstGeom>
+          <a:noFill/>
+          <a:ln w="25400">
+            <a:noFill/>
+          </a:ln>
+        </p:spPr>
+        <p:txBody>
+          <a:bodyPr wrap="square" rtlCol="0">
+            <a:spAutoFit/>
+          </a:bodyPr>
+          <a:lstStyle/>
+          <a:p>
+            <a:pPr algn="ctr"/>
+            <a:r>
+              <a:rPr lang="it-IT" sz="2800" dirty="0">
+                <a:solidFill>
                   <a:schemeClr val="accent5">
                     <a:lumMod val="20000"/>
                     <a:lumOff val="80000"/>
@@ -10238,17 +10300,17 @@
                 </a:solidFill>
                 <a:latin typeface="Tw Cen MT Condensed Extra Bold" panose="020B0803020202020204" pitchFamily="34" charset="0"/>
               </a:rPr>
-              <a:t>TFIDF &amp; STOP-WORDS</a:t>
-            </a:r>
-          </a:p>
-        </p:txBody>
-      </p:sp>
-      <p:sp>
-        <p:nvSpPr>
-          <p:cNvPr id="20" name="CasellaDiTesto 19">
-            <a:extLst>
-              <a:ext uri="{FF2B5EF4-FFF2-40B4-BE49-F238E27FC236}">
-                <a16:creationId xmlns:a16="http://schemas.microsoft.com/office/drawing/2014/main" id="{6B1EFB36-95A6-4F69-B4A7-FC598E454697}"/>
+              <a:t>TF-IDF &amp; STEMMING</a:t>
+            </a:r>
+          </a:p>
+        </p:txBody>
+      </p:sp>
+      <p:sp>
+        <p:nvSpPr>
+          <p:cNvPr id="21" name="CasellaDiTesto 20">
+            <a:extLst>
+              <a:ext uri="{FF2B5EF4-FFF2-40B4-BE49-F238E27FC236}">
+                <a16:creationId xmlns:a16="http://schemas.microsoft.com/office/drawing/2014/main" id="{7DBC10BF-5633-4A92-BDA0-941D4D2FFA3B}"/>
               </a:ext>
             </a:extLst>
           </p:cNvPr>
@@ -10257,8 +10319,8 @@
         </p:nvSpPr>
         <p:spPr>
           <a:xfrm>
-            <a:off x="6993805" y="4002041"/>
-            <a:ext cx="3465470" cy="523220"/>
+            <a:off x="7020830" y="4593043"/>
+            <a:ext cx="3709373" cy="523220"/>
           </a:xfrm>
           <a:prstGeom prst="rect">
             <a:avLst/>
@@ -10285,54 +10347,7 @@
                 </a:solidFill>
                 <a:latin typeface="Tw Cen MT Condensed Extra Bold" panose="020B0803020202020204" pitchFamily="34" charset="0"/>
               </a:rPr>
-              <a:t>TFIDF &amp; STEMMING</a:t>
-            </a:r>
-          </a:p>
-        </p:txBody>
-      </p:sp>
-      <p:sp>
-        <p:nvSpPr>
-          <p:cNvPr id="21" name="CasellaDiTesto 20">
-            <a:extLst>
-              <a:ext uri="{FF2B5EF4-FFF2-40B4-BE49-F238E27FC236}">
-                <a16:creationId xmlns:a16="http://schemas.microsoft.com/office/drawing/2014/main" id="{7DBC10BF-5633-4A92-BDA0-941D4D2FFA3B}"/>
-              </a:ext>
-            </a:extLst>
-          </p:cNvPr>
-          <p:cNvSpPr txBox="1"/>
-          <p:nvPr/>
-        </p:nvSpPr>
-        <p:spPr>
-          <a:xfrm>
-            <a:off x="7020831" y="4593043"/>
-            <a:ext cx="3554586" cy="523220"/>
-          </a:xfrm>
-          <a:prstGeom prst="rect">
-            <a:avLst/>
-          </a:prstGeom>
-          <a:noFill/>
-          <a:ln w="25400">
-            <a:noFill/>
-          </a:ln>
-        </p:spPr>
-        <p:txBody>
-          <a:bodyPr wrap="square" rtlCol="0">
-            <a:spAutoFit/>
-          </a:bodyPr>
-          <a:lstStyle/>
-          <a:p>
-            <a:pPr algn="ctr"/>
-            <a:r>
-              <a:rPr lang="it-IT" sz="2800" dirty="0">
-                <a:solidFill>
-                  <a:schemeClr val="accent5">
-                    <a:lumMod val="20000"/>
-                    <a:lumOff val="80000"/>
-                  </a:schemeClr>
-                </a:solidFill>
-                <a:latin typeface="Tw Cen MT Condensed Extra Bold" panose="020B0803020202020204" pitchFamily="34" charset="0"/>
-              </a:rPr>
-              <a:t>TFIDF &amp; LEMMATIZATION</a:t>
+              <a:t>TF-IDF &amp; LEMMATIZATION</a:t>
             </a:r>
           </a:p>
         </p:txBody>
@@ -10821,7 +10836,7 @@
       </p:pic>
       <p:pic>
         <p:nvPicPr>
-          <p:cNvPr id="5" name="Immagine 4" descr="Immagine che contiene tavolo&#10;&#10;Descrizione generata automaticamente">
+          <p:cNvPr id="5" name="Immagine 4">
             <a:extLst>
               <a:ext uri="{FF2B5EF4-FFF2-40B4-BE49-F238E27FC236}">
                 <a16:creationId xmlns:a16="http://schemas.microsoft.com/office/drawing/2014/main" id="{B453CBAD-40CF-4DC0-A824-DE70564A777F}"/>
@@ -10835,6 +10850,44 @@
         </p:nvPicPr>
         <p:blipFill>
           <a:blip r:embed="rId4">
+            <a:extLst>
+              <a:ext uri="{28A0092B-C50C-407E-A947-70E740481C1C}">
+                <a14:useLocalDpi xmlns:a14="http://schemas.microsoft.com/office/drawing/2010/main" val="0"/>
+              </a:ext>
+            </a:extLst>
+          </a:blip>
+          <a:srcRect/>
+          <a:stretch/>
+        </p:blipFill>
+        <p:spPr>
+          <a:xfrm>
+            <a:off x="1346420" y="4461129"/>
+            <a:ext cx="3871012" cy="1648055"/>
+          </a:xfrm>
+          <a:prstGeom prst="rect">
+            <a:avLst/>
+          </a:prstGeom>
+          <a:effectLst>
+            <a:softEdge rad="12700"/>
+          </a:effectLst>
+        </p:spPr>
+      </p:pic>
+      <p:pic>
+        <p:nvPicPr>
+          <p:cNvPr id="6" name="Immagine 5" descr="Immagine che contiene tavolo&#10;&#10;Descrizione generata automaticamente">
+            <a:extLst>
+              <a:ext uri="{FF2B5EF4-FFF2-40B4-BE49-F238E27FC236}">
+                <a16:creationId xmlns:a16="http://schemas.microsoft.com/office/drawing/2014/main" id="{458AB4BD-759E-4BF2-9024-B8B1C1AA620F}"/>
+              </a:ext>
+            </a:extLst>
+          </p:cNvPr>
+          <p:cNvPicPr>
+            <a:picLocks noChangeAspect="1"/>
+          </p:cNvPicPr>
+          <p:nvPr/>
+        </p:nvPicPr>
+        <p:blipFill>
+          <a:blip r:embed="rId5">
             <a:extLst>
               <a:ext uri="{28A0092B-C50C-407E-A947-70E740481C1C}">
                 <a14:useLocalDpi xmlns:a14="http://schemas.microsoft.com/office/drawing/2010/main" val="0"/>
@@ -10847,8 +10900,8 @@
         </p:blipFill>
         <p:spPr>
           <a:xfrm>
-            <a:off x="1343318" y="4461129"/>
-            <a:ext cx="3877216" cy="1648055"/>
+            <a:off x="7236881" y="4461129"/>
+            <a:ext cx="3877216" cy="1638529"/>
           </a:xfrm>
           <a:prstGeom prst="rect">
             <a:avLst/>
@@ -10858,45 +10911,6 @@
           </a:effectLst>
         </p:spPr>
       </p:pic>
-      <p:pic>
-        <p:nvPicPr>
-          <p:cNvPr id="6" name="Immagine 5" descr="Immagine che contiene tavolo&#10;&#10;Descrizione generata automaticamente">
-            <a:extLst>
-              <a:ext uri="{FF2B5EF4-FFF2-40B4-BE49-F238E27FC236}">
-                <a16:creationId xmlns:a16="http://schemas.microsoft.com/office/drawing/2014/main" id="{458AB4BD-759E-4BF2-9024-B8B1C1AA620F}"/>
-              </a:ext>
-            </a:extLst>
-          </p:cNvPr>
-          <p:cNvPicPr>
-            <a:picLocks noChangeAspect="1"/>
-          </p:cNvPicPr>
-          <p:nvPr/>
-        </p:nvPicPr>
-        <p:blipFill>
-          <a:blip r:embed="rId5">
-            <a:extLst>
-              <a:ext uri="{28A0092B-C50C-407E-A947-70E740481C1C}">
-                <a14:useLocalDpi xmlns:a14="http://schemas.microsoft.com/office/drawing/2010/main" val="0"/>
-              </a:ext>
-            </a:extLst>
-          </a:blip>
-          <a:stretch>
-            <a:fillRect/>
-          </a:stretch>
-        </p:blipFill>
-        <p:spPr>
-          <a:xfrm>
-            <a:off x="7236881" y="4461129"/>
-            <a:ext cx="3877216" cy="1638529"/>
-          </a:xfrm>
-          <a:prstGeom prst="rect">
-            <a:avLst/>
-          </a:prstGeom>
-          <a:effectLst>
-            <a:softEdge rad="12700"/>
-          </a:effectLst>
-        </p:spPr>
-      </p:pic>
       <p:sp>
         <p:nvSpPr>
           <p:cNvPr id="7" name="CasellaDiTesto 6">
@@ -10911,8 +10925,8 @@
         </p:nvSpPr>
         <p:spPr>
           <a:xfrm>
-            <a:off x="2026828" y="3937909"/>
-            <a:ext cx="2673974" cy="523220"/>
+            <a:off x="1909282" y="3937909"/>
+            <a:ext cx="2909066" cy="523220"/>
           </a:xfrm>
           <a:prstGeom prst="rect">
             <a:avLst/>
@@ -10943,7 +10957,7 @@
                 </a:effectLst>
                 <a:latin typeface="Tw Cen MT Condensed Extra Bold" panose="020B0803020202020204" pitchFamily="34" charset="0"/>
               </a:rPr>
-              <a:t>TFID &amp; STEMMING</a:t>
+              <a:t>TF-IDF &amp; STEMMING</a:t>
             </a:r>
           </a:p>
         </p:txBody>
@@ -11105,7 +11119,7 @@
                 </a:effectLst>
                 <a:latin typeface="Tw Cen MT Condensed Extra Bold" panose="020B0803020202020204" pitchFamily="34" charset="0"/>
               </a:rPr>
-              <a:t>TFID &amp; LEMMATIZATION</a:t>
+              <a:t>TF-IDF &amp; LEMMATIZATION</a:t>
             </a:r>
           </a:p>
         </p:txBody>
@@ -11124,8 +11138,8 @@
         </p:nvSpPr>
         <p:spPr>
           <a:xfrm>
-            <a:off x="3750906" y="4461129"/>
-            <a:ext cx="1469628" cy="1648055"/>
+            <a:off x="3750907" y="4461129"/>
+            <a:ext cx="1437044" cy="1648055"/>
           </a:xfrm>
           <a:prstGeom prst="rect">
             <a:avLst/>
@@ -11133,7 +11147,7 @@
           <a:noFill/>
           <a:ln w="25400">
             <a:solidFill>
-              <a:srgbClr val="8A0000"/>
+              <a:srgbClr val="A80000"/>
             </a:solidFill>
           </a:ln>
         </p:spPr>
@@ -11185,7 +11199,7 @@
           <a:noFill/>
           <a:ln w="25400">
             <a:solidFill>
-              <a:srgbClr val="8A0000"/>
+              <a:srgbClr val="A80000"/>
             </a:solidFill>
           </a:ln>
         </p:spPr>
@@ -11237,7 +11251,7 @@
           <a:noFill/>
           <a:ln w="25400">
             <a:solidFill>
-              <a:srgbClr val="8A0000"/>
+              <a:srgbClr val="A80000"/>
             </a:solidFill>
           </a:ln>
         </p:spPr>
@@ -11281,7 +11295,7 @@
         <p:spPr>
           <a:xfrm>
             <a:off x="3750906" y="5548118"/>
-            <a:ext cx="1469628" cy="160443"/>
+            <a:ext cx="1437044" cy="160443"/>
           </a:xfrm>
           <a:prstGeom prst="rect">
             <a:avLst/>
@@ -11289,7 +11303,7 @@
           <a:noFill/>
           <a:ln w="25400">
             <a:solidFill>
-              <a:srgbClr val="8A0000"/>
+              <a:srgbClr val="A80000"/>
             </a:solidFill>
           </a:ln>
         </p:spPr>
@@ -11332,7 +11346,7 @@
         </p:nvSpPr>
         <p:spPr>
           <a:xfrm>
-            <a:off x="3750906" y="4829794"/>
+            <a:off x="2283013" y="4836144"/>
             <a:ext cx="1469628" cy="160443"/>
           </a:xfrm>
           <a:prstGeom prst="rect">
@@ -11341,7 +11355,7 @@
           <a:noFill/>
           <a:ln w="25400">
             <a:solidFill>
-              <a:srgbClr val="8A0000"/>
+              <a:srgbClr val="A80000"/>
             </a:solidFill>
           </a:ln>
         </p:spPr>
@@ -11393,7 +11407,7 @@
           <a:noFill/>
           <a:ln w="25400">
             <a:solidFill>
-              <a:srgbClr val="8A0000"/>
+              <a:srgbClr val="A80000"/>
             </a:solidFill>
           </a:ln>
         </p:spPr>
@@ -11445,7 +11459,7 @@
           <a:noFill/>
           <a:ln w="25400">
             <a:solidFill>
-              <a:srgbClr val="8A0000"/>
+              <a:srgbClr val="A80000"/>
             </a:solidFill>
           </a:ln>
         </p:spPr>
@@ -11497,7 +11511,7 @@
           <a:noFill/>
           <a:ln w="25400">
             <a:solidFill>
-              <a:srgbClr val="8A0000"/>
+              <a:srgbClr val="A80000"/>
             </a:solidFill>
           </a:ln>
         </p:spPr>
@@ -11557,8 +11571,8 @@
         </p:blipFill>
         <p:spPr>
           <a:xfrm>
-            <a:off x="4649765" y="3937909"/>
-            <a:ext cx="554995" cy="554995"/>
+            <a:off x="4714222" y="3969684"/>
+            <a:ext cx="500733" cy="500733"/>
           </a:xfrm>
           <a:prstGeom prst="rect">
             <a:avLst/>
@@ -11699,6 +11713,84 @@
           </a:p>
         </p:txBody>
       </p:sp>
+      <p:pic>
+        <p:nvPicPr>
+          <p:cNvPr id="23" name="Elemento grafico 22" descr="Medaglia con riempimento a tinta unita">
+            <a:extLst>
+              <a:ext uri="{FF2B5EF4-FFF2-40B4-BE49-F238E27FC236}">
+                <a16:creationId xmlns:a16="http://schemas.microsoft.com/office/drawing/2014/main" id="{4FC1369A-3C44-45BC-9A27-FFC968FAE3E8}"/>
+              </a:ext>
+            </a:extLst>
+          </p:cNvPr>
+          <p:cNvPicPr>
+            <a:picLocks noChangeAspect="1"/>
+          </p:cNvPicPr>
+          <p:nvPr/>
+        </p:nvPicPr>
+        <p:blipFill>
+          <a:blip r:embed="rId10">
+            <a:extLst>
+              <a:ext uri="{28A0092B-C50C-407E-A947-70E740481C1C}">
+                <a14:useLocalDpi xmlns:a14="http://schemas.microsoft.com/office/drawing/2010/main" val="0"/>
+              </a:ext>
+              <a:ext uri="{96DAC541-7B7A-43D3-8B79-37D633B846F1}">
+                <asvg:svgBlip xmlns:asvg="http://schemas.microsoft.com/office/drawing/2016/SVG/main" r:embed="rId11"/>
+              </a:ext>
+            </a:extLst>
+          </a:blip>
+          <a:stretch>
+            <a:fillRect/>
+          </a:stretch>
+        </p:blipFill>
+        <p:spPr>
+          <a:xfrm>
+            <a:off x="2154509" y="5517954"/>
+            <a:ext cx="220770" cy="220770"/>
+          </a:xfrm>
+          <a:prstGeom prst="rect">
+            <a:avLst/>
+          </a:prstGeom>
+        </p:spPr>
+      </p:pic>
+      <p:pic>
+        <p:nvPicPr>
+          <p:cNvPr id="27" name="Elemento grafico 26" descr="Medaglia con riempimento a tinta unita">
+            <a:extLst>
+              <a:ext uri="{FF2B5EF4-FFF2-40B4-BE49-F238E27FC236}">
+                <a16:creationId xmlns:a16="http://schemas.microsoft.com/office/drawing/2014/main" id="{EAC14516-B4B1-4F41-AC1B-BD9F27E58018}"/>
+              </a:ext>
+            </a:extLst>
+          </p:cNvPr>
+          <p:cNvPicPr>
+            <a:picLocks noChangeAspect="1"/>
+          </p:cNvPicPr>
+          <p:nvPr/>
+        </p:nvPicPr>
+        <p:blipFill>
+          <a:blip r:embed="rId10">
+            <a:extLst>
+              <a:ext uri="{28A0092B-C50C-407E-A947-70E740481C1C}">
+                <a14:useLocalDpi xmlns:a14="http://schemas.microsoft.com/office/drawing/2010/main" val="0"/>
+              </a:ext>
+              <a:ext uri="{96DAC541-7B7A-43D3-8B79-37D633B846F1}">
+                <asvg:svgBlip xmlns:asvg="http://schemas.microsoft.com/office/drawing/2016/SVG/main" r:embed="rId11"/>
+              </a:ext>
+            </a:extLst>
+          </a:blip>
+          <a:stretch>
+            <a:fillRect/>
+          </a:stretch>
+        </p:blipFill>
+        <p:spPr>
+          <a:xfrm>
+            <a:off x="2053534" y="4808659"/>
+            <a:ext cx="220770" cy="220770"/>
+          </a:xfrm>
+          <a:prstGeom prst="rect">
+            <a:avLst/>
+          </a:prstGeom>
+        </p:spPr>
+      </p:pic>
     </p:spTree>
     <p:extLst>
       <p:ext uri="{BB962C8B-B14F-4D97-AF65-F5344CB8AC3E}">
@@ -11764,7 +11856,7 @@
         </p:nvSpPr>
         <p:spPr>
           <a:xfrm>
-            <a:off x="3001326" y="158913"/>
+            <a:off x="-1142937" y="107070"/>
             <a:ext cx="5974721" cy="1015663"/>
           </a:xfrm>
           <a:prstGeom prst="rect">
@@ -11828,16 +11920,18 @@
         </p:blipFill>
         <p:spPr>
           <a:xfrm>
-            <a:off x="7114476" y="2524951"/>
-            <a:ext cx="4152396" cy="3210316"/>
+            <a:off x="7227278" y="2411220"/>
+            <a:ext cx="3422937" cy="2646354"/>
           </a:xfrm>
           <a:prstGeom prst="rect">
             <a:avLst/>
           </a:prstGeom>
-          <a:effectLst>
-            <a:reflection blurRad="6350" stA="52000" endA="300" endPos="16000" dir="5400000" sy="-100000" algn="bl" rotWithShape="0"/>
-            <a:softEdge rad="25400"/>
-          </a:effectLst>
+          <a:ln w="38100">
+            <a:solidFill>
+              <a:srgbClr val="FF0000"/>
+            </a:solidFill>
+          </a:ln>
+          <a:effectLst/>
         </p:spPr>
       </p:pic>
       <p:pic>
@@ -11868,14 +11962,13 @@
         </p:blipFill>
         <p:spPr>
           <a:xfrm>
-            <a:off x="925128" y="2425958"/>
-            <a:ext cx="4152396" cy="3309309"/>
+            <a:off x="1687714" y="2411220"/>
+            <a:ext cx="3422937" cy="2727957"/>
           </a:xfrm>
           <a:prstGeom prst="rect">
             <a:avLst/>
           </a:prstGeom>
           <a:effectLst>
-            <a:reflection blurRad="6350" stA="52000" endA="300" endPos="16000" dir="5400000" sy="-100000" algn="bl" rotWithShape="0"/>
             <a:softEdge rad="25400"/>
           </a:effectLst>
         </p:spPr>
@@ -11894,8 +11987,8 @@
         </p:nvSpPr>
         <p:spPr>
           <a:xfrm>
-            <a:off x="1142373" y="1335786"/>
-            <a:ext cx="3717906" cy="707886"/>
+            <a:off x="4443738" y="360605"/>
+            <a:ext cx="3304523" cy="584775"/>
           </a:xfrm>
           <a:prstGeom prst="rect">
             <a:avLst/>
@@ -11913,7 +12006,7 @@
           <a:p>
             <a:pPr algn="ctr"/>
             <a:r>
-              <a:rPr lang="it-IT" sz="4000" dirty="0">
+              <a:rPr lang="it-IT" sz="3200" dirty="0">
                 <a:solidFill>
                   <a:schemeClr val="accent5">
                     <a:lumMod val="20000"/>
@@ -11922,7 +12015,7 @@
                 </a:solidFill>
                 <a:latin typeface="Tw Cen MT Condensed Extra Bold" panose="020B0803020202020204" pitchFamily="34" charset="0"/>
               </a:rPr>
-              <a:t>TFID &amp; STEMMING</a:t>
+              <a:t>TF-IDF &amp; STEMMING</a:t>
             </a:r>
           </a:p>
         </p:txBody>
@@ -11958,7 +12051,7 @@
         </p:blipFill>
         <p:spPr>
           <a:xfrm>
-            <a:off x="368612" y="1335786"/>
+            <a:off x="7704139" y="179696"/>
             <a:ext cx="773761" cy="773761"/>
           </a:xfrm>
           <a:prstGeom prst="rect">
@@ -11997,7 +12090,7 @@
         </p:blipFill>
         <p:spPr>
           <a:xfrm>
-            <a:off x="9547619" y="281872"/>
+            <a:off x="10020704" y="267878"/>
             <a:ext cx="914400" cy="914400"/>
           </a:xfrm>
           <a:prstGeom prst="rect">
@@ -12019,7 +12112,7 @@
         </p:nvSpPr>
         <p:spPr>
           <a:xfrm>
-            <a:off x="6609678" y="1329956"/>
+            <a:off x="6357752" y="1329956"/>
             <a:ext cx="5161992" cy="707886"/>
           </a:xfrm>
           <a:prstGeom prst="rect">
@@ -12044,50 +12137,6 @@
                     <a:lumMod val="20000"/>
                     <a:lumOff val="80000"/>
                   </a:schemeClr>
-                </a:solidFill>
-                <a:latin typeface="Tw Cen MT Condensed Extra Bold" panose="020B0803020202020204" pitchFamily="34" charset="0"/>
-              </a:rPr>
-              <a:t>NEURAL NETWORK ONE</a:t>
-            </a:r>
-          </a:p>
-        </p:txBody>
-      </p:sp>
-      <p:sp>
-        <p:nvSpPr>
-          <p:cNvPr id="24" name="CasellaDiTesto 23">
-            <a:extLst>
-              <a:ext uri="{FF2B5EF4-FFF2-40B4-BE49-F238E27FC236}">
-                <a16:creationId xmlns:a16="http://schemas.microsoft.com/office/drawing/2014/main" id="{7277FDF5-918C-4825-92C5-B69A0DC69AC4}"/>
-              </a:ext>
-            </a:extLst>
-          </p:cNvPr>
-          <p:cNvSpPr txBox="1"/>
-          <p:nvPr/>
-        </p:nvSpPr>
-        <p:spPr>
-          <a:xfrm>
-            <a:off x="5170406" y="3177487"/>
-            <a:ext cx="1851188" cy="769441"/>
-          </a:xfrm>
-          <a:prstGeom prst="rect">
-            <a:avLst/>
-          </a:prstGeom>
-          <a:noFill/>
-          <a:ln w="25400">
-            <a:noFill/>
-          </a:ln>
-        </p:spPr>
-        <p:txBody>
-          <a:bodyPr wrap="square" rtlCol="0">
-            <a:spAutoFit/>
-          </a:bodyPr>
-          <a:lstStyle/>
-          <a:p>
-            <a:pPr algn="ctr"/>
-            <a:r>
-              <a:rPr lang="it-IT" sz="4400" dirty="0">
-                <a:solidFill>
-                  <a:srgbClr val="258EBB"/>
                 </a:solidFill>
                 <a:effectLst>
                   <a:outerShdw blurRad="38100" dist="38100" dir="2700000" algn="tl">
@@ -12098,17 +12147,17 @@
                 </a:effectLst>
                 <a:latin typeface="Tw Cen MT Condensed Extra Bold" panose="020B0803020202020204" pitchFamily="34" charset="0"/>
               </a:rPr>
-              <a:t>96%</a:t>
-            </a:r>
-          </a:p>
-        </p:txBody>
-      </p:sp>
-      <p:sp>
-        <p:nvSpPr>
-          <p:cNvPr id="25" name="CasellaDiTesto 24">
-            <a:extLst>
-              <a:ext uri="{FF2B5EF4-FFF2-40B4-BE49-F238E27FC236}">
-                <a16:creationId xmlns:a16="http://schemas.microsoft.com/office/drawing/2014/main" id="{47E81834-F325-4A6D-8C8F-7CA0972DE6EA}"/>
+              <a:t>NEURAL NETWORK ONE</a:t>
+            </a:r>
+          </a:p>
+        </p:txBody>
+      </p:sp>
+      <p:sp>
+        <p:nvSpPr>
+          <p:cNvPr id="24" name="CasellaDiTesto 23">
+            <a:extLst>
+              <a:ext uri="{FF2B5EF4-FFF2-40B4-BE49-F238E27FC236}">
+                <a16:creationId xmlns:a16="http://schemas.microsoft.com/office/drawing/2014/main" id="{7277FDF5-918C-4825-92C5-B69A0DC69AC4}"/>
               </a:ext>
             </a:extLst>
           </p:cNvPr>
@@ -12117,54 +12166,7 @@
         </p:nvSpPr>
         <p:spPr>
           <a:xfrm>
-            <a:off x="5468985" y="2837586"/>
-            <a:ext cx="1254030" cy="400110"/>
-          </a:xfrm>
-          <a:prstGeom prst="rect">
-            <a:avLst/>
-          </a:prstGeom>
-          <a:noFill/>
-          <a:ln w="25400">
-            <a:noFill/>
-          </a:ln>
-        </p:spPr>
-        <p:txBody>
-          <a:bodyPr wrap="square" rtlCol="0">
-            <a:spAutoFit/>
-          </a:bodyPr>
-          <a:lstStyle/>
-          <a:p>
-            <a:pPr algn="ctr"/>
-            <a:r>
-              <a:rPr lang="it-IT" sz="2000" dirty="0">
-                <a:solidFill>
-                  <a:schemeClr val="accent5">
-                    <a:lumMod val="20000"/>
-                    <a:lumOff val="80000"/>
-                  </a:schemeClr>
-                </a:solidFill>
-                <a:latin typeface="Tw Cen MT Condensed Extra Bold" panose="020B0803020202020204" pitchFamily="34" charset="0"/>
-              </a:rPr>
-              <a:t>ACCURACY</a:t>
-            </a:r>
-          </a:p>
-        </p:txBody>
-      </p:sp>
-      <p:sp>
-        <p:nvSpPr>
-          <p:cNvPr id="26" name="CasellaDiTesto 25">
-            <a:extLst>
-              <a:ext uri="{FF2B5EF4-FFF2-40B4-BE49-F238E27FC236}">
-                <a16:creationId xmlns:a16="http://schemas.microsoft.com/office/drawing/2014/main" id="{BFCB171C-0725-4523-9284-E78DA72E5F9B}"/>
-              </a:ext>
-            </a:extLst>
-          </p:cNvPr>
-          <p:cNvSpPr txBox="1"/>
-          <p:nvPr/>
-        </p:nvSpPr>
-        <p:spPr>
-          <a:xfrm>
-            <a:off x="5170406" y="4388244"/>
+            <a:off x="7141817" y="5591655"/>
             <a:ext cx="1851188" cy="769441"/>
           </a:xfrm>
           <a:prstGeom prst="rect">
@@ -12196,17 +12198,17 @@
                 </a:effectLst>
                 <a:latin typeface="Tw Cen MT Condensed Extra Bold" panose="020B0803020202020204" pitchFamily="34" charset="0"/>
               </a:rPr>
-              <a:t>94%</a:t>
-            </a:r>
-          </a:p>
-        </p:txBody>
-      </p:sp>
-      <p:sp>
-        <p:nvSpPr>
-          <p:cNvPr id="27" name="CasellaDiTesto 26">
-            <a:extLst>
-              <a:ext uri="{FF2B5EF4-FFF2-40B4-BE49-F238E27FC236}">
-                <a16:creationId xmlns:a16="http://schemas.microsoft.com/office/drawing/2014/main" id="{3F774ECB-387D-4C38-9E46-C3E5D17B6148}"/>
+              <a:t>96%</a:t>
+            </a:r>
+          </a:p>
+        </p:txBody>
+      </p:sp>
+      <p:sp>
+        <p:nvSpPr>
+          <p:cNvPr id="25" name="CasellaDiTesto 24">
+            <a:extLst>
+              <a:ext uri="{FF2B5EF4-FFF2-40B4-BE49-F238E27FC236}">
+                <a16:creationId xmlns:a16="http://schemas.microsoft.com/office/drawing/2014/main" id="{47E81834-F325-4A6D-8C8F-7CA0972DE6EA}"/>
               </a:ext>
             </a:extLst>
           </p:cNvPr>
@@ -12215,8 +12217,8 @@
         </p:nvSpPr>
         <p:spPr>
           <a:xfrm>
-            <a:off x="5396827" y="4080612"/>
-            <a:ext cx="1398346" cy="400110"/>
+            <a:off x="7440396" y="5284023"/>
+            <a:ext cx="1254030" cy="400110"/>
           </a:xfrm>
           <a:prstGeom prst="rect">
             <a:avLst/>
@@ -12243,329 +12245,17 @@
                 </a:solidFill>
                 <a:latin typeface="Tw Cen MT Condensed Extra Bold" panose="020B0803020202020204" pitchFamily="34" charset="0"/>
               </a:rPr>
-              <a:t>F1 MEASURE</a:t>
-            </a:r>
-          </a:p>
-        </p:txBody>
-      </p:sp>
-      <p:grpSp>
-        <p:nvGrpSpPr>
-          <p:cNvPr id="29" name="Gruppo 28">
-            <a:extLst>
-              <a:ext uri="{FF2B5EF4-FFF2-40B4-BE49-F238E27FC236}">
-                <a16:creationId xmlns:a16="http://schemas.microsoft.com/office/drawing/2014/main" id="{8959179C-7591-4C71-8582-54B502D80FB3}"/>
-              </a:ext>
-            </a:extLst>
-          </p:cNvPr>
-          <p:cNvGrpSpPr>
-            <a:grpSpLocks noChangeAspect="1"/>
-          </p:cNvGrpSpPr>
-          <p:nvPr/>
-        </p:nvGrpSpPr>
-        <p:grpSpPr>
-          <a:xfrm>
-            <a:off x="6553200" y="4480722"/>
-            <a:ext cx="132130" cy="133684"/>
-            <a:chOff x="5468984" y="5240607"/>
-            <a:chExt cx="914401" cy="925152"/>
-          </a:xfrm>
-          <a:solidFill>
-            <a:srgbClr val="8A0000"/>
-          </a:solidFill>
-        </p:grpSpPr>
-        <p:pic>
-          <p:nvPicPr>
-            <p:cNvPr id="28" name="Elemento grafico 27" descr="Chiudi contorno">
-              <a:extLst>
-                <a:ext uri="{FF2B5EF4-FFF2-40B4-BE49-F238E27FC236}">
-                  <a16:creationId xmlns:a16="http://schemas.microsoft.com/office/drawing/2014/main" id="{E82F3A42-7E88-4201-A1B7-BF292DA6D081}"/>
-                </a:ext>
-              </a:extLst>
-            </p:cNvPr>
-            <p:cNvPicPr>
-              <a:picLocks noChangeAspect="1"/>
-            </p:cNvPicPr>
-            <p:nvPr/>
-          </p:nvPicPr>
-          <p:blipFill>
-            <a:blip r:embed="rId8">
-              <a:extLst>
-                <a:ext uri="{28A0092B-C50C-407E-A947-70E740481C1C}">
-                  <a14:useLocalDpi xmlns:a14="http://schemas.microsoft.com/office/drawing/2010/main" val="0"/>
-                </a:ext>
-                <a:ext uri="{96DAC541-7B7A-43D3-8B79-37D633B846F1}">
-                  <asvg:svgBlip xmlns:asvg="http://schemas.microsoft.com/office/drawing/2016/SVG/main" r:embed="rId9"/>
-                </a:ext>
-              </a:extLst>
-            </a:blip>
-            <a:stretch>
-              <a:fillRect/>
-            </a:stretch>
-          </p:blipFill>
-          <p:spPr>
-            <a:xfrm>
-              <a:off x="5468985" y="5240607"/>
-              <a:ext cx="914400" cy="914400"/>
-            </a:xfrm>
-            <a:prstGeom prst="rect">
-              <a:avLst/>
-            </a:prstGeom>
-          </p:spPr>
-        </p:pic>
-        <p:pic>
-          <p:nvPicPr>
-            <p:cNvPr id="30" name="Elemento grafico 29" descr="Chiudi contorno">
-              <a:extLst>
-                <a:ext uri="{FF2B5EF4-FFF2-40B4-BE49-F238E27FC236}">
-                  <a16:creationId xmlns:a16="http://schemas.microsoft.com/office/drawing/2014/main" id="{AE4BD31D-AC5B-47DC-9260-3BB86FD90CA0}"/>
-                </a:ext>
-              </a:extLst>
-            </p:cNvPr>
-            <p:cNvPicPr>
-              <a:picLocks noChangeAspect="1"/>
-            </p:cNvPicPr>
-            <p:nvPr/>
-          </p:nvPicPr>
-          <p:blipFill>
-            <a:blip r:embed="rId8">
-              <a:extLst>
-                <a:ext uri="{28A0092B-C50C-407E-A947-70E740481C1C}">
-                  <a14:useLocalDpi xmlns:a14="http://schemas.microsoft.com/office/drawing/2010/main" val="0"/>
-                </a:ext>
-                <a:ext uri="{96DAC541-7B7A-43D3-8B79-37D633B846F1}">
-                  <asvg:svgBlip xmlns:asvg="http://schemas.microsoft.com/office/drawing/2016/SVG/main" r:embed="rId9"/>
-                </a:ext>
-              </a:extLst>
-            </a:blip>
-            <a:stretch>
-              <a:fillRect/>
-            </a:stretch>
-          </p:blipFill>
-          <p:spPr>
-            <a:xfrm rot="2739335">
-              <a:off x="5468984" y="5251359"/>
-              <a:ext cx="914400" cy="914400"/>
-            </a:xfrm>
-            <a:prstGeom prst="rect">
-              <a:avLst/>
-            </a:prstGeom>
-          </p:spPr>
-        </p:pic>
-      </p:grpSp>
-      <p:grpSp>
-        <p:nvGrpSpPr>
-          <p:cNvPr id="32" name="Gruppo 31">
-            <a:extLst>
-              <a:ext uri="{FF2B5EF4-FFF2-40B4-BE49-F238E27FC236}">
-                <a16:creationId xmlns:a16="http://schemas.microsoft.com/office/drawing/2014/main" id="{541DCE87-1178-44D4-912F-B30392F27FF4}"/>
-              </a:ext>
-            </a:extLst>
-          </p:cNvPr>
-          <p:cNvGrpSpPr>
-            <a:grpSpLocks noChangeAspect="1"/>
-          </p:cNvGrpSpPr>
-          <p:nvPr/>
-        </p:nvGrpSpPr>
-        <p:grpSpPr>
-          <a:xfrm>
-            <a:off x="6553200" y="3236919"/>
-            <a:ext cx="132130" cy="133684"/>
-            <a:chOff x="5468984" y="5240607"/>
-            <a:chExt cx="914401" cy="925152"/>
-          </a:xfrm>
-          <a:solidFill>
-            <a:srgbClr val="8A0000"/>
-          </a:solidFill>
-        </p:grpSpPr>
-        <p:pic>
-          <p:nvPicPr>
-            <p:cNvPr id="33" name="Elemento grafico 32" descr="Chiudi contorno">
-              <a:extLst>
-                <a:ext uri="{FF2B5EF4-FFF2-40B4-BE49-F238E27FC236}">
-                  <a16:creationId xmlns:a16="http://schemas.microsoft.com/office/drawing/2014/main" id="{67A620A7-C693-4073-BFCA-CEF459D0676C}"/>
-                </a:ext>
-              </a:extLst>
-            </p:cNvPr>
-            <p:cNvPicPr>
-              <a:picLocks noChangeAspect="1"/>
-            </p:cNvPicPr>
-            <p:nvPr/>
-          </p:nvPicPr>
-          <p:blipFill>
-            <a:blip r:embed="rId8">
-              <a:extLst>
-                <a:ext uri="{28A0092B-C50C-407E-A947-70E740481C1C}">
-                  <a14:useLocalDpi xmlns:a14="http://schemas.microsoft.com/office/drawing/2010/main" val="0"/>
-                </a:ext>
-                <a:ext uri="{96DAC541-7B7A-43D3-8B79-37D633B846F1}">
-                  <asvg:svgBlip xmlns:asvg="http://schemas.microsoft.com/office/drawing/2016/SVG/main" r:embed="rId9"/>
-                </a:ext>
-              </a:extLst>
-            </a:blip>
-            <a:stretch>
-              <a:fillRect/>
-            </a:stretch>
-          </p:blipFill>
-          <p:spPr>
-            <a:xfrm>
-              <a:off x="5468985" y="5240607"/>
-              <a:ext cx="914400" cy="914400"/>
-            </a:xfrm>
-            <a:prstGeom prst="rect">
-              <a:avLst/>
-            </a:prstGeom>
-          </p:spPr>
-        </p:pic>
-        <p:pic>
-          <p:nvPicPr>
-            <p:cNvPr id="34" name="Elemento grafico 33" descr="Chiudi contorno">
-              <a:extLst>
-                <a:ext uri="{FF2B5EF4-FFF2-40B4-BE49-F238E27FC236}">
-                  <a16:creationId xmlns:a16="http://schemas.microsoft.com/office/drawing/2014/main" id="{869DDFC4-C902-4249-BBAF-D33CB1CE10A0}"/>
-                </a:ext>
-              </a:extLst>
-            </p:cNvPr>
-            <p:cNvPicPr>
-              <a:picLocks noChangeAspect="1"/>
-            </p:cNvPicPr>
-            <p:nvPr/>
-          </p:nvPicPr>
-          <p:blipFill>
-            <a:blip r:embed="rId8">
-              <a:extLst>
-                <a:ext uri="{28A0092B-C50C-407E-A947-70E740481C1C}">
-                  <a14:useLocalDpi xmlns:a14="http://schemas.microsoft.com/office/drawing/2010/main" val="0"/>
-                </a:ext>
-                <a:ext uri="{96DAC541-7B7A-43D3-8B79-37D633B846F1}">
-                  <asvg:svgBlip xmlns:asvg="http://schemas.microsoft.com/office/drawing/2016/SVG/main" r:embed="rId9"/>
-                </a:ext>
-              </a:extLst>
-            </a:blip>
-            <a:stretch>
-              <a:fillRect/>
-            </a:stretch>
-          </p:blipFill>
-          <p:spPr>
-            <a:xfrm rot="2739335">
-              <a:off x="5468984" y="5251359"/>
-              <a:ext cx="914400" cy="914400"/>
-            </a:xfrm>
-            <a:prstGeom prst="rect">
-              <a:avLst/>
-            </a:prstGeom>
-          </p:spPr>
-        </p:pic>
-      </p:grpSp>
-      <p:grpSp>
-        <p:nvGrpSpPr>
-          <p:cNvPr id="35" name="Gruppo 34">
-            <a:extLst>
-              <a:ext uri="{FF2B5EF4-FFF2-40B4-BE49-F238E27FC236}">
-                <a16:creationId xmlns:a16="http://schemas.microsoft.com/office/drawing/2014/main" id="{31C93AC9-105A-438C-A211-09CECB1EB1C8}"/>
-              </a:ext>
-            </a:extLst>
-          </p:cNvPr>
-          <p:cNvGrpSpPr>
-            <a:grpSpLocks noChangeAspect="1"/>
-          </p:cNvGrpSpPr>
-          <p:nvPr/>
-        </p:nvGrpSpPr>
-        <p:grpSpPr>
-          <a:xfrm>
-            <a:off x="5346314" y="5761072"/>
-            <a:ext cx="132130" cy="133684"/>
-            <a:chOff x="5468984" y="5240607"/>
-            <a:chExt cx="914401" cy="925152"/>
-          </a:xfrm>
-          <a:solidFill>
-            <a:srgbClr val="8A0000"/>
-          </a:solidFill>
-        </p:grpSpPr>
-        <p:pic>
-          <p:nvPicPr>
-            <p:cNvPr id="36" name="Elemento grafico 35" descr="Chiudi contorno">
-              <a:extLst>
-                <a:ext uri="{FF2B5EF4-FFF2-40B4-BE49-F238E27FC236}">
-                  <a16:creationId xmlns:a16="http://schemas.microsoft.com/office/drawing/2014/main" id="{8348A3AC-CEA3-4829-BABA-B35826E8EA80}"/>
-                </a:ext>
-              </a:extLst>
-            </p:cNvPr>
-            <p:cNvPicPr>
-              <a:picLocks noChangeAspect="1"/>
-            </p:cNvPicPr>
-            <p:nvPr/>
-          </p:nvPicPr>
-          <p:blipFill>
-            <a:blip r:embed="rId8">
-              <a:extLst>
-                <a:ext uri="{28A0092B-C50C-407E-A947-70E740481C1C}">
-                  <a14:useLocalDpi xmlns:a14="http://schemas.microsoft.com/office/drawing/2010/main" val="0"/>
-                </a:ext>
-                <a:ext uri="{96DAC541-7B7A-43D3-8B79-37D633B846F1}">
-                  <asvg:svgBlip xmlns:asvg="http://schemas.microsoft.com/office/drawing/2016/SVG/main" r:embed="rId9"/>
-                </a:ext>
-              </a:extLst>
-            </a:blip>
-            <a:stretch>
-              <a:fillRect/>
-            </a:stretch>
-          </p:blipFill>
-          <p:spPr>
-            <a:xfrm>
-              <a:off x="5468985" y="5240607"/>
-              <a:ext cx="914400" cy="914400"/>
-            </a:xfrm>
-            <a:prstGeom prst="rect">
-              <a:avLst/>
-            </a:prstGeom>
-          </p:spPr>
-        </p:pic>
-        <p:pic>
-          <p:nvPicPr>
-            <p:cNvPr id="37" name="Elemento grafico 36" descr="Chiudi contorno">
-              <a:extLst>
-                <a:ext uri="{FF2B5EF4-FFF2-40B4-BE49-F238E27FC236}">
-                  <a16:creationId xmlns:a16="http://schemas.microsoft.com/office/drawing/2014/main" id="{B5273B43-7AB6-49D5-8DCF-0B8D6F50F48B}"/>
-                </a:ext>
-              </a:extLst>
-            </p:cNvPr>
-            <p:cNvPicPr>
-              <a:picLocks noChangeAspect="1"/>
-            </p:cNvPicPr>
-            <p:nvPr/>
-          </p:nvPicPr>
-          <p:blipFill>
-            <a:blip r:embed="rId8">
-              <a:extLst>
-                <a:ext uri="{28A0092B-C50C-407E-A947-70E740481C1C}">
-                  <a14:useLocalDpi xmlns:a14="http://schemas.microsoft.com/office/drawing/2010/main" val="0"/>
-                </a:ext>
-                <a:ext uri="{96DAC541-7B7A-43D3-8B79-37D633B846F1}">
-                  <asvg:svgBlip xmlns:asvg="http://schemas.microsoft.com/office/drawing/2016/SVG/main" r:embed="rId9"/>
-                </a:ext>
-              </a:extLst>
-            </a:blip>
-            <a:stretch>
-              <a:fillRect/>
-            </a:stretch>
-          </p:blipFill>
-          <p:spPr>
-            <a:xfrm rot="2739335">
-              <a:off x="5468984" y="5251359"/>
-              <a:ext cx="914400" cy="914400"/>
-            </a:xfrm>
-            <a:prstGeom prst="rect">
-              <a:avLst/>
-            </a:prstGeom>
-          </p:spPr>
-        </p:pic>
-      </p:grpSp>
-      <p:sp>
-        <p:nvSpPr>
-          <p:cNvPr id="38" name="CasellaDiTesto 37">
-            <a:extLst>
-              <a:ext uri="{FF2B5EF4-FFF2-40B4-BE49-F238E27FC236}">
-                <a16:creationId xmlns:a16="http://schemas.microsoft.com/office/drawing/2014/main" id="{7B7DBD3A-A4B3-4CA9-96DE-8888DFEB069E}"/>
+              <a:t>ACCURACY</a:t>
+            </a:r>
+          </a:p>
+        </p:txBody>
+      </p:sp>
+      <p:sp>
+        <p:nvSpPr>
+          <p:cNvPr id="26" name="CasellaDiTesto 25">
+            <a:extLst>
+              <a:ext uri="{FF2B5EF4-FFF2-40B4-BE49-F238E27FC236}">
+                <a16:creationId xmlns:a16="http://schemas.microsoft.com/office/drawing/2014/main" id="{BFCB171C-0725-4523-9284-E78DA72E5F9B}"/>
               </a:ext>
             </a:extLst>
           </p:cNvPr>
@@ -12574,8 +12264,8 @@
         </p:nvSpPr>
         <p:spPr>
           <a:xfrm>
-            <a:off x="5408113" y="5735267"/>
-            <a:ext cx="1387060" cy="707886"/>
+            <a:off x="8920847" y="5591655"/>
+            <a:ext cx="1851188" cy="769441"/>
           </a:xfrm>
           <a:prstGeom prst="rect">
             <a:avLst/>
@@ -12593,93 +12283,7 @@
           <a:p>
             <a:pPr algn="ctr"/>
             <a:r>
-              <a:rPr lang="it-IT" sz="2000" dirty="0">
-                <a:solidFill>
-                  <a:schemeClr val="accent5">
-                    <a:lumMod val="20000"/>
-                    <a:lumOff val="80000"/>
-                  </a:schemeClr>
-                </a:solidFill>
-                <a:latin typeface="Tw Cen MT Condensed Extra Bold" panose="020B0803020202020204" pitchFamily="34" charset="0"/>
-              </a:rPr>
-              <a:t>ON BINARY PROBLEM</a:t>
-            </a:r>
-          </a:p>
-        </p:txBody>
-      </p:sp>
-      <p:pic>
-        <p:nvPicPr>
-          <p:cNvPr id="39" name="Elemento grafico 38" descr="Tiro a segno con riempimento a tinta unita">
-            <a:extLst>
-              <a:ext uri="{FF2B5EF4-FFF2-40B4-BE49-F238E27FC236}">
-                <a16:creationId xmlns:a16="http://schemas.microsoft.com/office/drawing/2014/main" id="{6A399579-DD7D-4D9A-A47F-F6F88CC0A782}"/>
-              </a:ext>
-            </a:extLst>
-          </p:cNvPr>
-          <p:cNvPicPr>
-            <a:picLocks noChangeAspect="1"/>
-          </p:cNvPicPr>
-          <p:nvPr/>
-        </p:nvPicPr>
-        <p:blipFill>
-          <a:blip r:embed="rId10">
-            <a:extLst>
-              <a:ext uri="{28A0092B-C50C-407E-A947-70E740481C1C}">
-                <a14:useLocalDpi xmlns:a14="http://schemas.microsoft.com/office/drawing/2010/main" val="0"/>
-              </a:ext>
-              <a:ext uri="{96DAC541-7B7A-43D3-8B79-37D633B846F1}">
-                <asvg:svgBlip xmlns:asvg="http://schemas.microsoft.com/office/drawing/2016/SVG/main" r:embed="rId11"/>
-              </a:ext>
-            </a:extLst>
-          </a:blip>
-          <a:stretch>
-            <a:fillRect/>
-          </a:stretch>
-        </p:blipFill>
-        <p:spPr>
-          <a:xfrm>
-            <a:off x="1515354" y="281872"/>
-            <a:ext cx="914400" cy="914400"/>
-          </a:xfrm>
-          <a:prstGeom prst="rect">
-            <a:avLst/>
-          </a:prstGeom>
-        </p:spPr>
-      </p:pic>
-      <p:sp>
-        <p:nvSpPr>
-          <p:cNvPr id="43" name="CasellaDiTesto 42">
-            <a:extLst>
-              <a:ext uri="{FF2B5EF4-FFF2-40B4-BE49-F238E27FC236}">
-                <a16:creationId xmlns:a16="http://schemas.microsoft.com/office/drawing/2014/main" id="{89E8C6AA-97BD-4189-AB5C-FC9585E0B940}"/>
-              </a:ext>
-            </a:extLst>
-          </p:cNvPr>
-          <p:cNvSpPr txBox="1"/>
-          <p:nvPr/>
-        </p:nvSpPr>
-        <p:spPr>
-          <a:xfrm>
-            <a:off x="5709119" y="1268400"/>
-            <a:ext cx="773761" cy="830997"/>
-          </a:xfrm>
-          <a:prstGeom prst="rect">
-            <a:avLst/>
-          </a:prstGeom>
-          <a:noFill/>
-          <a:ln w="25400">
-            <a:noFill/>
-          </a:ln>
-        </p:spPr>
-        <p:txBody>
-          <a:bodyPr wrap="square" rtlCol="0">
-            <a:spAutoFit/>
-          </a:bodyPr>
-          <a:lstStyle/>
-          <a:p>
-            <a:pPr algn="ctr"/>
-            <a:r>
-              <a:rPr lang="it-IT" sz="4800" dirty="0">
+              <a:rPr lang="it-IT" sz="4400" dirty="0">
                 <a:solidFill>
                   <a:srgbClr val="258EBB"/>
                 </a:solidFill>
@@ -12692,11 +12296,97 @@
                 </a:effectLst>
                 <a:latin typeface="Tw Cen MT Condensed Extra Bold" panose="020B0803020202020204" pitchFamily="34" charset="0"/>
               </a:rPr>
-              <a:t>&amp;</a:t>
-            </a:r>
-          </a:p>
-        </p:txBody>
-      </p:sp>
+              <a:t>94%</a:t>
+            </a:r>
+          </a:p>
+        </p:txBody>
+      </p:sp>
+      <p:sp>
+        <p:nvSpPr>
+          <p:cNvPr id="27" name="CasellaDiTesto 26">
+            <a:extLst>
+              <a:ext uri="{FF2B5EF4-FFF2-40B4-BE49-F238E27FC236}">
+                <a16:creationId xmlns:a16="http://schemas.microsoft.com/office/drawing/2014/main" id="{3F774ECB-387D-4C38-9E46-C3E5D17B6148}"/>
+              </a:ext>
+            </a:extLst>
+          </p:cNvPr>
+          <p:cNvSpPr txBox="1"/>
+          <p:nvPr/>
+        </p:nvSpPr>
+        <p:spPr>
+          <a:xfrm>
+            <a:off x="9147268" y="5284023"/>
+            <a:ext cx="1398346" cy="400110"/>
+          </a:xfrm>
+          <a:prstGeom prst="rect">
+            <a:avLst/>
+          </a:prstGeom>
+          <a:noFill/>
+          <a:ln w="25400">
+            <a:noFill/>
+          </a:ln>
+        </p:spPr>
+        <p:txBody>
+          <a:bodyPr wrap="square" rtlCol="0">
+            <a:spAutoFit/>
+          </a:bodyPr>
+          <a:lstStyle/>
+          <a:p>
+            <a:pPr algn="ctr"/>
+            <a:r>
+              <a:rPr lang="it-IT" sz="2000" dirty="0">
+                <a:solidFill>
+                  <a:schemeClr val="accent5">
+                    <a:lumMod val="20000"/>
+                    <a:lumOff val="80000"/>
+                  </a:schemeClr>
+                </a:solidFill>
+                <a:latin typeface="Tw Cen MT Condensed Extra Bold" panose="020B0803020202020204" pitchFamily="34" charset="0"/>
+              </a:rPr>
+              <a:t>F1 MEASURE</a:t>
+            </a:r>
+          </a:p>
+        </p:txBody>
+      </p:sp>
+      <p:pic>
+        <p:nvPicPr>
+          <p:cNvPr id="39" name="Elemento grafico 38" descr="Tiro a segno con riempimento a tinta unita">
+            <a:extLst>
+              <a:ext uri="{FF2B5EF4-FFF2-40B4-BE49-F238E27FC236}">
+                <a16:creationId xmlns:a16="http://schemas.microsoft.com/office/drawing/2014/main" id="{6A399579-DD7D-4D9A-A47F-F6F88CC0A782}"/>
+              </a:ext>
+            </a:extLst>
+          </p:cNvPr>
+          <p:cNvPicPr>
+            <a:picLocks noChangeAspect="1"/>
+          </p:cNvPicPr>
+          <p:nvPr/>
+        </p:nvPicPr>
+        <p:blipFill>
+          <a:blip r:embed="rId8">
+            <a:extLst>
+              <a:ext uri="{28A0092B-C50C-407E-A947-70E740481C1C}">
+                <a14:useLocalDpi xmlns:a14="http://schemas.microsoft.com/office/drawing/2010/main" val="0"/>
+              </a:ext>
+              <a:ext uri="{96DAC541-7B7A-43D3-8B79-37D633B846F1}">
+                <asvg:svgBlip xmlns:asvg="http://schemas.microsoft.com/office/drawing/2016/SVG/main" r:embed="rId9"/>
+              </a:ext>
+            </a:extLst>
+          </a:blip>
+          <a:stretch>
+            <a:fillRect/>
+          </a:stretch>
+        </p:blipFill>
+        <p:spPr>
+          <a:xfrm>
+            <a:off x="10967265" y="157701"/>
+            <a:ext cx="914400" cy="914400"/>
+          </a:xfrm>
+          <a:prstGeom prst="rect">
+            <a:avLst/>
+          </a:prstGeom>
+        </p:spPr>
+      </p:pic>
       <p:sp>
         <p:nvSpPr>
           <p:cNvPr id="44" name="CasellaDiTesto 43">
@@ -12788,6 +12478,350 @@
                 <a:latin typeface="Tw Cen MT Condensed" panose="020B0606020104020203" pitchFamily="34" charset="0"/>
               </a:rPr>
               <a:t>Peracchi Marco</a:t>
+            </a:r>
+          </a:p>
+        </p:txBody>
+      </p:sp>
+      <p:sp>
+        <p:nvSpPr>
+          <p:cNvPr id="31" name="CasellaDiTesto 30">
+            <a:extLst>
+              <a:ext uri="{FF2B5EF4-FFF2-40B4-BE49-F238E27FC236}">
+                <a16:creationId xmlns:a16="http://schemas.microsoft.com/office/drawing/2014/main" id="{29A8DAC2-46C3-4A1D-A7F7-6CB8855431C7}"/>
+              </a:ext>
+            </a:extLst>
+          </p:cNvPr>
+          <p:cNvSpPr txBox="1"/>
+          <p:nvPr/>
+        </p:nvSpPr>
+        <p:spPr>
+          <a:xfrm>
+            <a:off x="2854676" y="1329956"/>
+            <a:ext cx="1089014" cy="707886"/>
+          </a:xfrm>
+          <a:prstGeom prst="rect">
+            <a:avLst/>
+          </a:prstGeom>
+          <a:noFill/>
+          <a:ln w="25400">
+            <a:noFill/>
+          </a:ln>
+        </p:spPr>
+        <p:txBody>
+          <a:bodyPr wrap="square" rtlCol="0">
+            <a:spAutoFit/>
+          </a:bodyPr>
+          <a:lstStyle/>
+          <a:p>
+            <a:pPr algn="ctr"/>
+            <a:r>
+              <a:rPr lang="it-IT" sz="4000" dirty="0">
+                <a:solidFill>
+                  <a:schemeClr val="accent5">
+                    <a:lumMod val="20000"/>
+                    <a:lumOff val="80000"/>
+                  </a:schemeClr>
+                </a:solidFill>
+                <a:effectLst>
+                  <a:outerShdw blurRad="38100" dist="38100" dir="2700000" algn="tl">
+                    <a:srgbClr val="000000">
+                      <a:alpha val="43137"/>
+                    </a:srgbClr>
+                  </a:outerShdw>
+                </a:effectLst>
+                <a:latin typeface="Tw Cen MT Condensed Extra Bold" panose="020B0803020202020204" pitchFamily="34" charset="0"/>
+              </a:rPr>
+              <a:t>SVM</a:t>
+            </a:r>
+          </a:p>
+        </p:txBody>
+      </p:sp>
+      <p:sp>
+        <p:nvSpPr>
+          <p:cNvPr id="40" name="CasellaDiTesto 39">
+            <a:extLst>
+              <a:ext uri="{FF2B5EF4-FFF2-40B4-BE49-F238E27FC236}">
+                <a16:creationId xmlns:a16="http://schemas.microsoft.com/office/drawing/2014/main" id="{B08C95C7-19B0-4B81-AAF2-9097A99C13F2}"/>
+              </a:ext>
+            </a:extLst>
+          </p:cNvPr>
+          <p:cNvSpPr txBox="1"/>
+          <p:nvPr/>
+        </p:nvSpPr>
+        <p:spPr>
+          <a:xfrm>
+            <a:off x="1717734" y="1949556"/>
+            <a:ext cx="3304523" cy="461665"/>
+          </a:xfrm>
+          <a:prstGeom prst="rect">
+            <a:avLst/>
+          </a:prstGeom>
+          <a:noFill/>
+          <a:ln w="25400">
+            <a:noFill/>
+          </a:ln>
+        </p:spPr>
+        <p:txBody>
+          <a:bodyPr wrap="square" rtlCol="0">
+            <a:spAutoFit/>
+          </a:bodyPr>
+          <a:lstStyle/>
+          <a:p>
+            <a:pPr algn="ctr"/>
+            <a:r>
+              <a:rPr lang="it-IT" sz="2400" dirty="0">
+                <a:solidFill>
+                  <a:schemeClr val="accent5">
+                    <a:lumMod val="20000"/>
+                    <a:lumOff val="80000"/>
+                  </a:schemeClr>
+                </a:solidFill>
+                <a:latin typeface="Tw Cen MT Condensed Extra Bold" panose="020B0803020202020204" pitchFamily="34" charset="0"/>
+              </a:rPr>
+              <a:t>MULTI-CLASS</a:t>
+            </a:r>
+          </a:p>
+        </p:txBody>
+      </p:sp>
+      <p:sp>
+        <p:nvSpPr>
+          <p:cNvPr id="41" name="CasellaDiTesto 40">
+            <a:extLst>
+              <a:ext uri="{FF2B5EF4-FFF2-40B4-BE49-F238E27FC236}">
+                <a16:creationId xmlns:a16="http://schemas.microsoft.com/office/drawing/2014/main" id="{23632187-0F5A-4324-8E33-A4C9079C6A3B}"/>
+              </a:ext>
+            </a:extLst>
+          </p:cNvPr>
+          <p:cNvSpPr txBox="1"/>
+          <p:nvPr/>
+        </p:nvSpPr>
+        <p:spPr>
+          <a:xfrm>
+            <a:off x="7286486" y="1949555"/>
+            <a:ext cx="3304523" cy="461665"/>
+          </a:xfrm>
+          <a:prstGeom prst="rect">
+            <a:avLst/>
+          </a:prstGeom>
+          <a:noFill/>
+          <a:ln w="25400">
+            <a:noFill/>
+          </a:ln>
+        </p:spPr>
+        <p:txBody>
+          <a:bodyPr wrap="square" rtlCol="0">
+            <a:spAutoFit/>
+          </a:bodyPr>
+          <a:lstStyle/>
+          <a:p>
+            <a:pPr algn="ctr"/>
+            <a:r>
+              <a:rPr lang="it-IT" sz="2400" dirty="0">
+                <a:solidFill>
+                  <a:schemeClr val="accent5">
+                    <a:lumMod val="20000"/>
+                    <a:lumOff val="80000"/>
+                  </a:schemeClr>
+                </a:solidFill>
+                <a:latin typeface="Tw Cen MT Condensed Extra Bold" panose="020B0803020202020204" pitchFamily="34" charset="0"/>
+              </a:rPr>
+              <a:t>BINARY</a:t>
+            </a:r>
+          </a:p>
+        </p:txBody>
+      </p:sp>
+      <p:sp>
+        <p:nvSpPr>
+          <p:cNvPr id="45" name="CasellaDiTesto 44">
+            <a:extLst>
+              <a:ext uri="{FF2B5EF4-FFF2-40B4-BE49-F238E27FC236}">
+                <a16:creationId xmlns:a16="http://schemas.microsoft.com/office/drawing/2014/main" id="{A0CAF364-E38A-4B2E-ACDC-4F31C4E5FB79}"/>
+              </a:ext>
+            </a:extLst>
+          </p:cNvPr>
+          <p:cNvSpPr txBox="1"/>
+          <p:nvPr/>
+        </p:nvSpPr>
+        <p:spPr>
+          <a:xfrm>
+            <a:off x="1544253" y="5591655"/>
+            <a:ext cx="1851188" cy="769441"/>
+          </a:xfrm>
+          <a:prstGeom prst="rect">
+            <a:avLst/>
+          </a:prstGeom>
+          <a:noFill/>
+          <a:ln w="25400">
+            <a:noFill/>
+          </a:ln>
+        </p:spPr>
+        <p:txBody>
+          <a:bodyPr wrap="square" rtlCol="0">
+            <a:spAutoFit/>
+          </a:bodyPr>
+          <a:lstStyle/>
+          <a:p>
+            <a:pPr algn="ctr"/>
+            <a:r>
+              <a:rPr lang="it-IT" sz="4400" dirty="0">
+                <a:solidFill>
+                  <a:srgbClr val="258EBB"/>
+                </a:solidFill>
+                <a:effectLst>
+                  <a:outerShdw blurRad="38100" dist="38100" dir="2700000" algn="tl">
+                    <a:srgbClr val="000000">
+                      <a:alpha val="43137"/>
+                    </a:srgbClr>
+                  </a:outerShdw>
+                </a:effectLst>
+                <a:latin typeface="Tw Cen MT Condensed Extra Bold" panose="020B0803020202020204" pitchFamily="34" charset="0"/>
+              </a:rPr>
+              <a:t>90%</a:t>
+            </a:r>
+          </a:p>
+        </p:txBody>
+      </p:sp>
+      <p:sp>
+        <p:nvSpPr>
+          <p:cNvPr id="46" name="CasellaDiTesto 45">
+            <a:extLst>
+              <a:ext uri="{FF2B5EF4-FFF2-40B4-BE49-F238E27FC236}">
+                <a16:creationId xmlns:a16="http://schemas.microsoft.com/office/drawing/2014/main" id="{9D5E61FE-636A-4A2B-8F4F-3776142FBC57}"/>
+              </a:ext>
+            </a:extLst>
+          </p:cNvPr>
+          <p:cNvSpPr txBox="1"/>
+          <p:nvPr/>
+        </p:nvSpPr>
+        <p:spPr>
+          <a:xfrm>
+            <a:off x="1842832" y="5284023"/>
+            <a:ext cx="1254030" cy="400110"/>
+          </a:xfrm>
+          <a:prstGeom prst="rect">
+            <a:avLst/>
+          </a:prstGeom>
+          <a:noFill/>
+          <a:ln w="25400">
+            <a:noFill/>
+          </a:ln>
+        </p:spPr>
+        <p:txBody>
+          <a:bodyPr wrap="square" rtlCol="0">
+            <a:spAutoFit/>
+          </a:bodyPr>
+          <a:lstStyle/>
+          <a:p>
+            <a:pPr algn="ctr"/>
+            <a:r>
+              <a:rPr lang="it-IT" sz="2000" dirty="0">
+                <a:solidFill>
+                  <a:schemeClr val="accent5">
+                    <a:lumMod val="20000"/>
+                    <a:lumOff val="80000"/>
+                  </a:schemeClr>
+                </a:solidFill>
+                <a:latin typeface="Tw Cen MT Condensed Extra Bold" panose="020B0803020202020204" pitchFamily="34" charset="0"/>
+              </a:rPr>
+              <a:t>ACCURACY</a:t>
+            </a:r>
+          </a:p>
+        </p:txBody>
+      </p:sp>
+      <p:sp>
+        <p:nvSpPr>
+          <p:cNvPr id="47" name="CasellaDiTesto 46">
+            <a:extLst>
+              <a:ext uri="{FF2B5EF4-FFF2-40B4-BE49-F238E27FC236}">
+                <a16:creationId xmlns:a16="http://schemas.microsoft.com/office/drawing/2014/main" id="{6A775976-69C8-4CC7-B242-9B252FFD7B33}"/>
+              </a:ext>
+            </a:extLst>
+          </p:cNvPr>
+          <p:cNvSpPr txBox="1"/>
+          <p:nvPr/>
+        </p:nvSpPr>
+        <p:spPr>
+          <a:xfrm>
+            <a:off x="3323283" y="5591655"/>
+            <a:ext cx="1851188" cy="769441"/>
+          </a:xfrm>
+          <a:prstGeom prst="rect">
+            <a:avLst/>
+          </a:prstGeom>
+          <a:noFill/>
+          <a:ln w="25400">
+            <a:noFill/>
+          </a:ln>
+        </p:spPr>
+        <p:txBody>
+          <a:bodyPr wrap="square" rtlCol="0">
+            <a:spAutoFit/>
+          </a:bodyPr>
+          <a:lstStyle/>
+          <a:p>
+            <a:pPr algn="ctr"/>
+            <a:r>
+              <a:rPr lang="it-IT" sz="4400" dirty="0">
+                <a:solidFill>
+                  <a:srgbClr val="258EBB"/>
+                </a:solidFill>
+                <a:effectLst>
+                  <a:outerShdw blurRad="38100" dist="38100" dir="2700000" algn="tl">
+                    <a:srgbClr val="000000">
+                      <a:alpha val="43137"/>
+                    </a:srgbClr>
+                  </a:outerShdw>
+                </a:effectLst>
+                <a:latin typeface="Tw Cen MT Condensed Extra Bold" panose="020B0803020202020204" pitchFamily="34" charset="0"/>
+              </a:rPr>
+              <a:t>75%</a:t>
+            </a:r>
+          </a:p>
+        </p:txBody>
+      </p:sp>
+      <p:sp>
+        <p:nvSpPr>
+          <p:cNvPr id="48" name="CasellaDiTesto 47">
+            <a:extLst>
+              <a:ext uri="{FF2B5EF4-FFF2-40B4-BE49-F238E27FC236}">
+                <a16:creationId xmlns:a16="http://schemas.microsoft.com/office/drawing/2014/main" id="{7FAF057A-1159-407D-9007-78E62B3F7E92}"/>
+              </a:ext>
+            </a:extLst>
+          </p:cNvPr>
+          <p:cNvSpPr txBox="1"/>
+          <p:nvPr/>
+        </p:nvSpPr>
+        <p:spPr>
+          <a:xfrm>
+            <a:off x="3549704" y="5284023"/>
+            <a:ext cx="1398346" cy="400110"/>
+          </a:xfrm>
+          <a:prstGeom prst="rect">
+            <a:avLst/>
+          </a:prstGeom>
+          <a:noFill/>
+          <a:ln w="25400">
+            <a:noFill/>
+          </a:ln>
+        </p:spPr>
+        <p:txBody>
+          <a:bodyPr wrap="square" rtlCol="0">
+            <a:spAutoFit/>
+          </a:bodyPr>
+          <a:lstStyle/>
+          <a:p>
+            <a:pPr algn="ctr"/>
+            <a:r>
+              <a:rPr lang="it-IT" sz="2000" dirty="0">
+                <a:solidFill>
+                  <a:schemeClr val="accent5">
+                    <a:lumMod val="20000"/>
+                    <a:lumOff val="80000"/>
+                  </a:schemeClr>
+                </a:solidFill>
+                <a:latin typeface="Tw Cen MT Condensed Extra Bold" panose="020B0803020202020204" pitchFamily="34" charset="0"/>
+              </a:rPr>
+              <a:t>F1 MEASURE</a:t>
             </a:r>
           </a:p>
         </p:txBody>
@@ -13339,7 +13373,7 @@
           <a:noFill/>
           <a:ln w="25400">
             <a:solidFill>
-              <a:srgbClr val="32AADC"/>
+              <a:srgbClr val="A80000"/>
             </a:solidFill>
           </a:ln>
         </p:spPr>
@@ -13388,7 +13422,7 @@
           <a:noFill/>
           <a:ln w="25400">
             <a:solidFill>
-              <a:srgbClr val="32AADC"/>
+              <a:srgbClr val="A80000"/>
             </a:solidFill>
           </a:ln>
         </p:spPr>

--- a/PresentationTextMining.pptx
+++ b/PresentationTextMining.pptx
@@ -268,7 +268,7 @@
           <a:p>
             <a:fld id="{B0B53A52-DDDC-4212-AEF9-5E5E54926935}" type="datetimeFigureOut">
               <a:rPr lang="it-IT" smtClean="0"/>
-              <a:t>15/02/2021</a:t>
+              <a:t>20/02/2021</a:t>
             </a:fld>
             <a:endParaRPr lang="it-IT" dirty="0"/>
           </a:p>
@@ -466,7 +466,7 @@
           <a:p>
             <a:fld id="{B0B53A52-DDDC-4212-AEF9-5E5E54926935}" type="datetimeFigureOut">
               <a:rPr lang="it-IT" smtClean="0"/>
-              <a:t>15/02/2021</a:t>
+              <a:t>20/02/2021</a:t>
             </a:fld>
             <a:endParaRPr lang="it-IT" dirty="0"/>
           </a:p>
@@ -674,7 +674,7 @@
           <a:p>
             <a:fld id="{B0B53A52-DDDC-4212-AEF9-5E5E54926935}" type="datetimeFigureOut">
               <a:rPr lang="it-IT" smtClean="0"/>
-              <a:t>15/02/2021</a:t>
+              <a:t>20/02/2021</a:t>
             </a:fld>
             <a:endParaRPr lang="it-IT" dirty="0"/>
           </a:p>
@@ -872,7 +872,7 @@
           <a:p>
             <a:fld id="{B0B53A52-DDDC-4212-AEF9-5E5E54926935}" type="datetimeFigureOut">
               <a:rPr lang="it-IT" smtClean="0"/>
-              <a:t>15/02/2021</a:t>
+              <a:t>20/02/2021</a:t>
             </a:fld>
             <a:endParaRPr lang="it-IT" dirty="0"/>
           </a:p>
@@ -1147,7 +1147,7 @@
           <a:p>
             <a:fld id="{B0B53A52-DDDC-4212-AEF9-5E5E54926935}" type="datetimeFigureOut">
               <a:rPr lang="it-IT" smtClean="0"/>
-              <a:t>15/02/2021</a:t>
+              <a:t>20/02/2021</a:t>
             </a:fld>
             <a:endParaRPr lang="it-IT" dirty="0"/>
           </a:p>
@@ -1412,7 +1412,7 @@
           <a:p>
             <a:fld id="{B0B53A52-DDDC-4212-AEF9-5E5E54926935}" type="datetimeFigureOut">
               <a:rPr lang="it-IT" smtClean="0"/>
-              <a:t>15/02/2021</a:t>
+              <a:t>20/02/2021</a:t>
             </a:fld>
             <a:endParaRPr lang="it-IT" dirty="0"/>
           </a:p>
@@ -1824,7 +1824,7 @@
           <a:p>
             <a:fld id="{B0B53A52-DDDC-4212-AEF9-5E5E54926935}" type="datetimeFigureOut">
               <a:rPr lang="it-IT" smtClean="0"/>
-              <a:t>15/02/2021</a:t>
+              <a:t>20/02/2021</a:t>
             </a:fld>
             <a:endParaRPr lang="it-IT" dirty="0"/>
           </a:p>
@@ -1965,7 +1965,7 @@
           <a:p>
             <a:fld id="{B0B53A52-DDDC-4212-AEF9-5E5E54926935}" type="datetimeFigureOut">
               <a:rPr lang="it-IT" smtClean="0"/>
-              <a:t>15/02/2021</a:t>
+              <a:t>20/02/2021</a:t>
             </a:fld>
             <a:endParaRPr lang="it-IT" dirty="0"/>
           </a:p>
@@ -2078,7 +2078,7 @@
           <a:p>
             <a:fld id="{B0B53A52-DDDC-4212-AEF9-5E5E54926935}" type="datetimeFigureOut">
               <a:rPr lang="it-IT" smtClean="0"/>
-              <a:t>15/02/2021</a:t>
+              <a:t>20/02/2021</a:t>
             </a:fld>
             <a:endParaRPr lang="it-IT" dirty="0"/>
           </a:p>
@@ -2389,7 +2389,7 @@
           <a:p>
             <a:fld id="{B0B53A52-DDDC-4212-AEF9-5E5E54926935}" type="datetimeFigureOut">
               <a:rPr lang="it-IT" smtClean="0"/>
-              <a:t>15/02/2021</a:t>
+              <a:t>20/02/2021</a:t>
             </a:fld>
             <a:endParaRPr lang="it-IT" dirty="0"/>
           </a:p>
@@ -2677,7 +2677,7 @@
           <a:p>
             <a:fld id="{B0B53A52-DDDC-4212-AEF9-5E5E54926935}" type="datetimeFigureOut">
               <a:rPr lang="it-IT" smtClean="0"/>
-              <a:t>15/02/2021</a:t>
+              <a:t>20/02/2021</a:t>
             </a:fld>
             <a:endParaRPr lang="it-IT" dirty="0"/>
           </a:p>
@@ -2918,7 +2918,7 @@
           <a:p>
             <a:fld id="{B0B53A52-DDDC-4212-AEF9-5E5E54926935}" type="datetimeFigureOut">
               <a:rPr lang="it-IT" smtClean="0"/>
-              <a:t>15/02/2021</a:t>
+              <a:t>20/02/2021</a:t>
             </a:fld>
             <a:endParaRPr lang="it-IT" dirty="0"/>
           </a:p>
@@ -7161,8 +7161,8 @@
           </a:p>
         </p:txBody>
       </p:sp>
-      <mc:AlternateContent xmlns:mc="http://schemas.openxmlformats.org/markup-compatibility/2006" xmlns:a14="http://schemas.microsoft.com/office/drawing/2010/main">
-        <mc:Choice Requires="a14">
+      <mc:AlternateContent xmlns:mc="http://schemas.openxmlformats.org/markup-compatibility/2006">
+        <mc:Choice xmlns:a14="http://schemas.microsoft.com/office/drawing/2010/main" Requires="a14">
           <p:sp>
             <p:nvSpPr>
               <p:cNvPr id="5" name="CasellaDiTesto 4">
@@ -7210,6 +7210,13 @@
                               <a:solidFill>
                                 <a:schemeClr val="bg1"/>
                               </a:solidFill>
+                              <a:effectLst>
+                                <a:outerShdw blurRad="38100" dist="38100" dir="2700000" algn="tl">
+                                  <a:srgbClr val="000000">
+                                    <a:alpha val="43137"/>
+                                  </a:srgbClr>
+                                </a:outerShdw>
+                              </a:effectLst>
                               <a:latin typeface="Cambria Math" panose="02040503050406030204" pitchFamily="18" charset="0"/>
                             </a:rPr>
                           </m:ctrlPr>
@@ -7220,6 +7227,13 @@
                               <a:solidFill>
                                 <a:schemeClr val="bg1"/>
                               </a:solidFill>
+                              <a:effectLst>
+                                <a:outerShdw blurRad="38100" dist="38100" dir="2700000" algn="tl">
+                                  <a:srgbClr val="000000">
+                                    <a:alpha val="43137"/>
+                                  </a:srgbClr>
+                                </a:outerShdw>
+                              </a:effectLst>
                               <a:latin typeface="Cambria Math" panose="02040503050406030204" pitchFamily="18" charset="0"/>
                             </a:rPr>
                             <m:t>𝑤</m:t>
@@ -7231,6 +7245,13 @@
                               <a:solidFill>
                                 <a:schemeClr val="bg1"/>
                               </a:solidFill>
+                              <a:effectLst>
+                                <a:outerShdw blurRad="38100" dist="38100" dir="2700000" algn="tl">
+                                  <a:srgbClr val="000000">
+                                    <a:alpha val="43137"/>
+                                  </a:srgbClr>
+                                </a:outerShdw>
+                              </a:effectLst>
                               <a:latin typeface="Cambria Math" panose="02040503050406030204" pitchFamily="18" charset="0"/>
                             </a:rPr>
                             <m:t>𝑡</m:t>
@@ -7240,6 +7261,13 @@
                               <a:solidFill>
                                 <a:schemeClr val="bg1"/>
                               </a:solidFill>
+                              <a:effectLst>
+                                <a:outerShdw blurRad="38100" dist="38100" dir="2700000" algn="tl">
+                                  <a:srgbClr val="000000">
+                                    <a:alpha val="43137"/>
+                                  </a:srgbClr>
+                                </a:outerShdw>
+                              </a:effectLst>
                               <a:latin typeface="Cambria Math" panose="02040503050406030204" pitchFamily="18" charset="0"/>
                             </a:rPr>
                             <m:t>,</m:t>
@@ -7249,6 +7277,13 @@
                               <a:solidFill>
                                 <a:schemeClr val="bg1"/>
                               </a:solidFill>
+                              <a:effectLst>
+                                <a:outerShdw blurRad="38100" dist="38100" dir="2700000" algn="tl">
+                                  <a:srgbClr val="000000">
+                                    <a:alpha val="43137"/>
+                                  </a:srgbClr>
+                                </a:outerShdw>
+                              </a:effectLst>
                               <a:latin typeface="Cambria Math" panose="02040503050406030204" pitchFamily="18" charset="0"/>
                             </a:rPr>
                             <m:t>𝑑</m:t>
@@ -7260,6 +7295,13 @@
                           <a:solidFill>
                             <a:schemeClr val="bg1"/>
                           </a:solidFill>
+                          <a:effectLst>
+                            <a:outerShdw blurRad="38100" dist="38100" dir="2700000" algn="tl">
+                              <a:srgbClr val="000000">
+                                <a:alpha val="43137"/>
+                              </a:srgbClr>
+                            </a:outerShdw>
+                          </a:effectLst>
                           <a:latin typeface="Cambria Math" panose="02040503050406030204" pitchFamily="18" charset="0"/>
                         </a:rPr>
                         <m:t>=</m:t>
@@ -7271,6 +7313,13 @@
                               <a:solidFill>
                                 <a:schemeClr val="bg1"/>
                               </a:solidFill>
+                              <a:effectLst>
+                                <a:outerShdw blurRad="38100" dist="38100" dir="2700000" algn="tl">
+                                  <a:srgbClr val="000000">
+                                    <a:alpha val="43137"/>
+                                  </a:srgbClr>
+                                </a:outerShdw>
+                              </a:effectLst>
                               <a:latin typeface="Cambria Math" panose="02040503050406030204" pitchFamily="18" charset="0"/>
                             </a:rPr>
                           </m:ctrlPr>
@@ -7283,6 +7332,13 @@
                                   <a:solidFill>
                                     <a:schemeClr val="bg1"/>
                                   </a:solidFill>
+                                  <a:effectLst>
+                                    <a:outerShdw blurRad="38100" dist="38100" dir="2700000" algn="tl">
+                                      <a:srgbClr val="000000">
+                                        <a:alpha val="43137"/>
+                                      </a:srgbClr>
+                                    </a:outerShdw>
+                                  </a:effectLst>
                                   <a:latin typeface="Cambria Math" panose="02040503050406030204" pitchFamily="18" charset="0"/>
                                 </a:rPr>
                               </m:ctrlPr>
@@ -7293,6 +7349,13 @@
                                   <a:solidFill>
                                     <a:schemeClr val="bg1"/>
                                   </a:solidFill>
+                                  <a:effectLst>
+                                    <a:outerShdw blurRad="38100" dist="38100" dir="2700000" algn="tl">
+                                      <a:srgbClr val="000000">
+                                        <a:alpha val="43137"/>
+                                      </a:srgbClr>
+                                    </a:outerShdw>
+                                  </a:effectLst>
                                   <a:latin typeface="Cambria Math" panose="02040503050406030204" pitchFamily="18" charset="0"/>
                                 </a:rPr>
                                 <m:t>𝑡𝑓</m:t>
@@ -7304,6 +7367,13 @@
                                   <a:solidFill>
                                     <a:schemeClr val="bg1"/>
                                   </a:solidFill>
+                                  <a:effectLst>
+                                    <a:outerShdw blurRad="38100" dist="38100" dir="2700000" algn="tl">
+                                      <a:srgbClr val="000000">
+                                        <a:alpha val="43137"/>
+                                      </a:srgbClr>
+                                    </a:outerShdw>
+                                  </a:effectLst>
                                   <a:latin typeface="Cambria Math" panose="02040503050406030204" pitchFamily="18" charset="0"/>
                                 </a:rPr>
                                 <m:t>𝑡</m:t>
@@ -7313,6 +7383,13 @@
                                   <a:solidFill>
                                     <a:schemeClr val="bg1"/>
                                   </a:solidFill>
+                                  <a:effectLst>
+                                    <a:outerShdw blurRad="38100" dist="38100" dir="2700000" algn="tl">
+                                      <a:srgbClr val="000000">
+                                        <a:alpha val="43137"/>
+                                      </a:srgbClr>
+                                    </a:outerShdw>
+                                  </a:effectLst>
                                   <a:latin typeface="Cambria Math" panose="02040503050406030204" pitchFamily="18" charset="0"/>
                                 </a:rPr>
                                 <m:t>,</m:t>
@@ -7322,6 +7399,13 @@
                                   <a:solidFill>
                                     <a:schemeClr val="bg1"/>
                                   </a:solidFill>
+                                  <a:effectLst>
+                                    <a:outerShdw blurRad="38100" dist="38100" dir="2700000" algn="tl">
+                                      <a:srgbClr val="000000">
+                                        <a:alpha val="43137"/>
+                                      </a:srgbClr>
+                                    </a:outerShdw>
+                                  </a:effectLst>
                                   <a:latin typeface="Cambria Math" panose="02040503050406030204" pitchFamily="18" charset="0"/>
                                 </a:rPr>
                                 <m:t>𝑑</m:t>
@@ -7337,6 +7421,13 @@
                                   <a:solidFill>
                                     <a:schemeClr val="bg1"/>
                                   </a:solidFill>
+                                  <a:effectLst>
+                                    <a:outerShdw blurRad="38100" dist="38100" dir="2700000" algn="tl">
+                                      <a:srgbClr val="000000">
+                                        <a:alpha val="43137"/>
+                                      </a:srgbClr>
+                                    </a:outerShdw>
+                                  </a:effectLst>
                                   <a:latin typeface="Cambria Math" panose="02040503050406030204" pitchFamily="18" charset="0"/>
                                 </a:rPr>
                               </m:ctrlPr>
@@ -7347,6 +7438,13 @@
                                   <a:solidFill>
                                     <a:schemeClr val="bg1"/>
                                   </a:solidFill>
+                                  <a:effectLst>
+                                    <a:outerShdw blurRad="38100" dist="38100" dir="2700000" algn="tl">
+                                      <a:srgbClr val="000000">
+                                        <a:alpha val="43137"/>
+                                      </a:srgbClr>
+                                    </a:outerShdw>
+                                  </a:effectLst>
                                   <a:latin typeface="Cambria Math" panose="02040503050406030204" pitchFamily="18" charset="0"/>
                                 </a:rPr>
                                 <m:t>𝑚𝑎𝑥</m:t>
@@ -7358,6 +7456,13 @@
                                   <a:solidFill>
                                     <a:schemeClr val="bg1"/>
                                   </a:solidFill>
+                                  <a:effectLst>
+                                    <a:outerShdw blurRad="38100" dist="38100" dir="2700000" algn="tl">
+                                      <a:srgbClr val="000000">
+                                        <a:alpha val="43137"/>
+                                      </a:srgbClr>
+                                    </a:outerShdw>
+                                  </a:effectLst>
                                   <a:latin typeface="Cambria Math" panose="02040503050406030204" pitchFamily="18" charset="0"/>
                                 </a:rPr>
                                 <m:t>𝑡𝑖</m:t>
@@ -7371,6 +7476,13 @@
                                   <a:solidFill>
                                     <a:schemeClr val="bg1"/>
                                   </a:solidFill>
+                                  <a:effectLst>
+                                    <a:outerShdw blurRad="38100" dist="38100" dir="2700000" algn="tl">
+                                      <a:srgbClr val="000000">
+                                        <a:alpha val="43137"/>
+                                      </a:srgbClr>
+                                    </a:outerShdw>
+                                  </a:effectLst>
                                   <a:latin typeface="Cambria Math" panose="02040503050406030204" pitchFamily="18" charset="0"/>
                                 </a:rPr>
                               </m:ctrlPr>
@@ -7381,6 +7493,13 @@
                                   <a:solidFill>
                                     <a:schemeClr val="bg1"/>
                                   </a:solidFill>
+                                  <a:effectLst>
+                                    <a:outerShdw blurRad="38100" dist="38100" dir="2700000" algn="tl">
+                                      <a:srgbClr val="000000">
+                                        <a:alpha val="43137"/>
+                                      </a:srgbClr>
+                                    </a:outerShdw>
+                                  </a:effectLst>
                                   <a:latin typeface="Cambria Math" panose="02040503050406030204" pitchFamily="18" charset="0"/>
                                 </a:rPr>
                                 <m:t>𝑡𝑓</m:t>
@@ -7392,6 +7511,13 @@
                                   <a:solidFill>
                                     <a:schemeClr val="bg1"/>
                                   </a:solidFill>
+                                  <a:effectLst>
+                                    <a:outerShdw blurRad="38100" dist="38100" dir="2700000" algn="tl">
+                                      <a:srgbClr val="000000">
+                                        <a:alpha val="43137"/>
+                                      </a:srgbClr>
+                                    </a:outerShdw>
+                                  </a:effectLst>
                                   <a:latin typeface="Cambria Math" panose="02040503050406030204" pitchFamily="18" charset="0"/>
                                 </a:rPr>
                                 <m:t>𝑡𝑖</m:t>
@@ -7401,6 +7527,13 @@
                                   <a:solidFill>
                                     <a:schemeClr val="bg1"/>
                                   </a:solidFill>
+                                  <a:effectLst>
+                                    <a:outerShdw blurRad="38100" dist="38100" dir="2700000" algn="tl">
+                                      <a:srgbClr val="000000">
+                                        <a:alpha val="43137"/>
+                                      </a:srgbClr>
+                                    </a:outerShdw>
+                                  </a:effectLst>
                                   <a:latin typeface="Cambria Math" panose="02040503050406030204" pitchFamily="18" charset="0"/>
                                 </a:rPr>
                                 <m:t>,</m:t>
@@ -7410,6 +7543,13 @@
                                   <a:solidFill>
                                     <a:schemeClr val="bg1"/>
                                   </a:solidFill>
+                                  <a:effectLst>
+                                    <a:outerShdw blurRad="38100" dist="38100" dir="2700000" algn="tl">
+                                      <a:srgbClr val="000000">
+                                        <a:alpha val="43137"/>
+                                      </a:srgbClr>
+                                    </a:outerShdw>
+                                  </a:effectLst>
                                   <a:latin typeface="Cambria Math" panose="02040503050406030204" pitchFamily="18" charset="0"/>
                                 </a:rPr>
                                 <m:t>𝑑</m:t>
@@ -7423,6 +7563,13 @@
                           <a:solidFill>
                             <a:schemeClr val="bg1"/>
                           </a:solidFill>
+                          <a:effectLst>
+                            <a:outerShdw blurRad="38100" dist="38100" dir="2700000" algn="tl">
+                              <a:srgbClr val="000000">
+                                <a:alpha val="43137"/>
+                              </a:srgbClr>
+                            </a:outerShdw>
+                          </a:effectLst>
                           <a:latin typeface="Cambria Math" panose="02040503050406030204" pitchFamily="18" charset="0"/>
                         </a:rPr>
                         <m:t> </m:t>
@@ -7432,6 +7579,13 @@
                           <a:solidFill>
                             <a:schemeClr val="bg1"/>
                           </a:solidFill>
+                          <a:effectLst>
+                            <a:outerShdw blurRad="38100" dist="38100" dir="2700000" algn="tl">
+                              <a:srgbClr val="000000">
+                                <a:alpha val="43137"/>
+                              </a:srgbClr>
+                            </a:outerShdw>
+                          </a:effectLst>
                           <a:latin typeface="Cambria Math" panose="02040503050406030204" pitchFamily="18" charset="0"/>
                           <a:ea typeface="Cambria Math" panose="02040503050406030204" pitchFamily="18" charset="0"/>
                         </a:rPr>
@@ -7444,6 +7598,13 @@
                               <a:solidFill>
                                 <a:schemeClr val="bg1"/>
                               </a:solidFill>
+                              <a:effectLst>
+                                <a:outerShdw blurRad="38100" dist="38100" dir="2700000" algn="tl">
+                                  <a:srgbClr val="000000">
+                                    <a:alpha val="43137"/>
+                                  </a:srgbClr>
+                                </a:outerShdw>
+                              </a:effectLst>
                               <a:latin typeface="Cambria Math" panose="02040503050406030204" pitchFamily="18" charset="0"/>
                               <a:ea typeface="Cambria Math" panose="02040503050406030204" pitchFamily="18" charset="0"/>
                             </a:rPr>
@@ -7455,6 +7616,13 @@
                               <a:solidFill>
                                 <a:schemeClr val="bg1"/>
                               </a:solidFill>
+                              <a:effectLst>
+                                <a:outerShdw blurRad="38100" dist="38100" dir="2700000" algn="tl">
+                                  <a:srgbClr val="000000">
+                                    <a:alpha val="43137"/>
+                                  </a:srgbClr>
+                                </a:outerShdw>
+                              </a:effectLst>
                               <a:latin typeface="Cambria Math" panose="02040503050406030204" pitchFamily="18" charset="0"/>
                               <a:ea typeface="Cambria Math" panose="02040503050406030204" pitchFamily="18" charset="0"/>
                             </a:rPr>
@@ -7467,6 +7635,13 @@
                               <a:solidFill>
                                 <a:schemeClr val="bg1"/>
                               </a:solidFill>
+                              <a:effectLst>
+                                <a:outerShdw blurRad="38100" dist="38100" dir="2700000" algn="tl">
+                                  <a:srgbClr val="000000">
+                                    <a:alpha val="43137"/>
+                                  </a:srgbClr>
+                                </a:outerShdw>
+                              </a:effectLst>
                               <a:latin typeface="Cambria Math" panose="02040503050406030204" pitchFamily="18" charset="0"/>
                               <a:ea typeface="Cambria Math" panose="02040503050406030204" pitchFamily="18" charset="0"/>
                             </a:rPr>
@@ -7481,6 +7656,13 @@
                               <a:solidFill>
                                 <a:schemeClr val="bg1"/>
                               </a:solidFill>
+                              <a:effectLst>
+                                <a:outerShdw blurRad="38100" dist="38100" dir="2700000" algn="tl">
+                                  <a:srgbClr val="000000">
+                                    <a:alpha val="43137"/>
+                                  </a:srgbClr>
+                                </a:outerShdw>
+                              </a:effectLst>
                               <a:latin typeface="Cambria Math" panose="02040503050406030204" pitchFamily="18" charset="0"/>
                               <a:ea typeface="Cambria Math" panose="02040503050406030204" pitchFamily="18" charset="0"/>
                             </a:rPr>
@@ -7494,6 +7676,13 @@
                                   <a:solidFill>
                                     <a:schemeClr val="bg1"/>
                                   </a:solidFill>
+                                  <a:effectLst>
+                                    <a:outerShdw blurRad="38100" dist="38100" dir="2700000" algn="tl">
+                                      <a:srgbClr val="000000">
+                                        <a:alpha val="43137"/>
+                                      </a:srgbClr>
+                                    </a:outerShdw>
+                                  </a:effectLst>
                                   <a:latin typeface="Cambria Math" panose="02040503050406030204" pitchFamily="18" charset="0"/>
                                   <a:ea typeface="Cambria Math" panose="02040503050406030204" pitchFamily="18" charset="0"/>
                                 </a:rPr>
@@ -7505,6 +7694,13 @@
                                   <a:solidFill>
                                     <a:schemeClr val="bg1"/>
                                   </a:solidFill>
+                                  <a:effectLst>
+                                    <a:outerShdw blurRad="38100" dist="38100" dir="2700000" algn="tl">
+                                      <a:srgbClr val="000000">
+                                        <a:alpha val="43137"/>
+                                      </a:srgbClr>
+                                    </a:outerShdw>
+                                  </a:effectLst>
                                   <a:latin typeface="Cambria Math" panose="02040503050406030204" pitchFamily="18" charset="0"/>
                                   <a:ea typeface="Cambria Math" panose="02040503050406030204" pitchFamily="18" charset="0"/>
                                 </a:rPr>
@@ -7519,6 +7715,13 @@
                                       <a:solidFill>
                                         <a:schemeClr val="bg1"/>
                                       </a:solidFill>
+                                      <a:effectLst>
+                                        <a:outerShdw blurRad="38100" dist="38100" dir="2700000" algn="tl">
+                                          <a:srgbClr val="000000">
+                                            <a:alpha val="43137"/>
+                                          </a:srgbClr>
+                                        </a:outerShdw>
+                                      </a:effectLst>
                                       <a:latin typeface="Cambria Math" panose="02040503050406030204" pitchFamily="18" charset="0"/>
                                       <a:ea typeface="Cambria Math" panose="02040503050406030204" pitchFamily="18" charset="0"/>
                                     </a:rPr>
@@ -7530,6 +7733,13 @@
                                       <a:solidFill>
                                         <a:schemeClr val="bg1"/>
                                       </a:solidFill>
+                                      <a:effectLst>
+                                        <a:outerShdw blurRad="38100" dist="38100" dir="2700000" algn="tl">
+                                          <a:srgbClr val="000000">
+                                            <a:alpha val="43137"/>
+                                          </a:srgbClr>
+                                        </a:outerShdw>
+                                      </a:effectLst>
                                       <a:latin typeface="Cambria Math" panose="02040503050406030204" pitchFamily="18" charset="0"/>
                                       <a:ea typeface="Cambria Math" panose="02040503050406030204" pitchFamily="18" charset="0"/>
                                     </a:rPr>
@@ -7542,6 +7752,13 @@
                                       <a:solidFill>
                                         <a:schemeClr val="bg1"/>
                                       </a:solidFill>
+                                      <a:effectLst>
+                                        <a:outerShdw blurRad="38100" dist="38100" dir="2700000" algn="tl">
+                                          <a:srgbClr val="000000">
+                                            <a:alpha val="43137"/>
+                                          </a:srgbClr>
+                                        </a:outerShdw>
+                                      </a:effectLst>
                                       <a:latin typeface="Cambria Math" panose="02040503050406030204" pitchFamily="18" charset="0"/>
                                       <a:ea typeface="Cambria Math" panose="02040503050406030204" pitchFamily="18" charset="0"/>
                                     </a:rPr>
@@ -7560,12 +7777,19 @@
                   <a:solidFill>
                     <a:schemeClr val="bg1"/>
                   </a:solidFill>
+                  <a:effectLst>
+                    <a:outerShdw blurRad="38100" dist="38100" dir="2700000" algn="tl">
+                      <a:srgbClr val="000000">
+                        <a:alpha val="43137"/>
+                      </a:srgbClr>
+                    </a:outerShdw>
+                  </a:effectLst>
                 </a:endParaRPr>
               </a:p>
             </p:txBody>
           </p:sp>
         </mc:Choice>
-        <mc:Fallback xmlns="">
+        <mc:Fallback>
           <p:sp>
             <p:nvSpPr>
               <p:cNvPr id="5" name="CasellaDiTesto 4">
@@ -7591,7 +7815,7 @@
               <a:blipFill>
                 <a:blip r:embed="rId2"/>
                 <a:stretch>
-                  <a:fillRect/>
+                  <a:fillRect b="-6667"/>
                 </a:stretch>
               </a:blipFill>
               <a:ln w="15875">

--- a/PresentationTextMining.pptx
+++ b/PresentationTextMining.pptx
@@ -4,6 +4,9 @@
   <p:sldMasterIdLst>
     <p:sldMasterId id="2147483648" r:id="rId1"/>
   </p:sldMasterIdLst>
+  <p:notesMasterIdLst>
+    <p:notesMasterId r:id="rId12"/>
+  </p:notesMasterIdLst>
   <p:sldIdLst>
     <p:sldId id="256" r:id="rId2"/>
     <p:sldId id="260" r:id="rId3"/>
@@ -121,6 +124,1321 @@
 </p:presentation>
 </file>
 
+<file path=ppt/notesMasters/notesMaster1.xml><?xml version="1.0" encoding="utf-8"?>
+<p:notesMaster xmlns:a="http://schemas.openxmlformats.org/drawingml/2006/main" xmlns:r="http://schemas.openxmlformats.org/officeDocument/2006/relationships" xmlns:p="http://schemas.openxmlformats.org/presentationml/2006/main">
+  <p:cSld>
+    <p:bg>
+      <p:bgRef idx="1001">
+        <a:schemeClr val="bg1"/>
+      </p:bgRef>
+    </p:bg>
+    <p:spTree>
+      <p:nvGrpSpPr>
+        <p:cNvPr id="1" name=""/>
+        <p:cNvGrpSpPr/>
+        <p:nvPr/>
+      </p:nvGrpSpPr>
+      <p:grpSpPr>
+        <a:xfrm>
+          <a:off x="0" y="0"/>
+          <a:ext cx="0" cy="0"/>
+          <a:chOff x="0" y="0"/>
+          <a:chExt cx="0" cy="0"/>
+        </a:xfrm>
+      </p:grpSpPr>
+      <p:sp>
+        <p:nvSpPr>
+          <p:cNvPr id="2" name="Segnaposto intestazione 1"/>
+          <p:cNvSpPr>
+            <a:spLocks noGrp="1"/>
+          </p:cNvSpPr>
+          <p:nvPr>
+            <p:ph type="hdr" sz="quarter"/>
+          </p:nvPr>
+        </p:nvSpPr>
+        <p:spPr>
+          <a:xfrm>
+            <a:off x="0" y="0"/>
+            <a:ext cx="2971800" cy="458788"/>
+          </a:xfrm>
+          <a:prstGeom prst="rect">
+            <a:avLst/>
+          </a:prstGeom>
+        </p:spPr>
+        <p:txBody>
+          <a:bodyPr vert="horz" lIns="91440" tIns="45720" rIns="91440" bIns="45720" rtlCol="0"/>
+          <a:lstStyle>
+            <a:lvl1pPr algn="l">
+              <a:defRPr sz="1200"/>
+            </a:lvl1pPr>
+          </a:lstStyle>
+          <a:p>
+            <a:endParaRPr lang="it-IT"/>
+          </a:p>
+        </p:txBody>
+      </p:sp>
+      <p:sp>
+        <p:nvSpPr>
+          <p:cNvPr id="3" name="Segnaposto data 2"/>
+          <p:cNvSpPr>
+            <a:spLocks noGrp="1"/>
+          </p:cNvSpPr>
+          <p:nvPr>
+            <p:ph type="dt" idx="1"/>
+          </p:nvPr>
+        </p:nvSpPr>
+        <p:spPr>
+          <a:xfrm>
+            <a:off x="3884613" y="0"/>
+            <a:ext cx="2971800" cy="458788"/>
+          </a:xfrm>
+          <a:prstGeom prst="rect">
+            <a:avLst/>
+          </a:prstGeom>
+        </p:spPr>
+        <p:txBody>
+          <a:bodyPr vert="horz" lIns="91440" tIns="45720" rIns="91440" bIns="45720" rtlCol="0"/>
+          <a:lstStyle>
+            <a:lvl1pPr algn="r">
+              <a:defRPr sz="1200"/>
+            </a:lvl1pPr>
+          </a:lstStyle>
+          <a:p>
+            <a:fld id="{637CA7B1-5B5E-403F-A99A-F55ECAD82A89}" type="datetimeFigureOut">
+              <a:rPr lang="it-IT" smtClean="0"/>
+              <a:t>24/02/2021</a:t>
+            </a:fld>
+            <a:endParaRPr lang="it-IT"/>
+          </a:p>
+        </p:txBody>
+      </p:sp>
+      <p:sp>
+        <p:nvSpPr>
+          <p:cNvPr id="4" name="Segnaposto immagine diapositiva 3"/>
+          <p:cNvSpPr>
+            <a:spLocks noGrp="1" noRot="1" noChangeAspect="1"/>
+          </p:cNvSpPr>
+          <p:nvPr>
+            <p:ph type="sldImg" idx="2"/>
+          </p:nvPr>
+        </p:nvSpPr>
+        <p:spPr>
+          <a:xfrm>
+            <a:off x="685800" y="1143000"/>
+            <a:ext cx="5486400" cy="3086100"/>
+          </a:xfrm>
+          <a:prstGeom prst="rect">
+            <a:avLst/>
+          </a:prstGeom>
+          <a:noFill/>
+          <a:ln w="12700">
+            <a:solidFill>
+              <a:prstClr val="black"/>
+            </a:solidFill>
+          </a:ln>
+        </p:spPr>
+        <p:txBody>
+          <a:bodyPr vert="horz" lIns="91440" tIns="45720" rIns="91440" bIns="45720" rtlCol="0" anchor="ctr"/>
+          <a:lstStyle/>
+          <a:p>
+            <a:endParaRPr lang="it-IT"/>
+          </a:p>
+        </p:txBody>
+      </p:sp>
+      <p:sp>
+        <p:nvSpPr>
+          <p:cNvPr id="5" name="Segnaposto note 4"/>
+          <p:cNvSpPr>
+            <a:spLocks noGrp="1"/>
+          </p:cNvSpPr>
+          <p:nvPr>
+            <p:ph type="body" sz="quarter" idx="3"/>
+          </p:nvPr>
+        </p:nvSpPr>
+        <p:spPr>
+          <a:xfrm>
+            <a:off x="685800" y="4400550"/>
+            <a:ext cx="5486400" cy="3600450"/>
+          </a:xfrm>
+          <a:prstGeom prst="rect">
+            <a:avLst/>
+          </a:prstGeom>
+        </p:spPr>
+        <p:txBody>
+          <a:bodyPr vert="horz" lIns="91440" tIns="45720" rIns="91440" bIns="45720" rtlCol="0"/>
+          <a:lstStyle/>
+          <a:p>
+            <a:pPr lvl="0"/>
+            <a:r>
+              <a:rPr lang="it-IT"/>
+              <a:t>Fare clic per modificare gli stili del testo dello schema</a:t>
+            </a:r>
+          </a:p>
+          <a:p>
+            <a:pPr lvl="1"/>
+            <a:r>
+              <a:rPr lang="it-IT"/>
+              <a:t>Secondo livello</a:t>
+            </a:r>
+          </a:p>
+          <a:p>
+            <a:pPr lvl="2"/>
+            <a:r>
+              <a:rPr lang="it-IT"/>
+              <a:t>Terzo livello</a:t>
+            </a:r>
+          </a:p>
+          <a:p>
+            <a:pPr lvl="3"/>
+            <a:r>
+              <a:rPr lang="it-IT"/>
+              <a:t>Quarto livello</a:t>
+            </a:r>
+          </a:p>
+          <a:p>
+            <a:pPr lvl="4"/>
+            <a:r>
+              <a:rPr lang="it-IT"/>
+              <a:t>Quinto livello</a:t>
+            </a:r>
+          </a:p>
+        </p:txBody>
+      </p:sp>
+      <p:sp>
+        <p:nvSpPr>
+          <p:cNvPr id="6" name="Segnaposto piè di pagina 5"/>
+          <p:cNvSpPr>
+            <a:spLocks noGrp="1"/>
+          </p:cNvSpPr>
+          <p:nvPr>
+            <p:ph type="ftr" sz="quarter" idx="4"/>
+          </p:nvPr>
+        </p:nvSpPr>
+        <p:spPr>
+          <a:xfrm>
+            <a:off x="0" y="8685213"/>
+            <a:ext cx="2971800" cy="458787"/>
+          </a:xfrm>
+          <a:prstGeom prst="rect">
+            <a:avLst/>
+          </a:prstGeom>
+        </p:spPr>
+        <p:txBody>
+          <a:bodyPr vert="horz" lIns="91440" tIns="45720" rIns="91440" bIns="45720" rtlCol="0" anchor="b"/>
+          <a:lstStyle>
+            <a:lvl1pPr algn="l">
+              <a:defRPr sz="1200"/>
+            </a:lvl1pPr>
+          </a:lstStyle>
+          <a:p>
+            <a:endParaRPr lang="it-IT"/>
+          </a:p>
+        </p:txBody>
+      </p:sp>
+      <p:sp>
+        <p:nvSpPr>
+          <p:cNvPr id="7" name="Segnaposto numero diapositiva 6"/>
+          <p:cNvSpPr>
+            <a:spLocks noGrp="1"/>
+          </p:cNvSpPr>
+          <p:nvPr>
+            <p:ph type="sldNum" sz="quarter" idx="5"/>
+          </p:nvPr>
+        </p:nvSpPr>
+        <p:spPr>
+          <a:xfrm>
+            <a:off x="3884613" y="8685213"/>
+            <a:ext cx="2971800" cy="458787"/>
+          </a:xfrm>
+          <a:prstGeom prst="rect">
+            <a:avLst/>
+          </a:prstGeom>
+        </p:spPr>
+        <p:txBody>
+          <a:bodyPr vert="horz" lIns="91440" tIns="45720" rIns="91440" bIns="45720" rtlCol="0" anchor="b"/>
+          <a:lstStyle>
+            <a:lvl1pPr algn="r">
+              <a:defRPr sz="1200"/>
+            </a:lvl1pPr>
+          </a:lstStyle>
+          <a:p>
+            <a:fld id="{E5C7CF62-0F62-41F2-8219-B005DC74A538}" type="slidenum">
+              <a:rPr lang="it-IT" smtClean="0"/>
+              <a:t>‹N›</a:t>
+            </a:fld>
+            <a:endParaRPr lang="it-IT"/>
+          </a:p>
+        </p:txBody>
+      </p:sp>
+    </p:spTree>
+    <p:extLst>
+      <p:ext uri="{BB962C8B-B14F-4D97-AF65-F5344CB8AC3E}">
+        <p14:creationId xmlns:p14="http://schemas.microsoft.com/office/powerpoint/2010/main" val="4023798114"/>
+      </p:ext>
+    </p:extLst>
+  </p:cSld>
+  <p:clrMap bg1="lt1" tx1="dk1" bg2="lt2" tx2="dk2" accent1="accent1" accent2="accent2" accent3="accent3" accent4="accent4" accent5="accent5" accent6="accent6" hlink="hlink" folHlink="folHlink"/>
+  <p:notesStyle>
+    <a:lvl1pPr marL="0" algn="l" defTabSz="914400" rtl="0" eaLnBrk="1" latinLnBrk="0" hangingPunct="1">
+      <a:defRPr sz="1200" kern="1200">
+        <a:solidFill>
+          <a:schemeClr val="tx1"/>
+        </a:solidFill>
+        <a:latin typeface="+mn-lt"/>
+        <a:ea typeface="+mn-ea"/>
+        <a:cs typeface="+mn-cs"/>
+      </a:defRPr>
+    </a:lvl1pPr>
+    <a:lvl2pPr marL="457200" algn="l" defTabSz="914400" rtl="0" eaLnBrk="1" latinLnBrk="0" hangingPunct="1">
+      <a:defRPr sz="1200" kern="1200">
+        <a:solidFill>
+          <a:schemeClr val="tx1"/>
+        </a:solidFill>
+        <a:latin typeface="+mn-lt"/>
+        <a:ea typeface="+mn-ea"/>
+        <a:cs typeface="+mn-cs"/>
+      </a:defRPr>
+    </a:lvl2pPr>
+    <a:lvl3pPr marL="914400" algn="l" defTabSz="914400" rtl="0" eaLnBrk="1" latinLnBrk="0" hangingPunct="1">
+      <a:defRPr sz="1200" kern="1200">
+        <a:solidFill>
+          <a:schemeClr val="tx1"/>
+        </a:solidFill>
+        <a:latin typeface="+mn-lt"/>
+        <a:ea typeface="+mn-ea"/>
+        <a:cs typeface="+mn-cs"/>
+      </a:defRPr>
+    </a:lvl3pPr>
+    <a:lvl4pPr marL="1371600" algn="l" defTabSz="914400" rtl="0" eaLnBrk="1" latinLnBrk="0" hangingPunct="1">
+      <a:defRPr sz="1200" kern="1200">
+        <a:solidFill>
+          <a:schemeClr val="tx1"/>
+        </a:solidFill>
+        <a:latin typeface="+mn-lt"/>
+        <a:ea typeface="+mn-ea"/>
+        <a:cs typeface="+mn-cs"/>
+      </a:defRPr>
+    </a:lvl4pPr>
+    <a:lvl5pPr marL="1828800" algn="l" defTabSz="914400" rtl="0" eaLnBrk="1" latinLnBrk="0" hangingPunct="1">
+      <a:defRPr sz="1200" kern="1200">
+        <a:solidFill>
+          <a:schemeClr val="tx1"/>
+        </a:solidFill>
+        <a:latin typeface="+mn-lt"/>
+        <a:ea typeface="+mn-ea"/>
+        <a:cs typeface="+mn-cs"/>
+      </a:defRPr>
+    </a:lvl5pPr>
+    <a:lvl6pPr marL="2286000" algn="l" defTabSz="914400" rtl="0" eaLnBrk="1" latinLnBrk="0" hangingPunct="1">
+      <a:defRPr sz="1200" kern="1200">
+        <a:solidFill>
+          <a:schemeClr val="tx1"/>
+        </a:solidFill>
+        <a:latin typeface="+mn-lt"/>
+        <a:ea typeface="+mn-ea"/>
+        <a:cs typeface="+mn-cs"/>
+      </a:defRPr>
+    </a:lvl6pPr>
+    <a:lvl7pPr marL="2743200" algn="l" defTabSz="914400" rtl="0" eaLnBrk="1" latinLnBrk="0" hangingPunct="1">
+      <a:defRPr sz="1200" kern="1200">
+        <a:solidFill>
+          <a:schemeClr val="tx1"/>
+        </a:solidFill>
+        <a:latin typeface="+mn-lt"/>
+        <a:ea typeface="+mn-ea"/>
+        <a:cs typeface="+mn-cs"/>
+      </a:defRPr>
+    </a:lvl7pPr>
+    <a:lvl8pPr marL="3200400" algn="l" defTabSz="914400" rtl="0" eaLnBrk="1" latinLnBrk="0" hangingPunct="1">
+      <a:defRPr sz="1200" kern="1200">
+        <a:solidFill>
+          <a:schemeClr val="tx1"/>
+        </a:solidFill>
+        <a:latin typeface="+mn-lt"/>
+        <a:ea typeface="+mn-ea"/>
+        <a:cs typeface="+mn-cs"/>
+      </a:defRPr>
+    </a:lvl8pPr>
+    <a:lvl9pPr marL="3657600" algn="l" defTabSz="914400" rtl="0" eaLnBrk="1" latinLnBrk="0" hangingPunct="1">
+      <a:defRPr sz="1200" kern="1200">
+        <a:solidFill>
+          <a:schemeClr val="tx1"/>
+        </a:solidFill>
+        <a:latin typeface="+mn-lt"/>
+        <a:ea typeface="+mn-ea"/>
+        <a:cs typeface="+mn-cs"/>
+      </a:defRPr>
+    </a:lvl9pPr>
+  </p:notesStyle>
+</p:notesMaster>
+</file>
+
+<file path=ppt/notesSlides/notesSlide1.xml><?xml version="1.0" encoding="utf-8"?>
+<p:notes xmlns:a="http://schemas.openxmlformats.org/drawingml/2006/main" xmlns:r="http://schemas.openxmlformats.org/officeDocument/2006/relationships" xmlns:p="http://schemas.openxmlformats.org/presentationml/2006/main">
+  <p:cSld>
+    <p:spTree>
+      <p:nvGrpSpPr>
+        <p:cNvPr id="1" name=""/>
+        <p:cNvGrpSpPr/>
+        <p:nvPr/>
+      </p:nvGrpSpPr>
+      <p:grpSpPr>
+        <a:xfrm>
+          <a:off x="0" y="0"/>
+          <a:ext cx="0" cy="0"/>
+          <a:chOff x="0" y="0"/>
+          <a:chExt cx="0" cy="0"/>
+        </a:xfrm>
+      </p:grpSpPr>
+      <p:sp>
+        <p:nvSpPr>
+          <p:cNvPr id="2" name="Segnaposto immagine diapositiva 1"/>
+          <p:cNvSpPr>
+            <a:spLocks noGrp="1" noRot="1" noChangeAspect="1"/>
+          </p:cNvSpPr>
+          <p:nvPr>
+            <p:ph type="sldImg"/>
+          </p:nvPr>
+        </p:nvSpPr>
+        <p:spPr/>
+      </p:sp>
+      <p:sp>
+        <p:nvSpPr>
+          <p:cNvPr id="3" name="Segnaposto note 2"/>
+          <p:cNvSpPr>
+            <a:spLocks noGrp="1"/>
+          </p:cNvSpPr>
+          <p:nvPr>
+            <p:ph type="body" idx="1"/>
+          </p:nvPr>
+        </p:nvSpPr>
+        <p:spPr/>
+        <p:txBody>
+          <a:bodyPr/>
+          <a:lstStyle/>
+          <a:p>
+            <a:pPr marL="171450" indent="-171450">
+              <a:buFontTx/>
+              <a:buChar char="-"/>
+            </a:pPr>
+            <a:r>
+              <a:rPr lang="it-IT" dirty="0"/>
+              <a:t>Non presentiamo tutto ma solo i modelli più interessanti</a:t>
+            </a:r>
+          </a:p>
+          <a:p>
+            <a:pPr marL="171450" indent="-171450">
+              <a:buFontTx/>
+              <a:buChar char="-"/>
+            </a:pPr>
+            <a:r>
+              <a:rPr lang="it-IT" dirty="0"/>
+              <a:t>Dire che facciamo test </a:t>
+            </a:r>
+            <a:r>
+              <a:rPr lang="it-IT" dirty="0" err="1"/>
+              <a:t>classification</a:t>
+            </a:r>
+            <a:endParaRPr lang="it-IT" dirty="0"/>
+          </a:p>
+        </p:txBody>
+      </p:sp>
+      <p:sp>
+        <p:nvSpPr>
+          <p:cNvPr id="4" name="Segnaposto numero diapositiva 3"/>
+          <p:cNvSpPr>
+            <a:spLocks noGrp="1"/>
+          </p:cNvSpPr>
+          <p:nvPr>
+            <p:ph type="sldNum" sz="quarter" idx="5"/>
+          </p:nvPr>
+        </p:nvSpPr>
+        <p:spPr/>
+        <p:txBody>
+          <a:bodyPr/>
+          <a:lstStyle/>
+          <a:p>
+            <a:fld id="{E5C7CF62-0F62-41F2-8219-B005DC74A538}" type="slidenum">
+              <a:rPr lang="it-IT" smtClean="0"/>
+              <a:t>1</a:t>
+            </a:fld>
+            <a:endParaRPr lang="it-IT"/>
+          </a:p>
+        </p:txBody>
+      </p:sp>
+    </p:spTree>
+    <p:extLst>
+      <p:ext uri="{BB962C8B-B14F-4D97-AF65-F5344CB8AC3E}">
+        <p14:creationId xmlns:p14="http://schemas.microsoft.com/office/powerpoint/2010/main" val="1828449852"/>
+      </p:ext>
+    </p:extLst>
+  </p:cSld>
+  <p:clrMapOvr>
+    <a:masterClrMapping/>
+  </p:clrMapOvr>
+</p:notes>
+</file>
+
+<file path=ppt/notesSlides/notesSlide2.xml><?xml version="1.0" encoding="utf-8"?>
+<p:notes xmlns:a="http://schemas.openxmlformats.org/drawingml/2006/main" xmlns:r="http://schemas.openxmlformats.org/officeDocument/2006/relationships" xmlns:p="http://schemas.openxmlformats.org/presentationml/2006/main">
+  <p:cSld>
+    <p:spTree>
+      <p:nvGrpSpPr>
+        <p:cNvPr id="1" name=""/>
+        <p:cNvGrpSpPr/>
+        <p:nvPr/>
+      </p:nvGrpSpPr>
+      <p:grpSpPr>
+        <a:xfrm>
+          <a:off x="0" y="0"/>
+          <a:ext cx="0" cy="0"/>
+          <a:chOff x="0" y="0"/>
+          <a:chExt cx="0" cy="0"/>
+        </a:xfrm>
+      </p:grpSpPr>
+      <p:sp>
+        <p:nvSpPr>
+          <p:cNvPr id="2" name="Segnaposto immagine diapositiva 1"/>
+          <p:cNvSpPr>
+            <a:spLocks noGrp="1" noRot="1" noChangeAspect="1"/>
+          </p:cNvSpPr>
+          <p:nvPr>
+            <p:ph type="sldImg"/>
+          </p:nvPr>
+        </p:nvSpPr>
+        <p:spPr/>
+      </p:sp>
+      <p:sp>
+        <p:nvSpPr>
+          <p:cNvPr id="3" name="Segnaposto note 2"/>
+          <p:cNvSpPr>
+            <a:spLocks noGrp="1"/>
+          </p:cNvSpPr>
+          <p:nvPr>
+            <p:ph type="body" idx="1"/>
+          </p:nvPr>
+        </p:nvSpPr>
+        <p:spPr/>
+        <p:txBody>
+          <a:bodyPr/>
+          <a:lstStyle/>
+          <a:p>
+            <a:pPr marL="171450" indent="-171450">
+              <a:buFontTx/>
+              <a:buChar char="-"/>
+            </a:pPr>
+            <a:r>
+              <a:rPr lang="it-IT" dirty="0"/>
+              <a:t>Specificare quali colonne sono presenti</a:t>
+            </a:r>
+          </a:p>
+          <a:p>
+            <a:pPr marL="171450" indent="-171450">
+              <a:buFontTx/>
+              <a:buChar char="-"/>
+            </a:pPr>
+            <a:r>
+              <a:rPr lang="it-IT" dirty="0"/>
+              <a:t>Specificare che la maggioranza vince sulla classificazione</a:t>
+            </a:r>
+          </a:p>
+          <a:p>
+            <a:pPr marL="171450" indent="-171450">
+              <a:buFontTx/>
+              <a:buChar char="-"/>
+            </a:pPr>
+            <a:r>
+              <a:rPr lang="it-IT" b="1" dirty="0"/>
+              <a:t>UNBALANCED</a:t>
+            </a:r>
+          </a:p>
+        </p:txBody>
+      </p:sp>
+      <p:sp>
+        <p:nvSpPr>
+          <p:cNvPr id="4" name="Segnaposto numero diapositiva 3"/>
+          <p:cNvSpPr>
+            <a:spLocks noGrp="1"/>
+          </p:cNvSpPr>
+          <p:nvPr>
+            <p:ph type="sldNum" sz="quarter" idx="5"/>
+          </p:nvPr>
+        </p:nvSpPr>
+        <p:spPr/>
+        <p:txBody>
+          <a:bodyPr/>
+          <a:lstStyle/>
+          <a:p>
+            <a:fld id="{E5C7CF62-0F62-41F2-8219-B005DC74A538}" type="slidenum">
+              <a:rPr lang="it-IT" smtClean="0"/>
+              <a:t>2</a:t>
+            </a:fld>
+            <a:endParaRPr lang="it-IT"/>
+          </a:p>
+        </p:txBody>
+      </p:sp>
+    </p:spTree>
+    <p:extLst>
+      <p:ext uri="{BB962C8B-B14F-4D97-AF65-F5344CB8AC3E}">
+        <p14:creationId xmlns:p14="http://schemas.microsoft.com/office/powerpoint/2010/main" val="2636076293"/>
+      </p:ext>
+    </p:extLst>
+  </p:cSld>
+  <p:clrMapOvr>
+    <a:masterClrMapping/>
+  </p:clrMapOvr>
+</p:notes>
+</file>
+
+<file path=ppt/notesSlides/notesSlide3.xml><?xml version="1.0" encoding="utf-8"?>
+<p:notes xmlns:a="http://schemas.openxmlformats.org/drawingml/2006/main" xmlns:r="http://schemas.openxmlformats.org/officeDocument/2006/relationships" xmlns:p="http://schemas.openxmlformats.org/presentationml/2006/main">
+  <p:cSld>
+    <p:spTree>
+      <p:nvGrpSpPr>
+        <p:cNvPr id="1" name=""/>
+        <p:cNvGrpSpPr/>
+        <p:nvPr/>
+      </p:nvGrpSpPr>
+      <p:grpSpPr>
+        <a:xfrm>
+          <a:off x="0" y="0"/>
+          <a:ext cx="0" cy="0"/>
+          <a:chOff x="0" y="0"/>
+          <a:chExt cx="0" cy="0"/>
+        </a:xfrm>
+      </p:grpSpPr>
+      <p:sp>
+        <p:nvSpPr>
+          <p:cNvPr id="2" name="Segnaposto immagine diapositiva 1"/>
+          <p:cNvSpPr>
+            <a:spLocks noGrp="1" noRot="1" noChangeAspect="1"/>
+          </p:cNvSpPr>
+          <p:nvPr>
+            <p:ph type="sldImg"/>
+          </p:nvPr>
+        </p:nvSpPr>
+        <p:spPr/>
+      </p:sp>
+      <p:sp>
+        <p:nvSpPr>
+          <p:cNvPr id="3" name="Segnaposto note 2"/>
+          <p:cNvSpPr>
+            <a:spLocks noGrp="1"/>
+          </p:cNvSpPr>
+          <p:nvPr>
+            <p:ph type="body" idx="1"/>
+          </p:nvPr>
+        </p:nvSpPr>
+        <p:spPr/>
+        <p:txBody>
+          <a:bodyPr/>
+          <a:lstStyle/>
+          <a:p>
+            <a:pPr marL="171450" indent="-171450">
+              <a:buFontTx/>
+              <a:buChar char="-"/>
+            </a:pPr>
+            <a:r>
+              <a:rPr lang="it-IT" dirty="0"/>
+              <a:t>Presentare gli esempi</a:t>
+            </a:r>
+          </a:p>
+          <a:p>
+            <a:pPr marL="171450" indent="-171450">
+              <a:buFontTx/>
+              <a:buChar char="-"/>
+            </a:pPr>
+            <a:r>
+              <a:rPr lang="it-IT" dirty="0"/>
+              <a:t>Specificare le stop words rimosse ulteriori</a:t>
+            </a:r>
+          </a:p>
+          <a:p>
+            <a:pPr marL="171450" indent="-171450">
+              <a:buFontTx/>
+              <a:buChar char="-"/>
+            </a:pPr>
+            <a:r>
+              <a:rPr lang="it-IT" dirty="0"/>
+              <a:t>Specificare anche le ulteriori  operazioni di </a:t>
+            </a:r>
+            <a:r>
+              <a:rPr lang="it-IT" dirty="0" err="1"/>
+              <a:t>preprocessing</a:t>
+            </a:r>
+            <a:endParaRPr lang="it-IT" dirty="0"/>
+          </a:p>
+        </p:txBody>
+      </p:sp>
+      <p:sp>
+        <p:nvSpPr>
+          <p:cNvPr id="4" name="Segnaposto numero diapositiva 3"/>
+          <p:cNvSpPr>
+            <a:spLocks noGrp="1"/>
+          </p:cNvSpPr>
+          <p:nvPr>
+            <p:ph type="sldNum" sz="quarter" idx="5"/>
+          </p:nvPr>
+        </p:nvSpPr>
+        <p:spPr/>
+        <p:txBody>
+          <a:bodyPr/>
+          <a:lstStyle/>
+          <a:p>
+            <a:fld id="{E5C7CF62-0F62-41F2-8219-B005DC74A538}" type="slidenum">
+              <a:rPr lang="it-IT" smtClean="0"/>
+              <a:t>3</a:t>
+            </a:fld>
+            <a:endParaRPr lang="it-IT"/>
+          </a:p>
+        </p:txBody>
+      </p:sp>
+    </p:spTree>
+    <p:extLst>
+      <p:ext uri="{BB962C8B-B14F-4D97-AF65-F5344CB8AC3E}">
+        <p14:creationId xmlns:p14="http://schemas.microsoft.com/office/powerpoint/2010/main" val="549615073"/>
+      </p:ext>
+    </p:extLst>
+  </p:cSld>
+  <p:clrMapOvr>
+    <a:masterClrMapping/>
+  </p:clrMapOvr>
+</p:notes>
+</file>
+
+<file path=ppt/notesSlides/notesSlide4.xml><?xml version="1.0" encoding="utf-8"?>
+<p:notes xmlns:a="http://schemas.openxmlformats.org/drawingml/2006/main" xmlns:r="http://schemas.openxmlformats.org/officeDocument/2006/relationships" xmlns:p="http://schemas.openxmlformats.org/presentationml/2006/main">
+  <p:cSld>
+    <p:spTree>
+      <p:nvGrpSpPr>
+        <p:cNvPr id="1" name=""/>
+        <p:cNvGrpSpPr/>
+        <p:nvPr/>
+      </p:nvGrpSpPr>
+      <p:grpSpPr>
+        <a:xfrm>
+          <a:off x="0" y="0"/>
+          <a:ext cx="0" cy="0"/>
+          <a:chOff x="0" y="0"/>
+          <a:chExt cx="0" cy="0"/>
+        </a:xfrm>
+      </p:grpSpPr>
+      <p:sp>
+        <p:nvSpPr>
+          <p:cNvPr id="2" name="Segnaposto immagine diapositiva 1"/>
+          <p:cNvSpPr>
+            <a:spLocks noGrp="1" noRot="1" noChangeAspect="1"/>
+          </p:cNvSpPr>
+          <p:nvPr>
+            <p:ph type="sldImg"/>
+          </p:nvPr>
+        </p:nvSpPr>
+        <p:spPr/>
+      </p:sp>
+      <p:sp>
+        <p:nvSpPr>
+          <p:cNvPr id="3" name="Segnaposto note 2"/>
+          <p:cNvSpPr>
+            <a:spLocks noGrp="1"/>
+          </p:cNvSpPr>
+          <p:nvPr>
+            <p:ph type="body" idx="1"/>
+          </p:nvPr>
+        </p:nvSpPr>
+        <p:spPr/>
+        <p:txBody>
+          <a:bodyPr/>
+          <a:lstStyle/>
+          <a:p>
+            <a:pPr marL="171450" indent="-171450">
+              <a:buFontTx/>
+              <a:buChar char="-"/>
+            </a:pPr>
+            <a:r>
+              <a:rPr lang="it-IT" dirty="0"/>
+              <a:t>Ulteriori rappresentazioni (</a:t>
+            </a:r>
+            <a:r>
+              <a:rPr lang="it-IT" dirty="0" err="1"/>
+              <a:t>Bag</a:t>
+            </a:r>
+            <a:r>
+              <a:rPr lang="it-IT" dirty="0"/>
+              <a:t> Of Words, </a:t>
+            </a:r>
+            <a:r>
+              <a:rPr lang="it-IT" dirty="0" err="1"/>
+              <a:t>Count</a:t>
+            </a:r>
+            <a:r>
+              <a:rPr lang="it-IT" dirty="0"/>
+              <a:t> Matrix)</a:t>
+            </a:r>
+          </a:p>
+          <a:p>
+            <a:pPr marL="171450" indent="-171450">
+              <a:buFontTx/>
+              <a:buChar char="-"/>
+            </a:pPr>
+            <a:endParaRPr lang="it-IT" dirty="0"/>
+          </a:p>
+        </p:txBody>
+      </p:sp>
+      <p:sp>
+        <p:nvSpPr>
+          <p:cNvPr id="4" name="Segnaposto numero diapositiva 3"/>
+          <p:cNvSpPr>
+            <a:spLocks noGrp="1"/>
+          </p:cNvSpPr>
+          <p:nvPr>
+            <p:ph type="sldNum" sz="quarter" idx="5"/>
+          </p:nvPr>
+        </p:nvSpPr>
+        <p:spPr/>
+        <p:txBody>
+          <a:bodyPr/>
+          <a:lstStyle/>
+          <a:p>
+            <a:fld id="{E5C7CF62-0F62-41F2-8219-B005DC74A538}" type="slidenum">
+              <a:rPr lang="it-IT" smtClean="0"/>
+              <a:t>4</a:t>
+            </a:fld>
+            <a:endParaRPr lang="it-IT"/>
+          </a:p>
+        </p:txBody>
+      </p:sp>
+    </p:spTree>
+    <p:extLst>
+      <p:ext uri="{BB962C8B-B14F-4D97-AF65-F5344CB8AC3E}">
+        <p14:creationId xmlns:p14="http://schemas.microsoft.com/office/powerpoint/2010/main" val="3404367978"/>
+      </p:ext>
+    </p:extLst>
+  </p:cSld>
+  <p:clrMapOvr>
+    <a:masterClrMapping/>
+  </p:clrMapOvr>
+</p:notes>
+</file>
+
+<file path=ppt/notesSlides/notesSlide5.xml><?xml version="1.0" encoding="utf-8"?>
+<p:notes xmlns:a="http://schemas.openxmlformats.org/drawingml/2006/main" xmlns:r="http://schemas.openxmlformats.org/officeDocument/2006/relationships" xmlns:p="http://schemas.openxmlformats.org/presentationml/2006/main">
+  <p:cSld>
+    <p:spTree>
+      <p:nvGrpSpPr>
+        <p:cNvPr id="1" name=""/>
+        <p:cNvGrpSpPr/>
+        <p:nvPr/>
+      </p:nvGrpSpPr>
+      <p:grpSpPr>
+        <a:xfrm>
+          <a:off x="0" y="0"/>
+          <a:ext cx="0" cy="0"/>
+          <a:chOff x="0" y="0"/>
+          <a:chExt cx="0" cy="0"/>
+        </a:xfrm>
+      </p:grpSpPr>
+      <p:sp>
+        <p:nvSpPr>
+          <p:cNvPr id="2" name="Segnaposto immagine diapositiva 1"/>
+          <p:cNvSpPr>
+            <a:spLocks noGrp="1" noRot="1" noChangeAspect="1"/>
+          </p:cNvSpPr>
+          <p:nvPr>
+            <p:ph type="sldImg"/>
+          </p:nvPr>
+        </p:nvSpPr>
+        <p:spPr/>
+      </p:sp>
+      <p:sp>
+        <p:nvSpPr>
+          <p:cNvPr id="3" name="Segnaposto note 2"/>
+          <p:cNvSpPr>
+            <a:spLocks noGrp="1"/>
+          </p:cNvSpPr>
+          <p:nvPr>
+            <p:ph type="body" idx="1"/>
+          </p:nvPr>
+        </p:nvSpPr>
+        <p:spPr/>
+        <p:txBody>
+          <a:bodyPr/>
+          <a:lstStyle/>
+          <a:p>
+            <a:pPr marL="171450" indent="-171450">
+              <a:buFontTx/>
+              <a:buChar char="-"/>
+            </a:pPr>
+            <a:r>
+              <a:rPr lang="it-IT" dirty="0"/>
+              <a:t>Emoji come codici html</a:t>
+            </a:r>
+          </a:p>
+          <a:p>
+            <a:pPr marL="171450" indent="-171450">
+              <a:buFontTx/>
+              <a:buChar char="-"/>
+            </a:pPr>
+            <a:r>
+              <a:rPr lang="it-IT" dirty="0"/>
+              <a:t>Retweet identificati con RT</a:t>
+            </a:r>
+          </a:p>
+        </p:txBody>
+      </p:sp>
+      <p:sp>
+        <p:nvSpPr>
+          <p:cNvPr id="4" name="Segnaposto numero diapositiva 3"/>
+          <p:cNvSpPr>
+            <a:spLocks noGrp="1"/>
+          </p:cNvSpPr>
+          <p:nvPr>
+            <p:ph type="sldNum" sz="quarter" idx="5"/>
+          </p:nvPr>
+        </p:nvSpPr>
+        <p:spPr/>
+        <p:txBody>
+          <a:bodyPr/>
+          <a:lstStyle/>
+          <a:p>
+            <a:fld id="{E5C7CF62-0F62-41F2-8219-B005DC74A538}" type="slidenum">
+              <a:rPr lang="it-IT" smtClean="0"/>
+              <a:t>5</a:t>
+            </a:fld>
+            <a:endParaRPr lang="it-IT"/>
+          </a:p>
+        </p:txBody>
+      </p:sp>
+    </p:spTree>
+    <p:extLst>
+      <p:ext uri="{BB962C8B-B14F-4D97-AF65-F5344CB8AC3E}">
+        <p14:creationId xmlns:p14="http://schemas.microsoft.com/office/powerpoint/2010/main" val="2228699348"/>
+      </p:ext>
+    </p:extLst>
+  </p:cSld>
+  <p:clrMapOvr>
+    <a:masterClrMapping/>
+  </p:clrMapOvr>
+</p:notes>
+</file>
+
+<file path=ppt/notesSlides/notesSlide6.xml><?xml version="1.0" encoding="utf-8"?>
+<p:notes xmlns:a="http://schemas.openxmlformats.org/drawingml/2006/main" xmlns:r="http://schemas.openxmlformats.org/officeDocument/2006/relationships" xmlns:p="http://schemas.openxmlformats.org/presentationml/2006/main">
+  <p:cSld>
+    <p:spTree>
+      <p:nvGrpSpPr>
+        <p:cNvPr id="1" name=""/>
+        <p:cNvGrpSpPr/>
+        <p:nvPr/>
+      </p:nvGrpSpPr>
+      <p:grpSpPr>
+        <a:xfrm>
+          <a:off x="0" y="0"/>
+          <a:ext cx="0" cy="0"/>
+          <a:chOff x="0" y="0"/>
+          <a:chExt cx="0" cy="0"/>
+        </a:xfrm>
+      </p:grpSpPr>
+      <p:sp>
+        <p:nvSpPr>
+          <p:cNvPr id="2" name="Segnaposto immagine diapositiva 1"/>
+          <p:cNvSpPr>
+            <a:spLocks noGrp="1" noRot="1" noChangeAspect="1"/>
+          </p:cNvSpPr>
+          <p:nvPr>
+            <p:ph type="sldImg"/>
+          </p:nvPr>
+        </p:nvSpPr>
+        <p:spPr/>
+      </p:sp>
+      <p:sp>
+        <p:nvSpPr>
+          <p:cNvPr id="3" name="Segnaposto note 2"/>
+          <p:cNvSpPr>
+            <a:spLocks noGrp="1"/>
+          </p:cNvSpPr>
+          <p:nvPr>
+            <p:ph type="body" idx="1"/>
+          </p:nvPr>
+        </p:nvSpPr>
+        <p:spPr/>
+        <p:txBody>
+          <a:bodyPr/>
+          <a:lstStyle/>
+          <a:p>
+            <a:pPr marL="171450" indent="-171450">
+              <a:buFontTx/>
+              <a:buChar char="-"/>
+            </a:pPr>
+            <a:r>
+              <a:rPr lang="it-IT" dirty="0" err="1"/>
+              <a:t>Neural</a:t>
+            </a:r>
+            <a:r>
+              <a:rPr lang="it-IT" dirty="0"/>
+              <a:t> network STRUTTURA</a:t>
+            </a:r>
+          </a:p>
+          <a:p>
+            <a:pPr marL="171450" indent="-171450">
+              <a:buFontTx/>
+              <a:buChar char="-"/>
+            </a:pPr>
+            <a:r>
+              <a:rPr lang="it-IT" dirty="0"/>
+              <a:t>Word cloud identificano la somiglianza tra </a:t>
+            </a:r>
+            <a:r>
+              <a:rPr lang="it-IT" dirty="0" err="1"/>
+              <a:t>hate</a:t>
+            </a:r>
+            <a:r>
+              <a:rPr lang="it-IT" dirty="0"/>
+              <a:t> e offensive</a:t>
+            </a:r>
+          </a:p>
+          <a:p>
+            <a:pPr marL="171450" indent="-171450">
+              <a:buFontTx/>
+              <a:buChar char="-"/>
+            </a:pPr>
+            <a:r>
+              <a:rPr lang="it-IT" dirty="0"/>
+              <a:t>Sottolineare la questione della binarizzazione</a:t>
+            </a:r>
+          </a:p>
+          <a:p>
+            <a:pPr marL="171450" indent="-171450">
+              <a:buFontTx/>
+              <a:buChar char="-"/>
+            </a:pPr>
+            <a:r>
+              <a:rPr lang="it-IT" dirty="0"/>
+              <a:t>PESIAMO LE CLASSI NEI MODELLI</a:t>
+            </a:r>
+          </a:p>
+        </p:txBody>
+      </p:sp>
+      <p:sp>
+        <p:nvSpPr>
+          <p:cNvPr id="4" name="Segnaposto numero diapositiva 3"/>
+          <p:cNvSpPr>
+            <a:spLocks noGrp="1"/>
+          </p:cNvSpPr>
+          <p:nvPr>
+            <p:ph type="sldNum" sz="quarter" idx="5"/>
+          </p:nvPr>
+        </p:nvSpPr>
+        <p:spPr/>
+        <p:txBody>
+          <a:bodyPr/>
+          <a:lstStyle/>
+          <a:p>
+            <a:fld id="{E5C7CF62-0F62-41F2-8219-B005DC74A538}" type="slidenum">
+              <a:rPr lang="it-IT" smtClean="0"/>
+              <a:t>6</a:t>
+            </a:fld>
+            <a:endParaRPr lang="it-IT"/>
+          </a:p>
+        </p:txBody>
+      </p:sp>
+    </p:spTree>
+    <p:extLst>
+      <p:ext uri="{BB962C8B-B14F-4D97-AF65-F5344CB8AC3E}">
+        <p14:creationId xmlns:p14="http://schemas.microsoft.com/office/powerpoint/2010/main" val="2686247492"/>
+      </p:ext>
+    </p:extLst>
+  </p:cSld>
+  <p:clrMapOvr>
+    <a:masterClrMapping/>
+  </p:clrMapOvr>
+</p:notes>
+</file>
+
+<file path=ppt/notesSlides/notesSlide7.xml><?xml version="1.0" encoding="utf-8"?>
+<p:notes xmlns:a="http://schemas.openxmlformats.org/drawingml/2006/main" xmlns:r="http://schemas.openxmlformats.org/officeDocument/2006/relationships" xmlns:p="http://schemas.openxmlformats.org/presentationml/2006/main">
+  <p:cSld>
+    <p:spTree>
+      <p:nvGrpSpPr>
+        <p:cNvPr id="1" name=""/>
+        <p:cNvGrpSpPr/>
+        <p:nvPr/>
+      </p:nvGrpSpPr>
+      <p:grpSpPr>
+        <a:xfrm>
+          <a:off x="0" y="0"/>
+          <a:ext cx="0" cy="0"/>
+          <a:chOff x="0" y="0"/>
+          <a:chExt cx="0" cy="0"/>
+        </a:xfrm>
+      </p:grpSpPr>
+      <p:sp>
+        <p:nvSpPr>
+          <p:cNvPr id="2" name="Segnaposto immagine diapositiva 1"/>
+          <p:cNvSpPr>
+            <a:spLocks noGrp="1" noRot="1" noChangeAspect="1"/>
+          </p:cNvSpPr>
+          <p:nvPr>
+            <p:ph type="sldImg"/>
+          </p:nvPr>
+        </p:nvSpPr>
+        <p:spPr/>
+      </p:sp>
+      <p:sp>
+        <p:nvSpPr>
+          <p:cNvPr id="3" name="Segnaposto note 2"/>
+          <p:cNvSpPr>
+            <a:spLocks noGrp="1"/>
+          </p:cNvSpPr>
+          <p:nvPr>
+            <p:ph type="body" idx="1"/>
+          </p:nvPr>
+        </p:nvSpPr>
+        <p:spPr/>
+        <p:txBody>
+          <a:bodyPr/>
+          <a:lstStyle/>
+          <a:p>
+            <a:r>
+              <a:rPr lang="it-IT" dirty="0"/>
+              <a:t>- </a:t>
+            </a:r>
+          </a:p>
+        </p:txBody>
+      </p:sp>
+      <p:sp>
+        <p:nvSpPr>
+          <p:cNvPr id="4" name="Segnaposto numero diapositiva 3"/>
+          <p:cNvSpPr>
+            <a:spLocks noGrp="1"/>
+          </p:cNvSpPr>
+          <p:nvPr>
+            <p:ph type="sldNum" sz="quarter" idx="5"/>
+          </p:nvPr>
+        </p:nvSpPr>
+        <p:spPr/>
+        <p:txBody>
+          <a:bodyPr/>
+          <a:lstStyle/>
+          <a:p>
+            <a:fld id="{E5C7CF62-0F62-41F2-8219-B005DC74A538}" type="slidenum">
+              <a:rPr lang="it-IT" smtClean="0"/>
+              <a:t>7</a:t>
+            </a:fld>
+            <a:endParaRPr lang="it-IT"/>
+          </a:p>
+        </p:txBody>
+      </p:sp>
+    </p:spTree>
+    <p:extLst>
+      <p:ext uri="{BB962C8B-B14F-4D97-AF65-F5344CB8AC3E}">
+        <p14:creationId xmlns:p14="http://schemas.microsoft.com/office/powerpoint/2010/main" val="3331225786"/>
+      </p:ext>
+    </p:extLst>
+  </p:cSld>
+  <p:clrMapOvr>
+    <a:masterClrMapping/>
+  </p:clrMapOvr>
+</p:notes>
+</file>
+
+<file path=ppt/notesSlides/notesSlide8.xml><?xml version="1.0" encoding="utf-8"?>
+<p:notes xmlns:a="http://schemas.openxmlformats.org/drawingml/2006/main" xmlns:r="http://schemas.openxmlformats.org/officeDocument/2006/relationships" xmlns:p="http://schemas.openxmlformats.org/presentationml/2006/main">
+  <p:cSld>
+    <p:spTree>
+      <p:nvGrpSpPr>
+        <p:cNvPr id="1" name=""/>
+        <p:cNvGrpSpPr/>
+        <p:nvPr/>
+      </p:nvGrpSpPr>
+      <p:grpSpPr>
+        <a:xfrm>
+          <a:off x="0" y="0"/>
+          <a:ext cx="0" cy="0"/>
+          <a:chOff x="0" y="0"/>
+          <a:chExt cx="0" cy="0"/>
+        </a:xfrm>
+      </p:grpSpPr>
+      <p:sp>
+        <p:nvSpPr>
+          <p:cNvPr id="2" name="Segnaposto immagine diapositiva 1"/>
+          <p:cNvSpPr>
+            <a:spLocks noGrp="1" noRot="1" noChangeAspect="1"/>
+          </p:cNvSpPr>
+          <p:nvPr>
+            <p:ph type="sldImg"/>
+          </p:nvPr>
+        </p:nvSpPr>
+        <p:spPr/>
+      </p:sp>
+      <p:sp>
+        <p:nvSpPr>
+          <p:cNvPr id="3" name="Segnaposto note 2"/>
+          <p:cNvSpPr>
+            <a:spLocks noGrp="1"/>
+          </p:cNvSpPr>
+          <p:nvPr>
+            <p:ph type="body" idx="1"/>
+          </p:nvPr>
+        </p:nvSpPr>
+        <p:spPr/>
+        <p:txBody>
+          <a:bodyPr/>
+          <a:lstStyle/>
+          <a:p>
+            <a:pPr marL="0" indent="0">
+              <a:buFontTx/>
+              <a:buNone/>
+            </a:pPr>
+            <a:endParaRPr lang="it-IT" dirty="0"/>
+          </a:p>
+        </p:txBody>
+      </p:sp>
+      <p:sp>
+        <p:nvSpPr>
+          <p:cNvPr id="4" name="Segnaposto numero diapositiva 3"/>
+          <p:cNvSpPr>
+            <a:spLocks noGrp="1"/>
+          </p:cNvSpPr>
+          <p:nvPr>
+            <p:ph type="sldNum" sz="quarter" idx="5"/>
+          </p:nvPr>
+        </p:nvSpPr>
+        <p:spPr/>
+        <p:txBody>
+          <a:bodyPr/>
+          <a:lstStyle/>
+          <a:p>
+            <a:fld id="{E5C7CF62-0F62-41F2-8219-B005DC74A538}" type="slidenum">
+              <a:rPr lang="it-IT" smtClean="0"/>
+              <a:t>8</a:t>
+            </a:fld>
+            <a:endParaRPr lang="it-IT"/>
+          </a:p>
+        </p:txBody>
+      </p:sp>
+    </p:spTree>
+    <p:extLst>
+      <p:ext uri="{BB962C8B-B14F-4D97-AF65-F5344CB8AC3E}">
+        <p14:creationId xmlns:p14="http://schemas.microsoft.com/office/powerpoint/2010/main" val="416392677"/>
+      </p:ext>
+    </p:extLst>
+  </p:cSld>
+  <p:clrMapOvr>
+    <a:masterClrMapping/>
+  </p:clrMapOvr>
+</p:notes>
+</file>
+
+<file path=ppt/notesSlides/notesSlide9.xml><?xml version="1.0" encoding="utf-8"?>
+<p:notes xmlns:a="http://schemas.openxmlformats.org/drawingml/2006/main" xmlns:r="http://schemas.openxmlformats.org/officeDocument/2006/relationships" xmlns:p="http://schemas.openxmlformats.org/presentationml/2006/main">
+  <p:cSld>
+    <p:spTree>
+      <p:nvGrpSpPr>
+        <p:cNvPr id="1" name=""/>
+        <p:cNvGrpSpPr/>
+        <p:nvPr/>
+      </p:nvGrpSpPr>
+      <p:grpSpPr>
+        <a:xfrm>
+          <a:off x="0" y="0"/>
+          <a:ext cx="0" cy="0"/>
+          <a:chOff x="0" y="0"/>
+          <a:chExt cx="0" cy="0"/>
+        </a:xfrm>
+      </p:grpSpPr>
+      <p:sp>
+        <p:nvSpPr>
+          <p:cNvPr id="2" name="Segnaposto immagine diapositiva 1"/>
+          <p:cNvSpPr>
+            <a:spLocks noGrp="1" noRot="1" noChangeAspect="1"/>
+          </p:cNvSpPr>
+          <p:nvPr>
+            <p:ph type="sldImg"/>
+          </p:nvPr>
+        </p:nvSpPr>
+        <p:spPr/>
+      </p:sp>
+      <p:sp>
+        <p:nvSpPr>
+          <p:cNvPr id="3" name="Segnaposto note 2"/>
+          <p:cNvSpPr>
+            <a:spLocks noGrp="1"/>
+          </p:cNvSpPr>
+          <p:nvPr>
+            <p:ph type="body" idx="1"/>
+          </p:nvPr>
+        </p:nvSpPr>
+        <p:spPr/>
+        <p:txBody>
+          <a:bodyPr/>
+          <a:lstStyle/>
+          <a:p>
+            <a:pPr marL="171450" indent="-171450">
+              <a:buFontTx/>
+              <a:buChar char="-"/>
+            </a:pPr>
+            <a:r>
+              <a:rPr lang="it-IT" dirty="0" err="1"/>
+              <a:t>Neural</a:t>
+            </a:r>
+            <a:r>
+              <a:rPr lang="it-IT" dirty="0"/>
+              <a:t> network migliore è quella più semplice. Probabilmente quelle più complesse con più dati funzionerebbero meglio</a:t>
+            </a:r>
+          </a:p>
+          <a:p>
+            <a:pPr marL="171450" indent="-171450">
+              <a:buFontTx/>
+              <a:buChar char="-"/>
+            </a:pPr>
+            <a:r>
+              <a:rPr lang="it-IT" dirty="0"/>
+              <a:t>Sviluppi futuri: cambiare le frequenze di tagli della </a:t>
+            </a:r>
+            <a:r>
+              <a:rPr lang="it-IT" dirty="0" err="1"/>
+              <a:t>tfidf</a:t>
+            </a:r>
+            <a:endParaRPr lang="it-IT" dirty="0"/>
+          </a:p>
+        </p:txBody>
+      </p:sp>
+      <p:sp>
+        <p:nvSpPr>
+          <p:cNvPr id="4" name="Segnaposto numero diapositiva 3"/>
+          <p:cNvSpPr>
+            <a:spLocks noGrp="1"/>
+          </p:cNvSpPr>
+          <p:nvPr>
+            <p:ph type="sldNum" sz="quarter" idx="5"/>
+          </p:nvPr>
+        </p:nvSpPr>
+        <p:spPr/>
+        <p:txBody>
+          <a:bodyPr/>
+          <a:lstStyle/>
+          <a:p>
+            <a:fld id="{E5C7CF62-0F62-41F2-8219-B005DC74A538}" type="slidenum">
+              <a:rPr lang="it-IT" smtClean="0"/>
+              <a:t>9</a:t>
+            </a:fld>
+            <a:endParaRPr lang="it-IT"/>
+          </a:p>
+        </p:txBody>
+      </p:sp>
+    </p:spTree>
+    <p:extLst>
+      <p:ext uri="{BB962C8B-B14F-4D97-AF65-F5344CB8AC3E}">
+        <p14:creationId xmlns:p14="http://schemas.microsoft.com/office/powerpoint/2010/main" val="3961919247"/>
+      </p:ext>
+    </p:extLst>
+  </p:cSld>
+  <p:clrMapOvr>
+    <a:masterClrMapping/>
+  </p:clrMapOvr>
+</p:notes>
+</file>
+
 <file path=ppt/slideLayouts/slideLayout1.xml><?xml version="1.0" encoding="utf-8"?>
 <p:sldLayout xmlns:a="http://schemas.openxmlformats.org/drawingml/2006/main" xmlns:r="http://schemas.openxmlformats.org/officeDocument/2006/relationships" xmlns:p="http://schemas.openxmlformats.org/presentationml/2006/main" type="title" preserve="1">
   <p:cSld name="Diapositiva titolo">
@@ -268,7 +1586,7 @@
           <a:p>
             <a:fld id="{B0B53A52-DDDC-4212-AEF9-5E5E54926935}" type="datetimeFigureOut">
               <a:rPr lang="it-IT" smtClean="0"/>
-              <a:t>20/02/2021</a:t>
+              <a:t>24/02/2021</a:t>
             </a:fld>
             <a:endParaRPr lang="it-IT" dirty="0"/>
           </a:p>
@@ -466,7 +1784,7 @@
           <a:p>
             <a:fld id="{B0B53A52-DDDC-4212-AEF9-5E5E54926935}" type="datetimeFigureOut">
               <a:rPr lang="it-IT" smtClean="0"/>
-              <a:t>20/02/2021</a:t>
+              <a:t>24/02/2021</a:t>
             </a:fld>
             <a:endParaRPr lang="it-IT" dirty="0"/>
           </a:p>
@@ -674,7 +1992,7 @@
           <a:p>
             <a:fld id="{B0B53A52-DDDC-4212-AEF9-5E5E54926935}" type="datetimeFigureOut">
               <a:rPr lang="it-IT" smtClean="0"/>
-              <a:t>20/02/2021</a:t>
+              <a:t>24/02/2021</a:t>
             </a:fld>
             <a:endParaRPr lang="it-IT" dirty="0"/>
           </a:p>
@@ -872,7 +2190,7 @@
           <a:p>
             <a:fld id="{B0B53A52-DDDC-4212-AEF9-5E5E54926935}" type="datetimeFigureOut">
               <a:rPr lang="it-IT" smtClean="0"/>
-              <a:t>20/02/2021</a:t>
+              <a:t>24/02/2021</a:t>
             </a:fld>
             <a:endParaRPr lang="it-IT" dirty="0"/>
           </a:p>
@@ -1147,7 +2465,7 @@
           <a:p>
             <a:fld id="{B0B53A52-DDDC-4212-AEF9-5E5E54926935}" type="datetimeFigureOut">
               <a:rPr lang="it-IT" smtClean="0"/>
-              <a:t>20/02/2021</a:t>
+              <a:t>24/02/2021</a:t>
             </a:fld>
             <a:endParaRPr lang="it-IT" dirty="0"/>
           </a:p>
@@ -1412,7 +2730,7 @@
           <a:p>
             <a:fld id="{B0B53A52-DDDC-4212-AEF9-5E5E54926935}" type="datetimeFigureOut">
               <a:rPr lang="it-IT" smtClean="0"/>
-              <a:t>20/02/2021</a:t>
+              <a:t>24/02/2021</a:t>
             </a:fld>
             <a:endParaRPr lang="it-IT" dirty="0"/>
           </a:p>
@@ -1824,7 +3142,7 @@
           <a:p>
             <a:fld id="{B0B53A52-DDDC-4212-AEF9-5E5E54926935}" type="datetimeFigureOut">
               <a:rPr lang="it-IT" smtClean="0"/>
-              <a:t>20/02/2021</a:t>
+              <a:t>24/02/2021</a:t>
             </a:fld>
             <a:endParaRPr lang="it-IT" dirty="0"/>
           </a:p>
@@ -1965,7 +3283,7 @@
           <a:p>
             <a:fld id="{B0B53A52-DDDC-4212-AEF9-5E5E54926935}" type="datetimeFigureOut">
               <a:rPr lang="it-IT" smtClean="0"/>
-              <a:t>20/02/2021</a:t>
+              <a:t>24/02/2021</a:t>
             </a:fld>
             <a:endParaRPr lang="it-IT" dirty="0"/>
           </a:p>
@@ -2078,7 +3396,7 @@
           <a:p>
             <a:fld id="{B0B53A52-DDDC-4212-AEF9-5E5E54926935}" type="datetimeFigureOut">
               <a:rPr lang="it-IT" smtClean="0"/>
-              <a:t>20/02/2021</a:t>
+              <a:t>24/02/2021</a:t>
             </a:fld>
             <a:endParaRPr lang="it-IT" dirty="0"/>
           </a:p>
@@ -2389,7 +3707,7 @@
           <a:p>
             <a:fld id="{B0B53A52-DDDC-4212-AEF9-5E5E54926935}" type="datetimeFigureOut">
               <a:rPr lang="it-IT" smtClean="0"/>
-              <a:t>20/02/2021</a:t>
+              <a:t>24/02/2021</a:t>
             </a:fld>
             <a:endParaRPr lang="it-IT" dirty="0"/>
           </a:p>
@@ -2677,7 +3995,7 @@
           <a:p>
             <a:fld id="{B0B53A52-DDDC-4212-AEF9-5E5E54926935}" type="datetimeFigureOut">
               <a:rPr lang="it-IT" smtClean="0"/>
-              <a:t>20/02/2021</a:t>
+              <a:t>24/02/2021</a:t>
             </a:fld>
             <a:endParaRPr lang="it-IT" dirty="0"/>
           </a:p>
@@ -2918,7 +4236,7 @@
           <a:p>
             <a:fld id="{B0B53A52-DDDC-4212-AEF9-5E5E54926935}" type="datetimeFigureOut">
               <a:rPr lang="it-IT" smtClean="0"/>
-              <a:t>20/02/2021</a:t>
+              <a:t>24/02/2021</a:t>
             </a:fld>
             <a:endParaRPr lang="it-IT" dirty="0"/>
           </a:p>
@@ -3391,7 +4709,7 @@
             <p:nvPr/>
           </p:nvPicPr>
           <p:blipFill rotWithShape="1">
-            <a:blip r:embed="rId2">
+            <a:blip r:embed="rId3">
               <a:extLst>
                 <a:ext uri="{28A0092B-C50C-407E-A947-70E740481C1C}">
                   <a14:useLocalDpi xmlns:a14="http://schemas.microsoft.com/office/drawing/2010/main" val="0"/>
@@ -3426,13 +4744,13 @@
             <p:nvPr/>
           </p:nvPicPr>
           <p:blipFill>
-            <a:blip r:embed="rId3">
+            <a:blip r:embed="rId4">
               <a:extLst>
                 <a:ext uri="{28A0092B-C50C-407E-A947-70E740481C1C}">
                   <a14:useLocalDpi xmlns:a14="http://schemas.microsoft.com/office/drawing/2010/main" val="0"/>
                 </a:ext>
                 <a:ext uri="{96DAC541-7B7A-43D3-8B79-37D633B846F1}">
-                  <asvg:svgBlip xmlns:asvg="http://schemas.microsoft.com/office/drawing/2016/SVG/main" r:embed="rId4"/>
+                  <asvg:svgBlip xmlns:asvg="http://schemas.microsoft.com/office/drawing/2016/SVG/main" r:embed="rId5"/>
                 </a:ext>
               </a:extLst>
             </a:blip>
@@ -3465,13 +4783,13 @@
             <p:nvPr/>
           </p:nvPicPr>
           <p:blipFill>
-            <a:blip r:embed="rId5">
+            <a:blip r:embed="rId6">
               <a:extLst>
                 <a:ext uri="{28A0092B-C50C-407E-A947-70E740481C1C}">
                   <a14:useLocalDpi xmlns:a14="http://schemas.microsoft.com/office/drawing/2010/main" val="0"/>
                 </a:ext>
                 <a:ext uri="{96DAC541-7B7A-43D3-8B79-37D633B846F1}">
-                  <asvg:svgBlip xmlns:asvg="http://schemas.microsoft.com/office/drawing/2016/SVG/main" r:embed="rId6"/>
+                  <asvg:svgBlip xmlns:asvg="http://schemas.microsoft.com/office/drawing/2016/SVG/main" r:embed="rId7"/>
                 </a:ext>
               </a:extLst>
             </a:blip>
@@ -3504,13 +4822,13 @@
             <p:nvPr/>
           </p:nvPicPr>
           <p:blipFill>
-            <a:blip r:embed="rId7">
+            <a:blip r:embed="rId8">
               <a:extLst>
                 <a:ext uri="{28A0092B-C50C-407E-A947-70E740481C1C}">
                   <a14:useLocalDpi xmlns:a14="http://schemas.microsoft.com/office/drawing/2010/main" val="0"/>
                 </a:ext>
                 <a:ext uri="{96DAC541-7B7A-43D3-8B79-37D633B846F1}">
-                  <asvg:svgBlip xmlns:asvg="http://schemas.microsoft.com/office/drawing/2016/SVG/main" r:embed="rId8"/>
+                  <asvg:svgBlip xmlns:asvg="http://schemas.microsoft.com/office/drawing/2016/SVG/main" r:embed="rId9"/>
                 </a:ext>
               </a:extLst>
             </a:blip>
@@ -3543,13 +4861,13 @@
             <p:nvPr/>
           </p:nvPicPr>
           <p:blipFill>
-            <a:blip r:embed="rId9">
+            <a:blip r:embed="rId10">
               <a:extLst>
                 <a:ext uri="{28A0092B-C50C-407E-A947-70E740481C1C}">
                   <a14:useLocalDpi xmlns:a14="http://schemas.microsoft.com/office/drawing/2010/main" val="0"/>
                 </a:ext>
                 <a:ext uri="{96DAC541-7B7A-43D3-8B79-37D633B846F1}">
-                  <asvg:svgBlip xmlns:asvg="http://schemas.microsoft.com/office/drawing/2016/SVG/main" r:embed="rId10"/>
+                  <asvg:svgBlip xmlns:asvg="http://schemas.microsoft.com/office/drawing/2016/SVG/main" r:embed="rId11"/>
                 </a:ext>
               </a:extLst>
             </a:blip>
@@ -3582,13 +4900,13 @@
             <p:nvPr/>
           </p:nvPicPr>
           <p:blipFill>
-            <a:blip r:embed="rId11">
+            <a:blip r:embed="rId12">
               <a:extLst>
                 <a:ext uri="{28A0092B-C50C-407E-A947-70E740481C1C}">
                   <a14:useLocalDpi xmlns:a14="http://schemas.microsoft.com/office/drawing/2010/main" val="0"/>
                 </a:ext>
                 <a:ext uri="{96DAC541-7B7A-43D3-8B79-37D633B846F1}">
-                  <asvg:svgBlip xmlns:asvg="http://schemas.microsoft.com/office/drawing/2016/SVG/main" r:embed="rId12"/>
+                  <asvg:svgBlip xmlns:asvg="http://schemas.microsoft.com/office/drawing/2016/SVG/main" r:embed="rId13"/>
                 </a:ext>
               </a:extLst>
             </a:blip>
@@ -3798,6 +5116,56 @@
                 <a:latin typeface="Tw Cen MT Condensed Extra Bold" panose="020B0803020202020204" pitchFamily="34" charset="0"/>
               </a:rPr>
               <a:t>800578</a:t>
+            </a:r>
+          </a:p>
+        </p:txBody>
+      </p:sp>
+      <p:sp>
+        <p:nvSpPr>
+          <p:cNvPr id="12" name="CasellaDiTesto 11">
+            <a:extLst>
+              <a:ext uri="{FF2B5EF4-FFF2-40B4-BE49-F238E27FC236}">
+                <a16:creationId xmlns:a16="http://schemas.microsoft.com/office/drawing/2014/main" id="{487846E9-D621-463C-A66F-DA65818182AE}"/>
+              </a:ext>
+            </a:extLst>
+          </p:cNvPr>
+          <p:cNvSpPr txBox="1"/>
+          <p:nvPr/>
+        </p:nvSpPr>
+        <p:spPr>
+          <a:xfrm>
+            <a:off x="696647" y="4235722"/>
+            <a:ext cx="3130223" cy="369332"/>
+          </a:xfrm>
+          <a:prstGeom prst="rect">
+            <a:avLst/>
+          </a:prstGeom>
+          <a:noFill/>
+        </p:spPr>
+        <p:txBody>
+          <a:bodyPr wrap="square" rtlCol="0">
+            <a:spAutoFit/>
+          </a:bodyPr>
+          <a:lstStyle/>
+          <a:p>
+            <a:r>
+              <a:rPr lang="it-IT" dirty="0">
+                <a:solidFill>
+                  <a:schemeClr val="accent5">
+                    <a:lumMod val="20000"/>
+                    <a:lumOff val="80000"/>
+                  </a:schemeClr>
+                </a:solidFill>
+                <a:effectLst>
+                  <a:outerShdw blurRad="38100" dist="38100" dir="2700000" algn="tl">
+                    <a:srgbClr val="000000">
+                      <a:alpha val="43137"/>
+                    </a:srgbClr>
+                  </a:outerShdw>
+                </a:effectLst>
+                <a:latin typeface="Tw Cen MT Condensed Extra Bold" panose="020B0803020202020204" pitchFamily="34" charset="0"/>
+              </a:rPr>
+              <a:t>2020/21</a:t>
             </a:r>
           </a:p>
         </p:txBody>
@@ -4099,7 +5467,7 @@
           <p:nvPr/>
         </p:nvPicPr>
         <p:blipFill>
-          <a:blip r:embed="rId2">
+          <a:blip r:embed="rId3">
             <a:extLst>
               <a:ext uri="{28A0092B-C50C-407E-A947-70E740481C1C}">
                 <a14:useLocalDpi xmlns:a14="http://schemas.microsoft.com/office/drawing/2010/main" val="0"/>
@@ -4183,13 +5551,13 @@
           <p:nvPr/>
         </p:nvPicPr>
         <p:blipFill>
-          <a:blip r:embed="rId3">
+          <a:blip r:embed="rId4">
             <a:extLst>
               <a:ext uri="{28A0092B-C50C-407E-A947-70E740481C1C}">
                 <a14:useLocalDpi xmlns:a14="http://schemas.microsoft.com/office/drawing/2010/main" val="0"/>
               </a:ext>
               <a:ext uri="{96DAC541-7B7A-43D3-8B79-37D633B846F1}">
-                <asvg:svgBlip xmlns:asvg="http://schemas.microsoft.com/office/drawing/2016/SVG/main" r:embed="rId4"/>
+                <asvg:svgBlip xmlns:asvg="http://schemas.microsoft.com/office/drawing/2016/SVG/main" r:embed="rId5"/>
               </a:ext>
             </a:extLst>
           </a:blip>
@@ -4317,13 +5685,13 @@
           <p:nvPr/>
         </p:nvPicPr>
         <p:blipFill>
-          <a:blip r:embed="rId5">
+          <a:blip r:embed="rId6">
             <a:extLst>
               <a:ext uri="{28A0092B-C50C-407E-A947-70E740481C1C}">
                 <a14:useLocalDpi xmlns:a14="http://schemas.microsoft.com/office/drawing/2010/main" val="0"/>
               </a:ext>
               <a:ext uri="{96DAC541-7B7A-43D3-8B79-37D633B846F1}">
-                <asvg:svgBlip xmlns:asvg="http://schemas.microsoft.com/office/drawing/2016/SVG/main" r:embed="rId6"/>
+                <asvg:svgBlip xmlns:asvg="http://schemas.microsoft.com/office/drawing/2016/SVG/main" r:embed="rId7"/>
               </a:ext>
             </a:extLst>
           </a:blip>
@@ -4399,13 +5767,13 @@
           <p:nvPr/>
         </p:nvPicPr>
         <p:blipFill>
-          <a:blip r:embed="rId7">
+          <a:blip r:embed="rId8">
             <a:extLst>
               <a:ext uri="{28A0092B-C50C-407E-A947-70E740481C1C}">
                 <a14:useLocalDpi xmlns:a14="http://schemas.microsoft.com/office/drawing/2010/main" val="0"/>
               </a:ext>
               <a:ext uri="{96DAC541-7B7A-43D3-8B79-37D633B846F1}">
-                <asvg:svgBlip xmlns:asvg="http://schemas.microsoft.com/office/drawing/2016/SVG/main" r:embed="rId8"/>
+                <asvg:svgBlip xmlns:asvg="http://schemas.microsoft.com/office/drawing/2016/SVG/main" r:embed="rId9"/>
               </a:ext>
             </a:extLst>
           </a:blip>
@@ -4438,13 +5806,13 @@
           <p:nvPr/>
         </p:nvPicPr>
         <p:blipFill>
-          <a:blip r:embed="rId9">
+          <a:blip r:embed="rId10">
             <a:extLst>
               <a:ext uri="{28A0092B-C50C-407E-A947-70E740481C1C}">
                 <a14:useLocalDpi xmlns:a14="http://schemas.microsoft.com/office/drawing/2010/main" val="0"/>
               </a:ext>
               <a:ext uri="{96DAC541-7B7A-43D3-8B79-37D633B846F1}">
-                <asvg:svgBlip xmlns:asvg="http://schemas.microsoft.com/office/drawing/2016/SVG/main" r:embed="rId10"/>
+                <asvg:svgBlip xmlns:asvg="http://schemas.microsoft.com/office/drawing/2016/SVG/main" r:embed="rId11"/>
               </a:ext>
             </a:extLst>
           </a:blip>
@@ -4477,13 +5845,13 @@
           <p:nvPr/>
         </p:nvPicPr>
         <p:blipFill>
-          <a:blip r:embed="rId7">
+          <a:blip r:embed="rId8">
             <a:extLst>
               <a:ext uri="{28A0092B-C50C-407E-A947-70E740481C1C}">
                 <a14:useLocalDpi xmlns:a14="http://schemas.microsoft.com/office/drawing/2010/main" val="0"/>
               </a:ext>
               <a:ext uri="{96DAC541-7B7A-43D3-8B79-37D633B846F1}">
-                <asvg:svgBlip xmlns:asvg="http://schemas.microsoft.com/office/drawing/2016/SVG/main" r:embed="rId8"/>
+                <asvg:svgBlip xmlns:asvg="http://schemas.microsoft.com/office/drawing/2016/SVG/main" r:embed="rId9"/>
               </a:ext>
             </a:extLst>
           </a:blip>
@@ -4701,13 +6069,13 @@
           <p:nvPr/>
         </p:nvPicPr>
         <p:blipFill>
-          <a:blip r:embed="rId11">
+          <a:blip r:embed="rId12">
             <a:extLst>
               <a:ext uri="{28A0092B-C50C-407E-A947-70E740481C1C}">
                 <a14:useLocalDpi xmlns:a14="http://schemas.microsoft.com/office/drawing/2010/main" val="0"/>
               </a:ext>
               <a:ext uri="{96DAC541-7B7A-43D3-8B79-37D633B846F1}">
-                <asvg:svgBlip xmlns:asvg="http://schemas.microsoft.com/office/drawing/2016/SVG/main" r:embed="rId12"/>
+                <asvg:svgBlip xmlns:asvg="http://schemas.microsoft.com/office/drawing/2016/SVG/main" r:embed="rId13"/>
               </a:ext>
             </a:extLst>
           </a:blip>
@@ -4740,13 +6108,13 @@
           <p:nvPr/>
         </p:nvPicPr>
         <p:blipFill>
-          <a:blip r:embed="rId13">
+          <a:blip r:embed="rId14">
             <a:extLst>
               <a:ext uri="{28A0092B-C50C-407E-A947-70E740481C1C}">
                 <a14:useLocalDpi xmlns:a14="http://schemas.microsoft.com/office/drawing/2010/main" val="0"/>
               </a:ext>
               <a:ext uri="{96DAC541-7B7A-43D3-8B79-37D633B846F1}">
-                <asvg:svgBlip xmlns:asvg="http://schemas.microsoft.com/office/drawing/2016/SVG/main" r:embed="rId14"/>
+                <asvg:svgBlip xmlns:asvg="http://schemas.microsoft.com/office/drawing/2016/SVG/main" r:embed="rId15"/>
               </a:ext>
             </a:extLst>
           </a:blip>
@@ -5766,7 +7134,7 @@
           <p:nvPr/>
         </p:nvPicPr>
         <p:blipFill>
-          <a:blip r:embed="rId2">
+          <a:blip r:embed="rId3">
             <a:extLst>
               <a:ext uri="{28A0092B-C50C-407E-A947-70E740481C1C}">
                 <a14:useLocalDpi xmlns:a14="http://schemas.microsoft.com/office/drawing/2010/main" val="0"/>
@@ -6041,13 +7409,13 @@
           <p:nvPr/>
         </p:nvPicPr>
         <p:blipFill>
-          <a:blip r:embed="rId3">
+          <a:blip r:embed="rId4">
             <a:extLst>
               <a:ext uri="{28A0092B-C50C-407E-A947-70E740481C1C}">
                 <a14:useLocalDpi xmlns:a14="http://schemas.microsoft.com/office/drawing/2010/main" val="0"/>
               </a:ext>
               <a:ext uri="{96DAC541-7B7A-43D3-8B79-37D633B846F1}">
-                <asvg:svgBlip xmlns:asvg="http://schemas.microsoft.com/office/drawing/2016/SVG/main" r:embed="rId4"/>
+                <asvg:svgBlip xmlns:asvg="http://schemas.microsoft.com/office/drawing/2016/SVG/main" r:embed="rId5"/>
               </a:ext>
             </a:extLst>
           </a:blip>
@@ -6080,13 +7448,13 @@
           <p:nvPr/>
         </p:nvPicPr>
         <p:blipFill>
-          <a:blip r:embed="rId3">
+          <a:blip r:embed="rId4">
             <a:extLst>
               <a:ext uri="{28A0092B-C50C-407E-A947-70E740481C1C}">
                 <a14:useLocalDpi xmlns:a14="http://schemas.microsoft.com/office/drawing/2010/main" val="0"/>
               </a:ext>
               <a:ext uri="{96DAC541-7B7A-43D3-8B79-37D633B846F1}">
-                <asvg:svgBlip xmlns:asvg="http://schemas.microsoft.com/office/drawing/2016/SVG/main" r:embed="rId4"/>
+                <asvg:svgBlip xmlns:asvg="http://schemas.microsoft.com/office/drawing/2016/SVG/main" r:embed="rId5"/>
               </a:ext>
             </a:extLst>
           </a:blip>
@@ -6205,13 +7573,13 @@
           <p:nvPr/>
         </p:nvPicPr>
         <p:blipFill>
-          <a:blip r:embed="rId5">
+          <a:blip r:embed="rId6">
             <a:extLst>
               <a:ext uri="{28A0092B-C50C-407E-A947-70E740481C1C}">
                 <a14:useLocalDpi xmlns:a14="http://schemas.microsoft.com/office/drawing/2010/main" val="0"/>
               </a:ext>
               <a:ext uri="{96DAC541-7B7A-43D3-8B79-37D633B846F1}">
-                <asvg:svgBlip xmlns:asvg="http://schemas.microsoft.com/office/drawing/2016/SVG/main" r:embed="rId6"/>
+                <asvg:svgBlip xmlns:asvg="http://schemas.microsoft.com/office/drawing/2016/SVG/main" r:embed="rId7"/>
               </a:ext>
             </a:extLst>
           </a:blip>
@@ -6244,13 +7612,13 @@
           <p:nvPr/>
         </p:nvPicPr>
         <p:blipFill>
-          <a:blip r:embed="rId7">
+          <a:blip r:embed="rId8">
             <a:extLst>
               <a:ext uri="{28A0092B-C50C-407E-A947-70E740481C1C}">
                 <a14:useLocalDpi xmlns:a14="http://schemas.microsoft.com/office/drawing/2010/main" val="0"/>
               </a:ext>
               <a:ext uri="{96DAC541-7B7A-43D3-8B79-37D633B846F1}">
-                <asvg:svgBlip xmlns:asvg="http://schemas.microsoft.com/office/drawing/2016/SVG/main" r:embed="rId8"/>
+                <asvg:svgBlip xmlns:asvg="http://schemas.microsoft.com/office/drawing/2016/SVG/main" r:embed="rId9"/>
               </a:ext>
             </a:extLst>
           </a:blip>
@@ -6359,13 +7727,13 @@
             <p:nvPr/>
           </p:nvPicPr>
           <p:blipFill>
-            <a:blip r:embed="rId9">
+            <a:blip r:embed="rId10">
               <a:extLst>
                 <a:ext uri="{28A0092B-C50C-407E-A947-70E740481C1C}">
                   <a14:useLocalDpi xmlns:a14="http://schemas.microsoft.com/office/drawing/2010/main" val="0"/>
                 </a:ext>
                 <a:ext uri="{96DAC541-7B7A-43D3-8B79-37D633B846F1}">
-                  <asvg:svgBlip xmlns:asvg="http://schemas.microsoft.com/office/drawing/2016/SVG/main" r:embed="rId10"/>
+                  <asvg:svgBlip xmlns:asvg="http://schemas.microsoft.com/office/drawing/2016/SVG/main" r:embed="rId11"/>
                 </a:ext>
               </a:extLst>
             </a:blip>
@@ -6398,13 +7766,13 @@
             <p:nvPr/>
           </p:nvPicPr>
           <p:blipFill>
-            <a:blip r:embed="rId11">
+            <a:blip r:embed="rId12">
               <a:extLst>
                 <a:ext uri="{28A0092B-C50C-407E-A947-70E740481C1C}">
                   <a14:useLocalDpi xmlns:a14="http://schemas.microsoft.com/office/drawing/2010/main" val="0"/>
                 </a:ext>
                 <a:ext uri="{96DAC541-7B7A-43D3-8B79-37D633B846F1}">
-                  <asvg:svgBlip xmlns:asvg="http://schemas.microsoft.com/office/drawing/2016/SVG/main" r:embed="rId12"/>
+                  <asvg:svgBlip xmlns:asvg="http://schemas.microsoft.com/office/drawing/2016/SVG/main" r:embed="rId13"/>
                 </a:ext>
               </a:extLst>
             </a:blip>
@@ -7161,8 +8529,8 @@
           </a:p>
         </p:txBody>
       </p:sp>
-      <mc:AlternateContent xmlns:mc="http://schemas.openxmlformats.org/markup-compatibility/2006">
-        <mc:Choice xmlns:a14="http://schemas.microsoft.com/office/drawing/2010/main" Requires="a14">
+      <mc:AlternateContent xmlns:mc="http://schemas.openxmlformats.org/markup-compatibility/2006" xmlns:a14="http://schemas.microsoft.com/office/drawing/2010/main">
+        <mc:Choice Requires="a14">
           <p:sp>
             <p:nvSpPr>
               <p:cNvPr id="5" name="CasellaDiTesto 4">
@@ -7789,7 +9157,7 @@
             </p:txBody>
           </p:sp>
         </mc:Choice>
-        <mc:Fallback>
+        <mc:Fallback xmlns="">
           <p:sp>
             <p:nvSpPr>
               <p:cNvPr id="5" name="CasellaDiTesto 4">
@@ -7813,7 +9181,7 @@
                 <a:avLst/>
               </a:prstGeom>
               <a:blipFill>
-                <a:blip r:embed="rId2"/>
+                <a:blip r:embed="rId3"/>
                 <a:stretch>
                   <a:fillRect b="-6667"/>
                 </a:stretch>
@@ -7881,6 +9249,13 @@
                     <a:lumOff val="80000"/>
                   </a:schemeClr>
                 </a:solidFill>
+                <a:effectLst>
+                  <a:outerShdw blurRad="38100" dist="38100" dir="2700000" algn="tl">
+                    <a:srgbClr val="000000">
+                      <a:alpha val="43137"/>
+                    </a:srgbClr>
+                  </a:outerShdw>
+                </a:effectLst>
                 <a:latin typeface="Tw Cen MT Condensed Extra Bold" panose="020B0803020202020204" pitchFamily="34" charset="0"/>
               </a:rPr>
               <a:t>EVERY TWEETS REPRESENTED BY A </a:t>
@@ -7890,6 +9265,13 @@
                 <a:solidFill>
                   <a:srgbClr val="32AADC"/>
                 </a:solidFill>
+                <a:effectLst>
+                  <a:outerShdw blurRad="38100" dist="38100" dir="2700000" algn="tl">
+                    <a:srgbClr val="000000">
+                      <a:alpha val="43137"/>
+                    </a:srgbClr>
+                  </a:outerShdw>
+                </a:effectLst>
                 <a:latin typeface="Tw Cen MT Condensed Extra Bold" panose="020B0803020202020204" pitchFamily="34" charset="0"/>
               </a:rPr>
               <a:t>DENSE VECTOR</a:t>
@@ -7912,13 +9294,13 @@
           <p:nvPr/>
         </p:nvPicPr>
         <p:blipFill>
-          <a:blip r:embed="rId3">
+          <a:blip r:embed="rId4">
             <a:extLst>
               <a:ext uri="{28A0092B-C50C-407E-A947-70E740481C1C}">
                 <a14:useLocalDpi xmlns:a14="http://schemas.microsoft.com/office/drawing/2010/main" val="0"/>
               </a:ext>
               <a:ext uri="{96DAC541-7B7A-43D3-8B79-37D633B846F1}">
-                <asvg:svgBlip xmlns:asvg="http://schemas.microsoft.com/office/drawing/2016/SVG/main" r:embed="rId4"/>
+                <asvg:svgBlip xmlns:asvg="http://schemas.microsoft.com/office/drawing/2016/SVG/main" r:embed="rId5"/>
               </a:ext>
             </a:extLst>
           </a:blip>
@@ -8124,13 +9506,13 @@
           <p:nvPr/>
         </p:nvPicPr>
         <p:blipFill>
-          <a:blip r:embed="rId5">
+          <a:blip r:embed="rId6">
             <a:extLst>
               <a:ext uri="{28A0092B-C50C-407E-A947-70E740481C1C}">
                 <a14:useLocalDpi xmlns:a14="http://schemas.microsoft.com/office/drawing/2010/main" val="0"/>
               </a:ext>
               <a:ext uri="{96DAC541-7B7A-43D3-8B79-37D633B846F1}">
-                <asvg:svgBlip xmlns:asvg="http://schemas.microsoft.com/office/drawing/2016/SVG/main" r:embed="rId6"/>
+                <asvg:svgBlip xmlns:asvg="http://schemas.microsoft.com/office/drawing/2016/SVG/main" r:embed="rId7"/>
               </a:ext>
             </a:extLst>
           </a:blip>
@@ -8401,13 +9783,13 @@
           <p:nvPr/>
         </p:nvPicPr>
         <p:blipFill>
-          <a:blip r:embed="rId7">
+          <a:blip r:embed="rId8">
             <a:extLst>
               <a:ext uri="{28A0092B-C50C-407E-A947-70E740481C1C}">
                 <a14:useLocalDpi xmlns:a14="http://schemas.microsoft.com/office/drawing/2010/main" val="0"/>
               </a:ext>
               <a:ext uri="{96DAC541-7B7A-43D3-8B79-37D633B846F1}">
-                <asvg:svgBlip xmlns:asvg="http://schemas.microsoft.com/office/drawing/2016/SVG/main" r:embed="rId8"/>
+                <asvg:svgBlip xmlns:asvg="http://schemas.microsoft.com/office/drawing/2016/SVG/main" r:embed="rId9"/>
               </a:ext>
             </a:extLst>
           </a:blip>
@@ -8693,13 +10075,13 @@
           <p:nvPr/>
         </p:nvPicPr>
         <p:blipFill>
-          <a:blip r:embed="rId2">
+          <a:blip r:embed="rId3">
             <a:extLst>
               <a:ext uri="{28A0092B-C50C-407E-A947-70E740481C1C}">
                 <a14:useLocalDpi xmlns:a14="http://schemas.microsoft.com/office/drawing/2010/main" val="0"/>
               </a:ext>
               <a:ext uri="{96DAC541-7B7A-43D3-8B79-37D633B846F1}">
-                <asvg:svgBlip xmlns:asvg="http://schemas.microsoft.com/office/drawing/2016/SVG/main" r:embed="rId3"/>
+                <asvg:svgBlip xmlns:asvg="http://schemas.microsoft.com/office/drawing/2016/SVG/main" r:embed="rId4"/>
               </a:ext>
             </a:extLst>
           </a:blip>
@@ -9056,13 +10438,13 @@
           <p:nvPr/>
         </p:nvPicPr>
         <p:blipFill>
-          <a:blip r:embed="rId4">
+          <a:blip r:embed="rId5">
             <a:extLst>
               <a:ext uri="{28A0092B-C50C-407E-A947-70E740481C1C}">
                 <a14:useLocalDpi xmlns:a14="http://schemas.microsoft.com/office/drawing/2010/main" val="0"/>
               </a:ext>
               <a:ext uri="{96DAC541-7B7A-43D3-8B79-37D633B846F1}">
-                <asvg:svgBlip xmlns:asvg="http://schemas.microsoft.com/office/drawing/2016/SVG/main" r:embed="rId5"/>
+                <asvg:svgBlip xmlns:asvg="http://schemas.microsoft.com/office/drawing/2016/SVG/main" r:embed="rId6"/>
               </a:ext>
             </a:extLst>
           </a:blip>
@@ -9095,13 +10477,13 @@
           <p:nvPr/>
         </p:nvPicPr>
         <p:blipFill>
-          <a:blip r:embed="rId6">
+          <a:blip r:embed="rId7">
             <a:extLst>
               <a:ext uri="{28A0092B-C50C-407E-A947-70E740481C1C}">
                 <a14:useLocalDpi xmlns:a14="http://schemas.microsoft.com/office/drawing/2010/main" val="0"/>
               </a:ext>
               <a:ext uri="{96DAC541-7B7A-43D3-8B79-37D633B846F1}">
-                <asvg:svgBlip xmlns:asvg="http://schemas.microsoft.com/office/drawing/2016/SVG/main" r:embed="rId7"/>
+                <asvg:svgBlip xmlns:asvg="http://schemas.microsoft.com/office/drawing/2016/SVG/main" r:embed="rId8"/>
               </a:ext>
             </a:extLst>
           </a:blip>
@@ -9134,13 +10516,13 @@
           <p:nvPr/>
         </p:nvPicPr>
         <p:blipFill>
-          <a:blip r:embed="rId8">
+          <a:blip r:embed="rId9">
             <a:extLst>
               <a:ext uri="{28A0092B-C50C-407E-A947-70E740481C1C}">
                 <a14:useLocalDpi xmlns:a14="http://schemas.microsoft.com/office/drawing/2010/main" val="0"/>
               </a:ext>
               <a:ext uri="{96DAC541-7B7A-43D3-8B79-37D633B846F1}">
-                <asvg:svgBlip xmlns:asvg="http://schemas.microsoft.com/office/drawing/2016/SVG/main" r:embed="rId9"/>
+                <asvg:svgBlip xmlns:asvg="http://schemas.microsoft.com/office/drawing/2016/SVG/main" r:embed="rId10"/>
               </a:ext>
             </a:extLst>
           </a:blip>
@@ -9173,13 +10555,13 @@
           <p:nvPr/>
         </p:nvPicPr>
         <p:blipFill>
-          <a:blip r:embed="rId10">
+          <a:blip r:embed="rId11">
             <a:extLst>
               <a:ext uri="{28A0092B-C50C-407E-A947-70E740481C1C}">
                 <a14:useLocalDpi xmlns:a14="http://schemas.microsoft.com/office/drawing/2010/main" val="0"/>
               </a:ext>
               <a:ext uri="{96DAC541-7B7A-43D3-8B79-37D633B846F1}">
-                <asvg:svgBlip xmlns:asvg="http://schemas.microsoft.com/office/drawing/2016/SVG/main" r:embed="rId11"/>
+                <asvg:svgBlip xmlns:asvg="http://schemas.microsoft.com/office/drawing/2016/SVG/main" r:embed="rId12"/>
               </a:ext>
             </a:extLst>
           </a:blip>
@@ -9212,13 +10594,13 @@
           <p:nvPr/>
         </p:nvPicPr>
         <p:blipFill>
-          <a:blip r:embed="rId12">
+          <a:blip r:embed="rId13">
             <a:extLst>
               <a:ext uri="{28A0092B-C50C-407E-A947-70E740481C1C}">
                 <a14:useLocalDpi xmlns:a14="http://schemas.microsoft.com/office/drawing/2010/main" val="0"/>
               </a:ext>
               <a:ext uri="{96DAC541-7B7A-43D3-8B79-37D633B846F1}">
-                <asvg:svgBlip xmlns:asvg="http://schemas.microsoft.com/office/drawing/2016/SVG/main" r:embed="rId13"/>
+                <asvg:svgBlip xmlns:asvg="http://schemas.microsoft.com/office/drawing/2016/SVG/main" r:embed="rId14"/>
               </a:ext>
             </a:extLst>
           </a:blip>
@@ -9251,7 +10633,7 @@
           <p:nvPr/>
         </p:nvPicPr>
         <p:blipFill>
-          <a:blip r:embed="rId14">
+          <a:blip r:embed="rId15">
             <a:extLst>
               <a:ext uri="{28A0092B-C50C-407E-A947-70E740481C1C}">
                 <a14:useLocalDpi xmlns:a14="http://schemas.microsoft.com/office/drawing/2010/main" val="0"/>
@@ -9291,7 +10673,7 @@
           <p:nvPr/>
         </p:nvPicPr>
         <p:blipFill>
-          <a:blip r:embed="rId15">
+          <a:blip r:embed="rId16">
             <a:extLst>
               <a:ext uri="{28A0092B-C50C-407E-A947-70E740481C1C}">
                 <a14:useLocalDpi xmlns:a14="http://schemas.microsoft.com/office/drawing/2010/main" val="0"/>
@@ -9375,7 +10757,7 @@
           <p:nvPr/>
         </p:nvPicPr>
         <p:blipFill>
-          <a:blip r:embed="rId16">
+          <a:blip r:embed="rId17">
             <a:extLst>
               <a:ext uri="{28A0092B-C50C-407E-A947-70E740481C1C}">
                 <a14:useLocalDpi xmlns:a14="http://schemas.microsoft.com/office/drawing/2010/main" val="0"/>
@@ -9739,7 +11121,7 @@
         <p:spPr>
           <a:xfrm>
             <a:off x="1365815" y="2269838"/>
-            <a:ext cx="4276023" cy="3051110"/>
+            <a:ext cx="4276023" cy="2775213"/>
           </a:xfrm>
           <a:prstGeom prst="roundRect">
             <a:avLst/>
@@ -10028,7 +11410,7 @@
         </p:nvSpPr>
         <p:spPr>
           <a:xfrm>
-            <a:off x="1600217" y="4602498"/>
+            <a:off x="1600217" y="4521831"/>
             <a:ext cx="3613491" cy="523220"/>
           </a:xfrm>
           <a:prstGeom prst="rect">
@@ -10104,13 +11486,13 @@
             <p:nvPr/>
           </p:nvPicPr>
           <p:blipFill>
-            <a:blip r:embed="rId2">
+            <a:blip r:embed="rId3">
               <a:extLst>
                 <a:ext uri="{28A0092B-C50C-407E-A947-70E740481C1C}">
                   <a14:useLocalDpi xmlns:a14="http://schemas.microsoft.com/office/drawing/2010/main" val="0"/>
                 </a:ext>
                 <a:ext uri="{96DAC541-7B7A-43D3-8B79-37D633B846F1}">
-                  <asvg:svgBlip xmlns:asvg="http://schemas.microsoft.com/office/drawing/2016/SVG/main" r:embed="rId3"/>
+                  <asvg:svgBlip xmlns:asvg="http://schemas.microsoft.com/office/drawing/2016/SVG/main" r:embed="rId4"/>
                 </a:ext>
               </a:extLst>
             </a:blip>
@@ -10143,13 +11525,13 @@
             <p:nvPr/>
           </p:nvPicPr>
           <p:blipFill>
-            <a:blip r:embed="rId4">
+            <a:blip r:embed="rId5">
               <a:extLst>
                 <a:ext uri="{28A0092B-C50C-407E-A947-70E740481C1C}">
                   <a14:useLocalDpi xmlns:a14="http://schemas.microsoft.com/office/drawing/2010/main" val="0"/>
                 </a:ext>
                 <a:ext uri="{96DAC541-7B7A-43D3-8B79-37D633B846F1}">
-                  <asvg:svgBlip xmlns:asvg="http://schemas.microsoft.com/office/drawing/2016/SVG/main" r:embed="rId5"/>
+                  <asvg:svgBlip xmlns:asvg="http://schemas.microsoft.com/office/drawing/2016/SVG/main" r:embed="rId6"/>
                 </a:ext>
               </a:extLst>
             </a:blip>
@@ -10291,7 +11673,7 @@
         <p:spPr>
           <a:xfrm>
             <a:off x="6615556" y="2269838"/>
-            <a:ext cx="4276023" cy="3051110"/>
+            <a:ext cx="4276023" cy="2775213"/>
           </a:xfrm>
           <a:prstGeom prst="roundRect">
             <a:avLst/>
@@ -10543,7 +11925,7 @@
         </p:nvSpPr>
         <p:spPr>
           <a:xfrm>
-            <a:off x="7020830" y="4593043"/>
+            <a:off x="6948295" y="4488879"/>
             <a:ext cx="3709373" cy="523220"/>
           </a:xfrm>
           <a:prstGeom prst="rect">
@@ -10590,7 +11972,7 @@
         </p:nvSpPr>
         <p:spPr>
           <a:xfrm>
-            <a:off x="1547659" y="5517015"/>
+            <a:off x="1547659" y="5094527"/>
             <a:ext cx="3875011" cy="646331"/>
           </a:xfrm>
           <a:prstGeom prst="rect">
@@ -10682,7 +12064,7 @@
         </p:nvSpPr>
         <p:spPr>
           <a:xfrm>
-            <a:off x="7242017" y="5485402"/>
+            <a:off x="7197459" y="5106606"/>
             <a:ext cx="3112214" cy="646331"/>
           </a:xfrm>
           <a:prstGeom prst="rect">
@@ -10872,6 +12254,62 @@
                 <a:latin typeface="Tw Cen MT Condensed" panose="020B0606020104020203" pitchFamily="34" charset="0"/>
               </a:rPr>
               <a:t>Peracchi Marco</a:t>
+            </a:r>
+          </a:p>
+        </p:txBody>
+      </p:sp>
+      <p:sp>
+        <p:nvSpPr>
+          <p:cNvPr id="24" name="CasellaDiTesto 23">
+            <a:extLst>
+              <a:ext uri="{FF2B5EF4-FFF2-40B4-BE49-F238E27FC236}">
+                <a16:creationId xmlns:a16="http://schemas.microsoft.com/office/drawing/2014/main" id="{55CC0087-0860-40EA-9A4A-87FB4B457239}"/>
+              </a:ext>
+            </a:extLst>
+          </p:cNvPr>
+          <p:cNvSpPr txBox="1"/>
+          <p:nvPr/>
+        </p:nvSpPr>
+        <p:spPr>
+          <a:xfrm>
+            <a:off x="5462061" y="5688237"/>
+            <a:ext cx="1272259" cy="830997"/>
+          </a:xfrm>
+          <a:prstGeom prst="rect">
+            <a:avLst/>
+          </a:prstGeom>
+          <a:noFill/>
+          <a:ln w="25400">
+            <a:solidFill>
+              <a:srgbClr val="258EBB"/>
+            </a:solidFill>
+          </a:ln>
+        </p:spPr>
+        <p:txBody>
+          <a:bodyPr wrap="square" rtlCol="0">
+            <a:spAutoFit/>
+          </a:bodyPr>
+          <a:lstStyle/>
+          <a:p>
+            <a:pPr algn="ctr"/>
+            <a:r>
+              <a:rPr lang="it-IT" sz="2400" dirty="0">
+                <a:solidFill>
+                  <a:schemeClr val="accent5">
+                    <a:lumMod val="20000"/>
+                    <a:lumOff val="80000"/>
+                  </a:schemeClr>
+                </a:solidFill>
+                <a:effectLst>
+                  <a:outerShdw blurRad="38100" dist="38100" dir="2700000" algn="tl">
+                    <a:srgbClr val="000000">
+                      <a:alpha val="43137"/>
+                    </a:srgbClr>
+                  </a:outerShdw>
+                </a:effectLst>
+                <a:latin typeface="Tw Cen MT Condensed Extra Bold" panose="020B0803020202020204" pitchFamily="34" charset="0"/>
+              </a:rPr>
+              <a:t>CLASS WEIGHTS</a:t>
             </a:r>
           </a:p>
         </p:txBody>
@@ -10992,7 +12430,7 @@
           <p:nvPr/>
         </p:nvPicPr>
         <p:blipFill>
-          <a:blip r:embed="rId2">
+          <a:blip r:embed="rId3">
             <a:extLst>
               <a:ext uri="{28A0092B-C50C-407E-A947-70E740481C1C}">
                 <a14:useLocalDpi xmlns:a14="http://schemas.microsoft.com/office/drawing/2010/main" val="0"/>
@@ -11034,7 +12472,7 @@
           <p:nvPr/>
         </p:nvPicPr>
         <p:blipFill>
-          <a:blip r:embed="rId3">
+          <a:blip r:embed="rId4">
             <a:extLst>
               <a:ext uri="{28A0092B-C50C-407E-A947-70E740481C1C}">
                 <a14:useLocalDpi xmlns:a14="http://schemas.microsoft.com/office/drawing/2010/main" val="0"/>
@@ -11073,7 +12511,7 @@
           <p:nvPr/>
         </p:nvPicPr>
         <p:blipFill>
-          <a:blip r:embed="rId4">
+          <a:blip r:embed="rId5">
             <a:extLst>
               <a:ext uri="{28A0092B-C50C-407E-A947-70E740481C1C}">
                 <a14:useLocalDpi xmlns:a14="http://schemas.microsoft.com/office/drawing/2010/main" val="0"/>
@@ -11111,7 +12549,7 @@
           <p:nvPr/>
         </p:nvPicPr>
         <p:blipFill>
-          <a:blip r:embed="rId5">
+          <a:blip r:embed="rId6">
             <a:extLst>
               <a:ext uri="{28A0092B-C50C-407E-A947-70E740481C1C}">
                 <a14:useLocalDpi xmlns:a14="http://schemas.microsoft.com/office/drawing/2010/main" val="0"/>
@@ -11779,13 +13217,13 @@
           <p:nvPr/>
         </p:nvPicPr>
         <p:blipFill>
-          <a:blip r:embed="rId6">
+          <a:blip r:embed="rId7">
             <a:extLst>
               <a:ext uri="{28A0092B-C50C-407E-A947-70E740481C1C}">
                 <a14:useLocalDpi xmlns:a14="http://schemas.microsoft.com/office/drawing/2010/main" val="0"/>
               </a:ext>
               <a:ext uri="{96DAC541-7B7A-43D3-8B79-37D633B846F1}">
-                <asvg:svgBlip xmlns:asvg="http://schemas.microsoft.com/office/drawing/2016/SVG/main" r:embed="rId7"/>
+                <asvg:svgBlip xmlns:asvg="http://schemas.microsoft.com/office/drawing/2016/SVG/main" r:embed="rId8"/>
               </a:ext>
             </a:extLst>
           </a:blip>
@@ -11818,13 +13256,13 @@
           <p:nvPr/>
         </p:nvPicPr>
         <p:blipFill>
-          <a:blip r:embed="rId8">
+          <a:blip r:embed="rId9">
             <a:extLst>
               <a:ext uri="{28A0092B-C50C-407E-A947-70E740481C1C}">
                 <a14:useLocalDpi xmlns:a14="http://schemas.microsoft.com/office/drawing/2010/main" val="0"/>
               </a:ext>
               <a:ext uri="{96DAC541-7B7A-43D3-8B79-37D633B846F1}">
-                <asvg:svgBlip xmlns:asvg="http://schemas.microsoft.com/office/drawing/2016/SVG/main" r:embed="rId9"/>
+                <asvg:svgBlip xmlns:asvg="http://schemas.microsoft.com/office/drawing/2016/SVG/main" r:embed="rId10"/>
               </a:ext>
             </a:extLst>
           </a:blip>
@@ -11952,13 +13390,13 @@
           <p:nvPr/>
         </p:nvPicPr>
         <p:blipFill>
-          <a:blip r:embed="rId10">
+          <a:blip r:embed="rId11">
             <a:extLst>
               <a:ext uri="{28A0092B-C50C-407E-A947-70E740481C1C}">
                 <a14:useLocalDpi xmlns:a14="http://schemas.microsoft.com/office/drawing/2010/main" val="0"/>
               </a:ext>
               <a:ext uri="{96DAC541-7B7A-43D3-8B79-37D633B846F1}">
-                <asvg:svgBlip xmlns:asvg="http://schemas.microsoft.com/office/drawing/2016/SVG/main" r:embed="rId11"/>
+                <asvg:svgBlip xmlns:asvg="http://schemas.microsoft.com/office/drawing/2016/SVG/main" r:embed="rId12"/>
               </a:ext>
             </a:extLst>
           </a:blip>
@@ -11991,13 +13429,13 @@
           <p:nvPr/>
         </p:nvPicPr>
         <p:blipFill>
-          <a:blip r:embed="rId10">
+          <a:blip r:embed="rId11">
             <a:extLst>
               <a:ext uri="{28A0092B-C50C-407E-A947-70E740481C1C}">
                 <a14:useLocalDpi xmlns:a14="http://schemas.microsoft.com/office/drawing/2010/main" val="0"/>
               </a:ext>
               <a:ext uri="{96DAC541-7B7A-43D3-8B79-37D633B846F1}">
-                <asvg:svgBlip xmlns:asvg="http://schemas.microsoft.com/office/drawing/2016/SVG/main" r:embed="rId11"/>
+                <asvg:svgBlip xmlns:asvg="http://schemas.microsoft.com/office/drawing/2016/SVG/main" r:embed="rId12"/>
               </a:ext>
             </a:extLst>
           </a:blip>
@@ -12131,7 +13569,7 @@
           <p:nvPr/>
         </p:nvPicPr>
         <p:blipFill>
-          <a:blip r:embed="rId2">
+          <a:blip r:embed="rId3">
             <a:extLst>
               <a:ext uri="{28A0092B-C50C-407E-A947-70E740481C1C}">
                 <a14:useLocalDpi xmlns:a14="http://schemas.microsoft.com/office/drawing/2010/main" val="0"/>
@@ -12173,7 +13611,7 @@
           <p:nvPr/>
         </p:nvPicPr>
         <p:blipFill>
-          <a:blip r:embed="rId3">
+          <a:blip r:embed="rId4">
             <a:extLst>
               <a:ext uri="{28A0092B-C50C-407E-A947-70E740481C1C}">
                 <a14:useLocalDpi xmlns:a14="http://schemas.microsoft.com/office/drawing/2010/main" val="0"/>
@@ -12259,13 +13697,13 @@
           <p:nvPr/>
         </p:nvPicPr>
         <p:blipFill>
-          <a:blip r:embed="rId4">
+          <a:blip r:embed="rId5">
             <a:extLst>
               <a:ext uri="{28A0092B-C50C-407E-A947-70E740481C1C}">
                 <a14:useLocalDpi xmlns:a14="http://schemas.microsoft.com/office/drawing/2010/main" val="0"/>
               </a:ext>
               <a:ext uri="{96DAC541-7B7A-43D3-8B79-37D633B846F1}">
-                <asvg:svgBlip xmlns:asvg="http://schemas.microsoft.com/office/drawing/2016/SVG/main" r:embed="rId5"/>
+                <asvg:svgBlip xmlns:asvg="http://schemas.microsoft.com/office/drawing/2016/SVG/main" r:embed="rId6"/>
               </a:ext>
             </a:extLst>
           </a:blip>
@@ -12298,13 +13736,13 @@
           <p:nvPr/>
         </p:nvPicPr>
         <p:blipFill>
-          <a:blip r:embed="rId6">
+          <a:blip r:embed="rId7">
             <a:extLst>
               <a:ext uri="{28A0092B-C50C-407E-A947-70E740481C1C}">
                 <a14:useLocalDpi xmlns:a14="http://schemas.microsoft.com/office/drawing/2010/main" val="0"/>
               </a:ext>
               <a:ext uri="{96DAC541-7B7A-43D3-8B79-37D633B846F1}">
-                <asvg:svgBlip xmlns:asvg="http://schemas.microsoft.com/office/drawing/2016/SVG/main" r:embed="rId7"/>
+                <asvg:svgBlip xmlns:asvg="http://schemas.microsoft.com/office/drawing/2016/SVG/main" r:embed="rId8"/>
               </a:ext>
             </a:extLst>
           </a:blip>
@@ -12587,13 +14025,13 @@
           <p:nvPr/>
         </p:nvPicPr>
         <p:blipFill>
-          <a:blip r:embed="rId8">
+          <a:blip r:embed="rId9">
             <a:extLst>
               <a:ext uri="{28A0092B-C50C-407E-A947-70E740481C1C}">
                 <a14:useLocalDpi xmlns:a14="http://schemas.microsoft.com/office/drawing/2010/main" val="0"/>
               </a:ext>
               <a:ext uri="{96DAC541-7B7A-43D3-8B79-37D633B846F1}">
-                <asvg:svgBlip xmlns:asvg="http://schemas.microsoft.com/office/drawing/2016/SVG/main" r:embed="rId9"/>
+                <asvg:svgBlip xmlns:asvg="http://schemas.microsoft.com/office/drawing/2016/SVG/main" r:embed="rId10"/>
               </a:ext>
             </a:extLst>
           </a:blip>
@@ -13166,13 +14604,13 @@
           <p:nvPr/>
         </p:nvPicPr>
         <p:blipFill>
-          <a:blip r:embed="rId2">
+          <a:blip r:embed="rId3">
             <a:extLst>
               <a:ext uri="{28A0092B-C50C-407E-A947-70E740481C1C}">
                 <a14:useLocalDpi xmlns:a14="http://schemas.microsoft.com/office/drawing/2010/main" val="0"/>
               </a:ext>
               <a:ext uri="{96DAC541-7B7A-43D3-8B79-37D633B846F1}">
-                <asvg:svgBlip xmlns:asvg="http://schemas.microsoft.com/office/drawing/2016/SVG/main" r:embed="rId3"/>
+                <asvg:svgBlip xmlns:asvg="http://schemas.microsoft.com/office/drawing/2016/SVG/main" r:embed="rId4"/>
               </a:ext>
             </a:extLst>
           </a:blip>
@@ -13205,13 +14643,13 @@
           <p:nvPr/>
         </p:nvPicPr>
         <p:blipFill>
-          <a:blip r:embed="rId2">
+          <a:blip r:embed="rId3">
             <a:extLst>
               <a:ext uri="{28A0092B-C50C-407E-A947-70E740481C1C}">
                 <a14:useLocalDpi xmlns:a14="http://schemas.microsoft.com/office/drawing/2010/main" val="0"/>
               </a:ext>
               <a:ext uri="{96DAC541-7B7A-43D3-8B79-37D633B846F1}">
-                <asvg:svgBlip xmlns:asvg="http://schemas.microsoft.com/office/drawing/2016/SVG/main" r:embed="rId3"/>
+                <asvg:svgBlip xmlns:asvg="http://schemas.microsoft.com/office/drawing/2016/SVG/main" r:embed="rId4"/>
               </a:ext>
             </a:extLst>
           </a:blip>
@@ -13511,13 +14949,13 @@
           <p:nvPr/>
         </p:nvPicPr>
         <p:blipFill>
-          <a:blip r:embed="rId4">
+          <a:blip r:embed="rId5">
             <a:extLst>
               <a:ext uri="{28A0092B-C50C-407E-A947-70E740481C1C}">
                 <a14:useLocalDpi xmlns:a14="http://schemas.microsoft.com/office/drawing/2010/main" val="0"/>
               </a:ext>
               <a:ext uri="{96DAC541-7B7A-43D3-8B79-37D633B846F1}">
-                <asvg:svgBlip xmlns:asvg="http://schemas.microsoft.com/office/drawing/2016/SVG/main" r:embed="rId5"/>
+                <asvg:svgBlip xmlns:asvg="http://schemas.microsoft.com/office/drawing/2016/SVG/main" r:embed="rId6"/>
               </a:ext>
             </a:extLst>
           </a:blip>
@@ -13550,13 +14988,13 @@
           <p:nvPr/>
         </p:nvPicPr>
         <p:blipFill>
-          <a:blip r:embed="rId4">
+          <a:blip r:embed="rId5">
             <a:extLst>
               <a:ext uri="{28A0092B-C50C-407E-A947-70E740481C1C}">
                 <a14:useLocalDpi xmlns:a14="http://schemas.microsoft.com/office/drawing/2010/main" val="0"/>
               </a:ext>
               <a:ext uri="{96DAC541-7B7A-43D3-8B79-37D633B846F1}">
-                <asvg:svgBlip xmlns:asvg="http://schemas.microsoft.com/office/drawing/2016/SVG/main" r:embed="rId5"/>
+                <asvg:svgBlip xmlns:asvg="http://schemas.microsoft.com/office/drawing/2016/SVG/main" r:embed="rId6"/>
               </a:ext>
             </a:extLst>
           </a:blip>
@@ -13812,13 +15250,13 @@
           <p:nvPr/>
         </p:nvPicPr>
         <p:blipFill>
-          <a:blip r:embed="rId6">
+          <a:blip r:embed="rId7">
             <a:extLst>
               <a:ext uri="{28A0092B-C50C-407E-A947-70E740481C1C}">
                 <a14:useLocalDpi xmlns:a14="http://schemas.microsoft.com/office/drawing/2010/main" val="0"/>
               </a:ext>
               <a:ext uri="{96DAC541-7B7A-43D3-8B79-37D633B846F1}">
-                <asvg:svgBlip xmlns:asvg="http://schemas.microsoft.com/office/drawing/2016/SVG/main" r:embed="rId7"/>
+                <asvg:svgBlip xmlns:asvg="http://schemas.microsoft.com/office/drawing/2016/SVG/main" r:embed="rId8"/>
               </a:ext>
             </a:extLst>
           </a:blip>
@@ -14142,4 +15580,299 @@
     </a:ext>
   </a:extLst>
 </a:theme>
+</file>
+
+<file path=ppt/theme/theme2.xml><?xml version="1.0" encoding="utf-8"?>
+<a:theme xmlns:a="http://schemas.openxmlformats.org/drawingml/2006/main" name="Tema di Office">
+  <a:themeElements>
+    <a:clrScheme name="Office">
+      <a:dk1>
+        <a:sysClr val="windowText" lastClr="000000"/>
+      </a:dk1>
+      <a:lt1>
+        <a:sysClr val="window" lastClr="FFFFFF"/>
+      </a:lt1>
+      <a:dk2>
+        <a:srgbClr val="44546A"/>
+      </a:dk2>
+      <a:lt2>
+        <a:srgbClr val="E7E6E6"/>
+      </a:lt2>
+      <a:accent1>
+        <a:srgbClr val="4472C4"/>
+      </a:accent1>
+      <a:accent2>
+        <a:srgbClr val="ED7D31"/>
+      </a:accent2>
+      <a:accent3>
+        <a:srgbClr val="A5A5A5"/>
+      </a:accent3>
+      <a:accent4>
+        <a:srgbClr val="FFC000"/>
+      </a:accent4>
+      <a:accent5>
+        <a:srgbClr val="5B9BD5"/>
+      </a:accent5>
+      <a:accent6>
+        <a:srgbClr val="70AD47"/>
+      </a:accent6>
+      <a:hlink>
+        <a:srgbClr val="0563C1"/>
+      </a:hlink>
+      <a:folHlink>
+        <a:srgbClr val="954F72"/>
+      </a:folHlink>
+    </a:clrScheme>
+    <a:fontScheme name="Office">
+      <a:majorFont>
+        <a:latin typeface="Calibri Light" panose="020F0302020204030204"/>
+        <a:ea typeface=""/>
+        <a:cs typeface=""/>
+        <a:font script="Jpan" typeface="游ゴシック Light"/>
+        <a:font script="Hang" typeface="맑은 고딕"/>
+        <a:font script="Hans" typeface="等线 Light"/>
+        <a:font script="Hant" typeface="新細明體"/>
+        <a:font script="Arab" typeface="Times New Roman"/>
+        <a:font script="Hebr" typeface="Times New Roman"/>
+        <a:font script="Thai" typeface="Angsana New"/>
+        <a:font script="Ethi" typeface="Nyala"/>
+        <a:font script="Beng" typeface="Vrinda"/>
+        <a:font script="Gujr" typeface="Shruti"/>
+        <a:font script="Khmr" typeface="MoolBoran"/>
+        <a:font script="Knda" typeface="Tunga"/>
+        <a:font script="Guru" typeface="Raavi"/>
+        <a:font script="Cans" typeface="Euphemia"/>
+        <a:font script="Cher" typeface="Plantagenet Cherokee"/>
+        <a:font script="Yiii" typeface="Microsoft Yi Baiti"/>
+        <a:font script="Tibt" typeface="Microsoft Himalaya"/>
+        <a:font script="Thaa" typeface="MV Boli"/>
+        <a:font script="Deva" typeface="Mangal"/>
+        <a:font script="Telu" typeface="Gautami"/>
+        <a:font script="Taml" typeface="Latha"/>
+        <a:font script="Syrc" typeface="Estrangelo Edessa"/>
+        <a:font script="Orya" typeface="Kalinga"/>
+        <a:font script="Mlym" typeface="Kartika"/>
+        <a:font script="Laoo" typeface="DokChampa"/>
+        <a:font script="Sinh" typeface="Iskoola Pota"/>
+        <a:font script="Mong" typeface="Mongolian Baiti"/>
+        <a:font script="Viet" typeface="Times New Roman"/>
+        <a:font script="Uigh" typeface="Microsoft Uighur"/>
+        <a:font script="Geor" typeface="Sylfaen"/>
+        <a:font script="Armn" typeface="Arial"/>
+        <a:font script="Bugi" typeface="Leelawadee UI"/>
+        <a:font script="Bopo" typeface="Microsoft JhengHei"/>
+        <a:font script="Java" typeface="Javanese Text"/>
+        <a:font script="Lisu" typeface="Segoe UI"/>
+        <a:font script="Mymr" typeface="Myanmar Text"/>
+        <a:font script="Nkoo" typeface="Ebrima"/>
+        <a:font script="Olck" typeface="Nirmala UI"/>
+        <a:font script="Osma" typeface="Ebrima"/>
+        <a:font script="Phag" typeface="Phagspa"/>
+        <a:font script="Syrn" typeface="Estrangelo Edessa"/>
+        <a:font script="Syrj" typeface="Estrangelo Edessa"/>
+        <a:font script="Syre" typeface="Estrangelo Edessa"/>
+        <a:font script="Sora" typeface="Nirmala UI"/>
+        <a:font script="Tale" typeface="Microsoft Tai Le"/>
+        <a:font script="Talu" typeface="Microsoft New Tai Lue"/>
+        <a:font script="Tfng" typeface="Ebrima"/>
+      </a:majorFont>
+      <a:minorFont>
+        <a:latin typeface="Calibri" panose="020F0502020204030204"/>
+        <a:ea typeface=""/>
+        <a:cs typeface=""/>
+        <a:font script="Jpan" typeface="游ゴシック"/>
+        <a:font script="Hang" typeface="맑은 고딕"/>
+        <a:font script="Hans" typeface="等线"/>
+        <a:font script="Hant" typeface="新細明體"/>
+        <a:font script="Arab" typeface="Arial"/>
+        <a:font script="Hebr" typeface="Arial"/>
+        <a:font script="Thai" typeface="Cordia New"/>
+        <a:font script="Ethi" typeface="Nyala"/>
+        <a:font script="Beng" typeface="Vrinda"/>
+        <a:font script="Gujr" typeface="Shruti"/>
+        <a:font script="Khmr" typeface="DaunPenh"/>
+        <a:font script="Knda" typeface="Tunga"/>
+        <a:font script="Guru" typeface="Raavi"/>
+        <a:font script="Cans" typeface="Euphemia"/>
+        <a:font script="Cher" typeface="Plantagenet Cherokee"/>
+        <a:font script="Yiii" typeface="Microsoft Yi Baiti"/>
+        <a:font script="Tibt" typeface="Microsoft Himalaya"/>
+        <a:font script="Thaa" typeface="MV Boli"/>
+        <a:font script="Deva" typeface="Mangal"/>
+        <a:font script="Telu" typeface="Gautami"/>
+        <a:font script="Taml" typeface="Latha"/>
+        <a:font script="Syrc" typeface="Estrangelo Edessa"/>
+        <a:font script="Orya" typeface="Kalinga"/>
+        <a:font script="Mlym" typeface="Kartika"/>
+        <a:font script="Laoo" typeface="DokChampa"/>
+        <a:font script="Sinh" typeface="Iskoola Pota"/>
+        <a:font script="Mong" typeface="Mongolian Baiti"/>
+        <a:font script="Viet" typeface="Arial"/>
+        <a:font script="Uigh" typeface="Microsoft Uighur"/>
+        <a:font script="Geor" typeface="Sylfaen"/>
+        <a:font script="Armn" typeface="Arial"/>
+        <a:font script="Bugi" typeface="Leelawadee UI"/>
+        <a:font script="Bopo" typeface="Microsoft JhengHei"/>
+        <a:font script="Java" typeface="Javanese Text"/>
+        <a:font script="Lisu" typeface="Segoe UI"/>
+        <a:font script="Mymr" typeface="Myanmar Text"/>
+        <a:font script="Nkoo" typeface="Ebrima"/>
+        <a:font script="Olck" typeface="Nirmala UI"/>
+        <a:font script="Osma" typeface="Ebrima"/>
+        <a:font script="Phag" typeface="Phagspa"/>
+        <a:font script="Syrn" typeface="Estrangelo Edessa"/>
+        <a:font script="Syrj" typeface="Estrangelo Edessa"/>
+        <a:font script="Syre" typeface="Estrangelo Edessa"/>
+        <a:font script="Sora" typeface="Nirmala UI"/>
+        <a:font script="Tale" typeface="Microsoft Tai Le"/>
+        <a:font script="Talu" typeface="Microsoft New Tai Lue"/>
+        <a:font script="Tfng" typeface="Ebrima"/>
+      </a:minorFont>
+    </a:fontScheme>
+    <a:fmtScheme name="Office">
+      <a:fillStyleLst>
+        <a:solidFill>
+          <a:schemeClr val="phClr"/>
+        </a:solidFill>
+        <a:gradFill rotWithShape="1">
+          <a:gsLst>
+            <a:gs pos="0">
+              <a:schemeClr val="phClr">
+                <a:lumMod val="110000"/>
+                <a:satMod val="105000"/>
+                <a:tint val="67000"/>
+              </a:schemeClr>
+            </a:gs>
+            <a:gs pos="50000">
+              <a:schemeClr val="phClr">
+                <a:lumMod val="105000"/>
+                <a:satMod val="103000"/>
+                <a:tint val="73000"/>
+              </a:schemeClr>
+            </a:gs>
+            <a:gs pos="100000">
+              <a:schemeClr val="phClr">
+                <a:lumMod val="105000"/>
+                <a:satMod val="109000"/>
+                <a:tint val="81000"/>
+              </a:schemeClr>
+            </a:gs>
+          </a:gsLst>
+          <a:lin ang="5400000" scaled="0"/>
+        </a:gradFill>
+        <a:gradFill rotWithShape="1">
+          <a:gsLst>
+            <a:gs pos="0">
+              <a:schemeClr val="phClr">
+                <a:satMod val="103000"/>
+                <a:lumMod val="102000"/>
+                <a:tint val="94000"/>
+              </a:schemeClr>
+            </a:gs>
+            <a:gs pos="50000">
+              <a:schemeClr val="phClr">
+                <a:satMod val="110000"/>
+                <a:lumMod val="100000"/>
+                <a:shade val="100000"/>
+              </a:schemeClr>
+            </a:gs>
+            <a:gs pos="100000">
+              <a:schemeClr val="phClr">
+                <a:lumMod val="99000"/>
+                <a:satMod val="120000"/>
+                <a:shade val="78000"/>
+              </a:schemeClr>
+            </a:gs>
+          </a:gsLst>
+          <a:lin ang="5400000" scaled="0"/>
+        </a:gradFill>
+      </a:fillStyleLst>
+      <a:lnStyleLst>
+        <a:ln w="6350" cap="flat" cmpd="sng" algn="ctr">
+          <a:solidFill>
+            <a:schemeClr val="phClr"/>
+          </a:solidFill>
+          <a:prstDash val="solid"/>
+          <a:miter lim="800000"/>
+        </a:ln>
+        <a:ln w="12700" cap="flat" cmpd="sng" algn="ctr">
+          <a:solidFill>
+            <a:schemeClr val="phClr"/>
+          </a:solidFill>
+          <a:prstDash val="solid"/>
+          <a:miter lim="800000"/>
+        </a:ln>
+        <a:ln w="19050" cap="flat" cmpd="sng" algn="ctr">
+          <a:solidFill>
+            <a:schemeClr val="phClr"/>
+          </a:solidFill>
+          <a:prstDash val="solid"/>
+          <a:miter lim="800000"/>
+        </a:ln>
+      </a:lnStyleLst>
+      <a:effectStyleLst>
+        <a:effectStyle>
+          <a:effectLst/>
+        </a:effectStyle>
+        <a:effectStyle>
+          <a:effectLst/>
+        </a:effectStyle>
+        <a:effectStyle>
+          <a:effectLst>
+            <a:outerShdw blurRad="57150" dist="19050" dir="5400000" algn="ctr" rotWithShape="0">
+              <a:srgbClr val="000000">
+                <a:alpha val="63000"/>
+              </a:srgbClr>
+            </a:outerShdw>
+          </a:effectLst>
+        </a:effectStyle>
+      </a:effectStyleLst>
+      <a:bgFillStyleLst>
+        <a:solidFill>
+          <a:schemeClr val="phClr"/>
+        </a:solidFill>
+        <a:solidFill>
+          <a:schemeClr val="phClr">
+            <a:tint val="95000"/>
+            <a:satMod val="170000"/>
+          </a:schemeClr>
+        </a:solidFill>
+        <a:gradFill rotWithShape="1">
+          <a:gsLst>
+            <a:gs pos="0">
+              <a:schemeClr val="phClr">
+                <a:tint val="93000"/>
+                <a:satMod val="150000"/>
+                <a:shade val="98000"/>
+                <a:lumMod val="102000"/>
+              </a:schemeClr>
+            </a:gs>
+            <a:gs pos="50000">
+              <a:schemeClr val="phClr">
+                <a:tint val="98000"/>
+                <a:satMod val="130000"/>
+                <a:shade val="90000"/>
+                <a:lumMod val="103000"/>
+              </a:schemeClr>
+            </a:gs>
+            <a:gs pos="100000">
+              <a:schemeClr val="phClr">
+                <a:shade val="63000"/>
+                <a:satMod val="120000"/>
+              </a:schemeClr>
+            </a:gs>
+          </a:gsLst>
+          <a:lin ang="5400000" scaled="0"/>
+        </a:gradFill>
+      </a:bgFillStyleLst>
+    </a:fmtScheme>
+  </a:themeElements>
+  <a:objectDefaults/>
+  <a:extraClrSchemeLst/>
+  <a:extLst>
+    <a:ext uri="{05A4C25C-085E-4340-85A3-A5531E510DB2}">
+      <thm15:themeFamily xmlns:thm15="http://schemas.microsoft.com/office/thememl/2012/main" name="Office Theme" id="{62F939B6-93AF-4DB8-9C6B-D6C7DFDC589F}" vid="{4A3C46E8-61CC-4603-A589-7422A47A8E4A}"/>
+    </a:ext>
+  </a:extLst>
+</a:theme>
 </file>